--- a/how_to_benefit_from_move_semantics/InitializeMembers.pptx
+++ b/how_to_benefit_from_move_semantics/InitializeMembers.pptx
@@ -6,6 +6,7 @@
   </p:sldMasterIdLst>
   <p:sldIdLst>
     <p:sldId id="256" r:id="rId2"/>
+    <p:sldId id="257" r:id="rId3"/>
   </p:sldIdLst>
   <p:sldSz cx="12192000" cy="6858000"/>
   <p:notesSz cx="6858000" cy="9144000"/>
@@ -5221,6 +5222,2798 @@
 </p:sld>
 </file>
 
+<file path=ppt/slides/slide2.xml><?xml version="1.0" encoding="utf-8"?>
+<p:sld xmlns:a="http://schemas.openxmlformats.org/drawingml/2006/main" xmlns:r="http://schemas.openxmlformats.org/officeDocument/2006/relationships" xmlns:p="http://schemas.openxmlformats.org/presentationml/2006/main">
+  <p:cSld>
+    <p:spTree>
+      <p:nvGrpSpPr>
+        <p:cNvPr id="1" name=""/>
+        <p:cNvGrpSpPr/>
+        <p:nvPr/>
+      </p:nvGrpSpPr>
+      <p:grpSpPr>
+        <a:xfrm>
+          <a:off x="0" y="0"/>
+          <a:ext cx="0" cy="0"/>
+          <a:chOff x="0" y="0"/>
+          <a:chExt cx="0" cy="0"/>
+        </a:xfrm>
+      </p:grpSpPr>
+      <p:sp>
+        <p:nvSpPr>
+          <p:cNvPr id="4" name="TextBox 3">
+            <a:extLst>
+              <a:ext uri="{FF2B5EF4-FFF2-40B4-BE49-F238E27FC236}">
+                <a16:creationId xmlns:a16="http://schemas.microsoft.com/office/drawing/2014/main" id="{5D7B2503-E573-DA4D-A4AE-B2721FE061E9}"/>
+              </a:ext>
+            </a:extLst>
+          </p:cNvPr>
+          <p:cNvSpPr txBox="1"/>
+          <p:nvPr/>
+        </p:nvSpPr>
+        <p:spPr>
+          <a:xfrm>
+            <a:off x="2037522" y="208722"/>
+            <a:ext cx="7762461" cy="369332"/>
+          </a:xfrm>
+          <a:prstGeom prst="rect">
+            <a:avLst/>
+          </a:prstGeom>
+          <a:noFill/>
+        </p:spPr>
+        <p:txBody>
+          <a:bodyPr wrap="square" rtlCol="0">
+            <a:spAutoFit/>
+          </a:bodyPr>
+          <a:lstStyle/>
+          <a:p>
+            <a:pPr algn="ctr"/>
+            <a:r>
+              <a:rPr lang="en-US" dirty="0"/>
+              <a:t>Initialize Members in the Classical Way</a:t>
+            </a:r>
+          </a:p>
+        </p:txBody>
+      </p:sp>
+      <p:sp>
+        <p:nvSpPr>
+          <p:cNvPr id="5" name="TextBox 4">
+            <a:extLst>
+              <a:ext uri="{FF2B5EF4-FFF2-40B4-BE49-F238E27FC236}">
+                <a16:creationId xmlns:a16="http://schemas.microsoft.com/office/drawing/2014/main" id="{67F3D6A3-7D91-914C-9032-6B13C4929533}"/>
+              </a:ext>
+            </a:extLst>
+          </p:cNvPr>
+          <p:cNvSpPr txBox="1"/>
+          <p:nvPr/>
+        </p:nvSpPr>
+        <p:spPr>
+          <a:xfrm>
+            <a:off x="447260" y="467139"/>
+            <a:ext cx="5648740" cy="2308324"/>
+          </a:xfrm>
+          <a:prstGeom prst="rect">
+            <a:avLst/>
+          </a:prstGeom>
+          <a:noFill/>
+        </p:spPr>
+        <p:txBody>
+          <a:bodyPr wrap="square" rtlCol="0">
+            <a:spAutoFit/>
+          </a:bodyPr>
+          <a:lstStyle/>
+          <a:p>
+            <a:r>
+              <a:rPr lang="en-US" sz="1200" b="1" dirty="0">
+                <a:solidFill>
+                  <a:schemeClr val="accent1"/>
+                </a:solidFill>
+                <a:latin typeface="Courier New" panose="02070309020205020404" pitchFamily="49" charset="0"/>
+                <a:cs typeface="Courier New" panose="02070309020205020404" pitchFamily="49" charset="0"/>
+              </a:rPr>
+              <a:t>#include </a:t>
+            </a:r>
+            <a:r>
+              <a:rPr lang="en-US" sz="1200" dirty="0">
+                <a:latin typeface="Courier New" panose="02070309020205020404" pitchFamily="49" charset="0"/>
+                <a:cs typeface="Courier New" panose="02070309020205020404" pitchFamily="49" charset="0"/>
+              </a:rPr>
+              <a:t>&lt;string&gt;</a:t>
+            </a:r>
+          </a:p>
+          <a:p>
+            <a:endParaRPr lang="en-US" sz="1200" dirty="0">
+              <a:latin typeface="Courier New" panose="02070309020205020404" pitchFamily="49" charset="0"/>
+              <a:cs typeface="Courier New" panose="02070309020205020404" pitchFamily="49" charset="0"/>
+            </a:endParaRPr>
+          </a:p>
+          <a:p>
+            <a:r>
+              <a:rPr lang="en-US" sz="1200" b="1" dirty="0">
+                <a:solidFill>
+                  <a:schemeClr val="accent1"/>
+                </a:solidFill>
+                <a:latin typeface="Courier New" panose="02070309020205020404" pitchFamily="49" charset="0"/>
+                <a:cs typeface="Courier New" panose="02070309020205020404" pitchFamily="49" charset="0"/>
+              </a:rPr>
+              <a:t>class</a:t>
+            </a:r>
+            <a:r>
+              <a:rPr lang="en-US" sz="1200" dirty="0">
+                <a:latin typeface="Courier New" panose="02070309020205020404" pitchFamily="49" charset="0"/>
+                <a:cs typeface="Courier New" panose="02070309020205020404" pitchFamily="49" charset="0"/>
+              </a:rPr>
+              <a:t> Person {</a:t>
+            </a:r>
+          </a:p>
+          <a:p>
+            <a:r>
+              <a:rPr lang="en-US" sz="1200" dirty="0">
+                <a:latin typeface="Courier New" panose="02070309020205020404" pitchFamily="49" charset="0"/>
+                <a:cs typeface="Courier New" panose="02070309020205020404" pitchFamily="49" charset="0"/>
+              </a:rPr>
+              <a:t> </a:t>
+            </a:r>
+            <a:r>
+              <a:rPr lang="en-US" sz="1200" b="1" dirty="0">
+                <a:solidFill>
+                  <a:schemeClr val="accent1"/>
+                </a:solidFill>
+                <a:latin typeface="Courier New" panose="02070309020205020404" pitchFamily="49" charset="0"/>
+                <a:cs typeface="Courier New" panose="02070309020205020404" pitchFamily="49" charset="0"/>
+              </a:rPr>
+              <a:t>private:</a:t>
+            </a:r>
+          </a:p>
+          <a:p>
+            <a:r>
+              <a:rPr lang="en-US" sz="1200" dirty="0">
+                <a:latin typeface="Courier New" panose="02070309020205020404" pitchFamily="49" charset="0"/>
+                <a:cs typeface="Courier New" panose="02070309020205020404" pitchFamily="49" charset="0"/>
+              </a:rPr>
+              <a:t>  std::string first; </a:t>
+            </a:r>
+            <a:r>
+              <a:rPr lang="en-US" sz="1200" b="1" dirty="0">
+                <a:solidFill>
+                  <a:schemeClr val="accent6">
+                    <a:lumMod val="75000"/>
+                  </a:schemeClr>
+                </a:solidFill>
+                <a:latin typeface="Courier New" panose="02070309020205020404" pitchFamily="49" charset="0"/>
+                <a:cs typeface="Courier New" panose="02070309020205020404" pitchFamily="49" charset="0"/>
+              </a:rPr>
+              <a:t>// first name</a:t>
+            </a:r>
+          </a:p>
+          <a:p>
+            <a:r>
+              <a:rPr lang="en-US" sz="1200" dirty="0">
+                <a:latin typeface="Courier New" panose="02070309020205020404" pitchFamily="49" charset="0"/>
+                <a:cs typeface="Courier New" panose="02070309020205020404" pitchFamily="49" charset="0"/>
+              </a:rPr>
+              <a:t>  std::string last;  </a:t>
+            </a:r>
+            <a:r>
+              <a:rPr lang="en-US" sz="1200" b="1" dirty="0">
+                <a:solidFill>
+                  <a:schemeClr val="accent6">
+                    <a:lumMod val="75000"/>
+                  </a:schemeClr>
+                </a:solidFill>
+                <a:latin typeface="Courier New" panose="02070309020205020404" pitchFamily="49" charset="0"/>
+                <a:cs typeface="Courier New" panose="02070309020205020404" pitchFamily="49" charset="0"/>
+              </a:rPr>
+              <a:t>// last name</a:t>
+            </a:r>
+          </a:p>
+          <a:p>
+            <a:r>
+              <a:rPr lang="en-US" sz="1200" dirty="0">
+                <a:latin typeface="Courier New" panose="02070309020205020404" pitchFamily="49" charset="0"/>
+                <a:cs typeface="Courier New" panose="02070309020205020404" pitchFamily="49" charset="0"/>
+              </a:rPr>
+              <a:t> </a:t>
+            </a:r>
+            <a:r>
+              <a:rPr lang="en-US" sz="1200" b="1" dirty="0">
+                <a:solidFill>
+                  <a:schemeClr val="accent1"/>
+                </a:solidFill>
+                <a:latin typeface="Courier New" panose="02070309020205020404" pitchFamily="49" charset="0"/>
+                <a:cs typeface="Courier New" panose="02070309020205020404" pitchFamily="49" charset="0"/>
+              </a:rPr>
+              <a:t>public:</a:t>
+            </a:r>
+          </a:p>
+          <a:p>
+            <a:r>
+              <a:rPr lang="en-US" sz="1200" dirty="0">
+                <a:latin typeface="Courier New" panose="02070309020205020404" pitchFamily="49" charset="0"/>
+                <a:cs typeface="Courier New" panose="02070309020205020404" pitchFamily="49" charset="0"/>
+              </a:rPr>
+              <a:t>  Person(</a:t>
+            </a:r>
+            <a:r>
+              <a:rPr lang="en-US" sz="1200" b="1" dirty="0">
+                <a:solidFill>
+                  <a:schemeClr val="accent1"/>
+                </a:solidFill>
+                <a:latin typeface="Courier New" panose="02070309020205020404" pitchFamily="49" charset="0"/>
+                <a:cs typeface="Courier New" panose="02070309020205020404" pitchFamily="49" charset="0"/>
+              </a:rPr>
+              <a:t>const</a:t>
+            </a:r>
+            <a:r>
+              <a:rPr lang="en-US" sz="1200" dirty="0">
+                <a:latin typeface="Courier New" panose="02070309020205020404" pitchFamily="49" charset="0"/>
+                <a:cs typeface="Courier New" panose="02070309020205020404" pitchFamily="49" charset="0"/>
+              </a:rPr>
+              <a:t> std::string&amp; f, </a:t>
+            </a:r>
+            <a:r>
+              <a:rPr lang="en-US" sz="1200" b="1" dirty="0">
+                <a:solidFill>
+                  <a:schemeClr val="accent1"/>
+                </a:solidFill>
+                <a:latin typeface="Courier New" panose="02070309020205020404" pitchFamily="49" charset="0"/>
+                <a:cs typeface="Courier New" panose="02070309020205020404" pitchFamily="49" charset="0"/>
+              </a:rPr>
+              <a:t>const</a:t>
+            </a:r>
+            <a:r>
+              <a:rPr lang="en-US" sz="1200" dirty="0">
+                <a:latin typeface="Courier New" panose="02070309020205020404" pitchFamily="49" charset="0"/>
+                <a:cs typeface="Courier New" panose="02070309020205020404" pitchFamily="49" charset="0"/>
+              </a:rPr>
+              <a:t> std::string&amp; l)</a:t>
+            </a:r>
+          </a:p>
+          <a:p>
+            <a:r>
+              <a:rPr lang="en-US" sz="1200" dirty="0">
+                <a:latin typeface="Courier New" panose="02070309020205020404" pitchFamily="49" charset="0"/>
+                <a:cs typeface="Courier New" panose="02070309020205020404" pitchFamily="49" charset="0"/>
+              </a:rPr>
+              <a:t>   : first{f}, last{f} {</a:t>
+            </a:r>
+          </a:p>
+          <a:p>
+            <a:r>
+              <a:rPr lang="en-US" sz="1200" dirty="0">
+                <a:latin typeface="Courier New" panose="02070309020205020404" pitchFamily="49" charset="0"/>
+                <a:cs typeface="Courier New" panose="02070309020205020404" pitchFamily="49" charset="0"/>
+              </a:rPr>
+              <a:t>  }</a:t>
+            </a:r>
+          </a:p>
+          <a:p>
+            <a:r>
+              <a:rPr lang="en-US" sz="1200" dirty="0">
+                <a:latin typeface="Courier New" panose="02070309020205020404" pitchFamily="49" charset="0"/>
+                <a:cs typeface="Courier New" panose="02070309020205020404" pitchFamily="49" charset="0"/>
+              </a:rPr>
+              <a:t> …</a:t>
+            </a:r>
+          </a:p>
+          <a:p>
+            <a:r>
+              <a:rPr lang="en-US" sz="1200" dirty="0">
+                <a:latin typeface="Courier New" panose="02070309020205020404" pitchFamily="49" charset="0"/>
+                <a:cs typeface="Courier New" panose="02070309020205020404" pitchFamily="49" charset="0"/>
+              </a:rPr>
+              <a:t>}; </a:t>
+            </a:r>
+          </a:p>
+        </p:txBody>
+      </p:sp>
+      <p:sp>
+        <p:nvSpPr>
+          <p:cNvPr id="6" name="TextBox 5">
+            <a:extLst>
+              <a:ext uri="{FF2B5EF4-FFF2-40B4-BE49-F238E27FC236}">
+                <a16:creationId xmlns:a16="http://schemas.microsoft.com/office/drawing/2014/main" id="{95B98FA7-81D7-CC40-A19A-18FCE53EE69D}"/>
+              </a:ext>
+            </a:extLst>
+          </p:cNvPr>
+          <p:cNvSpPr txBox="1"/>
+          <p:nvPr/>
+        </p:nvSpPr>
+        <p:spPr>
+          <a:xfrm>
+            <a:off x="4465612" y="3024661"/>
+            <a:ext cx="1173892" cy="646331"/>
+          </a:xfrm>
+          <a:prstGeom prst="rect">
+            <a:avLst/>
+          </a:prstGeom>
+          <a:solidFill>
+            <a:schemeClr val="accent4">
+              <a:lumMod val="75000"/>
+              <a:alpha val="21035"/>
+            </a:schemeClr>
+          </a:solidFill>
+          <a:ln>
+            <a:solidFill>
+              <a:schemeClr val="accent1"/>
+            </a:solidFill>
+          </a:ln>
+        </p:spPr>
+        <p:txBody>
+          <a:bodyPr wrap="square" rtlCol="0">
+            <a:spAutoFit/>
+          </a:bodyPr>
+          <a:lstStyle/>
+          <a:p>
+            <a:r>
+              <a:rPr lang="en-US" dirty="0" err="1"/>
+              <a:t>len</a:t>
+            </a:r>
+            <a:r>
+              <a:rPr lang="en-US" dirty="0"/>
+              <a:t>:  </a:t>
+            </a:r>
+            <a:r>
+              <a:rPr lang="en-US" dirty="0">
+                <a:ln>
+                  <a:solidFill>
+                    <a:schemeClr val="accent1"/>
+                  </a:solidFill>
+                </a:ln>
+              </a:rPr>
+              <a:t>3</a:t>
+            </a:r>
+          </a:p>
+          <a:p>
+            <a:r>
+              <a:rPr lang="en-US" dirty="0">
+                <a:ln w="9525">
+                  <a:noFill/>
+                </a:ln>
+              </a:rPr>
+              <a:t>data</a:t>
+            </a:r>
+            <a:r>
+              <a:rPr lang="en-US" dirty="0">
+                <a:ln w="9525">
+                  <a:solidFill>
+                    <a:schemeClr val="tx1"/>
+                  </a:solidFill>
+                </a:ln>
+              </a:rPr>
+              <a:t>: </a:t>
+            </a:r>
+          </a:p>
+        </p:txBody>
+      </p:sp>
+      <p:sp>
+        <p:nvSpPr>
+          <p:cNvPr id="7" name="Rectangle 6">
+            <a:extLst>
+              <a:ext uri="{FF2B5EF4-FFF2-40B4-BE49-F238E27FC236}">
+                <a16:creationId xmlns:a16="http://schemas.microsoft.com/office/drawing/2014/main" id="{6CDB745F-8A98-E648-8C20-1983C79D0579}"/>
+              </a:ext>
+            </a:extLst>
+          </p:cNvPr>
+          <p:cNvSpPr/>
+          <p:nvPr/>
+        </p:nvSpPr>
+        <p:spPr>
+          <a:xfrm>
+            <a:off x="4947526" y="3116994"/>
+            <a:ext cx="222422" cy="184666"/>
+          </a:xfrm>
+          <a:prstGeom prst="rect">
+            <a:avLst/>
+          </a:prstGeom>
+          <a:solidFill>
+            <a:schemeClr val="accent1">
+              <a:alpha val="9721"/>
+            </a:schemeClr>
+          </a:solidFill>
+        </p:spPr>
+        <p:style>
+          <a:lnRef idx="2">
+            <a:schemeClr val="accent1">
+              <a:shade val="50000"/>
+            </a:schemeClr>
+          </a:lnRef>
+          <a:fillRef idx="1">
+            <a:schemeClr val="accent1"/>
+          </a:fillRef>
+          <a:effectRef idx="0">
+            <a:schemeClr val="accent1"/>
+          </a:effectRef>
+          <a:fontRef idx="minor">
+            <a:schemeClr val="lt1"/>
+          </a:fontRef>
+        </p:style>
+        <p:txBody>
+          <a:bodyPr rtlCol="0" anchor="ctr"/>
+          <a:lstStyle/>
+          <a:p>
+            <a:pPr algn="ctr"/>
+            <a:endParaRPr lang="en-US"/>
+          </a:p>
+        </p:txBody>
+      </p:sp>
+      <p:sp>
+        <p:nvSpPr>
+          <p:cNvPr id="8" name="Rectangle 7">
+            <a:extLst>
+              <a:ext uri="{FF2B5EF4-FFF2-40B4-BE49-F238E27FC236}">
+                <a16:creationId xmlns:a16="http://schemas.microsoft.com/office/drawing/2014/main" id="{67632B5C-6EF7-E448-A12E-861EBFBB38E9}"/>
+              </a:ext>
+            </a:extLst>
+          </p:cNvPr>
+          <p:cNvSpPr/>
+          <p:nvPr/>
+        </p:nvSpPr>
+        <p:spPr>
+          <a:xfrm>
+            <a:off x="5108165" y="3394130"/>
+            <a:ext cx="222422" cy="184666"/>
+          </a:xfrm>
+          <a:prstGeom prst="rect">
+            <a:avLst/>
+          </a:prstGeom>
+          <a:solidFill>
+            <a:schemeClr val="accent1">
+              <a:alpha val="9721"/>
+            </a:schemeClr>
+          </a:solidFill>
+        </p:spPr>
+        <p:style>
+          <a:lnRef idx="2">
+            <a:schemeClr val="accent1">
+              <a:shade val="50000"/>
+            </a:schemeClr>
+          </a:lnRef>
+          <a:fillRef idx="1">
+            <a:schemeClr val="accent1"/>
+          </a:fillRef>
+          <a:effectRef idx="0">
+            <a:schemeClr val="accent1"/>
+          </a:effectRef>
+          <a:fontRef idx="minor">
+            <a:schemeClr val="lt1"/>
+          </a:fontRef>
+        </p:style>
+        <p:txBody>
+          <a:bodyPr rtlCol="0" anchor="ctr"/>
+          <a:lstStyle/>
+          <a:p>
+            <a:pPr algn="ctr"/>
+            <a:endParaRPr lang="en-US"/>
+          </a:p>
+        </p:txBody>
+      </p:sp>
+      <p:graphicFrame>
+        <p:nvGraphicFramePr>
+          <p:cNvPr id="9" name="Table 8">
+            <a:extLst>
+              <a:ext uri="{FF2B5EF4-FFF2-40B4-BE49-F238E27FC236}">
+                <a16:creationId xmlns:a16="http://schemas.microsoft.com/office/drawing/2014/main" id="{2A6F1035-A5F9-4244-A013-8943B46372BB}"/>
+              </a:ext>
+            </a:extLst>
+          </p:cNvPr>
+          <p:cNvGraphicFramePr>
+            <a:graphicFrameLocks noGrp="1"/>
+          </p:cNvGraphicFramePr>
+          <p:nvPr>
+            <p:extLst>
+              <p:ext uri="{D42A27DB-BD31-4B8C-83A1-F6EECF244321}">
+                <p14:modId xmlns:p14="http://schemas.microsoft.com/office/powerpoint/2010/main" val="3552841783"/>
+              </p:ext>
+            </p:extLst>
+          </p:nvPr>
+        </p:nvGraphicFramePr>
+        <p:xfrm>
+          <a:off x="4578569" y="4074538"/>
+          <a:ext cx="1504036" cy="304800"/>
+        </p:xfrm>
+        <a:graphic>
+          <a:graphicData uri="http://schemas.openxmlformats.org/drawingml/2006/table">
+            <a:tbl>
+              <a:tblPr firstRow="1" bandRow="1">
+                <a:tableStyleId>{5C22544A-7EE6-4342-B048-85BDC9FD1C3A}</a:tableStyleId>
+              </a:tblPr>
+              <a:tblGrid>
+                <a:gridCol w="376009">
+                  <a:extLst>
+                    <a:ext uri="{9D8B030D-6E8A-4147-A177-3AD203B41FA5}">
+                      <a16:colId xmlns:a16="http://schemas.microsoft.com/office/drawing/2014/main" val="2319695347"/>
+                    </a:ext>
+                  </a:extLst>
+                </a:gridCol>
+                <a:gridCol w="376009">
+                  <a:extLst>
+                    <a:ext uri="{9D8B030D-6E8A-4147-A177-3AD203B41FA5}">
+                      <a16:colId xmlns:a16="http://schemas.microsoft.com/office/drawing/2014/main" val="3996963117"/>
+                    </a:ext>
+                  </a:extLst>
+                </a:gridCol>
+                <a:gridCol w="376009">
+                  <a:extLst>
+                    <a:ext uri="{9D8B030D-6E8A-4147-A177-3AD203B41FA5}">
+                      <a16:colId xmlns:a16="http://schemas.microsoft.com/office/drawing/2014/main" val="3794230053"/>
+                    </a:ext>
+                  </a:extLst>
+                </a:gridCol>
+                <a:gridCol w="376009">
+                  <a:extLst>
+                    <a:ext uri="{9D8B030D-6E8A-4147-A177-3AD203B41FA5}">
+                      <a16:colId xmlns:a16="http://schemas.microsoft.com/office/drawing/2014/main" val="2140218889"/>
+                    </a:ext>
+                  </a:extLst>
+                </a:gridCol>
+              </a:tblGrid>
+              <a:tr h="303010">
+                <a:tc>
+                  <a:txBody>
+                    <a:bodyPr/>
+                    <a:lstStyle/>
+                    <a:p>
+                      <a:r>
+                        <a:rPr lang="en-US" sz="1400" dirty="0">
+                          <a:ln>
+                            <a:solidFill>
+                              <a:schemeClr val="accent1"/>
+                            </a:solidFill>
+                          </a:ln>
+                          <a:solidFill>
+                            <a:schemeClr val="accent1"/>
+                          </a:solidFill>
+                        </a:rPr>
+                        <a:t>B</a:t>
+                      </a:r>
+                    </a:p>
+                  </a:txBody>
+                  <a:tcPr>
+                    <a:solidFill>
+                      <a:schemeClr val="accent1">
+                        <a:lumMod val="20000"/>
+                        <a:lumOff val="80000"/>
+                        <a:alpha val="65921"/>
+                      </a:schemeClr>
+                    </a:solidFill>
+                  </a:tcPr>
+                </a:tc>
+                <a:tc>
+                  <a:txBody>
+                    <a:bodyPr/>
+                    <a:lstStyle/>
+                    <a:p>
+                      <a:r>
+                        <a:rPr lang="en-US" sz="1400" dirty="0">
+                          <a:ln>
+                            <a:solidFill>
+                              <a:schemeClr val="accent1"/>
+                            </a:solidFill>
+                          </a:ln>
+                          <a:solidFill>
+                            <a:schemeClr val="accent1"/>
+                          </a:solidFill>
+                        </a:rPr>
+                        <a:t>e</a:t>
+                      </a:r>
+                    </a:p>
+                  </a:txBody>
+                  <a:tcPr>
+                    <a:solidFill>
+                      <a:schemeClr val="accent1">
+                        <a:lumMod val="20000"/>
+                        <a:lumOff val="80000"/>
+                        <a:alpha val="65921"/>
+                      </a:schemeClr>
+                    </a:solidFill>
+                  </a:tcPr>
+                </a:tc>
+                <a:tc>
+                  <a:txBody>
+                    <a:bodyPr/>
+                    <a:lstStyle/>
+                    <a:p>
+                      <a:r>
+                        <a:rPr lang="en-US" sz="1400" dirty="0">
+                          <a:ln>
+                            <a:solidFill>
+                              <a:schemeClr val="accent1"/>
+                            </a:solidFill>
+                          </a:ln>
+                          <a:solidFill>
+                            <a:schemeClr val="accent1"/>
+                          </a:solidFill>
+                        </a:rPr>
+                        <a:t>n</a:t>
+                      </a:r>
+                    </a:p>
+                  </a:txBody>
+                  <a:tcPr>
+                    <a:solidFill>
+                      <a:schemeClr val="accent1">
+                        <a:lumMod val="20000"/>
+                        <a:lumOff val="80000"/>
+                        <a:alpha val="65921"/>
+                      </a:schemeClr>
+                    </a:solidFill>
+                  </a:tcPr>
+                </a:tc>
+                <a:tc>
+                  <a:txBody>
+                    <a:bodyPr/>
+                    <a:lstStyle/>
+                    <a:p>
+                      <a:r>
+                        <a:rPr lang="en-US" sz="1400" dirty="0">
+                          <a:ln>
+                            <a:solidFill>
+                              <a:schemeClr val="accent1"/>
+                            </a:solidFill>
+                          </a:ln>
+                          <a:solidFill>
+                            <a:schemeClr val="accent1"/>
+                          </a:solidFill>
+                        </a:rPr>
+                        <a:t>\0</a:t>
+                      </a:r>
+                    </a:p>
+                  </a:txBody>
+                  <a:tcPr>
+                    <a:solidFill>
+                      <a:schemeClr val="accent1">
+                        <a:lumMod val="20000"/>
+                        <a:lumOff val="80000"/>
+                        <a:alpha val="65921"/>
+                      </a:schemeClr>
+                    </a:solidFill>
+                  </a:tcPr>
+                </a:tc>
+                <a:extLst>
+                  <a:ext uri="{0D108BD9-81ED-4DB2-BD59-A6C34878D82A}">
+                    <a16:rowId xmlns:a16="http://schemas.microsoft.com/office/drawing/2014/main" val="542080640"/>
+                  </a:ext>
+                </a:extLst>
+              </a:tr>
+            </a:tbl>
+          </a:graphicData>
+        </a:graphic>
+      </p:graphicFrame>
+      <p:cxnSp>
+        <p:nvCxnSpPr>
+          <p:cNvPr id="10" name="Straight Arrow Connector 9">
+            <a:extLst>
+              <a:ext uri="{FF2B5EF4-FFF2-40B4-BE49-F238E27FC236}">
+                <a16:creationId xmlns:a16="http://schemas.microsoft.com/office/drawing/2014/main" id="{5985B3C1-51AD-F047-B25B-295F16DC3648}"/>
+              </a:ext>
+            </a:extLst>
+          </p:cNvPr>
+          <p:cNvCxnSpPr>
+            <a:cxnSpLocks/>
+            <a:stCxn id="8" idx="2"/>
+            <a:endCxn id="9" idx="0"/>
+          </p:cNvCxnSpPr>
+          <p:nvPr/>
+        </p:nvCxnSpPr>
+        <p:spPr>
+          <a:xfrm>
+            <a:off x="5219376" y="3578796"/>
+            <a:ext cx="111211" cy="495742"/>
+          </a:xfrm>
+          <a:prstGeom prst="straightConnector1">
+            <a:avLst/>
+          </a:prstGeom>
+          <a:ln>
+            <a:tailEnd type="triangle"/>
+          </a:ln>
+        </p:spPr>
+        <p:style>
+          <a:lnRef idx="1">
+            <a:schemeClr val="accent1"/>
+          </a:lnRef>
+          <a:fillRef idx="0">
+            <a:schemeClr val="accent1"/>
+          </a:fillRef>
+          <a:effectRef idx="0">
+            <a:schemeClr val="accent1"/>
+          </a:effectRef>
+          <a:fontRef idx="minor">
+            <a:schemeClr val="tx1"/>
+          </a:fontRef>
+        </p:style>
+      </p:cxnSp>
+      <p:sp>
+        <p:nvSpPr>
+          <p:cNvPr id="11" name="Rectangle 10">
+            <a:extLst>
+              <a:ext uri="{FF2B5EF4-FFF2-40B4-BE49-F238E27FC236}">
+                <a16:creationId xmlns:a16="http://schemas.microsoft.com/office/drawing/2014/main" id="{9D3DDC48-F984-2448-B8D9-F2A766A74CDA}"/>
+              </a:ext>
+            </a:extLst>
+          </p:cNvPr>
+          <p:cNvSpPr/>
+          <p:nvPr/>
+        </p:nvSpPr>
+        <p:spPr>
+          <a:xfrm>
+            <a:off x="4366758" y="2898764"/>
+            <a:ext cx="1828800" cy="1613721"/>
+          </a:xfrm>
+          <a:prstGeom prst="rect">
+            <a:avLst/>
+          </a:prstGeom>
+          <a:solidFill>
+            <a:schemeClr val="accent4">
+              <a:lumMod val="20000"/>
+              <a:lumOff val="80000"/>
+              <a:alpha val="31000"/>
+            </a:schemeClr>
+          </a:solidFill>
+        </p:spPr>
+        <p:style>
+          <a:lnRef idx="2">
+            <a:schemeClr val="accent1">
+              <a:shade val="50000"/>
+            </a:schemeClr>
+          </a:lnRef>
+          <a:fillRef idx="1">
+            <a:schemeClr val="accent1"/>
+          </a:fillRef>
+          <a:effectRef idx="0">
+            <a:schemeClr val="accent1"/>
+          </a:effectRef>
+          <a:fontRef idx="minor">
+            <a:schemeClr val="lt1"/>
+          </a:fontRef>
+        </p:style>
+        <p:txBody>
+          <a:bodyPr rtlCol="0" anchor="ctr"/>
+          <a:lstStyle/>
+          <a:p>
+            <a:pPr algn="ctr"/>
+            <a:endParaRPr lang="en-US"/>
+          </a:p>
+        </p:txBody>
+      </p:sp>
+      <p:sp>
+        <p:nvSpPr>
+          <p:cNvPr id="12" name="TextBox 11">
+            <a:extLst>
+              <a:ext uri="{FF2B5EF4-FFF2-40B4-BE49-F238E27FC236}">
+                <a16:creationId xmlns:a16="http://schemas.microsoft.com/office/drawing/2014/main" id="{63EA7B85-9C1B-304D-84D2-9CAF7F728D5B}"/>
+              </a:ext>
+            </a:extLst>
+          </p:cNvPr>
+          <p:cNvSpPr txBox="1"/>
+          <p:nvPr/>
+        </p:nvSpPr>
+        <p:spPr>
+          <a:xfrm>
+            <a:off x="3688726" y="2434158"/>
+            <a:ext cx="5272709" cy="2862322"/>
+          </a:xfrm>
+          <a:prstGeom prst="rect">
+            <a:avLst/>
+          </a:prstGeom>
+          <a:noFill/>
+        </p:spPr>
+        <p:txBody>
+          <a:bodyPr wrap="square" rtlCol="0">
+            <a:spAutoFit/>
+          </a:bodyPr>
+          <a:lstStyle/>
+          <a:p>
+            <a:r>
+              <a:rPr lang="en-US" dirty="0"/>
+              <a:t>“Ben”:                                    “Cook”:</a:t>
+            </a:r>
+          </a:p>
+          <a:p>
+            <a:endParaRPr lang="en-US" dirty="0"/>
+          </a:p>
+          <a:p>
+            <a:r>
+              <a:rPr lang="en-US" dirty="0"/>
+              <a:t> f:                                                    l:   </a:t>
+            </a:r>
+          </a:p>
+          <a:p>
+            <a:r>
+              <a:rPr lang="en-US" dirty="0"/>
+              <a:t>      </a:t>
+            </a:r>
+          </a:p>
+          <a:p>
+            <a:endParaRPr lang="en-US" dirty="0"/>
+          </a:p>
+          <a:p>
+            <a:endParaRPr lang="en-US" dirty="0"/>
+          </a:p>
+          <a:p>
+            <a:endParaRPr lang="en-US" dirty="0"/>
+          </a:p>
+          <a:p>
+            <a:endParaRPr lang="en-US" dirty="0"/>
+          </a:p>
+          <a:p>
+            <a:endParaRPr lang="en-US" dirty="0"/>
+          </a:p>
+          <a:p>
+            <a:r>
+              <a:rPr lang="en-US" dirty="0"/>
+              <a:t> p: </a:t>
+            </a:r>
+          </a:p>
+        </p:txBody>
+      </p:sp>
+      <p:graphicFrame>
+        <p:nvGraphicFramePr>
+          <p:cNvPr id="13" name="Table 8">
+            <a:extLst>
+              <a:ext uri="{FF2B5EF4-FFF2-40B4-BE49-F238E27FC236}">
+                <a16:creationId xmlns:a16="http://schemas.microsoft.com/office/drawing/2014/main" id="{811FAE80-82DE-B444-B236-DB31FBAF3829}"/>
+              </a:ext>
+            </a:extLst>
+          </p:cNvPr>
+          <p:cNvGraphicFramePr>
+            <a:graphicFrameLocks noGrp="1"/>
+          </p:cNvGraphicFramePr>
+          <p:nvPr>
+            <p:extLst>
+              <p:ext uri="{D42A27DB-BD31-4B8C-83A1-F6EECF244321}">
+                <p14:modId xmlns:p14="http://schemas.microsoft.com/office/powerpoint/2010/main" val="23924339"/>
+              </p:ext>
+            </p:extLst>
+          </p:nvPr>
+        </p:nvGraphicFramePr>
+        <p:xfrm>
+          <a:off x="4465612" y="2470663"/>
+          <a:ext cx="1504036" cy="304800"/>
+        </p:xfrm>
+        <a:graphic>
+          <a:graphicData uri="http://schemas.openxmlformats.org/drawingml/2006/table">
+            <a:tbl>
+              <a:tblPr firstRow="1" bandRow="1">
+                <a:tableStyleId>{5C22544A-7EE6-4342-B048-85BDC9FD1C3A}</a:tableStyleId>
+              </a:tblPr>
+              <a:tblGrid>
+                <a:gridCol w="376009">
+                  <a:extLst>
+                    <a:ext uri="{9D8B030D-6E8A-4147-A177-3AD203B41FA5}">
+                      <a16:colId xmlns:a16="http://schemas.microsoft.com/office/drawing/2014/main" val="2319695347"/>
+                    </a:ext>
+                  </a:extLst>
+                </a:gridCol>
+                <a:gridCol w="376009">
+                  <a:extLst>
+                    <a:ext uri="{9D8B030D-6E8A-4147-A177-3AD203B41FA5}">
+                      <a16:colId xmlns:a16="http://schemas.microsoft.com/office/drawing/2014/main" val="3996963117"/>
+                    </a:ext>
+                  </a:extLst>
+                </a:gridCol>
+                <a:gridCol w="376009">
+                  <a:extLst>
+                    <a:ext uri="{9D8B030D-6E8A-4147-A177-3AD203B41FA5}">
+                      <a16:colId xmlns:a16="http://schemas.microsoft.com/office/drawing/2014/main" val="3794230053"/>
+                    </a:ext>
+                  </a:extLst>
+                </a:gridCol>
+                <a:gridCol w="376009">
+                  <a:extLst>
+                    <a:ext uri="{9D8B030D-6E8A-4147-A177-3AD203B41FA5}">
+                      <a16:colId xmlns:a16="http://schemas.microsoft.com/office/drawing/2014/main" val="2140218889"/>
+                    </a:ext>
+                  </a:extLst>
+                </a:gridCol>
+              </a:tblGrid>
+              <a:tr h="303010">
+                <a:tc>
+                  <a:txBody>
+                    <a:bodyPr/>
+                    <a:lstStyle/>
+                    <a:p>
+                      <a:r>
+                        <a:rPr lang="en-US" sz="1400" dirty="0">
+                          <a:ln>
+                            <a:solidFill>
+                              <a:schemeClr val="accent1"/>
+                            </a:solidFill>
+                          </a:ln>
+                          <a:solidFill>
+                            <a:schemeClr val="accent1"/>
+                          </a:solidFill>
+                        </a:rPr>
+                        <a:t>B</a:t>
+                      </a:r>
+                    </a:p>
+                  </a:txBody>
+                  <a:tcPr>
+                    <a:solidFill>
+                      <a:schemeClr val="accent1">
+                        <a:lumMod val="20000"/>
+                        <a:lumOff val="80000"/>
+                        <a:alpha val="65921"/>
+                      </a:schemeClr>
+                    </a:solidFill>
+                  </a:tcPr>
+                </a:tc>
+                <a:tc>
+                  <a:txBody>
+                    <a:bodyPr/>
+                    <a:lstStyle/>
+                    <a:p>
+                      <a:r>
+                        <a:rPr lang="en-US" sz="1400" dirty="0">
+                          <a:ln>
+                            <a:solidFill>
+                              <a:schemeClr val="accent1"/>
+                            </a:solidFill>
+                          </a:ln>
+                          <a:solidFill>
+                            <a:schemeClr val="accent1"/>
+                          </a:solidFill>
+                        </a:rPr>
+                        <a:t>e</a:t>
+                      </a:r>
+                    </a:p>
+                  </a:txBody>
+                  <a:tcPr>
+                    <a:solidFill>
+                      <a:schemeClr val="accent1">
+                        <a:lumMod val="20000"/>
+                        <a:lumOff val="80000"/>
+                        <a:alpha val="65921"/>
+                      </a:schemeClr>
+                    </a:solidFill>
+                  </a:tcPr>
+                </a:tc>
+                <a:tc>
+                  <a:txBody>
+                    <a:bodyPr/>
+                    <a:lstStyle/>
+                    <a:p>
+                      <a:r>
+                        <a:rPr lang="en-US" sz="1400" dirty="0">
+                          <a:ln>
+                            <a:solidFill>
+                              <a:schemeClr val="accent1"/>
+                            </a:solidFill>
+                          </a:ln>
+                          <a:solidFill>
+                            <a:schemeClr val="accent1"/>
+                          </a:solidFill>
+                        </a:rPr>
+                        <a:t>n</a:t>
+                      </a:r>
+                    </a:p>
+                  </a:txBody>
+                  <a:tcPr>
+                    <a:solidFill>
+                      <a:schemeClr val="accent1">
+                        <a:lumMod val="20000"/>
+                        <a:lumOff val="80000"/>
+                        <a:alpha val="65921"/>
+                      </a:schemeClr>
+                    </a:solidFill>
+                  </a:tcPr>
+                </a:tc>
+                <a:tc>
+                  <a:txBody>
+                    <a:bodyPr/>
+                    <a:lstStyle/>
+                    <a:p>
+                      <a:r>
+                        <a:rPr lang="en-US" sz="1400" dirty="0">
+                          <a:ln>
+                            <a:solidFill>
+                              <a:schemeClr val="accent1"/>
+                            </a:solidFill>
+                          </a:ln>
+                          <a:solidFill>
+                            <a:schemeClr val="accent1"/>
+                          </a:solidFill>
+                        </a:rPr>
+                        <a:t>\0</a:t>
+                      </a:r>
+                    </a:p>
+                  </a:txBody>
+                  <a:tcPr>
+                    <a:solidFill>
+                      <a:schemeClr val="accent1">
+                        <a:lumMod val="20000"/>
+                        <a:lumOff val="80000"/>
+                        <a:alpha val="65921"/>
+                      </a:schemeClr>
+                    </a:solidFill>
+                  </a:tcPr>
+                </a:tc>
+                <a:extLst>
+                  <a:ext uri="{0D108BD9-81ED-4DB2-BD59-A6C34878D82A}">
+                    <a16:rowId xmlns:a16="http://schemas.microsoft.com/office/drawing/2014/main" val="542080640"/>
+                  </a:ext>
+                </a:extLst>
+              </a:tr>
+            </a:tbl>
+          </a:graphicData>
+        </a:graphic>
+      </p:graphicFrame>
+      <p:graphicFrame>
+        <p:nvGraphicFramePr>
+          <p:cNvPr id="14" name="Table 9">
+            <a:extLst>
+              <a:ext uri="{FF2B5EF4-FFF2-40B4-BE49-F238E27FC236}">
+                <a16:creationId xmlns:a16="http://schemas.microsoft.com/office/drawing/2014/main" id="{BD44D964-456D-5F48-8D00-74AB44DBCE4C}"/>
+              </a:ext>
+            </a:extLst>
+          </p:cNvPr>
+          <p:cNvGraphicFramePr>
+            <a:graphicFrameLocks noGrp="1"/>
+          </p:cNvGraphicFramePr>
+          <p:nvPr>
+            <p:extLst>
+              <p:ext uri="{D42A27DB-BD31-4B8C-83A1-F6EECF244321}">
+                <p14:modId xmlns:p14="http://schemas.microsoft.com/office/powerpoint/2010/main" val="1679257950"/>
+              </p:ext>
+            </p:extLst>
+          </p:nvPr>
+        </p:nvGraphicFramePr>
+        <p:xfrm>
+          <a:off x="7095480" y="2461530"/>
+          <a:ext cx="1876725" cy="304800"/>
+        </p:xfrm>
+        <a:graphic>
+          <a:graphicData uri="http://schemas.openxmlformats.org/drawingml/2006/table">
+            <a:tbl>
+              <a:tblPr firstRow="1" bandRow="1">
+                <a:tableStyleId>{5C22544A-7EE6-4342-B048-85BDC9FD1C3A}</a:tableStyleId>
+              </a:tblPr>
+              <a:tblGrid>
+                <a:gridCol w="375345">
+                  <a:extLst>
+                    <a:ext uri="{9D8B030D-6E8A-4147-A177-3AD203B41FA5}">
+                      <a16:colId xmlns:a16="http://schemas.microsoft.com/office/drawing/2014/main" val="1367944414"/>
+                    </a:ext>
+                  </a:extLst>
+                </a:gridCol>
+                <a:gridCol w="375345">
+                  <a:extLst>
+                    <a:ext uri="{9D8B030D-6E8A-4147-A177-3AD203B41FA5}">
+                      <a16:colId xmlns:a16="http://schemas.microsoft.com/office/drawing/2014/main" val="3127046063"/>
+                    </a:ext>
+                  </a:extLst>
+                </a:gridCol>
+                <a:gridCol w="375345">
+                  <a:extLst>
+                    <a:ext uri="{9D8B030D-6E8A-4147-A177-3AD203B41FA5}">
+                      <a16:colId xmlns:a16="http://schemas.microsoft.com/office/drawing/2014/main" val="27871377"/>
+                    </a:ext>
+                  </a:extLst>
+                </a:gridCol>
+                <a:gridCol w="375345">
+                  <a:extLst>
+                    <a:ext uri="{9D8B030D-6E8A-4147-A177-3AD203B41FA5}">
+                      <a16:colId xmlns:a16="http://schemas.microsoft.com/office/drawing/2014/main" val="879411235"/>
+                    </a:ext>
+                  </a:extLst>
+                </a:gridCol>
+                <a:gridCol w="375345">
+                  <a:extLst>
+                    <a:ext uri="{9D8B030D-6E8A-4147-A177-3AD203B41FA5}">
+                      <a16:colId xmlns:a16="http://schemas.microsoft.com/office/drawing/2014/main" val="2059762792"/>
+                    </a:ext>
+                  </a:extLst>
+                </a:gridCol>
+              </a:tblGrid>
+              <a:tr h="0">
+                <a:tc>
+                  <a:txBody>
+                    <a:bodyPr/>
+                    <a:lstStyle/>
+                    <a:p>
+                      <a:r>
+                        <a:rPr lang="en-US" sz="1400" b="1" dirty="0">
+                          <a:solidFill>
+                            <a:schemeClr val="accent1"/>
+                          </a:solidFill>
+                        </a:rPr>
+                        <a:t>C</a:t>
+                      </a:r>
+                    </a:p>
+                  </a:txBody>
+                  <a:tcPr>
+                    <a:solidFill>
+                      <a:schemeClr val="accent1">
+                        <a:lumMod val="40000"/>
+                        <a:lumOff val="60000"/>
+                        <a:alpha val="38000"/>
+                      </a:schemeClr>
+                    </a:solidFill>
+                  </a:tcPr>
+                </a:tc>
+                <a:tc>
+                  <a:txBody>
+                    <a:bodyPr/>
+                    <a:lstStyle/>
+                    <a:p>
+                      <a:r>
+                        <a:rPr lang="en-US" sz="1400" b="1" dirty="0">
+                          <a:solidFill>
+                            <a:schemeClr val="accent1"/>
+                          </a:solidFill>
+                        </a:rPr>
+                        <a:t>o</a:t>
+                      </a:r>
+                    </a:p>
+                  </a:txBody>
+                  <a:tcPr>
+                    <a:solidFill>
+                      <a:schemeClr val="accent1">
+                        <a:lumMod val="40000"/>
+                        <a:lumOff val="60000"/>
+                        <a:alpha val="38000"/>
+                      </a:schemeClr>
+                    </a:solidFill>
+                  </a:tcPr>
+                </a:tc>
+                <a:tc>
+                  <a:txBody>
+                    <a:bodyPr/>
+                    <a:lstStyle/>
+                    <a:p>
+                      <a:r>
+                        <a:rPr lang="en-US" sz="1400" b="1" dirty="0">
+                          <a:solidFill>
+                            <a:schemeClr val="accent1"/>
+                          </a:solidFill>
+                        </a:rPr>
+                        <a:t>o</a:t>
+                      </a:r>
+                    </a:p>
+                  </a:txBody>
+                  <a:tcPr>
+                    <a:solidFill>
+                      <a:schemeClr val="accent1">
+                        <a:lumMod val="40000"/>
+                        <a:lumOff val="60000"/>
+                        <a:alpha val="38000"/>
+                      </a:schemeClr>
+                    </a:solidFill>
+                  </a:tcPr>
+                </a:tc>
+                <a:tc>
+                  <a:txBody>
+                    <a:bodyPr/>
+                    <a:lstStyle/>
+                    <a:p>
+                      <a:r>
+                        <a:rPr lang="en-US" sz="1400" b="1" dirty="0">
+                          <a:solidFill>
+                            <a:schemeClr val="accent1"/>
+                          </a:solidFill>
+                        </a:rPr>
+                        <a:t>k</a:t>
+                      </a:r>
+                    </a:p>
+                  </a:txBody>
+                  <a:tcPr>
+                    <a:solidFill>
+                      <a:schemeClr val="accent1">
+                        <a:lumMod val="40000"/>
+                        <a:lumOff val="60000"/>
+                        <a:alpha val="38000"/>
+                      </a:schemeClr>
+                    </a:solidFill>
+                  </a:tcPr>
+                </a:tc>
+                <a:tc>
+                  <a:txBody>
+                    <a:bodyPr/>
+                    <a:lstStyle/>
+                    <a:p>
+                      <a:r>
+                        <a:rPr lang="en-US" sz="1400" b="1" dirty="0">
+                          <a:solidFill>
+                            <a:schemeClr val="accent1"/>
+                          </a:solidFill>
+                        </a:rPr>
+                        <a:t>\0</a:t>
+                      </a:r>
+                    </a:p>
+                  </a:txBody>
+                  <a:tcPr>
+                    <a:solidFill>
+                      <a:schemeClr val="accent1">
+                        <a:lumMod val="40000"/>
+                        <a:lumOff val="60000"/>
+                        <a:alpha val="38000"/>
+                      </a:schemeClr>
+                    </a:solidFill>
+                  </a:tcPr>
+                </a:tc>
+                <a:extLst>
+                  <a:ext uri="{0D108BD9-81ED-4DB2-BD59-A6C34878D82A}">
+                    <a16:rowId xmlns:a16="http://schemas.microsoft.com/office/drawing/2014/main" val="1482642403"/>
+                  </a:ext>
+                </a:extLst>
+              </a:tr>
+            </a:tbl>
+          </a:graphicData>
+        </a:graphic>
+      </p:graphicFrame>
+      <p:sp>
+        <p:nvSpPr>
+          <p:cNvPr id="15" name="Rectangle 14">
+            <a:extLst>
+              <a:ext uri="{FF2B5EF4-FFF2-40B4-BE49-F238E27FC236}">
+                <a16:creationId xmlns:a16="http://schemas.microsoft.com/office/drawing/2014/main" id="{823DADE7-C200-8B44-AEF8-3103B1B384C7}"/>
+              </a:ext>
+            </a:extLst>
+          </p:cNvPr>
+          <p:cNvSpPr/>
+          <p:nvPr/>
+        </p:nvSpPr>
+        <p:spPr>
+          <a:xfrm>
+            <a:off x="4065373" y="4764861"/>
+            <a:ext cx="5412259" cy="1884417"/>
+          </a:xfrm>
+          <a:prstGeom prst="rect">
+            <a:avLst/>
+          </a:prstGeom>
+          <a:solidFill>
+            <a:schemeClr val="accent2">
+              <a:lumMod val="40000"/>
+              <a:lumOff val="60000"/>
+              <a:alpha val="34228"/>
+            </a:schemeClr>
+          </a:solidFill>
+          <a:ln>
+            <a:solidFill>
+              <a:schemeClr val="accent2">
+                <a:lumMod val="40000"/>
+                <a:lumOff val="60000"/>
+              </a:schemeClr>
+            </a:solidFill>
+          </a:ln>
+        </p:spPr>
+        <p:style>
+          <a:lnRef idx="2">
+            <a:schemeClr val="accent1">
+              <a:shade val="50000"/>
+            </a:schemeClr>
+          </a:lnRef>
+          <a:fillRef idx="1">
+            <a:schemeClr val="accent1"/>
+          </a:fillRef>
+          <a:effectRef idx="0">
+            <a:schemeClr val="accent1"/>
+          </a:effectRef>
+          <a:fontRef idx="minor">
+            <a:schemeClr val="lt1"/>
+          </a:fontRef>
+        </p:style>
+        <p:txBody>
+          <a:bodyPr rtlCol="0" anchor="ctr"/>
+          <a:lstStyle/>
+          <a:p>
+            <a:pPr algn="ctr"/>
+            <a:endParaRPr lang="en-US" dirty="0">
+              <a:solidFill>
+                <a:schemeClr val="tx1"/>
+              </a:solidFill>
+            </a:endParaRPr>
+          </a:p>
+        </p:txBody>
+      </p:sp>
+      <p:sp>
+        <p:nvSpPr>
+          <p:cNvPr id="16" name="Rectangle 15">
+            <a:extLst>
+              <a:ext uri="{FF2B5EF4-FFF2-40B4-BE49-F238E27FC236}">
+                <a16:creationId xmlns:a16="http://schemas.microsoft.com/office/drawing/2014/main" id="{7CDDF867-82F4-CB47-BA72-B4A3F659AAB8}"/>
+              </a:ext>
+            </a:extLst>
+          </p:cNvPr>
+          <p:cNvSpPr/>
+          <p:nvPr/>
+        </p:nvSpPr>
+        <p:spPr>
+          <a:xfrm>
+            <a:off x="7049543" y="2920810"/>
+            <a:ext cx="2099907" cy="1613721"/>
+          </a:xfrm>
+          <a:prstGeom prst="rect">
+            <a:avLst/>
+          </a:prstGeom>
+          <a:solidFill>
+            <a:schemeClr val="accent4">
+              <a:lumMod val="20000"/>
+              <a:lumOff val="80000"/>
+              <a:alpha val="31000"/>
+            </a:schemeClr>
+          </a:solidFill>
+        </p:spPr>
+        <p:style>
+          <a:lnRef idx="2">
+            <a:schemeClr val="accent1">
+              <a:shade val="50000"/>
+            </a:schemeClr>
+          </a:lnRef>
+          <a:fillRef idx="1">
+            <a:schemeClr val="accent1"/>
+          </a:fillRef>
+          <a:effectRef idx="0">
+            <a:schemeClr val="accent1"/>
+          </a:effectRef>
+          <a:fontRef idx="minor">
+            <a:schemeClr val="lt1"/>
+          </a:fontRef>
+        </p:style>
+        <p:txBody>
+          <a:bodyPr rtlCol="0" anchor="ctr"/>
+          <a:lstStyle/>
+          <a:p>
+            <a:pPr algn="ctr"/>
+            <a:endParaRPr lang="en-US"/>
+          </a:p>
+        </p:txBody>
+      </p:sp>
+      <p:sp>
+        <p:nvSpPr>
+          <p:cNvPr id="17" name="TextBox 16">
+            <a:extLst>
+              <a:ext uri="{FF2B5EF4-FFF2-40B4-BE49-F238E27FC236}">
+                <a16:creationId xmlns:a16="http://schemas.microsoft.com/office/drawing/2014/main" id="{E9520462-0517-C449-B5A5-29F1828A7E81}"/>
+              </a:ext>
+            </a:extLst>
+          </p:cNvPr>
+          <p:cNvSpPr txBox="1"/>
+          <p:nvPr/>
+        </p:nvSpPr>
+        <p:spPr>
+          <a:xfrm>
+            <a:off x="7148398" y="3046707"/>
+            <a:ext cx="1173892" cy="646331"/>
+          </a:xfrm>
+          <a:prstGeom prst="rect">
+            <a:avLst/>
+          </a:prstGeom>
+          <a:solidFill>
+            <a:schemeClr val="accent4">
+              <a:lumMod val="75000"/>
+              <a:alpha val="21035"/>
+            </a:schemeClr>
+          </a:solidFill>
+          <a:ln>
+            <a:solidFill>
+              <a:schemeClr val="accent1"/>
+            </a:solidFill>
+          </a:ln>
+        </p:spPr>
+        <p:txBody>
+          <a:bodyPr wrap="square" rtlCol="0">
+            <a:spAutoFit/>
+          </a:bodyPr>
+          <a:lstStyle/>
+          <a:p>
+            <a:r>
+              <a:rPr lang="en-US" dirty="0" err="1"/>
+              <a:t>len</a:t>
+            </a:r>
+            <a:r>
+              <a:rPr lang="en-US" dirty="0"/>
+              <a:t>:  </a:t>
+            </a:r>
+            <a:r>
+              <a:rPr lang="en-US" dirty="0">
+                <a:ln>
+                  <a:solidFill>
+                    <a:schemeClr val="accent1"/>
+                  </a:solidFill>
+                </a:ln>
+              </a:rPr>
+              <a:t>4</a:t>
+            </a:r>
+          </a:p>
+          <a:p>
+            <a:r>
+              <a:rPr lang="en-US" dirty="0">
+                <a:ln w="9525">
+                  <a:noFill/>
+                </a:ln>
+              </a:rPr>
+              <a:t>data</a:t>
+            </a:r>
+            <a:r>
+              <a:rPr lang="en-US" dirty="0">
+                <a:ln w="9525">
+                  <a:solidFill>
+                    <a:schemeClr val="tx1"/>
+                  </a:solidFill>
+                </a:ln>
+              </a:rPr>
+              <a:t>: </a:t>
+            </a:r>
+          </a:p>
+        </p:txBody>
+      </p:sp>
+      <p:sp>
+        <p:nvSpPr>
+          <p:cNvPr id="18" name="Rectangle 17">
+            <a:extLst>
+              <a:ext uri="{FF2B5EF4-FFF2-40B4-BE49-F238E27FC236}">
+                <a16:creationId xmlns:a16="http://schemas.microsoft.com/office/drawing/2014/main" id="{52F7A750-C6AE-8744-A789-66414ECFA851}"/>
+              </a:ext>
+            </a:extLst>
+          </p:cNvPr>
+          <p:cNvSpPr/>
+          <p:nvPr/>
+        </p:nvSpPr>
+        <p:spPr>
+          <a:xfrm>
+            <a:off x="7630312" y="3139040"/>
+            <a:ext cx="222422" cy="184666"/>
+          </a:xfrm>
+          <a:prstGeom prst="rect">
+            <a:avLst/>
+          </a:prstGeom>
+          <a:solidFill>
+            <a:schemeClr val="accent1">
+              <a:alpha val="9721"/>
+            </a:schemeClr>
+          </a:solidFill>
+        </p:spPr>
+        <p:style>
+          <a:lnRef idx="2">
+            <a:schemeClr val="accent1">
+              <a:shade val="50000"/>
+            </a:schemeClr>
+          </a:lnRef>
+          <a:fillRef idx="1">
+            <a:schemeClr val="accent1"/>
+          </a:fillRef>
+          <a:effectRef idx="0">
+            <a:schemeClr val="accent1"/>
+          </a:effectRef>
+          <a:fontRef idx="minor">
+            <a:schemeClr val="lt1"/>
+          </a:fontRef>
+        </p:style>
+        <p:txBody>
+          <a:bodyPr rtlCol="0" anchor="ctr"/>
+          <a:lstStyle/>
+          <a:p>
+            <a:pPr algn="ctr"/>
+            <a:endParaRPr lang="en-US" dirty="0"/>
+          </a:p>
+        </p:txBody>
+      </p:sp>
+      <p:sp>
+        <p:nvSpPr>
+          <p:cNvPr id="19" name="Rectangle 18">
+            <a:extLst>
+              <a:ext uri="{FF2B5EF4-FFF2-40B4-BE49-F238E27FC236}">
+                <a16:creationId xmlns:a16="http://schemas.microsoft.com/office/drawing/2014/main" id="{DDF3687C-F887-564E-9DD0-E34ED6B8616D}"/>
+              </a:ext>
+            </a:extLst>
+          </p:cNvPr>
+          <p:cNvSpPr/>
+          <p:nvPr/>
+        </p:nvSpPr>
+        <p:spPr>
+          <a:xfrm>
+            <a:off x="7790951" y="3416176"/>
+            <a:ext cx="222422" cy="184666"/>
+          </a:xfrm>
+          <a:prstGeom prst="rect">
+            <a:avLst/>
+          </a:prstGeom>
+          <a:solidFill>
+            <a:schemeClr val="accent1">
+              <a:alpha val="9721"/>
+            </a:schemeClr>
+          </a:solidFill>
+        </p:spPr>
+        <p:style>
+          <a:lnRef idx="2">
+            <a:schemeClr val="accent1">
+              <a:shade val="50000"/>
+            </a:schemeClr>
+          </a:lnRef>
+          <a:fillRef idx="1">
+            <a:schemeClr val="accent1"/>
+          </a:fillRef>
+          <a:effectRef idx="0">
+            <a:schemeClr val="accent1"/>
+          </a:effectRef>
+          <a:fontRef idx="minor">
+            <a:schemeClr val="lt1"/>
+          </a:fontRef>
+        </p:style>
+        <p:txBody>
+          <a:bodyPr rtlCol="0" anchor="ctr"/>
+          <a:lstStyle/>
+          <a:p>
+            <a:pPr algn="ctr"/>
+            <a:endParaRPr lang="en-US"/>
+          </a:p>
+        </p:txBody>
+      </p:sp>
+      <p:cxnSp>
+        <p:nvCxnSpPr>
+          <p:cNvPr id="20" name="Straight Arrow Connector 19">
+            <a:extLst>
+              <a:ext uri="{FF2B5EF4-FFF2-40B4-BE49-F238E27FC236}">
+                <a16:creationId xmlns:a16="http://schemas.microsoft.com/office/drawing/2014/main" id="{F2A9CBB8-6704-8D4F-BA59-DC156CEFF9F2}"/>
+              </a:ext>
+            </a:extLst>
+          </p:cNvPr>
+          <p:cNvCxnSpPr>
+            <a:cxnSpLocks/>
+            <a:stCxn id="19" idx="2"/>
+          </p:cNvCxnSpPr>
+          <p:nvPr/>
+        </p:nvCxnSpPr>
+        <p:spPr>
+          <a:xfrm>
+            <a:off x="7902162" y="3600842"/>
+            <a:ext cx="111211" cy="495742"/>
+          </a:xfrm>
+          <a:prstGeom prst="straightConnector1">
+            <a:avLst/>
+          </a:prstGeom>
+          <a:ln>
+            <a:tailEnd type="triangle"/>
+          </a:ln>
+        </p:spPr>
+        <p:style>
+          <a:lnRef idx="1">
+            <a:schemeClr val="accent1"/>
+          </a:lnRef>
+          <a:fillRef idx="0">
+            <a:schemeClr val="accent1"/>
+          </a:fillRef>
+          <a:effectRef idx="0">
+            <a:schemeClr val="accent1"/>
+          </a:effectRef>
+          <a:fontRef idx="minor">
+            <a:schemeClr val="tx1"/>
+          </a:fontRef>
+        </p:style>
+      </p:cxnSp>
+      <p:graphicFrame>
+        <p:nvGraphicFramePr>
+          <p:cNvPr id="21" name="Table 9">
+            <a:extLst>
+              <a:ext uri="{FF2B5EF4-FFF2-40B4-BE49-F238E27FC236}">
+                <a16:creationId xmlns:a16="http://schemas.microsoft.com/office/drawing/2014/main" id="{16E435F3-E402-794A-83BA-0452D50CA43E}"/>
+              </a:ext>
+            </a:extLst>
+          </p:cNvPr>
+          <p:cNvGraphicFramePr>
+            <a:graphicFrameLocks noGrp="1"/>
+          </p:cNvGraphicFramePr>
+          <p:nvPr>
+            <p:extLst>
+              <p:ext uri="{D42A27DB-BD31-4B8C-83A1-F6EECF244321}">
+                <p14:modId xmlns:p14="http://schemas.microsoft.com/office/powerpoint/2010/main" val="3333974447"/>
+              </p:ext>
+            </p:extLst>
+          </p:nvPr>
+        </p:nvGraphicFramePr>
+        <p:xfrm>
+          <a:off x="7148398" y="4082620"/>
+          <a:ext cx="1876725" cy="304800"/>
+        </p:xfrm>
+        <a:graphic>
+          <a:graphicData uri="http://schemas.openxmlformats.org/drawingml/2006/table">
+            <a:tbl>
+              <a:tblPr firstRow="1" bandRow="1">
+                <a:tableStyleId>{5C22544A-7EE6-4342-B048-85BDC9FD1C3A}</a:tableStyleId>
+              </a:tblPr>
+              <a:tblGrid>
+                <a:gridCol w="375345">
+                  <a:extLst>
+                    <a:ext uri="{9D8B030D-6E8A-4147-A177-3AD203B41FA5}">
+                      <a16:colId xmlns:a16="http://schemas.microsoft.com/office/drawing/2014/main" val="1367944414"/>
+                    </a:ext>
+                  </a:extLst>
+                </a:gridCol>
+                <a:gridCol w="375345">
+                  <a:extLst>
+                    <a:ext uri="{9D8B030D-6E8A-4147-A177-3AD203B41FA5}">
+                      <a16:colId xmlns:a16="http://schemas.microsoft.com/office/drawing/2014/main" val="3127046063"/>
+                    </a:ext>
+                  </a:extLst>
+                </a:gridCol>
+                <a:gridCol w="375345">
+                  <a:extLst>
+                    <a:ext uri="{9D8B030D-6E8A-4147-A177-3AD203B41FA5}">
+                      <a16:colId xmlns:a16="http://schemas.microsoft.com/office/drawing/2014/main" val="27871377"/>
+                    </a:ext>
+                  </a:extLst>
+                </a:gridCol>
+                <a:gridCol w="375345">
+                  <a:extLst>
+                    <a:ext uri="{9D8B030D-6E8A-4147-A177-3AD203B41FA5}">
+                      <a16:colId xmlns:a16="http://schemas.microsoft.com/office/drawing/2014/main" val="879411235"/>
+                    </a:ext>
+                  </a:extLst>
+                </a:gridCol>
+                <a:gridCol w="375345">
+                  <a:extLst>
+                    <a:ext uri="{9D8B030D-6E8A-4147-A177-3AD203B41FA5}">
+                      <a16:colId xmlns:a16="http://schemas.microsoft.com/office/drawing/2014/main" val="2059762792"/>
+                    </a:ext>
+                  </a:extLst>
+                </a:gridCol>
+              </a:tblGrid>
+              <a:tr h="0">
+                <a:tc>
+                  <a:txBody>
+                    <a:bodyPr/>
+                    <a:lstStyle/>
+                    <a:p>
+                      <a:r>
+                        <a:rPr lang="en-US" sz="1400" b="1" dirty="0">
+                          <a:solidFill>
+                            <a:schemeClr val="accent1"/>
+                          </a:solidFill>
+                        </a:rPr>
+                        <a:t>C</a:t>
+                      </a:r>
+                    </a:p>
+                  </a:txBody>
+                  <a:tcPr>
+                    <a:solidFill>
+                      <a:schemeClr val="accent1">
+                        <a:lumMod val="40000"/>
+                        <a:lumOff val="60000"/>
+                        <a:alpha val="38000"/>
+                      </a:schemeClr>
+                    </a:solidFill>
+                  </a:tcPr>
+                </a:tc>
+                <a:tc>
+                  <a:txBody>
+                    <a:bodyPr/>
+                    <a:lstStyle/>
+                    <a:p>
+                      <a:r>
+                        <a:rPr lang="en-US" sz="1400" b="1" dirty="0">
+                          <a:solidFill>
+                            <a:schemeClr val="accent1"/>
+                          </a:solidFill>
+                        </a:rPr>
+                        <a:t>o</a:t>
+                      </a:r>
+                    </a:p>
+                  </a:txBody>
+                  <a:tcPr>
+                    <a:solidFill>
+                      <a:schemeClr val="accent1">
+                        <a:lumMod val="40000"/>
+                        <a:lumOff val="60000"/>
+                        <a:alpha val="38000"/>
+                      </a:schemeClr>
+                    </a:solidFill>
+                  </a:tcPr>
+                </a:tc>
+                <a:tc>
+                  <a:txBody>
+                    <a:bodyPr/>
+                    <a:lstStyle/>
+                    <a:p>
+                      <a:r>
+                        <a:rPr lang="en-US" sz="1400" b="1" dirty="0">
+                          <a:solidFill>
+                            <a:schemeClr val="accent1"/>
+                          </a:solidFill>
+                        </a:rPr>
+                        <a:t>o</a:t>
+                      </a:r>
+                    </a:p>
+                  </a:txBody>
+                  <a:tcPr>
+                    <a:solidFill>
+                      <a:schemeClr val="accent1">
+                        <a:lumMod val="40000"/>
+                        <a:lumOff val="60000"/>
+                        <a:alpha val="38000"/>
+                      </a:schemeClr>
+                    </a:solidFill>
+                  </a:tcPr>
+                </a:tc>
+                <a:tc>
+                  <a:txBody>
+                    <a:bodyPr/>
+                    <a:lstStyle/>
+                    <a:p>
+                      <a:r>
+                        <a:rPr lang="en-US" sz="1400" b="1" dirty="0">
+                          <a:solidFill>
+                            <a:schemeClr val="accent1"/>
+                          </a:solidFill>
+                        </a:rPr>
+                        <a:t>k</a:t>
+                      </a:r>
+                    </a:p>
+                  </a:txBody>
+                  <a:tcPr>
+                    <a:solidFill>
+                      <a:schemeClr val="accent1">
+                        <a:lumMod val="40000"/>
+                        <a:lumOff val="60000"/>
+                        <a:alpha val="38000"/>
+                      </a:schemeClr>
+                    </a:solidFill>
+                  </a:tcPr>
+                </a:tc>
+                <a:tc>
+                  <a:txBody>
+                    <a:bodyPr/>
+                    <a:lstStyle/>
+                    <a:p>
+                      <a:r>
+                        <a:rPr lang="en-US" sz="1400" b="1" dirty="0">
+                          <a:solidFill>
+                            <a:schemeClr val="accent1"/>
+                          </a:solidFill>
+                        </a:rPr>
+                        <a:t>\0</a:t>
+                      </a:r>
+                    </a:p>
+                  </a:txBody>
+                  <a:tcPr>
+                    <a:solidFill>
+                      <a:schemeClr val="accent1">
+                        <a:lumMod val="40000"/>
+                        <a:lumOff val="60000"/>
+                        <a:alpha val="38000"/>
+                      </a:schemeClr>
+                    </a:solidFill>
+                  </a:tcPr>
+                </a:tc>
+                <a:extLst>
+                  <a:ext uri="{0D108BD9-81ED-4DB2-BD59-A6C34878D82A}">
+                    <a16:rowId xmlns:a16="http://schemas.microsoft.com/office/drawing/2014/main" val="1482642403"/>
+                  </a:ext>
+                </a:extLst>
+              </a:tr>
+            </a:tbl>
+          </a:graphicData>
+        </a:graphic>
+      </p:graphicFrame>
+      <p:sp>
+        <p:nvSpPr>
+          <p:cNvPr id="22" name="TextBox 21">
+            <a:extLst>
+              <a:ext uri="{FF2B5EF4-FFF2-40B4-BE49-F238E27FC236}">
+                <a16:creationId xmlns:a16="http://schemas.microsoft.com/office/drawing/2014/main" id="{C549DBEC-8089-9645-9E29-A06C26931FF9}"/>
+              </a:ext>
+            </a:extLst>
+          </p:cNvPr>
+          <p:cNvSpPr txBox="1"/>
+          <p:nvPr/>
+        </p:nvSpPr>
+        <p:spPr>
+          <a:xfrm>
+            <a:off x="4160144" y="4906183"/>
+            <a:ext cx="610936" cy="369332"/>
+          </a:xfrm>
+          <a:prstGeom prst="rect">
+            <a:avLst/>
+          </a:prstGeom>
+          <a:noFill/>
+        </p:spPr>
+        <p:txBody>
+          <a:bodyPr wrap="none" rtlCol="0">
+            <a:spAutoFit/>
+          </a:bodyPr>
+          <a:lstStyle/>
+          <a:p>
+            <a:r>
+              <a:rPr lang="en-US" dirty="0"/>
+              <a:t>first:</a:t>
+            </a:r>
+          </a:p>
+        </p:txBody>
+      </p:sp>
+      <p:sp>
+        <p:nvSpPr>
+          <p:cNvPr id="23" name="TextBox 22">
+            <a:extLst>
+              <a:ext uri="{FF2B5EF4-FFF2-40B4-BE49-F238E27FC236}">
+                <a16:creationId xmlns:a16="http://schemas.microsoft.com/office/drawing/2014/main" id="{4FF23B1D-753E-C04B-85BE-98E06992B1A0}"/>
+              </a:ext>
+            </a:extLst>
+          </p:cNvPr>
+          <p:cNvSpPr txBox="1"/>
+          <p:nvPr/>
+        </p:nvSpPr>
+        <p:spPr>
+          <a:xfrm>
+            <a:off x="6607411" y="5000704"/>
+            <a:ext cx="574837" cy="369332"/>
+          </a:xfrm>
+          <a:prstGeom prst="rect">
+            <a:avLst/>
+          </a:prstGeom>
+          <a:noFill/>
+        </p:spPr>
+        <p:txBody>
+          <a:bodyPr wrap="none" rtlCol="0">
+            <a:spAutoFit/>
+          </a:bodyPr>
+          <a:lstStyle/>
+          <a:p>
+            <a:r>
+              <a:rPr lang="en-US" dirty="0"/>
+              <a:t>last:</a:t>
+            </a:r>
+          </a:p>
+        </p:txBody>
+      </p:sp>
+      <p:sp>
+        <p:nvSpPr>
+          <p:cNvPr id="24" name="TextBox 23">
+            <a:extLst>
+              <a:ext uri="{FF2B5EF4-FFF2-40B4-BE49-F238E27FC236}">
+                <a16:creationId xmlns:a16="http://schemas.microsoft.com/office/drawing/2014/main" id="{EE335EE3-D272-364F-BDDA-CE3D32CEBE9B}"/>
+              </a:ext>
+            </a:extLst>
+          </p:cNvPr>
+          <p:cNvSpPr txBox="1"/>
+          <p:nvPr/>
+        </p:nvSpPr>
+        <p:spPr>
+          <a:xfrm>
+            <a:off x="4865851" y="5065647"/>
+            <a:ext cx="1173892" cy="646331"/>
+          </a:xfrm>
+          <a:prstGeom prst="rect">
+            <a:avLst/>
+          </a:prstGeom>
+          <a:solidFill>
+            <a:schemeClr val="accent4">
+              <a:lumMod val="75000"/>
+              <a:alpha val="21035"/>
+            </a:schemeClr>
+          </a:solidFill>
+          <a:ln>
+            <a:solidFill>
+              <a:schemeClr val="accent1"/>
+            </a:solidFill>
+          </a:ln>
+        </p:spPr>
+        <p:txBody>
+          <a:bodyPr wrap="square" rtlCol="0">
+            <a:spAutoFit/>
+          </a:bodyPr>
+          <a:lstStyle/>
+          <a:p>
+            <a:r>
+              <a:rPr lang="en-US" dirty="0" err="1"/>
+              <a:t>len</a:t>
+            </a:r>
+            <a:r>
+              <a:rPr lang="en-US" dirty="0"/>
+              <a:t>:  </a:t>
+            </a:r>
+            <a:r>
+              <a:rPr lang="en-US" dirty="0">
+                <a:ln>
+                  <a:solidFill>
+                    <a:schemeClr val="accent1"/>
+                  </a:solidFill>
+                </a:ln>
+              </a:rPr>
+              <a:t>3</a:t>
+            </a:r>
+          </a:p>
+          <a:p>
+            <a:r>
+              <a:rPr lang="en-US" dirty="0">
+                <a:ln w="9525">
+                  <a:noFill/>
+                </a:ln>
+              </a:rPr>
+              <a:t>data</a:t>
+            </a:r>
+            <a:r>
+              <a:rPr lang="en-US" dirty="0">
+                <a:ln w="9525">
+                  <a:solidFill>
+                    <a:schemeClr val="tx1"/>
+                  </a:solidFill>
+                </a:ln>
+              </a:rPr>
+              <a:t>: </a:t>
+            </a:r>
+          </a:p>
+        </p:txBody>
+      </p:sp>
+      <p:sp>
+        <p:nvSpPr>
+          <p:cNvPr id="25" name="Rectangle 24">
+            <a:extLst>
+              <a:ext uri="{FF2B5EF4-FFF2-40B4-BE49-F238E27FC236}">
+                <a16:creationId xmlns:a16="http://schemas.microsoft.com/office/drawing/2014/main" id="{B59A8856-B4DD-CD40-9AE1-8D95F53E349A}"/>
+              </a:ext>
+            </a:extLst>
+          </p:cNvPr>
+          <p:cNvSpPr/>
+          <p:nvPr/>
+        </p:nvSpPr>
+        <p:spPr>
+          <a:xfrm>
+            <a:off x="5347765" y="5157980"/>
+            <a:ext cx="222422" cy="184666"/>
+          </a:xfrm>
+          <a:prstGeom prst="rect">
+            <a:avLst/>
+          </a:prstGeom>
+          <a:solidFill>
+            <a:schemeClr val="accent1">
+              <a:alpha val="9721"/>
+            </a:schemeClr>
+          </a:solidFill>
+        </p:spPr>
+        <p:style>
+          <a:lnRef idx="2">
+            <a:schemeClr val="accent1">
+              <a:shade val="50000"/>
+            </a:schemeClr>
+          </a:lnRef>
+          <a:fillRef idx="1">
+            <a:schemeClr val="accent1"/>
+          </a:fillRef>
+          <a:effectRef idx="0">
+            <a:schemeClr val="accent1"/>
+          </a:effectRef>
+          <a:fontRef idx="minor">
+            <a:schemeClr val="lt1"/>
+          </a:fontRef>
+        </p:style>
+        <p:txBody>
+          <a:bodyPr rtlCol="0" anchor="ctr"/>
+          <a:lstStyle/>
+          <a:p>
+            <a:pPr algn="ctr"/>
+            <a:endParaRPr lang="en-US"/>
+          </a:p>
+        </p:txBody>
+      </p:sp>
+      <p:sp>
+        <p:nvSpPr>
+          <p:cNvPr id="26" name="Rectangle 25">
+            <a:extLst>
+              <a:ext uri="{FF2B5EF4-FFF2-40B4-BE49-F238E27FC236}">
+                <a16:creationId xmlns:a16="http://schemas.microsoft.com/office/drawing/2014/main" id="{7C78FEBC-9D5B-7B4E-A204-ADA19575F13D}"/>
+              </a:ext>
+            </a:extLst>
+          </p:cNvPr>
+          <p:cNvSpPr/>
+          <p:nvPr/>
+        </p:nvSpPr>
+        <p:spPr>
+          <a:xfrm>
+            <a:off x="5508404" y="5435116"/>
+            <a:ext cx="222422" cy="184666"/>
+          </a:xfrm>
+          <a:prstGeom prst="rect">
+            <a:avLst/>
+          </a:prstGeom>
+          <a:solidFill>
+            <a:schemeClr val="accent1">
+              <a:alpha val="9721"/>
+            </a:schemeClr>
+          </a:solidFill>
+        </p:spPr>
+        <p:style>
+          <a:lnRef idx="2">
+            <a:schemeClr val="accent1">
+              <a:shade val="50000"/>
+            </a:schemeClr>
+          </a:lnRef>
+          <a:fillRef idx="1">
+            <a:schemeClr val="accent1"/>
+          </a:fillRef>
+          <a:effectRef idx="0">
+            <a:schemeClr val="accent1"/>
+          </a:effectRef>
+          <a:fontRef idx="minor">
+            <a:schemeClr val="lt1"/>
+          </a:fontRef>
+        </p:style>
+        <p:txBody>
+          <a:bodyPr rtlCol="0" anchor="ctr"/>
+          <a:lstStyle/>
+          <a:p>
+            <a:pPr algn="ctr"/>
+            <a:endParaRPr lang="en-US"/>
+          </a:p>
+        </p:txBody>
+      </p:sp>
+      <p:graphicFrame>
+        <p:nvGraphicFramePr>
+          <p:cNvPr id="27" name="Table 26">
+            <a:extLst>
+              <a:ext uri="{FF2B5EF4-FFF2-40B4-BE49-F238E27FC236}">
+                <a16:creationId xmlns:a16="http://schemas.microsoft.com/office/drawing/2014/main" id="{CFEE44BA-7708-E141-A9AA-08D417469C3D}"/>
+              </a:ext>
+            </a:extLst>
+          </p:cNvPr>
+          <p:cNvGraphicFramePr>
+            <a:graphicFrameLocks noGrp="1"/>
+          </p:cNvGraphicFramePr>
+          <p:nvPr>
+            <p:extLst>
+              <p:ext uri="{D42A27DB-BD31-4B8C-83A1-F6EECF244321}">
+                <p14:modId xmlns:p14="http://schemas.microsoft.com/office/powerpoint/2010/main" val="3771010513"/>
+              </p:ext>
+            </p:extLst>
+          </p:nvPr>
+        </p:nvGraphicFramePr>
+        <p:xfrm>
+          <a:off x="4978808" y="6115524"/>
+          <a:ext cx="1504036" cy="304800"/>
+        </p:xfrm>
+        <a:graphic>
+          <a:graphicData uri="http://schemas.openxmlformats.org/drawingml/2006/table">
+            <a:tbl>
+              <a:tblPr firstRow="1" bandRow="1">
+                <a:tableStyleId>{5C22544A-7EE6-4342-B048-85BDC9FD1C3A}</a:tableStyleId>
+              </a:tblPr>
+              <a:tblGrid>
+                <a:gridCol w="376009">
+                  <a:extLst>
+                    <a:ext uri="{9D8B030D-6E8A-4147-A177-3AD203B41FA5}">
+                      <a16:colId xmlns:a16="http://schemas.microsoft.com/office/drawing/2014/main" val="2319695347"/>
+                    </a:ext>
+                  </a:extLst>
+                </a:gridCol>
+                <a:gridCol w="376009">
+                  <a:extLst>
+                    <a:ext uri="{9D8B030D-6E8A-4147-A177-3AD203B41FA5}">
+                      <a16:colId xmlns:a16="http://schemas.microsoft.com/office/drawing/2014/main" val="3996963117"/>
+                    </a:ext>
+                  </a:extLst>
+                </a:gridCol>
+                <a:gridCol w="376009">
+                  <a:extLst>
+                    <a:ext uri="{9D8B030D-6E8A-4147-A177-3AD203B41FA5}">
+                      <a16:colId xmlns:a16="http://schemas.microsoft.com/office/drawing/2014/main" val="3794230053"/>
+                    </a:ext>
+                  </a:extLst>
+                </a:gridCol>
+                <a:gridCol w="376009">
+                  <a:extLst>
+                    <a:ext uri="{9D8B030D-6E8A-4147-A177-3AD203B41FA5}">
+                      <a16:colId xmlns:a16="http://schemas.microsoft.com/office/drawing/2014/main" val="2140218889"/>
+                    </a:ext>
+                  </a:extLst>
+                </a:gridCol>
+              </a:tblGrid>
+              <a:tr h="303010">
+                <a:tc>
+                  <a:txBody>
+                    <a:bodyPr/>
+                    <a:lstStyle/>
+                    <a:p>
+                      <a:r>
+                        <a:rPr lang="en-US" sz="1400" dirty="0">
+                          <a:ln>
+                            <a:solidFill>
+                              <a:schemeClr val="accent1"/>
+                            </a:solidFill>
+                          </a:ln>
+                          <a:solidFill>
+                            <a:schemeClr val="accent1"/>
+                          </a:solidFill>
+                        </a:rPr>
+                        <a:t>B</a:t>
+                      </a:r>
+                    </a:p>
+                  </a:txBody>
+                  <a:tcPr>
+                    <a:solidFill>
+                      <a:schemeClr val="accent1">
+                        <a:lumMod val="20000"/>
+                        <a:lumOff val="80000"/>
+                        <a:alpha val="65921"/>
+                      </a:schemeClr>
+                    </a:solidFill>
+                  </a:tcPr>
+                </a:tc>
+                <a:tc>
+                  <a:txBody>
+                    <a:bodyPr/>
+                    <a:lstStyle/>
+                    <a:p>
+                      <a:r>
+                        <a:rPr lang="en-US" sz="1400" dirty="0">
+                          <a:ln>
+                            <a:solidFill>
+                              <a:schemeClr val="accent1"/>
+                            </a:solidFill>
+                          </a:ln>
+                          <a:solidFill>
+                            <a:schemeClr val="accent1"/>
+                          </a:solidFill>
+                        </a:rPr>
+                        <a:t>e</a:t>
+                      </a:r>
+                    </a:p>
+                  </a:txBody>
+                  <a:tcPr>
+                    <a:solidFill>
+                      <a:schemeClr val="accent1">
+                        <a:lumMod val="20000"/>
+                        <a:lumOff val="80000"/>
+                        <a:alpha val="65921"/>
+                      </a:schemeClr>
+                    </a:solidFill>
+                  </a:tcPr>
+                </a:tc>
+                <a:tc>
+                  <a:txBody>
+                    <a:bodyPr/>
+                    <a:lstStyle/>
+                    <a:p>
+                      <a:r>
+                        <a:rPr lang="en-US" sz="1400" dirty="0">
+                          <a:ln>
+                            <a:solidFill>
+                              <a:schemeClr val="accent1"/>
+                            </a:solidFill>
+                          </a:ln>
+                          <a:solidFill>
+                            <a:schemeClr val="accent1"/>
+                          </a:solidFill>
+                        </a:rPr>
+                        <a:t>n</a:t>
+                      </a:r>
+                    </a:p>
+                  </a:txBody>
+                  <a:tcPr>
+                    <a:solidFill>
+                      <a:schemeClr val="accent1">
+                        <a:lumMod val="20000"/>
+                        <a:lumOff val="80000"/>
+                        <a:alpha val="65921"/>
+                      </a:schemeClr>
+                    </a:solidFill>
+                  </a:tcPr>
+                </a:tc>
+                <a:tc>
+                  <a:txBody>
+                    <a:bodyPr/>
+                    <a:lstStyle/>
+                    <a:p>
+                      <a:r>
+                        <a:rPr lang="en-US" sz="1400" dirty="0">
+                          <a:ln>
+                            <a:solidFill>
+                              <a:schemeClr val="accent1"/>
+                            </a:solidFill>
+                          </a:ln>
+                          <a:solidFill>
+                            <a:schemeClr val="accent1"/>
+                          </a:solidFill>
+                        </a:rPr>
+                        <a:t>\0</a:t>
+                      </a:r>
+                    </a:p>
+                  </a:txBody>
+                  <a:tcPr>
+                    <a:solidFill>
+                      <a:schemeClr val="accent1">
+                        <a:lumMod val="20000"/>
+                        <a:lumOff val="80000"/>
+                        <a:alpha val="65921"/>
+                      </a:schemeClr>
+                    </a:solidFill>
+                  </a:tcPr>
+                </a:tc>
+                <a:extLst>
+                  <a:ext uri="{0D108BD9-81ED-4DB2-BD59-A6C34878D82A}">
+                    <a16:rowId xmlns:a16="http://schemas.microsoft.com/office/drawing/2014/main" val="542080640"/>
+                  </a:ext>
+                </a:extLst>
+              </a:tr>
+            </a:tbl>
+          </a:graphicData>
+        </a:graphic>
+      </p:graphicFrame>
+      <p:cxnSp>
+        <p:nvCxnSpPr>
+          <p:cNvPr id="28" name="Straight Arrow Connector 27">
+            <a:extLst>
+              <a:ext uri="{FF2B5EF4-FFF2-40B4-BE49-F238E27FC236}">
+                <a16:creationId xmlns:a16="http://schemas.microsoft.com/office/drawing/2014/main" id="{DE116878-CE8C-D141-9226-500DFD34E5B2}"/>
+              </a:ext>
+            </a:extLst>
+          </p:cNvPr>
+          <p:cNvCxnSpPr>
+            <a:cxnSpLocks/>
+            <a:stCxn id="26" idx="2"/>
+            <a:endCxn id="27" idx="0"/>
+          </p:cNvCxnSpPr>
+          <p:nvPr/>
+        </p:nvCxnSpPr>
+        <p:spPr>
+          <a:xfrm>
+            <a:off x="5619615" y="5619782"/>
+            <a:ext cx="111211" cy="495742"/>
+          </a:xfrm>
+          <a:prstGeom prst="straightConnector1">
+            <a:avLst/>
+          </a:prstGeom>
+          <a:ln>
+            <a:tailEnd type="triangle"/>
+          </a:ln>
+        </p:spPr>
+        <p:style>
+          <a:lnRef idx="1">
+            <a:schemeClr val="accent1"/>
+          </a:lnRef>
+          <a:fillRef idx="0">
+            <a:schemeClr val="accent1"/>
+          </a:fillRef>
+          <a:effectRef idx="0">
+            <a:schemeClr val="accent1"/>
+          </a:effectRef>
+          <a:fontRef idx="minor">
+            <a:schemeClr val="tx1"/>
+          </a:fontRef>
+        </p:style>
+      </p:cxnSp>
+      <p:sp>
+        <p:nvSpPr>
+          <p:cNvPr id="29" name="Rectangle 28">
+            <a:extLst>
+              <a:ext uri="{FF2B5EF4-FFF2-40B4-BE49-F238E27FC236}">
+                <a16:creationId xmlns:a16="http://schemas.microsoft.com/office/drawing/2014/main" id="{31283BE3-DC89-384F-8633-019C404A9347}"/>
+              </a:ext>
+            </a:extLst>
+          </p:cNvPr>
+          <p:cNvSpPr/>
+          <p:nvPr/>
+        </p:nvSpPr>
+        <p:spPr>
+          <a:xfrm>
+            <a:off x="4766997" y="4939750"/>
+            <a:ext cx="1828800" cy="1613721"/>
+          </a:xfrm>
+          <a:prstGeom prst="rect">
+            <a:avLst/>
+          </a:prstGeom>
+          <a:solidFill>
+            <a:schemeClr val="accent4">
+              <a:lumMod val="20000"/>
+              <a:lumOff val="80000"/>
+              <a:alpha val="31000"/>
+            </a:schemeClr>
+          </a:solidFill>
+        </p:spPr>
+        <p:style>
+          <a:lnRef idx="2">
+            <a:schemeClr val="accent1">
+              <a:shade val="50000"/>
+            </a:schemeClr>
+          </a:lnRef>
+          <a:fillRef idx="1">
+            <a:schemeClr val="accent1"/>
+          </a:fillRef>
+          <a:effectRef idx="0">
+            <a:schemeClr val="accent1"/>
+          </a:effectRef>
+          <a:fontRef idx="minor">
+            <a:schemeClr val="lt1"/>
+          </a:fontRef>
+        </p:style>
+        <p:txBody>
+          <a:bodyPr rtlCol="0" anchor="ctr"/>
+          <a:lstStyle/>
+          <a:p>
+            <a:pPr algn="ctr"/>
+            <a:endParaRPr lang="en-US"/>
+          </a:p>
+        </p:txBody>
+      </p:sp>
+      <p:sp>
+        <p:nvSpPr>
+          <p:cNvPr id="30" name="Rectangle 29">
+            <a:extLst>
+              <a:ext uri="{FF2B5EF4-FFF2-40B4-BE49-F238E27FC236}">
+                <a16:creationId xmlns:a16="http://schemas.microsoft.com/office/drawing/2014/main" id="{884D97E9-482E-0143-908F-5A25DC6831FE}"/>
+              </a:ext>
+            </a:extLst>
+          </p:cNvPr>
+          <p:cNvSpPr/>
+          <p:nvPr/>
+        </p:nvSpPr>
+        <p:spPr>
+          <a:xfrm>
+            <a:off x="7193862" y="4939750"/>
+            <a:ext cx="2099907" cy="1613721"/>
+          </a:xfrm>
+          <a:prstGeom prst="rect">
+            <a:avLst/>
+          </a:prstGeom>
+          <a:solidFill>
+            <a:schemeClr val="accent4">
+              <a:lumMod val="20000"/>
+              <a:lumOff val="80000"/>
+              <a:alpha val="31000"/>
+            </a:schemeClr>
+          </a:solidFill>
+        </p:spPr>
+        <p:style>
+          <a:lnRef idx="2">
+            <a:schemeClr val="accent1">
+              <a:shade val="50000"/>
+            </a:schemeClr>
+          </a:lnRef>
+          <a:fillRef idx="1">
+            <a:schemeClr val="accent1"/>
+          </a:fillRef>
+          <a:effectRef idx="0">
+            <a:schemeClr val="accent1"/>
+          </a:effectRef>
+          <a:fontRef idx="minor">
+            <a:schemeClr val="lt1"/>
+          </a:fontRef>
+        </p:style>
+        <p:txBody>
+          <a:bodyPr rtlCol="0" anchor="ctr"/>
+          <a:lstStyle/>
+          <a:p>
+            <a:pPr algn="ctr"/>
+            <a:endParaRPr lang="en-US"/>
+          </a:p>
+        </p:txBody>
+      </p:sp>
+      <p:sp>
+        <p:nvSpPr>
+          <p:cNvPr id="31" name="TextBox 30">
+            <a:extLst>
+              <a:ext uri="{FF2B5EF4-FFF2-40B4-BE49-F238E27FC236}">
+                <a16:creationId xmlns:a16="http://schemas.microsoft.com/office/drawing/2014/main" id="{356EFA27-8856-724B-8F48-5BA897561958}"/>
+              </a:ext>
+            </a:extLst>
+          </p:cNvPr>
+          <p:cNvSpPr txBox="1"/>
+          <p:nvPr/>
+        </p:nvSpPr>
+        <p:spPr>
+          <a:xfrm>
+            <a:off x="7292717" y="5065647"/>
+            <a:ext cx="1173892" cy="646331"/>
+          </a:xfrm>
+          <a:prstGeom prst="rect">
+            <a:avLst/>
+          </a:prstGeom>
+          <a:solidFill>
+            <a:schemeClr val="accent4">
+              <a:lumMod val="75000"/>
+              <a:alpha val="21035"/>
+            </a:schemeClr>
+          </a:solidFill>
+          <a:ln>
+            <a:solidFill>
+              <a:schemeClr val="accent1"/>
+            </a:solidFill>
+          </a:ln>
+        </p:spPr>
+        <p:txBody>
+          <a:bodyPr wrap="square" rtlCol="0">
+            <a:spAutoFit/>
+          </a:bodyPr>
+          <a:lstStyle/>
+          <a:p>
+            <a:r>
+              <a:rPr lang="en-US" dirty="0" err="1"/>
+              <a:t>len</a:t>
+            </a:r>
+            <a:r>
+              <a:rPr lang="en-US" dirty="0"/>
+              <a:t>:  </a:t>
+            </a:r>
+            <a:r>
+              <a:rPr lang="en-US" dirty="0">
+                <a:ln>
+                  <a:solidFill>
+                    <a:schemeClr val="accent1"/>
+                  </a:solidFill>
+                </a:ln>
+              </a:rPr>
+              <a:t>4</a:t>
+            </a:r>
+          </a:p>
+          <a:p>
+            <a:r>
+              <a:rPr lang="en-US" dirty="0">
+                <a:ln w="9525">
+                  <a:noFill/>
+                </a:ln>
+              </a:rPr>
+              <a:t>data</a:t>
+            </a:r>
+            <a:r>
+              <a:rPr lang="en-US" dirty="0">
+                <a:ln w="9525">
+                  <a:solidFill>
+                    <a:schemeClr val="tx1"/>
+                  </a:solidFill>
+                </a:ln>
+              </a:rPr>
+              <a:t>: </a:t>
+            </a:r>
+          </a:p>
+        </p:txBody>
+      </p:sp>
+      <p:sp>
+        <p:nvSpPr>
+          <p:cNvPr id="32" name="Rectangle 31">
+            <a:extLst>
+              <a:ext uri="{FF2B5EF4-FFF2-40B4-BE49-F238E27FC236}">
+                <a16:creationId xmlns:a16="http://schemas.microsoft.com/office/drawing/2014/main" id="{6EFCDC5C-0B85-8F46-8818-C2A98E7A371F}"/>
+              </a:ext>
+            </a:extLst>
+          </p:cNvPr>
+          <p:cNvSpPr/>
+          <p:nvPr/>
+        </p:nvSpPr>
+        <p:spPr>
+          <a:xfrm>
+            <a:off x="7774631" y="5157980"/>
+            <a:ext cx="222422" cy="184666"/>
+          </a:xfrm>
+          <a:prstGeom prst="rect">
+            <a:avLst/>
+          </a:prstGeom>
+          <a:solidFill>
+            <a:schemeClr val="accent1">
+              <a:alpha val="9721"/>
+            </a:schemeClr>
+          </a:solidFill>
+        </p:spPr>
+        <p:style>
+          <a:lnRef idx="2">
+            <a:schemeClr val="accent1">
+              <a:shade val="50000"/>
+            </a:schemeClr>
+          </a:lnRef>
+          <a:fillRef idx="1">
+            <a:schemeClr val="accent1"/>
+          </a:fillRef>
+          <a:effectRef idx="0">
+            <a:schemeClr val="accent1"/>
+          </a:effectRef>
+          <a:fontRef idx="minor">
+            <a:schemeClr val="lt1"/>
+          </a:fontRef>
+        </p:style>
+        <p:txBody>
+          <a:bodyPr rtlCol="0" anchor="ctr"/>
+          <a:lstStyle/>
+          <a:p>
+            <a:pPr algn="ctr"/>
+            <a:endParaRPr lang="en-US" dirty="0"/>
+          </a:p>
+        </p:txBody>
+      </p:sp>
+      <p:sp>
+        <p:nvSpPr>
+          <p:cNvPr id="33" name="Rectangle 32">
+            <a:extLst>
+              <a:ext uri="{FF2B5EF4-FFF2-40B4-BE49-F238E27FC236}">
+                <a16:creationId xmlns:a16="http://schemas.microsoft.com/office/drawing/2014/main" id="{179CA462-C4EC-B043-9EF2-E6B139D671FA}"/>
+              </a:ext>
+            </a:extLst>
+          </p:cNvPr>
+          <p:cNvSpPr/>
+          <p:nvPr/>
+        </p:nvSpPr>
+        <p:spPr>
+          <a:xfrm>
+            <a:off x="7935270" y="5435116"/>
+            <a:ext cx="222422" cy="184666"/>
+          </a:xfrm>
+          <a:prstGeom prst="rect">
+            <a:avLst/>
+          </a:prstGeom>
+          <a:solidFill>
+            <a:schemeClr val="accent1">
+              <a:alpha val="9721"/>
+            </a:schemeClr>
+          </a:solidFill>
+        </p:spPr>
+        <p:style>
+          <a:lnRef idx="2">
+            <a:schemeClr val="accent1">
+              <a:shade val="50000"/>
+            </a:schemeClr>
+          </a:lnRef>
+          <a:fillRef idx="1">
+            <a:schemeClr val="accent1"/>
+          </a:fillRef>
+          <a:effectRef idx="0">
+            <a:schemeClr val="accent1"/>
+          </a:effectRef>
+          <a:fontRef idx="minor">
+            <a:schemeClr val="lt1"/>
+          </a:fontRef>
+        </p:style>
+        <p:txBody>
+          <a:bodyPr rtlCol="0" anchor="ctr"/>
+          <a:lstStyle/>
+          <a:p>
+            <a:pPr algn="ctr"/>
+            <a:endParaRPr lang="en-US"/>
+          </a:p>
+        </p:txBody>
+      </p:sp>
+      <p:cxnSp>
+        <p:nvCxnSpPr>
+          <p:cNvPr id="34" name="Straight Arrow Connector 33">
+            <a:extLst>
+              <a:ext uri="{FF2B5EF4-FFF2-40B4-BE49-F238E27FC236}">
+                <a16:creationId xmlns:a16="http://schemas.microsoft.com/office/drawing/2014/main" id="{E2EBF7E0-BEF7-C846-8BFE-DFA69281A029}"/>
+              </a:ext>
+            </a:extLst>
+          </p:cNvPr>
+          <p:cNvCxnSpPr>
+            <a:cxnSpLocks/>
+            <a:stCxn id="33" idx="2"/>
+          </p:cNvCxnSpPr>
+          <p:nvPr/>
+        </p:nvCxnSpPr>
+        <p:spPr>
+          <a:xfrm>
+            <a:off x="8046481" y="5619782"/>
+            <a:ext cx="111211" cy="495742"/>
+          </a:xfrm>
+          <a:prstGeom prst="straightConnector1">
+            <a:avLst/>
+          </a:prstGeom>
+          <a:ln>
+            <a:tailEnd type="triangle"/>
+          </a:ln>
+        </p:spPr>
+        <p:style>
+          <a:lnRef idx="1">
+            <a:schemeClr val="accent1"/>
+          </a:lnRef>
+          <a:fillRef idx="0">
+            <a:schemeClr val="accent1"/>
+          </a:fillRef>
+          <a:effectRef idx="0">
+            <a:schemeClr val="accent1"/>
+          </a:effectRef>
+          <a:fontRef idx="minor">
+            <a:schemeClr val="tx1"/>
+          </a:fontRef>
+        </p:style>
+      </p:cxnSp>
+      <p:graphicFrame>
+        <p:nvGraphicFramePr>
+          <p:cNvPr id="35" name="Table 9">
+            <a:extLst>
+              <a:ext uri="{FF2B5EF4-FFF2-40B4-BE49-F238E27FC236}">
+                <a16:creationId xmlns:a16="http://schemas.microsoft.com/office/drawing/2014/main" id="{BFD3FDB9-C879-EC44-99B1-DADF47BC51AA}"/>
+              </a:ext>
+            </a:extLst>
+          </p:cNvPr>
+          <p:cNvGraphicFramePr>
+            <a:graphicFrameLocks noGrp="1"/>
+          </p:cNvGraphicFramePr>
+          <p:nvPr>
+            <p:extLst>
+              <p:ext uri="{D42A27DB-BD31-4B8C-83A1-F6EECF244321}">
+                <p14:modId xmlns:p14="http://schemas.microsoft.com/office/powerpoint/2010/main" val="3493311322"/>
+              </p:ext>
+            </p:extLst>
+          </p:nvPr>
+        </p:nvGraphicFramePr>
+        <p:xfrm>
+          <a:off x="7292717" y="6101560"/>
+          <a:ext cx="1876725" cy="304800"/>
+        </p:xfrm>
+        <a:graphic>
+          <a:graphicData uri="http://schemas.openxmlformats.org/drawingml/2006/table">
+            <a:tbl>
+              <a:tblPr firstRow="1" bandRow="1">
+                <a:tableStyleId>{5C22544A-7EE6-4342-B048-85BDC9FD1C3A}</a:tableStyleId>
+              </a:tblPr>
+              <a:tblGrid>
+                <a:gridCol w="375345">
+                  <a:extLst>
+                    <a:ext uri="{9D8B030D-6E8A-4147-A177-3AD203B41FA5}">
+                      <a16:colId xmlns:a16="http://schemas.microsoft.com/office/drawing/2014/main" val="1367944414"/>
+                    </a:ext>
+                  </a:extLst>
+                </a:gridCol>
+                <a:gridCol w="375345">
+                  <a:extLst>
+                    <a:ext uri="{9D8B030D-6E8A-4147-A177-3AD203B41FA5}">
+                      <a16:colId xmlns:a16="http://schemas.microsoft.com/office/drawing/2014/main" val="3127046063"/>
+                    </a:ext>
+                  </a:extLst>
+                </a:gridCol>
+                <a:gridCol w="375345">
+                  <a:extLst>
+                    <a:ext uri="{9D8B030D-6E8A-4147-A177-3AD203B41FA5}">
+                      <a16:colId xmlns:a16="http://schemas.microsoft.com/office/drawing/2014/main" val="27871377"/>
+                    </a:ext>
+                  </a:extLst>
+                </a:gridCol>
+                <a:gridCol w="375345">
+                  <a:extLst>
+                    <a:ext uri="{9D8B030D-6E8A-4147-A177-3AD203B41FA5}">
+                      <a16:colId xmlns:a16="http://schemas.microsoft.com/office/drawing/2014/main" val="879411235"/>
+                    </a:ext>
+                  </a:extLst>
+                </a:gridCol>
+                <a:gridCol w="375345">
+                  <a:extLst>
+                    <a:ext uri="{9D8B030D-6E8A-4147-A177-3AD203B41FA5}">
+                      <a16:colId xmlns:a16="http://schemas.microsoft.com/office/drawing/2014/main" val="2059762792"/>
+                    </a:ext>
+                  </a:extLst>
+                </a:gridCol>
+              </a:tblGrid>
+              <a:tr h="0">
+                <a:tc>
+                  <a:txBody>
+                    <a:bodyPr/>
+                    <a:lstStyle/>
+                    <a:p>
+                      <a:r>
+                        <a:rPr lang="en-US" sz="1400" b="1" dirty="0">
+                          <a:solidFill>
+                            <a:schemeClr val="accent1"/>
+                          </a:solidFill>
+                        </a:rPr>
+                        <a:t>C</a:t>
+                      </a:r>
+                    </a:p>
+                  </a:txBody>
+                  <a:tcPr>
+                    <a:solidFill>
+                      <a:schemeClr val="accent1">
+                        <a:lumMod val="40000"/>
+                        <a:lumOff val="60000"/>
+                        <a:alpha val="38000"/>
+                      </a:schemeClr>
+                    </a:solidFill>
+                  </a:tcPr>
+                </a:tc>
+                <a:tc>
+                  <a:txBody>
+                    <a:bodyPr/>
+                    <a:lstStyle/>
+                    <a:p>
+                      <a:r>
+                        <a:rPr lang="en-US" sz="1400" b="1" dirty="0">
+                          <a:solidFill>
+                            <a:schemeClr val="accent1"/>
+                          </a:solidFill>
+                        </a:rPr>
+                        <a:t>o</a:t>
+                      </a:r>
+                    </a:p>
+                  </a:txBody>
+                  <a:tcPr>
+                    <a:solidFill>
+                      <a:schemeClr val="accent1">
+                        <a:lumMod val="40000"/>
+                        <a:lumOff val="60000"/>
+                        <a:alpha val="38000"/>
+                      </a:schemeClr>
+                    </a:solidFill>
+                  </a:tcPr>
+                </a:tc>
+                <a:tc>
+                  <a:txBody>
+                    <a:bodyPr/>
+                    <a:lstStyle/>
+                    <a:p>
+                      <a:r>
+                        <a:rPr lang="en-US" sz="1400" b="1" dirty="0">
+                          <a:solidFill>
+                            <a:schemeClr val="accent1"/>
+                          </a:solidFill>
+                        </a:rPr>
+                        <a:t>o</a:t>
+                      </a:r>
+                    </a:p>
+                  </a:txBody>
+                  <a:tcPr>
+                    <a:solidFill>
+                      <a:schemeClr val="accent1">
+                        <a:lumMod val="40000"/>
+                        <a:lumOff val="60000"/>
+                        <a:alpha val="38000"/>
+                      </a:schemeClr>
+                    </a:solidFill>
+                  </a:tcPr>
+                </a:tc>
+                <a:tc>
+                  <a:txBody>
+                    <a:bodyPr/>
+                    <a:lstStyle/>
+                    <a:p>
+                      <a:r>
+                        <a:rPr lang="en-US" sz="1400" b="1" dirty="0">
+                          <a:solidFill>
+                            <a:schemeClr val="accent1"/>
+                          </a:solidFill>
+                        </a:rPr>
+                        <a:t>k</a:t>
+                      </a:r>
+                    </a:p>
+                  </a:txBody>
+                  <a:tcPr>
+                    <a:solidFill>
+                      <a:schemeClr val="accent1">
+                        <a:lumMod val="40000"/>
+                        <a:lumOff val="60000"/>
+                        <a:alpha val="38000"/>
+                      </a:schemeClr>
+                    </a:solidFill>
+                  </a:tcPr>
+                </a:tc>
+                <a:tc>
+                  <a:txBody>
+                    <a:bodyPr/>
+                    <a:lstStyle/>
+                    <a:p>
+                      <a:r>
+                        <a:rPr lang="en-US" sz="1400" b="1" dirty="0">
+                          <a:solidFill>
+                            <a:schemeClr val="accent1"/>
+                          </a:solidFill>
+                        </a:rPr>
+                        <a:t>\0</a:t>
+                      </a:r>
+                    </a:p>
+                  </a:txBody>
+                  <a:tcPr>
+                    <a:solidFill>
+                      <a:schemeClr val="accent1">
+                        <a:lumMod val="40000"/>
+                        <a:lumOff val="60000"/>
+                        <a:alpha val="38000"/>
+                      </a:schemeClr>
+                    </a:solidFill>
+                  </a:tcPr>
+                </a:tc>
+                <a:extLst>
+                  <a:ext uri="{0D108BD9-81ED-4DB2-BD59-A6C34878D82A}">
+                    <a16:rowId xmlns:a16="http://schemas.microsoft.com/office/drawing/2014/main" val="1482642403"/>
+                  </a:ext>
+                </a:extLst>
+              </a:tr>
+            </a:tbl>
+          </a:graphicData>
+        </a:graphic>
+      </p:graphicFrame>
+    </p:spTree>
+    <p:extLst>
+      <p:ext uri="{BB962C8B-B14F-4D97-AF65-F5344CB8AC3E}">
+        <p14:creationId xmlns:p14="http://schemas.microsoft.com/office/powerpoint/2010/main" val="2440618350"/>
+      </p:ext>
+    </p:extLst>
+  </p:cSld>
+  <p:clrMapOvr>
+    <a:masterClrMapping/>
+  </p:clrMapOvr>
+</p:sld>
+</file>
+
 <file path=ppt/theme/theme1.xml><?xml version="1.0" encoding="utf-8"?>
 <a:theme xmlns:a="http://schemas.openxmlformats.org/drawingml/2006/main" name="Office Theme">
   <a:themeElements>

--- a/how_to_benefit_from_move_semantics/InitializeMembers.pptx
+++ b/how_to_benefit_from_move_semantics/InitializeMembers.pptx
@@ -7,6 +7,7 @@
   <p:sldIdLst>
     <p:sldId id="256" r:id="rId2"/>
     <p:sldId id="257" r:id="rId3"/>
+    <p:sldId id="258" r:id="rId4"/>
   </p:sldIdLst>
   <p:sldSz cx="12192000" cy="6858000"/>
   <p:notesSz cx="6858000" cy="9144000"/>
@@ -8001,10 +8002,3000 @@
           </a:graphicData>
         </a:graphic>
       </p:graphicFrame>
+      <p:sp>
+        <p:nvSpPr>
+          <p:cNvPr id="36" name="TextBox 35">
+            <a:extLst>
+              <a:ext uri="{FF2B5EF4-FFF2-40B4-BE49-F238E27FC236}">
+                <a16:creationId xmlns:a16="http://schemas.microsoft.com/office/drawing/2014/main" id="{F7187CB7-77ED-6D46-826E-82047AE969A4}"/>
+              </a:ext>
+            </a:extLst>
+          </p:cNvPr>
+          <p:cNvSpPr txBox="1"/>
+          <p:nvPr/>
+        </p:nvSpPr>
+        <p:spPr>
+          <a:xfrm>
+            <a:off x="6096000" y="1747628"/>
+            <a:ext cx="5648740" cy="276999"/>
+          </a:xfrm>
+          <a:prstGeom prst="rect">
+            <a:avLst/>
+          </a:prstGeom>
+          <a:noFill/>
+        </p:spPr>
+        <p:txBody>
+          <a:bodyPr wrap="square" rtlCol="0">
+            <a:spAutoFit/>
+          </a:bodyPr>
+          <a:lstStyle/>
+          <a:p>
+            <a:r>
+              <a:rPr lang="en-US" sz="1200" dirty="0">
+                <a:latin typeface="Courier New" panose="02070309020205020404" pitchFamily="49" charset="0"/>
+                <a:cs typeface="Courier New" panose="02070309020205020404" pitchFamily="49" charset="0"/>
+              </a:rPr>
+              <a:t>Person p{</a:t>
+            </a:r>
+            <a:r>
+              <a:rPr lang="en-US" sz="1200" b="1" dirty="0">
+                <a:solidFill>
+                  <a:srgbClr val="7030A0"/>
+                </a:solidFill>
+                <a:latin typeface="Courier New" panose="02070309020205020404" pitchFamily="49" charset="0"/>
+                <a:cs typeface="Courier New" panose="02070309020205020404" pitchFamily="49" charset="0"/>
+              </a:rPr>
+              <a:t>“Ben”</a:t>
+            </a:r>
+            <a:r>
+              <a:rPr lang="en-US" sz="1200" dirty="0">
+                <a:latin typeface="Courier New" panose="02070309020205020404" pitchFamily="49" charset="0"/>
+                <a:cs typeface="Courier New" panose="02070309020205020404" pitchFamily="49" charset="0"/>
+              </a:rPr>
+              <a:t>, </a:t>
+            </a:r>
+            <a:r>
+              <a:rPr lang="en-US" sz="1200" b="1" dirty="0">
+                <a:solidFill>
+                  <a:srgbClr val="7030A0"/>
+                </a:solidFill>
+                <a:latin typeface="Courier New" panose="02070309020205020404" pitchFamily="49" charset="0"/>
+                <a:cs typeface="Courier New" panose="02070309020205020404" pitchFamily="49" charset="0"/>
+              </a:rPr>
+              <a:t>“Cook”</a:t>
+            </a:r>
+            <a:r>
+              <a:rPr lang="en-US" sz="1200" dirty="0">
+                <a:latin typeface="Courier New" panose="02070309020205020404" pitchFamily="49" charset="0"/>
+                <a:cs typeface="Courier New" panose="02070309020205020404" pitchFamily="49" charset="0"/>
+              </a:rPr>
+              <a:t>};</a:t>
+            </a:r>
+          </a:p>
+        </p:txBody>
+      </p:sp>
     </p:spTree>
     <p:extLst>
       <p:ext uri="{BB962C8B-B14F-4D97-AF65-F5344CB8AC3E}">
         <p14:creationId xmlns:p14="http://schemas.microsoft.com/office/powerpoint/2010/main" val="2440618350"/>
+      </p:ext>
+    </p:extLst>
+  </p:cSld>
+  <p:clrMapOvr>
+    <a:masterClrMapping/>
+  </p:clrMapOvr>
+</p:sld>
+</file>
+
+<file path=ppt/slides/slide3.xml><?xml version="1.0" encoding="utf-8"?>
+<p:sld xmlns:a="http://schemas.openxmlformats.org/drawingml/2006/main" xmlns:r="http://schemas.openxmlformats.org/officeDocument/2006/relationships" xmlns:p="http://schemas.openxmlformats.org/presentationml/2006/main">
+  <p:cSld>
+    <p:spTree>
+      <p:nvGrpSpPr>
+        <p:cNvPr id="1" name=""/>
+        <p:cNvGrpSpPr/>
+        <p:nvPr/>
+      </p:nvGrpSpPr>
+      <p:grpSpPr>
+        <a:xfrm>
+          <a:off x="0" y="0"/>
+          <a:ext cx="0" cy="0"/>
+          <a:chOff x="0" y="0"/>
+          <a:chExt cx="0" cy="0"/>
+        </a:xfrm>
+      </p:grpSpPr>
+      <p:sp>
+        <p:nvSpPr>
+          <p:cNvPr id="11" name="TextBox 10">
+            <a:extLst>
+              <a:ext uri="{FF2B5EF4-FFF2-40B4-BE49-F238E27FC236}">
+                <a16:creationId xmlns:a16="http://schemas.microsoft.com/office/drawing/2014/main" id="{3E5383C6-4D68-144F-A4A2-D6180A2FD421}"/>
+              </a:ext>
+            </a:extLst>
+          </p:cNvPr>
+          <p:cNvSpPr txBox="1"/>
+          <p:nvPr/>
+        </p:nvSpPr>
+        <p:spPr>
+          <a:xfrm>
+            <a:off x="3688726" y="2434158"/>
+            <a:ext cx="5272709" cy="2862322"/>
+          </a:xfrm>
+          <a:prstGeom prst="rect">
+            <a:avLst/>
+          </a:prstGeom>
+          <a:noFill/>
+        </p:spPr>
+        <p:txBody>
+          <a:bodyPr wrap="square" rtlCol="0">
+            <a:spAutoFit/>
+          </a:bodyPr>
+          <a:lstStyle/>
+          <a:p>
+            <a:r>
+              <a:rPr lang="en-US" dirty="0"/>
+              <a:t>“Ben”:                                    “Cook”:</a:t>
+            </a:r>
+          </a:p>
+          <a:p>
+            <a:endParaRPr lang="en-US" dirty="0"/>
+          </a:p>
+          <a:p>
+            <a:r>
+              <a:rPr lang="en-US" dirty="0"/>
+              <a:t> f:            </a:t>
+            </a:r>
+            <a:r>
+              <a:rPr lang="en-US" dirty="0">
+                <a:solidFill>
+                  <a:schemeClr val="tx1">
+                    <a:alpha val="20741"/>
+                  </a:schemeClr>
+                </a:solidFill>
+              </a:rPr>
+              <a:t>           </a:t>
+            </a:r>
+            <a:r>
+              <a:rPr lang="en-US" dirty="0"/>
+              <a:t>                             l:   </a:t>
+            </a:r>
+          </a:p>
+          <a:p>
+            <a:r>
+              <a:rPr lang="en-US" dirty="0"/>
+              <a:t>      </a:t>
+            </a:r>
+          </a:p>
+          <a:p>
+            <a:endParaRPr lang="en-US" dirty="0"/>
+          </a:p>
+          <a:p>
+            <a:endParaRPr lang="en-US" dirty="0"/>
+          </a:p>
+          <a:p>
+            <a:endParaRPr lang="en-US" dirty="0"/>
+          </a:p>
+          <a:p>
+            <a:endParaRPr lang="en-US" dirty="0"/>
+          </a:p>
+          <a:p>
+            <a:endParaRPr lang="en-US" dirty="0"/>
+          </a:p>
+          <a:p>
+            <a:r>
+              <a:rPr lang="en-US" dirty="0"/>
+              <a:t> p: </a:t>
+            </a:r>
+          </a:p>
+        </p:txBody>
+      </p:sp>
+      <p:sp>
+        <p:nvSpPr>
+          <p:cNvPr id="2" name="TextBox 1">
+            <a:extLst>
+              <a:ext uri="{FF2B5EF4-FFF2-40B4-BE49-F238E27FC236}">
+                <a16:creationId xmlns:a16="http://schemas.microsoft.com/office/drawing/2014/main" id="{04C499E3-C37E-CE4B-8987-CD2AD09EA4C6}"/>
+              </a:ext>
+            </a:extLst>
+          </p:cNvPr>
+          <p:cNvSpPr txBox="1"/>
+          <p:nvPr/>
+        </p:nvSpPr>
+        <p:spPr>
+          <a:xfrm>
+            <a:off x="2037522" y="208722"/>
+            <a:ext cx="7762461" cy="369332"/>
+          </a:xfrm>
+          <a:prstGeom prst="rect">
+            <a:avLst/>
+          </a:prstGeom>
+          <a:noFill/>
+        </p:spPr>
+        <p:txBody>
+          <a:bodyPr wrap="square" rtlCol="0">
+            <a:spAutoFit/>
+          </a:bodyPr>
+          <a:lstStyle/>
+          <a:p>
+            <a:pPr algn="ctr"/>
+            <a:r>
+              <a:rPr lang="en-US" dirty="0"/>
+              <a:t>Initialize Members in the Classical Way</a:t>
+            </a:r>
+          </a:p>
+        </p:txBody>
+      </p:sp>
+      <p:sp>
+        <p:nvSpPr>
+          <p:cNvPr id="3" name="TextBox 2">
+            <a:extLst>
+              <a:ext uri="{FF2B5EF4-FFF2-40B4-BE49-F238E27FC236}">
+                <a16:creationId xmlns:a16="http://schemas.microsoft.com/office/drawing/2014/main" id="{D708564C-69B8-1D45-835C-5C1060767503}"/>
+              </a:ext>
+            </a:extLst>
+          </p:cNvPr>
+          <p:cNvSpPr txBox="1"/>
+          <p:nvPr/>
+        </p:nvSpPr>
+        <p:spPr>
+          <a:xfrm>
+            <a:off x="447260" y="467139"/>
+            <a:ext cx="5648740" cy="2308324"/>
+          </a:xfrm>
+          <a:prstGeom prst="rect">
+            <a:avLst/>
+          </a:prstGeom>
+          <a:noFill/>
+        </p:spPr>
+        <p:txBody>
+          <a:bodyPr wrap="square" rtlCol="0">
+            <a:spAutoFit/>
+          </a:bodyPr>
+          <a:lstStyle/>
+          <a:p>
+            <a:r>
+              <a:rPr lang="en-US" sz="1200" b="1" dirty="0">
+                <a:solidFill>
+                  <a:schemeClr val="accent1"/>
+                </a:solidFill>
+                <a:latin typeface="Courier New" panose="02070309020205020404" pitchFamily="49" charset="0"/>
+                <a:cs typeface="Courier New" panose="02070309020205020404" pitchFamily="49" charset="0"/>
+              </a:rPr>
+              <a:t>#include </a:t>
+            </a:r>
+            <a:r>
+              <a:rPr lang="en-US" sz="1200" dirty="0">
+                <a:latin typeface="Courier New" panose="02070309020205020404" pitchFamily="49" charset="0"/>
+                <a:cs typeface="Courier New" panose="02070309020205020404" pitchFamily="49" charset="0"/>
+              </a:rPr>
+              <a:t>&lt;string&gt;</a:t>
+            </a:r>
+          </a:p>
+          <a:p>
+            <a:endParaRPr lang="en-US" sz="1200" dirty="0">
+              <a:latin typeface="Courier New" panose="02070309020205020404" pitchFamily="49" charset="0"/>
+              <a:cs typeface="Courier New" panose="02070309020205020404" pitchFamily="49" charset="0"/>
+            </a:endParaRPr>
+          </a:p>
+          <a:p>
+            <a:r>
+              <a:rPr lang="en-US" sz="1200" b="1" dirty="0">
+                <a:solidFill>
+                  <a:schemeClr val="accent1"/>
+                </a:solidFill>
+                <a:latin typeface="Courier New" panose="02070309020205020404" pitchFamily="49" charset="0"/>
+                <a:cs typeface="Courier New" panose="02070309020205020404" pitchFamily="49" charset="0"/>
+              </a:rPr>
+              <a:t>class</a:t>
+            </a:r>
+            <a:r>
+              <a:rPr lang="en-US" sz="1200" dirty="0">
+                <a:latin typeface="Courier New" panose="02070309020205020404" pitchFamily="49" charset="0"/>
+                <a:cs typeface="Courier New" panose="02070309020205020404" pitchFamily="49" charset="0"/>
+              </a:rPr>
+              <a:t> Person {</a:t>
+            </a:r>
+          </a:p>
+          <a:p>
+            <a:r>
+              <a:rPr lang="en-US" sz="1200" dirty="0">
+                <a:latin typeface="Courier New" panose="02070309020205020404" pitchFamily="49" charset="0"/>
+                <a:cs typeface="Courier New" panose="02070309020205020404" pitchFamily="49" charset="0"/>
+              </a:rPr>
+              <a:t> </a:t>
+            </a:r>
+            <a:r>
+              <a:rPr lang="en-US" sz="1200" b="1" dirty="0">
+                <a:solidFill>
+                  <a:schemeClr val="accent1"/>
+                </a:solidFill>
+                <a:latin typeface="Courier New" panose="02070309020205020404" pitchFamily="49" charset="0"/>
+                <a:cs typeface="Courier New" panose="02070309020205020404" pitchFamily="49" charset="0"/>
+              </a:rPr>
+              <a:t>private:</a:t>
+            </a:r>
+          </a:p>
+          <a:p>
+            <a:r>
+              <a:rPr lang="en-US" sz="1200" dirty="0">
+                <a:latin typeface="Courier New" panose="02070309020205020404" pitchFamily="49" charset="0"/>
+                <a:cs typeface="Courier New" panose="02070309020205020404" pitchFamily="49" charset="0"/>
+              </a:rPr>
+              <a:t>  std::string first; </a:t>
+            </a:r>
+            <a:r>
+              <a:rPr lang="en-US" sz="1200" b="1" dirty="0">
+                <a:solidFill>
+                  <a:schemeClr val="accent6">
+                    <a:lumMod val="75000"/>
+                  </a:schemeClr>
+                </a:solidFill>
+                <a:latin typeface="Courier New" panose="02070309020205020404" pitchFamily="49" charset="0"/>
+                <a:cs typeface="Courier New" panose="02070309020205020404" pitchFamily="49" charset="0"/>
+              </a:rPr>
+              <a:t>// first name</a:t>
+            </a:r>
+          </a:p>
+          <a:p>
+            <a:r>
+              <a:rPr lang="en-US" sz="1200" dirty="0">
+                <a:latin typeface="Courier New" panose="02070309020205020404" pitchFamily="49" charset="0"/>
+                <a:cs typeface="Courier New" panose="02070309020205020404" pitchFamily="49" charset="0"/>
+              </a:rPr>
+              <a:t>  std::string last;  </a:t>
+            </a:r>
+            <a:r>
+              <a:rPr lang="en-US" sz="1200" b="1" dirty="0">
+                <a:solidFill>
+                  <a:schemeClr val="accent6">
+                    <a:lumMod val="75000"/>
+                  </a:schemeClr>
+                </a:solidFill>
+                <a:latin typeface="Courier New" panose="02070309020205020404" pitchFamily="49" charset="0"/>
+                <a:cs typeface="Courier New" panose="02070309020205020404" pitchFamily="49" charset="0"/>
+              </a:rPr>
+              <a:t>// last name</a:t>
+            </a:r>
+          </a:p>
+          <a:p>
+            <a:r>
+              <a:rPr lang="en-US" sz="1200" dirty="0">
+                <a:latin typeface="Courier New" panose="02070309020205020404" pitchFamily="49" charset="0"/>
+                <a:cs typeface="Courier New" panose="02070309020205020404" pitchFamily="49" charset="0"/>
+              </a:rPr>
+              <a:t> </a:t>
+            </a:r>
+            <a:r>
+              <a:rPr lang="en-US" sz="1200" b="1" dirty="0">
+                <a:solidFill>
+                  <a:schemeClr val="accent1"/>
+                </a:solidFill>
+                <a:latin typeface="Courier New" panose="02070309020205020404" pitchFamily="49" charset="0"/>
+                <a:cs typeface="Courier New" panose="02070309020205020404" pitchFamily="49" charset="0"/>
+              </a:rPr>
+              <a:t>public:</a:t>
+            </a:r>
+          </a:p>
+          <a:p>
+            <a:r>
+              <a:rPr lang="en-US" sz="1200" dirty="0">
+                <a:latin typeface="Courier New" panose="02070309020205020404" pitchFamily="49" charset="0"/>
+                <a:cs typeface="Courier New" panose="02070309020205020404" pitchFamily="49" charset="0"/>
+              </a:rPr>
+              <a:t>  Person(</a:t>
+            </a:r>
+            <a:r>
+              <a:rPr lang="en-US" sz="1200" b="1" dirty="0">
+                <a:solidFill>
+                  <a:schemeClr val="accent1"/>
+                </a:solidFill>
+                <a:latin typeface="Courier New" panose="02070309020205020404" pitchFamily="49" charset="0"/>
+                <a:cs typeface="Courier New" panose="02070309020205020404" pitchFamily="49" charset="0"/>
+              </a:rPr>
+              <a:t>const</a:t>
+            </a:r>
+            <a:r>
+              <a:rPr lang="en-US" sz="1200" dirty="0">
+                <a:latin typeface="Courier New" panose="02070309020205020404" pitchFamily="49" charset="0"/>
+                <a:cs typeface="Courier New" panose="02070309020205020404" pitchFamily="49" charset="0"/>
+              </a:rPr>
+              <a:t> std::string&amp; f, </a:t>
+            </a:r>
+            <a:r>
+              <a:rPr lang="en-US" sz="1200" b="1" dirty="0">
+                <a:solidFill>
+                  <a:schemeClr val="accent1"/>
+                </a:solidFill>
+                <a:latin typeface="Courier New" panose="02070309020205020404" pitchFamily="49" charset="0"/>
+                <a:cs typeface="Courier New" panose="02070309020205020404" pitchFamily="49" charset="0"/>
+              </a:rPr>
+              <a:t>const</a:t>
+            </a:r>
+            <a:r>
+              <a:rPr lang="en-US" sz="1200" dirty="0">
+                <a:latin typeface="Courier New" panose="02070309020205020404" pitchFamily="49" charset="0"/>
+                <a:cs typeface="Courier New" panose="02070309020205020404" pitchFamily="49" charset="0"/>
+              </a:rPr>
+              <a:t> std::string&amp; l)</a:t>
+            </a:r>
+          </a:p>
+          <a:p>
+            <a:r>
+              <a:rPr lang="en-US" sz="1200" dirty="0">
+                <a:latin typeface="Courier New" panose="02070309020205020404" pitchFamily="49" charset="0"/>
+                <a:cs typeface="Courier New" panose="02070309020205020404" pitchFamily="49" charset="0"/>
+              </a:rPr>
+              <a:t>   : first{f}, last{f} {</a:t>
+            </a:r>
+          </a:p>
+          <a:p>
+            <a:r>
+              <a:rPr lang="en-US" sz="1200" dirty="0">
+                <a:latin typeface="Courier New" panose="02070309020205020404" pitchFamily="49" charset="0"/>
+                <a:cs typeface="Courier New" panose="02070309020205020404" pitchFamily="49" charset="0"/>
+              </a:rPr>
+              <a:t>  }</a:t>
+            </a:r>
+          </a:p>
+          <a:p>
+            <a:r>
+              <a:rPr lang="en-US" sz="1200" dirty="0">
+                <a:latin typeface="Courier New" panose="02070309020205020404" pitchFamily="49" charset="0"/>
+                <a:cs typeface="Courier New" panose="02070309020205020404" pitchFamily="49" charset="0"/>
+              </a:rPr>
+              <a:t> …</a:t>
+            </a:r>
+          </a:p>
+          <a:p>
+            <a:r>
+              <a:rPr lang="en-US" sz="1200" dirty="0">
+                <a:latin typeface="Courier New" panose="02070309020205020404" pitchFamily="49" charset="0"/>
+                <a:cs typeface="Courier New" panose="02070309020205020404" pitchFamily="49" charset="0"/>
+              </a:rPr>
+              <a:t>}; </a:t>
+            </a:r>
+          </a:p>
+        </p:txBody>
+      </p:sp>
+      <p:sp>
+        <p:nvSpPr>
+          <p:cNvPr id="4" name="TextBox 3">
+            <a:extLst>
+              <a:ext uri="{FF2B5EF4-FFF2-40B4-BE49-F238E27FC236}">
+                <a16:creationId xmlns:a16="http://schemas.microsoft.com/office/drawing/2014/main" id="{C5038577-ACCD-5848-AB77-B211D5115444}"/>
+              </a:ext>
+            </a:extLst>
+          </p:cNvPr>
+          <p:cNvSpPr txBox="1"/>
+          <p:nvPr/>
+        </p:nvSpPr>
+        <p:spPr>
+          <a:xfrm>
+            <a:off x="6096000" y="1747628"/>
+            <a:ext cx="5648740" cy="276999"/>
+          </a:xfrm>
+          <a:prstGeom prst="rect">
+            <a:avLst/>
+          </a:prstGeom>
+          <a:noFill/>
+        </p:spPr>
+        <p:txBody>
+          <a:bodyPr wrap="square" rtlCol="0">
+            <a:spAutoFit/>
+          </a:bodyPr>
+          <a:lstStyle/>
+          <a:p>
+            <a:r>
+              <a:rPr lang="en-US" sz="1200" dirty="0">
+                <a:latin typeface="Courier New" panose="02070309020205020404" pitchFamily="49" charset="0"/>
+                <a:cs typeface="Courier New" panose="02070309020205020404" pitchFamily="49" charset="0"/>
+              </a:rPr>
+              <a:t>Person p{</a:t>
+            </a:r>
+            <a:r>
+              <a:rPr lang="en-US" sz="1200" b="1" dirty="0">
+                <a:solidFill>
+                  <a:srgbClr val="7030A0"/>
+                </a:solidFill>
+                <a:latin typeface="Courier New" panose="02070309020205020404" pitchFamily="49" charset="0"/>
+                <a:cs typeface="Courier New" panose="02070309020205020404" pitchFamily="49" charset="0"/>
+              </a:rPr>
+              <a:t>“Ben”</a:t>
+            </a:r>
+            <a:r>
+              <a:rPr lang="en-US" sz="1200" dirty="0">
+                <a:latin typeface="Courier New" panose="02070309020205020404" pitchFamily="49" charset="0"/>
+                <a:cs typeface="Courier New" panose="02070309020205020404" pitchFamily="49" charset="0"/>
+              </a:rPr>
+              <a:t>, </a:t>
+            </a:r>
+            <a:r>
+              <a:rPr lang="en-US" sz="1200" b="1" dirty="0">
+                <a:solidFill>
+                  <a:srgbClr val="7030A0"/>
+                </a:solidFill>
+                <a:latin typeface="Courier New" panose="02070309020205020404" pitchFamily="49" charset="0"/>
+                <a:cs typeface="Courier New" panose="02070309020205020404" pitchFamily="49" charset="0"/>
+              </a:rPr>
+              <a:t>“Cook”</a:t>
+            </a:r>
+            <a:r>
+              <a:rPr lang="en-US" sz="1200" dirty="0">
+                <a:latin typeface="Courier New" panose="02070309020205020404" pitchFamily="49" charset="0"/>
+                <a:cs typeface="Courier New" panose="02070309020205020404" pitchFamily="49" charset="0"/>
+              </a:rPr>
+              <a:t>};</a:t>
+            </a:r>
+          </a:p>
+        </p:txBody>
+      </p:sp>
+      <p:sp>
+        <p:nvSpPr>
+          <p:cNvPr id="5" name="TextBox 4">
+            <a:extLst>
+              <a:ext uri="{FF2B5EF4-FFF2-40B4-BE49-F238E27FC236}">
+                <a16:creationId xmlns:a16="http://schemas.microsoft.com/office/drawing/2014/main" id="{856A6382-30C2-4545-84E8-6035DC48B667}"/>
+              </a:ext>
+            </a:extLst>
+          </p:cNvPr>
+          <p:cNvSpPr txBox="1"/>
+          <p:nvPr/>
+        </p:nvSpPr>
+        <p:spPr>
+          <a:xfrm>
+            <a:off x="4465612" y="3024661"/>
+            <a:ext cx="1173892" cy="646331"/>
+          </a:xfrm>
+          <a:prstGeom prst="rect">
+            <a:avLst/>
+          </a:prstGeom>
+          <a:solidFill>
+            <a:schemeClr val="accent4">
+              <a:lumMod val="75000"/>
+              <a:alpha val="21035"/>
+            </a:schemeClr>
+          </a:solidFill>
+          <a:ln>
+            <a:solidFill>
+              <a:schemeClr val="accent1"/>
+            </a:solidFill>
+          </a:ln>
+        </p:spPr>
+        <p:txBody>
+          <a:bodyPr wrap="square" rtlCol="0">
+            <a:spAutoFit/>
+          </a:bodyPr>
+          <a:lstStyle/>
+          <a:p>
+            <a:r>
+              <a:rPr lang="en-US" dirty="0" err="1"/>
+              <a:t>len</a:t>
+            </a:r>
+            <a:r>
+              <a:rPr lang="en-US" dirty="0"/>
+              <a:t>:  </a:t>
+            </a:r>
+            <a:r>
+              <a:rPr lang="en-US" dirty="0">
+                <a:ln>
+                  <a:solidFill>
+                    <a:schemeClr val="accent1"/>
+                  </a:solidFill>
+                </a:ln>
+              </a:rPr>
+              <a:t>3</a:t>
+            </a:r>
+          </a:p>
+          <a:p>
+            <a:r>
+              <a:rPr lang="en-US" dirty="0">
+                <a:ln w="9525">
+                  <a:noFill/>
+                </a:ln>
+              </a:rPr>
+              <a:t>data</a:t>
+            </a:r>
+            <a:r>
+              <a:rPr lang="en-US" dirty="0">
+                <a:ln w="9525">
+                  <a:solidFill>
+                    <a:schemeClr val="tx1"/>
+                  </a:solidFill>
+                </a:ln>
+              </a:rPr>
+              <a:t>: </a:t>
+            </a:r>
+          </a:p>
+        </p:txBody>
+      </p:sp>
+      <p:sp>
+        <p:nvSpPr>
+          <p:cNvPr id="6" name="Rectangle 5">
+            <a:extLst>
+              <a:ext uri="{FF2B5EF4-FFF2-40B4-BE49-F238E27FC236}">
+                <a16:creationId xmlns:a16="http://schemas.microsoft.com/office/drawing/2014/main" id="{D9D21F78-B61B-644F-BE22-F46C07E8E686}"/>
+              </a:ext>
+            </a:extLst>
+          </p:cNvPr>
+          <p:cNvSpPr/>
+          <p:nvPr/>
+        </p:nvSpPr>
+        <p:spPr>
+          <a:xfrm>
+            <a:off x="4947526" y="3116994"/>
+            <a:ext cx="222422" cy="184666"/>
+          </a:xfrm>
+          <a:prstGeom prst="rect">
+            <a:avLst/>
+          </a:prstGeom>
+          <a:solidFill>
+            <a:schemeClr val="accent1">
+              <a:alpha val="9721"/>
+            </a:schemeClr>
+          </a:solidFill>
+        </p:spPr>
+        <p:style>
+          <a:lnRef idx="2">
+            <a:schemeClr val="accent1">
+              <a:shade val="50000"/>
+            </a:schemeClr>
+          </a:lnRef>
+          <a:fillRef idx="1">
+            <a:schemeClr val="accent1"/>
+          </a:fillRef>
+          <a:effectRef idx="0">
+            <a:schemeClr val="accent1"/>
+          </a:effectRef>
+          <a:fontRef idx="minor">
+            <a:schemeClr val="lt1"/>
+          </a:fontRef>
+        </p:style>
+        <p:txBody>
+          <a:bodyPr rtlCol="0" anchor="ctr"/>
+          <a:lstStyle/>
+          <a:p>
+            <a:pPr algn="ctr"/>
+            <a:endParaRPr lang="en-US"/>
+          </a:p>
+        </p:txBody>
+      </p:sp>
+      <p:sp>
+        <p:nvSpPr>
+          <p:cNvPr id="7" name="Rectangle 6">
+            <a:extLst>
+              <a:ext uri="{FF2B5EF4-FFF2-40B4-BE49-F238E27FC236}">
+                <a16:creationId xmlns:a16="http://schemas.microsoft.com/office/drawing/2014/main" id="{C63BE96B-2A5B-C84E-A642-4AC0F81407FA}"/>
+              </a:ext>
+            </a:extLst>
+          </p:cNvPr>
+          <p:cNvSpPr/>
+          <p:nvPr/>
+        </p:nvSpPr>
+        <p:spPr>
+          <a:xfrm>
+            <a:off x="5108165" y="3394130"/>
+            <a:ext cx="222422" cy="184666"/>
+          </a:xfrm>
+          <a:prstGeom prst="rect">
+            <a:avLst/>
+          </a:prstGeom>
+          <a:solidFill>
+            <a:schemeClr val="accent1">
+              <a:alpha val="9721"/>
+            </a:schemeClr>
+          </a:solidFill>
+        </p:spPr>
+        <p:style>
+          <a:lnRef idx="2">
+            <a:schemeClr val="accent1">
+              <a:shade val="50000"/>
+            </a:schemeClr>
+          </a:lnRef>
+          <a:fillRef idx="1">
+            <a:schemeClr val="accent1"/>
+          </a:fillRef>
+          <a:effectRef idx="0">
+            <a:schemeClr val="accent1"/>
+          </a:effectRef>
+          <a:fontRef idx="minor">
+            <a:schemeClr val="lt1"/>
+          </a:fontRef>
+        </p:style>
+        <p:txBody>
+          <a:bodyPr rtlCol="0" anchor="ctr"/>
+          <a:lstStyle/>
+          <a:p>
+            <a:pPr algn="ctr"/>
+            <a:endParaRPr lang="en-US"/>
+          </a:p>
+        </p:txBody>
+      </p:sp>
+      <p:graphicFrame>
+        <p:nvGraphicFramePr>
+          <p:cNvPr id="8" name="Table 7">
+            <a:extLst>
+              <a:ext uri="{FF2B5EF4-FFF2-40B4-BE49-F238E27FC236}">
+                <a16:creationId xmlns:a16="http://schemas.microsoft.com/office/drawing/2014/main" id="{EA212002-6015-2445-B153-E3BA8A477435}"/>
+              </a:ext>
+            </a:extLst>
+          </p:cNvPr>
+          <p:cNvGraphicFramePr>
+            <a:graphicFrameLocks noGrp="1"/>
+          </p:cNvGraphicFramePr>
+          <p:nvPr>
+            <p:extLst>
+              <p:ext uri="{D42A27DB-BD31-4B8C-83A1-F6EECF244321}">
+                <p14:modId xmlns:p14="http://schemas.microsoft.com/office/powerpoint/2010/main" val="574479624"/>
+              </p:ext>
+            </p:extLst>
+          </p:nvPr>
+        </p:nvGraphicFramePr>
+        <p:xfrm>
+          <a:off x="4578569" y="4074538"/>
+          <a:ext cx="1504036" cy="304800"/>
+        </p:xfrm>
+        <a:graphic>
+          <a:graphicData uri="http://schemas.openxmlformats.org/drawingml/2006/table">
+            <a:tbl>
+              <a:tblPr firstRow="1" bandRow="1">
+                <a:tableStyleId>{5C22544A-7EE6-4342-B048-85BDC9FD1C3A}</a:tableStyleId>
+              </a:tblPr>
+              <a:tblGrid>
+                <a:gridCol w="376009">
+                  <a:extLst>
+                    <a:ext uri="{9D8B030D-6E8A-4147-A177-3AD203B41FA5}">
+                      <a16:colId xmlns:a16="http://schemas.microsoft.com/office/drawing/2014/main" val="2319695347"/>
+                    </a:ext>
+                  </a:extLst>
+                </a:gridCol>
+                <a:gridCol w="376009">
+                  <a:extLst>
+                    <a:ext uri="{9D8B030D-6E8A-4147-A177-3AD203B41FA5}">
+                      <a16:colId xmlns:a16="http://schemas.microsoft.com/office/drawing/2014/main" val="3996963117"/>
+                    </a:ext>
+                  </a:extLst>
+                </a:gridCol>
+                <a:gridCol w="376009">
+                  <a:extLst>
+                    <a:ext uri="{9D8B030D-6E8A-4147-A177-3AD203B41FA5}">
+                      <a16:colId xmlns:a16="http://schemas.microsoft.com/office/drawing/2014/main" val="3794230053"/>
+                    </a:ext>
+                  </a:extLst>
+                </a:gridCol>
+                <a:gridCol w="376009">
+                  <a:extLst>
+                    <a:ext uri="{9D8B030D-6E8A-4147-A177-3AD203B41FA5}">
+                      <a16:colId xmlns:a16="http://schemas.microsoft.com/office/drawing/2014/main" val="2140218889"/>
+                    </a:ext>
+                  </a:extLst>
+                </a:gridCol>
+              </a:tblGrid>
+              <a:tr h="303010">
+                <a:tc>
+                  <a:txBody>
+                    <a:bodyPr/>
+                    <a:lstStyle/>
+                    <a:p>
+                      <a:r>
+                        <a:rPr lang="en-US" sz="1400" dirty="0">
+                          <a:ln>
+                            <a:solidFill>
+                              <a:schemeClr val="accent1"/>
+                            </a:solidFill>
+                          </a:ln>
+                          <a:solidFill>
+                            <a:schemeClr val="accent1"/>
+                          </a:solidFill>
+                        </a:rPr>
+                        <a:t>B</a:t>
+                      </a:r>
+                    </a:p>
+                  </a:txBody>
+                  <a:tcPr>
+                    <a:solidFill>
+                      <a:schemeClr val="accent1">
+                        <a:lumMod val="20000"/>
+                        <a:lumOff val="80000"/>
+                        <a:alpha val="65921"/>
+                      </a:schemeClr>
+                    </a:solidFill>
+                  </a:tcPr>
+                </a:tc>
+                <a:tc>
+                  <a:txBody>
+                    <a:bodyPr/>
+                    <a:lstStyle/>
+                    <a:p>
+                      <a:r>
+                        <a:rPr lang="en-US" sz="1400" dirty="0">
+                          <a:ln>
+                            <a:solidFill>
+                              <a:schemeClr val="accent1"/>
+                            </a:solidFill>
+                          </a:ln>
+                          <a:solidFill>
+                            <a:schemeClr val="accent1"/>
+                          </a:solidFill>
+                        </a:rPr>
+                        <a:t>e</a:t>
+                      </a:r>
+                    </a:p>
+                  </a:txBody>
+                  <a:tcPr>
+                    <a:solidFill>
+                      <a:schemeClr val="accent1">
+                        <a:lumMod val="20000"/>
+                        <a:lumOff val="80000"/>
+                        <a:alpha val="65921"/>
+                      </a:schemeClr>
+                    </a:solidFill>
+                  </a:tcPr>
+                </a:tc>
+                <a:tc>
+                  <a:txBody>
+                    <a:bodyPr/>
+                    <a:lstStyle/>
+                    <a:p>
+                      <a:r>
+                        <a:rPr lang="en-US" sz="1400" dirty="0">
+                          <a:ln>
+                            <a:solidFill>
+                              <a:schemeClr val="accent1"/>
+                            </a:solidFill>
+                          </a:ln>
+                          <a:solidFill>
+                            <a:schemeClr val="accent1"/>
+                          </a:solidFill>
+                        </a:rPr>
+                        <a:t>n</a:t>
+                      </a:r>
+                    </a:p>
+                  </a:txBody>
+                  <a:tcPr>
+                    <a:solidFill>
+                      <a:schemeClr val="accent1">
+                        <a:lumMod val="20000"/>
+                        <a:lumOff val="80000"/>
+                        <a:alpha val="65921"/>
+                      </a:schemeClr>
+                    </a:solidFill>
+                  </a:tcPr>
+                </a:tc>
+                <a:tc>
+                  <a:txBody>
+                    <a:bodyPr/>
+                    <a:lstStyle/>
+                    <a:p>
+                      <a:r>
+                        <a:rPr lang="en-US" sz="1400" dirty="0">
+                          <a:ln>
+                            <a:solidFill>
+                              <a:schemeClr val="accent1"/>
+                            </a:solidFill>
+                          </a:ln>
+                          <a:solidFill>
+                            <a:schemeClr val="accent1"/>
+                          </a:solidFill>
+                        </a:rPr>
+                        <a:t>\0</a:t>
+                      </a:r>
+                    </a:p>
+                  </a:txBody>
+                  <a:tcPr>
+                    <a:solidFill>
+                      <a:schemeClr val="accent1">
+                        <a:lumMod val="20000"/>
+                        <a:lumOff val="80000"/>
+                        <a:alpha val="65921"/>
+                      </a:schemeClr>
+                    </a:solidFill>
+                  </a:tcPr>
+                </a:tc>
+                <a:extLst>
+                  <a:ext uri="{0D108BD9-81ED-4DB2-BD59-A6C34878D82A}">
+                    <a16:rowId xmlns:a16="http://schemas.microsoft.com/office/drawing/2014/main" val="542080640"/>
+                  </a:ext>
+                </a:extLst>
+              </a:tr>
+            </a:tbl>
+          </a:graphicData>
+        </a:graphic>
+      </p:graphicFrame>
+      <p:cxnSp>
+        <p:nvCxnSpPr>
+          <p:cNvPr id="9" name="Straight Arrow Connector 8">
+            <a:extLst>
+              <a:ext uri="{FF2B5EF4-FFF2-40B4-BE49-F238E27FC236}">
+                <a16:creationId xmlns:a16="http://schemas.microsoft.com/office/drawing/2014/main" id="{E9BACF03-6781-9249-8532-5006F23656C5}"/>
+              </a:ext>
+            </a:extLst>
+          </p:cNvPr>
+          <p:cNvCxnSpPr>
+            <a:cxnSpLocks/>
+            <a:stCxn id="7" idx="2"/>
+            <a:endCxn id="8" idx="0"/>
+          </p:cNvCxnSpPr>
+          <p:nvPr/>
+        </p:nvCxnSpPr>
+        <p:spPr>
+          <a:xfrm>
+            <a:off x="5219376" y="3578796"/>
+            <a:ext cx="111211" cy="495742"/>
+          </a:xfrm>
+          <a:prstGeom prst="straightConnector1">
+            <a:avLst/>
+          </a:prstGeom>
+          <a:ln>
+            <a:tailEnd type="triangle"/>
+          </a:ln>
+        </p:spPr>
+        <p:style>
+          <a:lnRef idx="1">
+            <a:schemeClr val="accent1"/>
+          </a:lnRef>
+          <a:fillRef idx="0">
+            <a:schemeClr val="accent1"/>
+          </a:fillRef>
+          <a:effectRef idx="0">
+            <a:schemeClr val="accent1"/>
+          </a:effectRef>
+          <a:fontRef idx="minor">
+            <a:schemeClr val="tx1"/>
+          </a:fontRef>
+        </p:style>
+      </p:cxnSp>
+      <p:sp>
+        <p:nvSpPr>
+          <p:cNvPr id="10" name="Rectangle 9">
+            <a:extLst>
+              <a:ext uri="{FF2B5EF4-FFF2-40B4-BE49-F238E27FC236}">
+                <a16:creationId xmlns:a16="http://schemas.microsoft.com/office/drawing/2014/main" id="{C85B02CE-ABF3-F84C-A2FE-15794F287465}"/>
+              </a:ext>
+            </a:extLst>
+          </p:cNvPr>
+          <p:cNvSpPr/>
+          <p:nvPr/>
+        </p:nvSpPr>
+        <p:spPr>
+          <a:xfrm>
+            <a:off x="4366758" y="2898764"/>
+            <a:ext cx="1828800" cy="1613721"/>
+          </a:xfrm>
+          <a:prstGeom prst="rect">
+            <a:avLst/>
+          </a:prstGeom>
+          <a:solidFill>
+            <a:schemeClr val="bg1">
+              <a:lumMod val="75000"/>
+              <a:alpha val="86813"/>
+            </a:schemeClr>
+          </a:solidFill>
+        </p:spPr>
+        <p:style>
+          <a:lnRef idx="2">
+            <a:schemeClr val="accent1">
+              <a:shade val="50000"/>
+            </a:schemeClr>
+          </a:lnRef>
+          <a:fillRef idx="1">
+            <a:schemeClr val="accent1"/>
+          </a:fillRef>
+          <a:effectRef idx="0">
+            <a:schemeClr val="accent1"/>
+          </a:effectRef>
+          <a:fontRef idx="minor">
+            <a:schemeClr val="lt1"/>
+          </a:fontRef>
+        </p:style>
+        <p:txBody>
+          <a:bodyPr rtlCol="0" anchor="ctr"/>
+          <a:lstStyle/>
+          <a:p>
+            <a:pPr algn="ctr"/>
+            <a:endParaRPr lang="en-US"/>
+          </a:p>
+        </p:txBody>
+      </p:sp>
+      <p:graphicFrame>
+        <p:nvGraphicFramePr>
+          <p:cNvPr id="12" name="Table 8">
+            <a:extLst>
+              <a:ext uri="{FF2B5EF4-FFF2-40B4-BE49-F238E27FC236}">
+                <a16:creationId xmlns:a16="http://schemas.microsoft.com/office/drawing/2014/main" id="{2DB4D13B-4AA8-A043-9E17-E1993F885639}"/>
+              </a:ext>
+            </a:extLst>
+          </p:cNvPr>
+          <p:cNvGraphicFramePr>
+            <a:graphicFrameLocks noGrp="1"/>
+          </p:cNvGraphicFramePr>
+          <p:nvPr>
+            <p:extLst>
+              <p:ext uri="{D42A27DB-BD31-4B8C-83A1-F6EECF244321}">
+                <p14:modId xmlns:p14="http://schemas.microsoft.com/office/powerpoint/2010/main" val="2830670853"/>
+              </p:ext>
+            </p:extLst>
+          </p:nvPr>
+        </p:nvGraphicFramePr>
+        <p:xfrm>
+          <a:off x="4465612" y="2470663"/>
+          <a:ext cx="1504036" cy="304800"/>
+        </p:xfrm>
+        <a:graphic>
+          <a:graphicData uri="http://schemas.openxmlformats.org/drawingml/2006/table">
+            <a:tbl>
+              <a:tblPr firstRow="1" bandRow="1">
+                <a:tableStyleId>{5C22544A-7EE6-4342-B048-85BDC9FD1C3A}</a:tableStyleId>
+              </a:tblPr>
+              <a:tblGrid>
+                <a:gridCol w="376009">
+                  <a:extLst>
+                    <a:ext uri="{9D8B030D-6E8A-4147-A177-3AD203B41FA5}">
+                      <a16:colId xmlns:a16="http://schemas.microsoft.com/office/drawing/2014/main" val="2319695347"/>
+                    </a:ext>
+                  </a:extLst>
+                </a:gridCol>
+                <a:gridCol w="376009">
+                  <a:extLst>
+                    <a:ext uri="{9D8B030D-6E8A-4147-A177-3AD203B41FA5}">
+                      <a16:colId xmlns:a16="http://schemas.microsoft.com/office/drawing/2014/main" val="3996963117"/>
+                    </a:ext>
+                  </a:extLst>
+                </a:gridCol>
+                <a:gridCol w="376009">
+                  <a:extLst>
+                    <a:ext uri="{9D8B030D-6E8A-4147-A177-3AD203B41FA5}">
+                      <a16:colId xmlns:a16="http://schemas.microsoft.com/office/drawing/2014/main" val="3794230053"/>
+                    </a:ext>
+                  </a:extLst>
+                </a:gridCol>
+                <a:gridCol w="376009">
+                  <a:extLst>
+                    <a:ext uri="{9D8B030D-6E8A-4147-A177-3AD203B41FA5}">
+                      <a16:colId xmlns:a16="http://schemas.microsoft.com/office/drawing/2014/main" val="2140218889"/>
+                    </a:ext>
+                  </a:extLst>
+                </a:gridCol>
+              </a:tblGrid>
+              <a:tr h="303010">
+                <a:tc>
+                  <a:txBody>
+                    <a:bodyPr/>
+                    <a:lstStyle/>
+                    <a:p>
+                      <a:r>
+                        <a:rPr lang="en-US" sz="1400" dirty="0">
+                          <a:ln>
+                            <a:solidFill>
+                              <a:schemeClr val="accent1"/>
+                            </a:solidFill>
+                          </a:ln>
+                          <a:solidFill>
+                            <a:schemeClr val="accent1"/>
+                          </a:solidFill>
+                        </a:rPr>
+                        <a:t>B</a:t>
+                      </a:r>
+                    </a:p>
+                  </a:txBody>
+                  <a:tcPr>
+                    <a:solidFill>
+                      <a:schemeClr val="accent1">
+                        <a:lumMod val="20000"/>
+                        <a:lumOff val="80000"/>
+                        <a:alpha val="65921"/>
+                      </a:schemeClr>
+                    </a:solidFill>
+                  </a:tcPr>
+                </a:tc>
+                <a:tc>
+                  <a:txBody>
+                    <a:bodyPr/>
+                    <a:lstStyle/>
+                    <a:p>
+                      <a:r>
+                        <a:rPr lang="en-US" sz="1400" dirty="0">
+                          <a:ln>
+                            <a:solidFill>
+                              <a:schemeClr val="accent1"/>
+                            </a:solidFill>
+                          </a:ln>
+                          <a:solidFill>
+                            <a:schemeClr val="accent1"/>
+                          </a:solidFill>
+                        </a:rPr>
+                        <a:t>e</a:t>
+                      </a:r>
+                    </a:p>
+                  </a:txBody>
+                  <a:tcPr>
+                    <a:solidFill>
+                      <a:schemeClr val="accent1">
+                        <a:lumMod val="20000"/>
+                        <a:lumOff val="80000"/>
+                        <a:alpha val="65921"/>
+                      </a:schemeClr>
+                    </a:solidFill>
+                  </a:tcPr>
+                </a:tc>
+                <a:tc>
+                  <a:txBody>
+                    <a:bodyPr/>
+                    <a:lstStyle/>
+                    <a:p>
+                      <a:r>
+                        <a:rPr lang="en-US" sz="1400" dirty="0">
+                          <a:ln>
+                            <a:solidFill>
+                              <a:schemeClr val="accent1"/>
+                            </a:solidFill>
+                          </a:ln>
+                          <a:solidFill>
+                            <a:schemeClr val="accent1"/>
+                          </a:solidFill>
+                        </a:rPr>
+                        <a:t>n</a:t>
+                      </a:r>
+                    </a:p>
+                  </a:txBody>
+                  <a:tcPr>
+                    <a:solidFill>
+                      <a:schemeClr val="accent1">
+                        <a:lumMod val="20000"/>
+                        <a:lumOff val="80000"/>
+                        <a:alpha val="65921"/>
+                      </a:schemeClr>
+                    </a:solidFill>
+                  </a:tcPr>
+                </a:tc>
+                <a:tc>
+                  <a:txBody>
+                    <a:bodyPr/>
+                    <a:lstStyle/>
+                    <a:p>
+                      <a:r>
+                        <a:rPr lang="en-US" sz="1400" dirty="0">
+                          <a:ln>
+                            <a:solidFill>
+                              <a:schemeClr val="accent1"/>
+                            </a:solidFill>
+                          </a:ln>
+                          <a:solidFill>
+                            <a:schemeClr val="accent1"/>
+                          </a:solidFill>
+                        </a:rPr>
+                        <a:t>\0</a:t>
+                      </a:r>
+                    </a:p>
+                  </a:txBody>
+                  <a:tcPr>
+                    <a:solidFill>
+                      <a:schemeClr val="accent1">
+                        <a:lumMod val="20000"/>
+                        <a:lumOff val="80000"/>
+                        <a:alpha val="65921"/>
+                      </a:schemeClr>
+                    </a:solidFill>
+                  </a:tcPr>
+                </a:tc>
+                <a:extLst>
+                  <a:ext uri="{0D108BD9-81ED-4DB2-BD59-A6C34878D82A}">
+                    <a16:rowId xmlns:a16="http://schemas.microsoft.com/office/drawing/2014/main" val="542080640"/>
+                  </a:ext>
+                </a:extLst>
+              </a:tr>
+            </a:tbl>
+          </a:graphicData>
+        </a:graphic>
+      </p:graphicFrame>
+      <p:graphicFrame>
+        <p:nvGraphicFramePr>
+          <p:cNvPr id="13" name="Table 9">
+            <a:extLst>
+              <a:ext uri="{FF2B5EF4-FFF2-40B4-BE49-F238E27FC236}">
+                <a16:creationId xmlns:a16="http://schemas.microsoft.com/office/drawing/2014/main" id="{5DD3C29A-DA00-094B-B33E-1B7AE0971F4C}"/>
+              </a:ext>
+            </a:extLst>
+          </p:cNvPr>
+          <p:cNvGraphicFramePr>
+            <a:graphicFrameLocks noGrp="1"/>
+          </p:cNvGraphicFramePr>
+          <p:nvPr>
+            <p:extLst>
+              <p:ext uri="{D42A27DB-BD31-4B8C-83A1-F6EECF244321}">
+                <p14:modId xmlns:p14="http://schemas.microsoft.com/office/powerpoint/2010/main" val="2510689699"/>
+              </p:ext>
+            </p:extLst>
+          </p:nvPr>
+        </p:nvGraphicFramePr>
+        <p:xfrm>
+          <a:off x="7095480" y="2461530"/>
+          <a:ext cx="1876725" cy="304800"/>
+        </p:xfrm>
+        <a:graphic>
+          <a:graphicData uri="http://schemas.openxmlformats.org/drawingml/2006/table">
+            <a:tbl>
+              <a:tblPr firstRow="1" bandRow="1">
+                <a:tableStyleId>{5C22544A-7EE6-4342-B048-85BDC9FD1C3A}</a:tableStyleId>
+              </a:tblPr>
+              <a:tblGrid>
+                <a:gridCol w="375345">
+                  <a:extLst>
+                    <a:ext uri="{9D8B030D-6E8A-4147-A177-3AD203B41FA5}">
+                      <a16:colId xmlns:a16="http://schemas.microsoft.com/office/drawing/2014/main" val="1367944414"/>
+                    </a:ext>
+                  </a:extLst>
+                </a:gridCol>
+                <a:gridCol w="375345">
+                  <a:extLst>
+                    <a:ext uri="{9D8B030D-6E8A-4147-A177-3AD203B41FA5}">
+                      <a16:colId xmlns:a16="http://schemas.microsoft.com/office/drawing/2014/main" val="3127046063"/>
+                    </a:ext>
+                  </a:extLst>
+                </a:gridCol>
+                <a:gridCol w="375345">
+                  <a:extLst>
+                    <a:ext uri="{9D8B030D-6E8A-4147-A177-3AD203B41FA5}">
+                      <a16:colId xmlns:a16="http://schemas.microsoft.com/office/drawing/2014/main" val="27871377"/>
+                    </a:ext>
+                  </a:extLst>
+                </a:gridCol>
+                <a:gridCol w="375345">
+                  <a:extLst>
+                    <a:ext uri="{9D8B030D-6E8A-4147-A177-3AD203B41FA5}">
+                      <a16:colId xmlns:a16="http://schemas.microsoft.com/office/drawing/2014/main" val="879411235"/>
+                    </a:ext>
+                  </a:extLst>
+                </a:gridCol>
+                <a:gridCol w="375345">
+                  <a:extLst>
+                    <a:ext uri="{9D8B030D-6E8A-4147-A177-3AD203B41FA5}">
+                      <a16:colId xmlns:a16="http://schemas.microsoft.com/office/drawing/2014/main" val="2059762792"/>
+                    </a:ext>
+                  </a:extLst>
+                </a:gridCol>
+              </a:tblGrid>
+              <a:tr h="0">
+                <a:tc>
+                  <a:txBody>
+                    <a:bodyPr/>
+                    <a:lstStyle/>
+                    <a:p>
+                      <a:r>
+                        <a:rPr lang="en-US" sz="1400" b="1" dirty="0">
+                          <a:solidFill>
+                            <a:schemeClr val="accent1"/>
+                          </a:solidFill>
+                        </a:rPr>
+                        <a:t>C</a:t>
+                      </a:r>
+                    </a:p>
+                  </a:txBody>
+                  <a:tcPr>
+                    <a:solidFill>
+                      <a:schemeClr val="accent1">
+                        <a:lumMod val="40000"/>
+                        <a:lumOff val="60000"/>
+                        <a:alpha val="38000"/>
+                      </a:schemeClr>
+                    </a:solidFill>
+                  </a:tcPr>
+                </a:tc>
+                <a:tc>
+                  <a:txBody>
+                    <a:bodyPr/>
+                    <a:lstStyle/>
+                    <a:p>
+                      <a:r>
+                        <a:rPr lang="en-US" sz="1400" b="1" dirty="0">
+                          <a:solidFill>
+                            <a:schemeClr val="accent1"/>
+                          </a:solidFill>
+                        </a:rPr>
+                        <a:t>o</a:t>
+                      </a:r>
+                    </a:p>
+                  </a:txBody>
+                  <a:tcPr>
+                    <a:solidFill>
+                      <a:schemeClr val="accent1">
+                        <a:lumMod val="40000"/>
+                        <a:lumOff val="60000"/>
+                        <a:alpha val="38000"/>
+                      </a:schemeClr>
+                    </a:solidFill>
+                  </a:tcPr>
+                </a:tc>
+                <a:tc>
+                  <a:txBody>
+                    <a:bodyPr/>
+                    <a:lstStyle/>
+                    <a:p>
+                      <a:r>
+                        <a:rPr lang="en-US" sz="1400" b="1" dirty="0">
+                          <a:solidFill>
+                            <a:schemeClr val="accent1"/>
+                          </a:solidFill>
+                        </a:rPr>
+                        <a:t>o</a:t>
+                      </a:r>
+                    </a:p>
+                  </a:txBody>
+                  <a:tcPr>
+                    <a:solidFill>
+                      <a:schemeClr val="accent1">
+                        <a:lumMod val="40000"/>
+                        <a:lumOff val="60000"/>
+                        <a:alpha val="38000"/>
+                      </a:schemeClr>
+                    </a:solidFill>
+                  </a:tcPr>
+                </a:tc>
+                <a:tc>
+                  <a:txBody>
+                    <a:bodyPr/>
+                    <a:lstStyle/>
+                    <a:p>
+                      <a:r>
+                        <a:rPr lang="en-US" sz="1400" b="1" dirty="0">
+                          <a:solidFill>
+                            <a:schemeClr val="accent1"/>
+                          </a:solidFill>
+                        </a:rPr>
+                        <a:t>k</a:t>
+                      </a:r>
+                    </a:p>
+                  </a:txBody>
+                  <a:tcPr>
+                    <a:solidFill>
+                      <a:schemeClr val="accent1">
+                        <a:lumMod val="40000"/>
+                        <a:lumOff val="60000"/>
+                        <a:alpha val="38000"/>
+                      </a:schemeClr>
+                    </a:solidFill>
+                  </a:tcPr>
+                </a:tc>
+                <a:tc>
+                  <a:txBody>
+                    <a:bodyPr/>
+                    <a:lstStyle/>
+                    <a:p>
+                      <a:r>
+                        <a:rPr lang="en-US" sz="1400" b="1" dirty="0">
+                          <a:solidFill>
+                            <a:schemeClr val="accent1"/>
+                          </a:solidFill>
+                        </a:rPr>
+                        <a:t>\0</a:t>
+                      </a:r>
+                    </a:p>
+                  </a:txBody>
+                  <a:tcPr>
+                    <a:solidFill>
+                      <a:schemeClr val="accent1">
+                        <a:lumMod val="40000"/>
+                        <a:lumOff val="60000"/>
+                        <a:alpha val="38000"/>
+                      </a:schemeClr>
+                    </a:solidFill>
+                  </a:tcPr>
+                </a:tc>
+                <a:extLst>
+                  <a:ext uri="{0D108BD9-81ED-4DB2-BD59-A6C34878D82A}">
+                    <a16:rowId xmlns:a16="http://schemas.microsoft.com/office/drawing/2014/main" val="1482642403"/>
+                  </a:ext>
+                </a:extLst>
+              </a:tr>
+            </a:tbl>
+          </a:graphicData>
+        </a:graphic>
+      </p:graphicFrame>
+      <p:sp>
+        <p:nvSpPr>
+          <p:cNvPr id="14" name="Rectangle 13">
+            <a:extLst>
+              <a:ext uri="{FF2B5EF4-FFF2-40B4-BE49-F238E27FC236}">
+                <a16:creationId xmlns:a16="http://schemas.microsoft.com/office/drawing/2014/main" id="{B50C01FE-C834-734D-A0FE-AD766AEAF484}"/>
+              </a:ext>
+            </a:extLst>
+          </p:cNvPr>
+          <p:cNvSpPr/>
+          <p:nvPr/>
+        </p:nvSpPr>
+        <p:spPr>
+          <a:xfrm>
+            <a:off x="4065373" y="4764861"/>
+            <a:ext cx="5412259" cy="1884417"/>
+          </a:xfrm>
+          <a:prstGeom prst="rect">
+            <a:avLst/>
+          </a:prstGeom>
+          <a:solidFill>
+            <a:schemeClr val="accent2">
+              <a:lumMod val="40000"/>
+              <a:lumOff val="60000"/>
+              <a:alpha val="34228"/>
+            </a:schemeClr>
+          </a:solidFill>
+          <a:ln>
+            <a:solidFill>
+              <a:schemeClr val="accent2">
+                <a:lumMod val="40000"/>
+                <a:lumOff val="60000"/>
+              </a:schemeClr>
+            </a:solidFill>
+          </a:ln>
+        </p:spPr>
+        <p:style>
+          <a:lnRef idx="2">
+            <a:schemeClr val="accent1">
+              <a:shade val="50000"/>
+            </a:schemeClr>
+          </a:lnRef>
+          <a:fillRef idx="1">
+            <a:schemeClr val="accent1"/>
+          </a:fillRef>
+          <a:effectRef idx="0">
+            <a:schemeClr val="accent1"/>
+          </a:effectRef>
+          <a:fontRef idx="minor">
+            <a:schemeClr val="lt1"/>
+          </a:fontRef>
+        </p:style>
+        <p:txBody>
+          <a:bodyPr rtlCol="0" anchor="ctr"/>
+          <a:lstStyle/>
+          <a:p>
+            <a:pPr algn="ctr"/>
+            <a:endParaRPr lang="en-US" dirty="0">
+              <a:solidFill>
+                <a:schemeClr val="tx1"/>
+              </a:solidFill>
+            </a:endParaRPr>
+          </a:p>
+        </p:txBody>
+      </p:sp>
+      <p:sp>
+        <p:nvSpPr>
+          <p:cNvPr id="15" name="Rectangle 14">
+            <a:extLst>
+              <a:ext uri="{FF2B5EF4-FFF2-40B4-BE49-F238E27FC236}">
+                <a16:creationId xmlns:a16="http://schemas.microsoft.com/office/drawing/2014/main" id="{02AA1DC9-3762-4746-926C-C4EC60DADE68}"/>
+              </a:ext>
+            </a:extLst>
+          </p:cNvPr>
+          <p:cNvSpPr/>
+          <p:nvPr/>
+        </p:nvSpPr>
+        <p:spPr>
+          <a:xfrm>
+            <a:off x="7049543" y="2920810"/>
+            <a:ext cx="2099907" cy="1613721"/>
+          </a:xfrm>
+          <a:prstGeom prst="rect">
+            <a:avLst/>
+          </a:prstGeom>
+          <a:solidFill>
+            <a:schemeClr val="bg1">
+              <a:lumMod val="75000"/>
+            </a:schemeClr>
+          </a:solidFill>
+        </p:spPr>
+        <p:style>
+          <a:lnRef idx="2">
+            <a:schemeClr val="accent1">
+              <a:shade val="50000"/>
+            </a:schemeClr>
+          </a:lnRef>
+          <a:fillRef idx="1">
+            <a:schemeClr val="accent1"/>
+          </a:fillRef>
+          <a:effectRef idx="0">
+            <a:schemeClr val="accent1"/>
+          </a:effectRef>
+          <a:fontRef idx="minor">
+            <a:schemeClr val="lt1"/>
+          </a:fontRef>
+        </p:style>
+        <p:txBody>
+          <a:bodyPr rtlCol="0" anchor="ctr"/>
+          <a:lstStyle/>
+          <a:p>
+            <a:pPr algn="ctr"/>
+            <a:endParaRPr lang="en-US"/>
+          </a:p>
+        </p:txBody>
+      </p:sp>
+      <p:sp>
+        <p:nvSpPr>
+          <p:cNvPr id="16" name="TextBox 15">
+            <a:extLst>
+              <a:ext uri="{FF2B5EF4-FFF2-40B4-BE49-F238E27FC236}">
+                <a16:creationId xmlns:a16="http://schemas.microsoft.com/office/drawing/2014/main" id="{A44368DB-5EAD-4443-B89D-72E295764B1D}"/>
+              </a:ext>
+            </a:extLst>
+          </p:cNvPr>
+          <p:cNvSpPr txBox="1"/>
+          <p:nvPr/>
+        </p:nvSpPr>
+        <p:spPr>
+          <a:xfrm>
+            <a:off x="7148398" y="3046707"/>
+            <a:ext cx="1173892" cy="646331"/>
+          </a:xfrm>
+          <a:prstGeom prst="rect">
+            <a:avLst/>
+          </a:prstGeom>
+          <a:solidFill>
+            <a:schemeClr val="accent4">
+              <a:lumMod val="75000"/>
+              <a:alpha val="13000"/>
+            </a:schemeClr>
+          </a:solidFill>
+          <a:ln>
+            <a:solidFill>
+              <a:schemeClr val="accent1"/>
+            </a:solidFill>
+          </a:ln>
+        </p:spPr>
+        <p:txBody>
+          <a:bodyPr wrap="square" rtlCol="0">
+            <a:spAutoFit/>
+          </a:bodyPr>
+          <a:lstStyle/>
+          <a:p>
+            <a:r>
+              <a:rPr lang="en-US" dirty="0" err="1">
+                <a:solidFill>
+                  <a:schemeClr val="tx1">
+                    <a:alpha val="11000"/>
+                  </a:schemeClr>
+                </a:solidFill>
+              </a:rPr>
+              <a:t>len</a:t>
+            </a:r>
+            <a:r>
+              <a:rPr lang="en-US" dirty="0">
+                <a:solidFill>
+                  <a:schemeClr val="tx1">
+                    <a:alpha val="11000"/>
+                  </a:schemeClr>
+                </a:solidFill>
+              </a:rPr>
+              <a:t>:  4</a:t>
+            </a:r>
+          </a:p>
+          <a:p>
+            <a:r>
+              <a:rPr lang="en-US" dirty="0">
+                <a:ln w="9525">
+                  <a:noFill/>
+                </a:ln>
+                <a:solidFill>
+                  <a:schemeClr val="tx1">
+                    <a:alpha val="11000"/>
+                  </a:schemeClr>
+                </a:solidFill>
+              </a:rPr>
+              <a:t>data:</a:t>
+            </a:r>
+            <a:r>
+              <a:rPr lang="en-US" dirty="0">
+                <a:ln w="9525">
+                  <a:solidFill>
+                    <a:schemeClr val="tx1"/>
+                  </a:solidFill>
+                </a:ln>
+                <a:solidFill>
+                  <a:schemeClr val="tx1">
+                    <a:alpha val="11000"/>
+                  </a:schemeClr>
+                </a:solidFill>
+              </a:rPr>
+              <a:t> </a:t>
+            </a:r>
+          </a:p>
+        </p:txBody>
+      </p:sp>
+      <p:sp>
+        <p:nvSpPr>
+          <p:cNvPr id="17" name="Rectangle 16">
+            <a:extLst>
+              <a:ext uri="{FF2B5EF4-FFF2-40B4-BE49-F238E27FC236}">
+                <a16:creationId xmlns:a16="http://schemas.microsoft.com/office/drawing/2014/main" id="{62E680E5-9191-A045-ABCB-520964F10F84}"/>
+              </a:ext>
+            </a:extLst>
+          </p:cNvPr>
+          <p:cNvSpPr/>
+          <p:nvPr/>
+        </p:nvSpPr>
+        <p:spPr>
+          <a:xfrm>
+            <a:off x="7642669" y="3139040"/>
+            <a:ext cx="222422" cy="184666"/>
+          </a:xfrm>
+          <a:prstGeom prst="rect">
+            <a:avLst/>
+          </a:prstGeom>
+          <a:solidFill>
+            <a:schemeClr val="accent1">
+              <a:alpha val="9721"/>
+            </a:schemeClr>
+          </a:solidFill>
+          <a:ln>
+            <a:solidFill>
+              <a:schemeClr val="accent1">
+                <a:shade val="50000"/>
+                <a:alpha val="23562"/>
+              </a:schemeClr>
+            </a:solidFill>
+          </a:ln>
+        </p:spPr>
+        <p:style>
+          <a:lnRef idx="2">
+            <a:schemeClr val="accent1">
+              <a:shade val="50000"/>
+            </a:schemeClr>
+          </a:lnRef>
+          <a:fillRef idx="1">
+            <a:schemeClr val="accent1"/>
+          </a:fillRef>
+          <a:effectRef idx="0">
+            <a:schemeClr val="accent1"/>
+          </a:effectRef>
+          <a:fontRef idx="minor">
+            <a:schemeClr val="lt1"/>
+          </a:fontRef>
+        </p:style>
+        <p:txBody>
+          <a:bodyPr rtlCol="0" anchor="ctr"/>
+          <a:lstStyle/>
+          <a:p>
+            <a:pPr algn="ctr"/>
+            <a:endParaRPr lang="en-US" dirty="0"/>
+          </a:p>
+        </p:txBody>
+      </p:sp>
+      <p:sp>
+        <p:nvSpPr>
+          <p:cNvPr id="18" name="Rectangle 17">
+            <a:extLst>
+              <a:ext uri="{FF2B5EF4-FFF2-40B4-BE49-F238E27FC236}">
+                <a16:creationId xmlns:a16="http://schemas.microsoft.com/office/drawing/2014/main" id="{6956BE1B-7956-0C43-8D0E-1C9202BE699B}"/>
+              </a:ext>
+            </a:extLst>
+          </p:cNvPr>
+          <p:cNvSpPr/>
+          <p:nvPr/>
+        </p:nvSpPr>
+        <p:spPr>
+          <a:xfrm>
+            <a:off x="7790951" y="3416176"/>
+            <a:ext cx="222422" cy="184666"/>
+          </a:xfrm>
+          <a:prstGeom prst="rect">
+            <a:avLst/>
+          </a:prstGeom>
+          <a:solidFill>
+            <a:schemeClr val="accent1">
+              <a:alpha val="9721"/>
+            </a:schemeClr>
+          </a:solidFill>
+          <a:ln>
+            <a:solidFill>
+              <a:schemeClr val="accent1">
+                <a:shade val="50000"/>
+                <a:alpha val="21000"/>
+              </a:schemeClr>
+            </a:solidFill>
+          </a:ln>
+        </p:spPr>
+        <p:style>
+          <a:lnRef idx="2">
+            <a:schemeClr val="accent1">
+              <a:shade val="50000"/>
+            </a:schemeClr>
+          </a:lnRef>
+          <a:fillRef idx="1">
+            <a:schemeClr val="accent1"/>
+          </a:fillRef>
+          <a:effectRef idx="0">
+            <a:schemeClr val="accent1"/>
+          </a:effectRef>
+          <a:fontRef idx="minor">
+            <a:schemeClr val="lt1"/>
+          </a:fontRef>
+        </p:style>
+        <p:txBody>
+          <a:bodyPr rtlCol="0" anchor="ctr"/>
+          <a:lstStyle/>
+          <a:p>
+            <a:pPr algn="ctr"/>
+            <a:endParaRPr lang="en-US"/>
+          </a:p>
+        </p:txBody>
+      </p:sp>
+      <p:cxnSp>
+        <p:nvCxnSpPr>
+          <p:cNvPr id="19" name="Straight Arrow Connector 18">
+            <a:extLst>
+              <a:ext uri="{FF2B5EF4-FFF2-40B4-BE49-F238E27FC236}">
+                <a16:creationId xmlns:a16="http://schemas.microsoft.com/office/drawing/2014/main" id="{5BD5405C-F3D9-7340-8953-5465A81A5207}"/>
+              </a:ext>
+            </a:extLst>
+          </p:cNvPr>
+          <p:cNvCxnSpPr>
+            <a:cxnSpLocks/>
+            <a:stCxn id="18" idx="2"/>
+          </p:cNvCxnSpPr>
+          <p:nvPr/>
+        </p:nvCxnSpPr>
+        <p:spPr>
+          <a:xfrm>
+            <a:off x="7902162" y="3600842"/>
+            <a:ext cx="111211" cy="495742"/>
+          </a:xfrm>
+          <a:prstGeom prst="straightConnector1">
+            <a:avLst/>
+          </a:prstGeom>
+          <a:ln>
+            <a:solidFill>
+              <a:schemeClr val="accent1">
+                <a:alpha val="39000"/>
+              </a:schemeClr>
+            </a:solidFill>
+            <a:tailEnd type="triangle"/>
+          </a:ln>
+        </p:spPr>
+        <p:style>
+          <a:lnRef idx="1">
+            <a:schemeClr val="accent1"/>
+          </a:lnRef>
+          <a:fillRef idx="0">
+            <a:schemeClr val="accent1"/>
+          </a:fillRef>
+          <a:effectRef idx="0">
+            <a:schemeClr val="accent1"/>
+          </a:effectRef>
+          <a:fontRef idx="minor">
+            <a:schemeClr val="tx1"/>
+          </a:fontRef>
+        </p:style>
+      </p:cxnSp>
+      <p:graphicFrame>
+        <p:nvGraphicFramePr>
+          <p:cNvPr id="20" name="Table 9">
+            <a:extLst>
+              <a:ext uri="{FF2B5EF4-FFF2-40B4-BE49-F238E27FC236}">
+                <a16:creationId xmlns:a16="http://schemas.microsoft.com/office/drawing/2014/main" id="{12C70D69-C44F-A547-BF5B-1C5A5607D213}"/>
+              </a:ext>
+            </a:extLst>
+          </p:cNvPr>
+          <p:cNvGraphicFramePr>
+            <a:graphicFrameLocks noGrp="1"/>
+          </p:cNvGraphicFramePr>
+          <p:nvPr>
+            <p:extLst>
+              <p:ext uri="{D42A27DB-BD31-4B8C-83A1-F6EECF244321}">
+                <p14:modId xmlns:p14="http://schemas.microsoft.com/office/powerpoint/2010/main" val="1247932371"/>
+              </p:ext>
+            </p:extLst>
+          </p:nvPr>
+        </p:nvGraphicFramePr>
+        <p:xfrm>
+          <a:off x="7148398" y="4082620"/>
+          <a:ext cx="1817611" cy="304800"/>
+        </p:xfrm>
+        <a:graphic>
+          <a:graphicData uri="http://schemas.openxmlformats.org/drawingml/2006/table">
+            <a:tbl>
+              <a:tblPr firstRow="1" bandRow="1">
+                <a:tableStyleId>{5C22544A-7EE6-4342-B048-85BDC9FD1C3A}</a:tableStyleId>
+              </a:tblPr>
+              <a:tblGrid>
+                <a:gridCol w="302726">
+                  <a:extLst>
+                    <a:ext uri="{9D8B030D-6E8A-4147-A177-3AD203B41FA5}">
+                      <a16:colId xmlns:a16="http://schemas.microsoft.com/office/drawing/2014/main" val="1367944414"/>
+                    </a:ext>
+                  </a:extLst>
+                </a:gridCol>
+                <a:gridCol w="317750">
+                  <a:extLst>
+                    <a:ext uri="{9D8B030D-6E8A-4147-A177-3AD203B41FA5}">
+                      <a16:colId xmlns:a16="http://schemas.microsoft.com/office/drawing/2014/main" val="3127046063"/>
+                    </a:ext>
+                  </a:extLst>
+                </a:gridCol>
+                <a:gridCol w="399045">
+                  <a:extLst>
+                    <a:ext uri="{9D8B030D-6E8A-4147-A177-3AD203B41FA5}">
+                      <a16:colId xmlns:a16="http://schemas.microsoft.com/office/drawing/2014/main" val="27871377"/>
+                    </a:ext>
+                  </a:extLst>
+                </a:gridCol>
+                <a:gridCol w="399045">
+                  <a:extLst>
+                    <a:ext uri="{9D8B030D-6E8A-4147-A177-3AD203B41FA5}">
+                      <a16:colId xmlns:a16="http://schemas.microsoft.com/office/drawing/2014/main" val="879411235"/>
+                    </a:ext>
+                  </a:extLst>
+                </a:gridCol>
+                <a:gridCol w="399045">
+                  <a:extLst>
+                    <a:ext uri="{9D8B030D-6E8A-4147-A177-3AD203B41FA5}">
+                      <a16:colId xmlns:a16="http://schemas.microsoft.com/office/drawing/2014/main" val="2059762792"/>
+                    </a:ext>
+                  </a:extLst>
+                </a:gridCol>
+              </a:tblGrid>
+              <a:tr h="0">
+                <a:tc>
+                  <a:txBody>
+                    <a:bodyPr/>
+                    <a:lstStyle/>
+                    <a:p>
+                      <a:r>
+                        <a:rPr lang="en-US" sz="1400" b="1" dirty="0">
+                          <a:solidFill>
+                            <a:schemeClr val="accent1">
+                              <a:alpha val="29436"/>
+                            </a:schemeClr>
+                          </a:solidFill>
+                        </a:rPr>
+                        <a:t>C</a:t>
+                      </a:r>
+                    </a:p>
+                  </a:txBody>
+                  <a:tcPr>
+                    <a:solidFill>
+                      <a:schemeClr val="accent1">
+                        <a:lumMod val="40000"/>
+                        <a:lumOff val="60000"/>
+                        <a:alpha val="38000"/>
+                      </a:schemeClr>
+                    </a:solidFill>
+                  </a:tcPr>
+                </a:tc>
+                <a:tc>
+                  <a:txBody>
+                    <a:bodyPr/>
+                    <a:lstStyle/>
+                    <a:p>
+                      <a:r>
+                        <a:rPr lang="en-US" sz="1400" b="1" dirty="0">
+                          <a:solidFill>
+                            <a:schemeClr val="accent1">
+                              <a:alpha val="29436"/>
+                            </a:schemeClr>
+                          </a:solidFill>
+                        </a:rPr>
+                        <a:t>o</a:t>
+                      </a:r>
+                    </a:p>
+                  </a:txBody>
+                  <a:tcPr>
+                    <a:solidFill>
+                      <a:schemeClr val="accent1">
+                        <a:lumMod val="40000"/>
+                        <a:lumOff val="60000"/>
+                        <a:alpha val="38000"/>
+                      </a:schemeClr>
+                    </a:solidFill>
+                  </a:tcPr>
+                </a:tc>
+                <a:tc>
+                  <a:txBody>
+                    <a:bodyPr/>
+                    <a:lstStyle/>
+                    <a:p>
+                      <a:r>
+                        <a:rPr lang="en-US" sz="1400" b="1" dirty="0">
+                          <a:solidFill>
+                            <a:schemeClr val="accent1">
+                              <a:alpha val="29436"/>
+                            </a:schemeClr>
+                          </a:solidFill>
+                        </a:rPr>
+                        <a:t>o</a:t>
+                      </a:r>
+                    </a:p>
+                  </a:txBody>
+                  <a:tcPr>
+                    <a:solidFill>
+                      <a:schemeClr val="accent1">
+                        <a:lumMod val="40000"/>
+                        <a:lumOff val="60000"/>
+                        <a:alpha val="38000"/>
+                      </a:schemeClr>
+                    </a:solidFill>
+                  </a:tcPr>
+                </a:tc>
+                <a:tc>
+                  <a:txBody>
+                    <a:bodyPr/>
+                    <a:lstStyle/>
+                    <a:p>
+                      <a:r>
+                        <a:rPr lang="en-US" sz="1400" b="1" dirty="0">
+                          <a:solidFill>
+                            <a:schemeClr val="accent1">
+                              <a:alpha val="29436"/>
+                            </a:schemeClr>
+                          </a:solidFill>
+                        </a:rPr>
+                        <a:t>k</a:t>
+                      </a:r>
+                    </a:p>
+                  </a:txBody>
+                  <a:tcPr>
+                    <a:solidFill>
+                      <a:schemeClr val="accent1">
+                        <a:lumMod val="40000"/>
+                        <a:lumOff val="60000"/>
+                        <a:alpha val="38000"/>
+                      </a:schemeClr>
+                    </a:solidFill>
+                  </a:tcPr>
+                </a:tc>
+                <a:tc>
+                  <a:txBody>
+                    <a:bodyPr/>
+                    <a:lstStyle/>
+                    <a:p>
+                      <a:r>
+                        <a:rPr lang="en-US" sz="1400" b="1" dirty="0">
+                          <a:solidFill>
+                            <a:schemeClr val="accent1">
+                              <a:alpha val="29436"/>
+                            </a:schemeClr>
+                          </a:solidFill>
+                        </a:rPr>
+                        <a:t>\0</a:t>
+                      </a:r>
+                    </a:p>
+                  </a:txBody>
+                  <a:tcPr>
+                    <a:solidFill>
+                      <a:schemeClr val="accent1">
+                        <a:lumMod val="40000"/>
+                        <a:lumOff val="60000"/>
+                        <a:alpha val="38000"/>
+                      </a:schemeClr>
+                    </a:solidFill>
+                  </a:tcPr>
+                </a:tc>
+                <a:extLst>
+                  <a:ext uri="{0D108BD9-81ED-4DB2-BD59-A6C34878D82A}">
+                    <a16:rowId xmlns:a16="http://schemas.microsoft.com/office/drawing/2014/main" val="1482642403"/>
+                  </a:ext>
+                </a:extLst>
+              </a:tr>
+            </a:tbl>
+          </a:graphicData>
+        </a:graphic>
+      </p:graphicFrame>
+      <p:sp>
+        <p:nvSpPr>
+          <p:cNvPr id="21" name="TextBox 20">
+            <a:extLst>
+              <a:ext uri="{FF2B5EF4-FFF2-40B4-BE49-F238E27FC236}">
+                <a16:creationId xmlns:a16="http://schemas.microsoft.com/office/drawing/2014/main" id="{5CFC301F-8963-3E43-910A-2C26C166A914}"/>
+              </a:ext>
+            </a:extLst>
+          </p:cNvPr>
+          <p:cNvSpPr txBox="1"/>
+          <p:nvPr/>
+        </p:nvSpPr>
+        <p:spPr>
+          <a:xfrm>
+            <a:off x="4160144" y="4906183"/>
+            <a:ext cx="610936" cy="369332"/>
+          </a:xfrm>
+          <a:prstGeom prst="rect">
+            <a:avLst/>
+          </a:prstGeom>
+          <a:noFill/>
+        </p:spPr>
+        <p:txBody>
+          <a:bodyPr wrap="none" rtlCol="0">
+            <a:spAutoFit/>
+          </a:bodyPr>
+          <a:lstStyle/>
+          <a:p>
+            <a:r>
+              <a:rPr lang="en-US" dirty="0"/>
+              <a:t>first:</a:t>
+            </a:r>
+          </a:p>
+        </p:txBody>
+      </p:sp>
+      <p:sp>
+        <p:nvSpPr>
+          <p:cNvPr id="22" name="TextBox 21">
+            <a:extLst>
+              <a:ext uri="{FF2B5EF4-FFF2-40B4-BE49-F238E27FC236}">
+                <a16:creationId xmlns:a16="http://schemas.microsoft.com/office/drawing/2014/main" id="{DE93E98E-D3DD-9D45-AE7F-A748205DFD64}"/>
+              </a:ext>
+            </a:extLst>
+          </p:cNvPr>
+          <p:cNvSpPr txBox="1"/>
+          <p:nvPr/>
+        </p:nvSpPr>
+        <p:spPr>
+          <a:xfrm>
+            <a:off x="6607411" y="5000704"/>
+            <a:ext cx="574837" cy="369332"/>
+          </a:xfrm>
+          <a:prstGeom prst="rect">
+            <a:avLst/>
+          </a:prstGeom>
+          <a:noFill/>
+        </p:spPr>
+        <p:txBody>
+          <a:bodyPr wrap="none" rtlCol="0">
+            <a:spAutoFit/>
+          </a:bodyPr>
+          <a:lstStyle/>
+          <a:p>
+            <a:r>
+              <a:rPr lang="en-US" dirty="0"/>
+              <a:t>last:</a:t>
+            </a:r>
+          </a:p>
+        </p:txBody>
+      </p:sp>
+      <p:sp>
+        <p:nvSpPr>
+          <p:cNvPr id="23" name="TextBox 22">
+            <a:extLst>
+              <a:ext uri="{FF2B5EF4-FFF2-40B4-BE49-F238E27FC236}">
+                <a16:creationId xmlns:a16="http://schemas.microsoft.com/office/drawing/2014/main" id="{93FAEFD2-1BC3-1844-B8AE-E89414D91145}"/>
+              </a:ext>
+            </a:extLst>
+          </p:cNvPr>
+          <p:cNvSpPr txBox="1"/>
+          <p:nvPr/>
+        </p:nvSpPr>
+        <p:spPr>
+          <a:xfrm>
+            <a:off x="4865851" y="5065647"/>
+            <a:ext cx="1173892" cy="646331"/>
+          </a:xfrm>
+          <a:prstGeom prst="rect">
+            <a:avLst/>
+          </a:prstGeom>
+          <a:solidFill>
+            <a:schemeClr val="accent4">
+              <a:lumMod val="75000"/>
+              <a:alpha val="21035"/>
+            </a:schemeClr>
+          </a:solidFill>
+          <a:ln>
+            <a:solidFill>
+              <a:schemeClr val="accent1"/>
+            </a:solidFill>
+          </a:ln>
+        </p:spPr>
+        <p:txBody>
+          <a:bodyPr wrap="square" rtlCol="0">
+            <a:spAutoFit/>
+          </a:bodyPr>
+          <a:lstStyle/>
+          <a:p>
+            <a:r>
+              <a:rPr lang="en-US" dirty="0" err="1"/>
+              <a:t>len</a:t>
+            </a:r>
+            <a:r>
+              <a:rPr lang="en-US" dirty="0"/>
+              <a:t>:  </a:t>
+            </a:r>
+            <a:r>
+              <a:rPr lang="en-US" dirty="0">
+                <a:ln>
+                  <a:solidFill>
+                    <a:schemeClr val="accent1"/>
+                  </a:solidFill>
+                </a:ln>
+              </a:rPr>
+              <a:t>3</a:t>
+            </a:r>
+          </a:p>
+          <a:p>
+            <a:r>
+              <a:rPr lang="en-US" dirty="0">
+                <a:ln w="9525">
+                  <a:noFill/>
+                </a:ln>
+              </a:rPr>
+              <a:t>data</a:t>
+            </a:r>
+            <a:r>
+              <a:rPr lang="en-US" dirty="0">
+                <a:ln w="9525">
+                  <a:solidFill>
+                    <a:schemeClr val="tx1"/>
+                  </a:solidFill>
+                </a:ln>
+              </a:rPr>
+              <a:t>: </a:t>
+            </a:r>
+          </a:p>
+        </p:txBody>
+      </p:sp>
+      <p:sp>
+        <p:nvSpPr>
+          <p:cNvPr id="24" name="Rectangle 23">
+            <a:extLst>
+              <a:ext uri="{FF2B5EF4-FFF2-40B4-BE49-F238E27FC236}">
+                <a16:creationId xmlns:a16="http://schemas.microsoft.com/office/drawing/2014/main" id="{DBAFBB76-230A-2449-9151-3FD1DC2BDF57}"/>
+              </a:ext>
+            </a:extLst>
+          </p:cNvPr>
+          <p:cNvSpPr/>
+          <p:nvPr/>
+        </p:nvSpPr>
+        <p:spPr>
+          <a:xfrm>
+            <a:off x="5347765" y="5157980"/>
+            <a:ext cx="222422" cy="184666"/>
+          </a:xfrm>
+          <a:prstGeom prst="rect">
+            <a:avLst/>
+          </a:prstGeom>
+          <a:solidFill>
+            <a:schemeClr val="accent1">
+              <a:alpha val="9721"/>
+            </a:schemeClr>
+          </a:solidFill>
+        </p:spPr>
+        <p:style>
+          <a:lnRef idx="2">
+            <a:schemeClr val="accent1">
+              <a:shade val="50000"/>
+            </a:schemeClr>
+          </a:lnRef>
+          <a:fillRef idx="1">
+            <a:schemeClr val="accent1"/>
+          </a:fillRef>
+          <a:effectRef idx="0">
+            <a:schemeClr val="accent1"/>
+          </a:effectRef>
+          <a:fontRef idx="minor">
+            <a:schemeClr val="lt1"/>
+          </a:fontRef>
+        </p:style>
+        <p:txBody>
+          <a:bodyPr rtlCol="0" anchor="ctr"/>
+          <a:lstStyle/>
+          <a:p>
+            <a:pPr algn="ctr"/>
+            <a:endParaRPr lang="en-US"/>
+          </a:p>
+        </p:txBody>
+      </p:sp>
+      <p:sp>
+        <p:nvSpPr>
+          <p:cNvPr id="25" name="Rectangle 24">
+            <a:extLst>
+              <a:ext uri="{FF2B5EF4-FFF2-40B4-BE49-F238E27FC236}">
+                <a16:creationId xmlns:a16="http://schemas.microsoft.com/office/drawing/2014/main" id="{F8124ECE-EBD8-E844-9A46-0BBCD600A735}"/>
+              </a:ext>
+            </a:extLst>
+          </p:cNvPr>
+          <p:cNvSpPr/>
+          <p:nvPr/>
+        </p:nvSpPr>
+        <p:spPr>
+          <a:xfrm>
+            <a:off x="5508404" y="5435116"/>
+            <a:ext cx="222422" cy="184666"/>
+          </a:xfrm>
+          <a:prstGeom prst="rect">
+            <a:avLst/>
+          </a:prstGeom>
+          <a:solidFill>
+            <a:schemeClr val="accent1">
+              <a:alpha val="9721"/>
+            </a:schemeClr>
+          </a:solidFill>
+        </p:spPr>
+        <p:style>
+          <a:lnRef idx="2">
+            <a:schemeClr val="accent1">
+              <a:shade val="50000"/>
+            </a:schemeClr>
+          </a:lnRef>
+          <a:fillRef idx="1">
+            <a:schemeClr val="accent1"/>
+          </a:fillRef>
+          <a:effectRef idx="0">
+            <a:schemeClr val="accent1"/>
+          </a:effectRef>
+          <a:fontRef idx="minor">
+            <a:schemeClr val="lt1"/>
+          </a:fontRef>
+        </p:style>
+        <p:txBody>
+          <a:bodyPr rtlCol="0" anchor="ctr"/>
+          <a:lstStyle/>
+          <a:p>
+            <a:pPr algn="ctr"/>
+            <a:endParaRPr lang="en-US"/>
+          </a:p>
+        </p:txBody>
+      </p:sp>
+      <p:graphicFrame>
+        <p:nvGraphicFramePr>
+          <p:cNvPr id="26" name="Table 25">
+            <a:extLst>
+              <a:ext uri="{FF2B5EF4-FFF2-40B4-BE49-F238E27FC236}">
+                <a16:creationId xmlns:a16="http://schemas.microsoft.com/office/drawing/2014/main" id="{F11FD376-E21F-0C40-B15A-824190C1B757}"/>
+              </a:ext>
+            </a:extLst>
+          </p:cNvPr>
+          <p:cNvGraphicFramePr>
+            <a:graphicFrameLocks noGrp="1"/>
+          </p:cNvGraphicFramePr>
+          <p:nvPr>
+            <p:extLst>
+              <p:ext uri="{D42A27DB-BD31-4B8C-83A1-F6EECF244321}">
+                <p14:modId xmlns:p14="http://schemas.microsoft.com/office/powerpoint/2010/main" val="3059554647"/>
+              </p:ext>
+            </p:extLst>
+          </p:nvPr>
+        </p:nvGraphicFramePr>
+        <p:xfrm>
+          <a:off x="4978808" y="6115524"/>
+          <a:ext cx="1504036" cy="304800"/>
+        </p:xfrm>
+        <a:graphic>
+          <a:graphicData uri="http://schemas.openxmlformats.org/drawingml/2006/table">
+            <a:tbl>
+              <a:tblPr firstRow="1" bandRow="1">
+                <a:tableStyleId>{5C22544A-7EE6-4342-B048-85BDC9FD1C3A}</a:tableStyleId>
+              </a:tblPr>
+              <a:tblGrid>
+                <a:gridCol w="376009">
+                  <a:extLst>
+                    <a:ext uri="{9D8B030D-6E8A-4147-A177-3AD203B41FA5}">
+                      <a16:colId xmlns:a16="http://schemas.microsoft.com/office/drawing/2014/main" val="2319695347"/>
+                    </a:ext>
+                  </a:extLst>
+                </a:gridCol>
+                <a:gridCol w="376009">
+                  <a:extLst>
+                    <a:ext uri="{9D8B030D-6E8A-4147-A177-3AD203B41FA5}">
+                      <a16:colId xmlns:a16="http://schemas.microsoft.com/office/drawing/2014/main" val="3996963117"/>
+                    </a:ext>
+                  </a:extLst>
+                </a:gridCol>
+                <a:gridCol w="376009">
+                  <a:extLst>
+                    <a:ext uri="{9D8B030D-6E8A-4147-A177-3AD203B41FA5}">
+                      <a16:colId xmlns:a16="http://schemas.microsoft.com/office/drawing/2014/main" val="3794230053"/>
+                    </a:ext>
+                  </a:extLst>
+                </a:gridCol>
+                <a:gridCol w="376009">
+                  <a:extLst>
+                    <a:ext uri="{9D8B030D-6E8A-4147-A177-3AD203B41FA5}">
+                      <a16:colId xmlns:a16="http://schemas.microsoft.com/office/drawing/2014/main" val="2140218889"/>
+                    </a:ext>
+                  </a:extLst>
+                </a:gridCol>
+              </a:tblGrid>
+              <a:tr h="303010">
+                <a:tc>
+                  <a:txBody>
+                    <a:bodyPr/>
+                    <a:lstStyle/>
+                    <a:p>
+                      <a:r>
+                        <a:rPr lang="en-US" sz="1400" dirty="0">
+                          <a:ln>
+                            <a:solidFill>
+                              <a:schemeClr val="accent1"/>
+                            </a:solidFill>
+                          </a:ln>
+                          <a:solidFill>
+                            <a:schemeClr val="accent1"/>
+                          </a:solidFill>
+                        </a:rPr>
+                        <a:t>B</a:t>
+                      </a:r>
+                    </a:p>
+                  </a:txBody>
+                  <a:tcPr>
+                    <a:solidFill>
+                      <a:schemeClr val="accent1">
+                        <a:lumMod val="20000"/>
+                        <a:lumOff val="80000"/>
+                        <a:alpha val="65921"/>
+                      </a:schemeClr>
+                    </a:solidFill>
+                  </a:tcPr>
+                </a:tc>
+                <a:tc>
+                  <a:txBody>
+                    <a:bodyPr/>
+                    <a:lstStyle/>
+                    <a:p>
+                      <a:r>
+                        <a:rPr lang="en-US" sz="1400" dirty="0">
+                          <a:ln>
+                            <a:solidFill>
+                              <a:schemeClr val="accent1"/>
+                            </a:solidFill>
+                          </a:ln>
+                          <a:solidFill>
+                            <a:schemeClr val="accent1"/>
+                          </a:solidFill>
+                        </a:rPr>
+                        <a:t>e</a:t>
+                      </a:r>
+                    </a:p>
+                  </a:txBody>
+                  <a:tcPr>
+                    <a:solidFill>
+                      <a:schemeClr val="accent1">
+                        <a:lumMod val="20000"/>
+                        <a:lumOff val="80000"/>
+                        <a:alpha val="65921"/>
+                      </a:schemeClr>
+                    </a:solidFill>
+                  </a:tcPr>
+                </a:tc>
+                <a:tc>
+                  <a:txBody>
+                    <a:bodyPr/>
+                    <a:lstStyle/>
+                    <a:p>
+                      <a:r>
+                        <a:rPr lang="en-US" sz="1400" dirty="0">
+                          <a:ln>
+                            <a:solidFill>
+                              <a:schemeClr val="accent1"/>
+                            </a:solidFill>
+                          </a:ln>
+                          <a:solidFill>
+                            <a:schemeClr val="accent1"/>
+                          </a:solidFill>
+                        </a:rPr>
+                        <a:t>n</a:t>
+                      </a:r>
+                    </a:p>
+                  </a:txBody>
+                  <a:tcPr>
+                    <a:solidFill>
+                      <a:schemeClr val="accent1">
+                        <a:lumMod val="20000"/>
+                        <a:lumOff val="80000"/>
+                        <a:alpha val="65921"/>
+                      </a:schemeClr>
+                    </a:solidFill>
+                  </a:tcPr>
+                </a:tc>
+                <a:tc>
+                  <a:txBody>
+                    <a:bodyPr/>
+                    <a:lstStyle/>
+                    <a:p>
+                      <a:r>
+                        <a:rPr lang="en-US" sz="1400" dirty="0">
+                          <a:ln>
+                            <a:solidFill>
+                              <a:schemeClr val="accent1"/>
+                            </a:solidFill>
+                          </a:ln>
+                          <a:solidFill>
+                            <a:schemeClr val="accent1"/>
+                          </a:solidFill>
+                        </a:rPr>
+                        <a:t>\0</a:t>
+                      </a:r>
+                    </a:p>
+                  </a:txBody>
+                  <a:tcPr>
+                    <a:solidFill>
+                      <a:schemeClr val="accent1">
+                        <a:lumMod val="20000"/>
+                        <a:lumOff val="80000"/>
+                        <a:alpha val="65921"/>
+                      </a:schemeClr>
+                    </a:solidFill>
+                  </a:tcPr>
+                </a:tc>
+                <a:extLst>
+                  <a:ext uri="{0D108BD9-81ED-4DB2-BD59-A6C34878D82A}">
+                    <a16:rowId xmlns:a16="http://schemas.microsoft.com/office/drawing/2014/main" val="542080640"/>
+                  </a:ext>
+                </a:extLst>
+              </a:tr>
+            </a:tbl>
+          </a:graphicData>
+        </a:graphic>
+      </p:graphicFrame>
+      <p:cxnSp>
+        <p:nvCxnSpPr>
+          <p:cNvPr id="27" name="Straight Arrow Connector 26">
+            <a:extLst>
+              <a:ext uri="{FF2B5EF4-FFF2-40B4-BE49-F238E27FC236}">
+                <a16:creationId xmlns:a16="http://schemas.microsoft.com/office/drawing/2014/main" id="{8D2D1B04-3745-6F41-8FB2-6B57585DC5A9}"/>
+              </a:ext>
+            </a:extLst>
+          </p:cNvPr>
+          <p:cNvCxnSpPr>
+            <a:cxnSpLocks/>
+            <a:stCxn id="25" idx="2"/>
+            <a:endCxn id="26" idx="0"/>
+          </p:cNvCxnSpPr>
+          <p:nvPr/>
+        </p:nvCxnSpPr>
+        <p:spPr>
+          <a:xfrm>
+            <a:off x="5619615" y="5619782"/>
+            <a:ext cx="111211" cy="495742"/>
+          </a:xfrm>
+          <a:prstGeom prst="straightConnector1">
+            <a:avLst/>
+          </a:prstGeom>
+          <a:ln>
+            <a:tailEnd type="triangle"/>
+          </a:ln>
+        </p:spPr>
+        <p:style>
+          <a:lnRef idx="1">
+            <a:schemeClr val="accent1"/>
+          </a:lnRef>
+          <a:fillRef idx="0">
+            <a:schemeClr val="accent1"/>
+          </a:fillRef>
+          <a:effectRef idx="0">
+            <a:schemeClr val="accent1"/>
+          </a:effectRef>
+          <a:fontRef idx="minor">
+            <a:schemeClr val="tx1"/>
+          </a:fontRef>
+        </p:style>
+      </p:cxnSp>
+      <p:sp>
+        <p:nvSpPr>
+          <p:cNvPr id="28" name="Rectangle 27">
+            <a:extLst>
+              <a:ext uri="{FF2B5EF4-FFF2-40B4-BE49-F238E27FC236}">
+                <a16:creationId xmlns:a16="http://schemas.microsoft.com/office/drawing/2014/main" id="{C3767407-37BD-3644-9B6A-264A8112F142}"/>
+              </a:ext>
+            </a:extLst>
+          </p:cNvPr>
+          <p:cNvSpPr/>
+          <p:nvPr/>
+        </p:nvSpPr>
+        <p:spPr>
+          <a:xfrm>
+            <a:off x="4766997" y="4939750"/>
+            <a:ext cx="1828800" cy="1613721"/>
+          </a:xfrm>
+          <a:prstGeom prst="rect">
+            <a:avLst/>
+          </a:prstGeom>
+          <a:solidFill>
+            <a:schemeClr val="accent4">
+              <a:lumMod val="20000"/>
+              <a:lumOff val="80000"/>
+              <a:alpha val="31000"/>
+            </a:schemeClr>
+          </a:solidFill>
+        </p:spPr>
+        <p:style>
+          <a:lnRef idx="2">
+            <a:schemeClr val="accent1">
+              <a:shade val="50000"/>
+            </a:schemeClr>
+          </a:lnRef>
+          <a:fillRef idx="1">
+            <a:schemeClr val="accent1"/>
+          </a:fillRef>
+          <a:effectRef idx="0">
+            <a:schemeClr val="accent1"/>
+          </a:effectRef>
+          <a:fontRef idx="minor">
+            <a:schemeClr val="lt1"/>
+          </a:fontRef>
+        </p:style>
+        <p:txBody>
+          <a:bodyPr rtlCol="0" anchor="ctr"/>
+          <a:lstStyle/>
+          <a:p>
+            <a:pPr algn="ctr"/>
+            <a:endParaRPr lang="en-US"/>
+          </a:p>
+        </p:txBody>
+      </p:sp>
+      <p:sp>
+        <p:nvSpPr>
+          <p:cNvPr id="29" name="Rectangle 28">
+            <a:extLst>
+              <a:ext uri="{FF2B5EF4-FFF2-40B4-BE49-F238E27FC236}">
+                <a16:creationId xmlns:a16="http://schemas.microsoft.com/office/drawing/2014/main" id="{1C46FE25-D795-1340-98E2-7AAB27E3E568}"/>
+              </a:ext>
+            </a:extLst>
+          </p:cNvPr>
+          <p:cNvSpPr/>
+          <p:nvPr/>
+        </p:nvSpPr>
+        <p:spPr>
+          <a:xfrm>
+            <a:off x="7193862" y="4939750"/>
+            <a:ext cx="2099907" cy="1613721"/>
+          </a:xfrm>
+          <a:prstGeom prst="rect">
+            <a:avLst/>
+          </a:prstGeom>
+          <a:solidFill>
+            <a:schemeClr val="accent4">
+              <a:lumMod val="20000"/>
+              <a:lumOff val="80000"/>
+              <a:alpha val="31000"/>
+            </a:schemeClr>
+          </a:solidFill>
+        </p:spPr>
+        <p:style>
+          <a:lnRef idx="2">
+            <a:schemeClr val="accent1">
+              <a:shade val="50000"/>
+            </a:schemeClr>
+          </a:lnRef>
+          <a:fillRef idx="1">
+            <a:schemeClr val="accent1"/>
+          </a:fillRef>
+          <a:effectRef idx="0">
+            <a:schemeClr val="accent1"/>
+          </a:effectRef>
+          <a:fontRef idx="minor">
+            <a:schemeClr val="lt1"/>
+          </a:fontRef>
+        </p:style>
+        <p:txBody>
+          <a:bodyPr rtlCol="0" anchor="ctr"/>
+          <a:lstStyle/>
+          <a:p>
+            <a:pPr algn="ctr"/>
+            <a:endParaRPr lang="en-US"/>
+          </a:p>
+        </p:txBody>
+      </p:sp>
+      <p:sp>
+        <p:nvSpPr>
+          <p:cNvPr id="30" name="TextBox 29">
+            <a:extLst>
+              <a:ext uri="{FF2B5EF4-FFF2-40B4-BE49-F238E27FC236}">
+                <a16:creationId xmlns:a16="http://schemas.microsoft.com/office/drawing/2014/main" id="{C87574A7-3EA3-2045-8E8D-51E5C6E5570F}"/>
+              </a:ext>
+            </a:extLst>
+          </p:cNvPr>
+          <p:cNvSpPr txBox="1"/>
+          <p:nvPr/>
+        </p:nvSpPr>
+        <p:spPr>
+          <a:xfrm>
+            <a:off x="7292717" y="5065647"/>
+            <a:ext cx="1173892" cy="646331"/>
+          </a:xfrm>
+          <a:prstGeom prst="rect">
+            <a:avLst/>
+          </a:prstGeom>
+          <a:solidFill>
+            <a:schemeClr val="accent4">
+              <a:lumMod val="75000"/>
+              <a:alpha val="21035"/>
+            </a:schemeClr>
+          </a:solidFill>
+          <a:ln>
+            <a:solidFill>
+              <a:schemeClr val="accent1"/>
+            </a:solidFill>
+          </a:ln>
+        </p:spPr>
+        <p:txBody>
+          <a:bodyPr wrap="square" rtlCol="0">
+            <a:spAutoFit/>
+          </a:bodyPr>
+          <a:lstStyle/>
+          <a:p>
+            <a:r>
+              <a:rPr lang="en-US" dirty="0" err="1"/>
+              <a:t>len</a:t>
+            </a:r>
+            <a:r>
+              <a:rPr lang="en-US" dirty="0"/>
+              <a:t>:  </a:t>
+            </a:r>
+            <a:r>
+              <a:rPr lang="en-US" dirty="0">
+                <a:ln>
+                  <a:solidFill>
+                    <a:schemeClr val="accent1"/>
+                  </a:solidFill>
+                </a:ln>
+              </a:rPr>
+              <a:t>4</a:t>
+            </a:r>
+          </a:p>
+          <a:p>
+            <a:r>
+              <a:rPr lang="en-US" dirty="0">
+                <a:ln w="9525">
+                  <a:noFill/>
+                </a:ln>
+              </a:rPr>
+              <a:t>data</a:t>
+            </a:r>
+            <a:r>
+              <a:rPr lang="en-US" dirty="0">
+                <a:ln w="9525">
+                  <a:solidFill>
+                    <a:schemeClr val="tx1"/>
+                  </a:solidFill>
+                </a:ln>
+              </a:rPr>
+              <a:t>: </a:t>
+            </a:r>
+          </a:p>
+        </p:txBody>
+      </p:sp>
+      <p:sp>
+        <p:nvSpPr>
+          <p:cNvPr id="31" name="Rectangle 30">
+            <a:extLst>
+              <a:ext uri="{FF2B5EF4-FFF2-40B4-BE49-F238E27FC236}">
+                <a16:creationId xmlns:a16="http://schemas.microsoft.com/office/drawing/2014/main" id="{A562F5AE-9563-7246-BDD2-C1DA91D467F6}"/>
+              </a:ext>
+            </a:extLst>
+          </p:cNvPr>
+          <p:cNvSpPr/>
+          <p:nvPr/>
+        </p:nvSpPr>
+        <p:spPr>
+          <a:xfrm>
+            <a:off x="7774631" y="5157980"/>
+            <a:ext cx="222422" cy="184666"/>
+          </a:xfrm>
+          <a:prstGeom prst="rect">
+            <a:avLst/>
+          </a:prstGeom>
+          <a:solidFill>
+            <a:schemeClr val="accent1">
+              <a:alpha val="9721"/>
+            </a:schemeClr>
+          </a:solidFill>
+        </p:spPr>
+        <p:style>
+          <a:lnRef idx="2">
+            <a:schemeClr val="accent1">
+              <a:shade val="50000"/>
+            </a:schemeClr>
+          </a:lnRef>
+          <a:fillRef idx="1">
+            <a:schemeClr val="accent1"/>
+          </a:fillRef>
+          <a:effectRef idx="0">
+            <a:schemeClr val="accent1"/>
+          </a:effectRef>
+          <a:fontRef idx="minor">
+            <a:schemeClr val="lt1"/>
+          </a:fontRef>
+        </p:style>
+        <p:txBody>
+          <a:bodyPr rtlCol="0" anchor="ctr"/>
+          <a:lstStyle/>
+          <a:p>
+            <a:pPr algn="ctr"/>
+            <a:endParaRPr lang="en-US" dirty="0"/>
+          </a:p>
+        </p:txBody>
+      </p:sp>
+      <p:sp>
+        <p:nvSpPr>
+          <p:cNvPr id="32" name="Rectangle 31">
+            <a:extLst>
+              <a:ext uri="{FF2B5EF4-FFF2-40B4-BE49-F238E27FC236}">
+                <a16:creationId xmlns:a16="http://schemas.microsoft.com/office/drawing/2014/main" id="{EDA1B800-5872-B540-9303-A2FFAD9091C5}"/>
+              </a:ext>
+            </a:extLst>
+          </p:cNvPr>
+          <p:cNvSpPr/>
+          <p:nvPr/>
+        </p:nvSpPr>
+        <p:spPr>
+          <a:xfrm>
+            <a:off x="7935270" y="5435116"/>
+            <a:ext cx="222422" cy="184666"/>
+          </a:xfrm>
+          <a:prstGeom prst="rect">
+            <a:avLst/>
+          </a:prstGeom>
+          <a:solidFill>
+            <a:schemeClr val="accent1">
+              <a:alpha val="9721"/>
+            </a:schemeClr>
+          </a:solidFill>
+        </p:spPr>
+        <p:style>
+          <a:lnRef idx="2">
+            <a:schemeClr val="accent1">
+              <a:shade val="50000"/>
+            </a:schemeClr>
+          </a:lnRef>
+          <a:fillRef idx="1">
+            <a:schemeClr val="accent1"/>
+          </a:fillRef>
+          <a:effectRef idx="0">
+            <a:schemeClr val="accent1"/>
+          </a:effectRef>
+          <a:fontRef idx="minor">
+            <a:schemeClr val="lt1"/>
+          </a:fontRef>
+        </p:style>
+        <p:txBody>
+          <a:bodyPr rtlCol="0" anchor="ctr"/>
+          <a:lstStyle/>
+          <a:p>
+            <a:pPr algn="ctr"/>
+            <a:endParaRPr lang="en-US"/>
+          </a:p>
+        </p:txBody>
+      </p:sp>
+      <p:cxnSp>
+        <p:nvCxnSpPr>
+          <p:cNvPr id="33" name="Straight Arrow Connector 32">
+            <a:extLst>
+              <a:ext uri="{FF2B5EF4-FFF2-40B4-BE49-F238E27FC236}">
+                <a16:creationId xmlns:a16="http://schemas.microsoft.com/office/drawing/2014/main" id="{9BF95114-84B2-5844-8816-1571859C2874}"/>
+              </a:ext>
+            </a:extLst>
+          </p:cNvPr>
+          <p:cNvCxnSpPr>
+            <a:cxnSpLocks/>
+            <a:stCxn id="32" idx="2"/>
+          </p:cNvCxnSpPr>
+          <p:nvPr/>
+        </p:nvCxnSpPr>
+        <p:spPr>
+          <a:xfrm>
+            <a:off x="8046481" y="5619782"/>
+            <a:ext cx="111211" cy="495742"/>
+          </a:xfrm>
+          <a:prstGeom prst="straightConnector1">
+            <a:avLst/>
+          </a:prstGeom>
+          <a:ln>
+            <a:tailEnd type="triangle"/>
+          </a:ln>
+        </p:spPr>
+        <p:style>
+          <a:lnRef idx="1">
+            <a:schemeClr val="accent1"/>
+          </a:lnRef>
+          <a:fillRef idx="0">
+            <a:schemeClr val="accent1"/>
+          </a:fillRef>
+          <a:effectRef idx="0">
+            <a:schemeClr val="accent1"/>
+          </a:effectRef>
+          <a:fontRef idx="minor">
+            <a:schemeClr val="tx1"/>
+          </a:fontRef>
+        </p:style>
+      </p:cxnSp>
+      <p:graphicFrame>
+        <p:nvGraphicFramePr>
+          <p:cNvPr id="34" name="Table 9">
+            <a:extLst>
+              <a:ext uri="{FF2B5EF4-FFF2-40B4-BE49-F238E27FC236}">
+                <a16:creationId xmlns:a16="http://schemas.microsoft.com/office/drawing/2014/main" id="{36FBBD27-F9EE-C948-96B9-78F40BBE9FDB}"/>
+              </a:ext>
+            </a:extLst>
+          </p:cNvPr>
+          <p:cNvGraphicFramePr>
+            <a:graphicFrameLocks noGrp="1"/>
+          </p:cNvGraphicFramePr>
+          <p:nvPr>
+            <p:extLst>
+              <p:ext uri="{D42A27DB-BD31-4B8C-83A1-F6EECF244321}">
+                <p14:modId xmlns:p14="http://schemas.microsoft.com/office/powerpoint/2010/main" val="3961221601"/>
+              </p:ext>
+            </p:extLst>
+          </p:nvPr>
+        </p:nvGraphicFramePr>
+        <p:xfrm>
+          <a:off x="7292717" y="6101560"/>
+          <a:ext cx="1876725" cy="304800"/>
+        </p:xfrm>
+        <a:graphic>
+          <a:graphicData uri="http://schemas.openxmlformats.org/drawingml/2006/table">
+            <a:tbl>
+              <a:tblPr firstRow="1" bandRow="1">
+                <a:tableStyleId>{5C22544A-7EE6-4342-B048-85BDC9FD1C3A}</a:tableStyleId>
+              </a:tblPr>
+              <a:tblGrid>
+                <a:gridCol w="375345">
+                  <a:extLst>
+                    <a:ext uri="{9D8B030D-6E8A-4147-A177-3AD203B41FA5}">
+                      <a16:colId xmlns:a16="http://schemas.microsoft.com/office/drawing/2014/main" val="1367944414"/>
+                    </a:ext>
+                  </a:extLst>
+                </a:gridCol>
+                <a:gridCol w="375345">
+                  <a:extLst>
+                    <a:ext uri="{9D8B030D-6E8A-4147-A177-3AD203B41FA5}">
+                      <a16:colId xmlns:a16="http://schemas.microsoft.com/office/drawing/2014/main" val="3127046063"/>
+                    </a:ext>
+                  </a:extLst>
+                </a:gridCol>
+                <a:gridCol w="375345">
+                  <a:extLst>
+                    <a:ext uri="{9D8B030D-6E8A-4147-A177-3AD203B41FA5}">
+                      <a16:colId xmlns:a16="http://schemas.microsoft.com/office/drawing/2014/main" val="27871377"/>
+                    </a:ext>
+                  </a:extLst>
+                </a:gridCol>
+                <a:gridCol w="375345">
+                  <a:extLst>
+                    <a:ext uri="{9D8B030D-6E8A-4147-A177-3AD203B41FA5}">
+                      <a16:colId xmlns:a16="http://schemas.microsoft.com/office/drawing/2014/main" val="879411235"/>
+                    </a:ext>
+                  </a:extLst>
+                </a:gridCol>
+                <a:gridCol w="375345">
+                  <a:extLst>
+                    <a:ext uri="{9D8B030D-6E8A-4147-A177-3AD203B41FA5}">
+                      <a16:colId xmlns:a16="http://schemas.microsoft.com/office/drawing/2014/main" val="2059762792"/>
+                    </a:ext>
+                  </a:extLst>
+                </a:gridCol>
+              </a:tblGrid>
+              <a:tr h="0">
+                <a:tc>
+                  <a:txBody>
+                    <a:bodyPr/>
+                    <a:lstStyle/>
+                    <a:p>
+                      <a:r>
+                        <a:rPr lang="en-US" sz="1400" b="1" dirty="0">
+                          <a:solidFill>
+                            <a:schemeClr val="accent1"/>
+                          </a:solidFill>
+                        </a:rPr>
+                        <a:t>C</a:t>
+                      </a:r>
+                    </a:p>
+                  </a:txBody>
+                  <a:tcPr>
+                    <a:solidFill>
+                      <a:schemeClr val="accent1">
+                        <a:lumMod val="40000"/>
+                        <a:lumOff val="60000"/>
+                        <a:alpha val="38000"/>
+                      </a:schemeClr>
+                    </a:solidFill>
+                  </a:tcPr>
+                </a:tc>
+                <a:tc>
+                  <a:txBody>
+                    <a:bodyPr/>
+                    <a:lstStyle/>
+                    <a:p>
+                      <a:r>
+                        <a:rPr lang="en-US" sz="1400" b="1" dirty="0">
+                          <a:solidFill>
+                            <a:schemeClr val="accent1"/>
+                          </a:solidFill>
+                        </a:rPr>
+                        <a:t>o</a:t>
+                      </a:r>
+                    </a:p>
+                  </a:txBody>
+                  <a:tcPr>
+                    <a:solidFill>
+                      <a:schemeClr val="accent1">
+                        <a:lumMod val="40000"/>
+                        <a:lumOff val="60000"/>
+                        <a:alpha val="38000"/>
+                      </a:schemeClr>
+                    </a:solidFill>
+                  </a:tcPr>
+                </a:tc>
+                <a:tc>
+                  <a:txBody>
+                    <a:bodyPr/>
+                    <a:lstStyle/>
+                    <a:p>
+                      <a:r>
+                        <a:rPr lang="en-US" sz="1400" b="1" dirty="0">
+                          <a:solidFill>
+                            <a:schemeClr val="accent1"/>
+                          </a:solidFill>
+                        </a:rPr>
+                        <a:t>o</a:t>
+                      </a:r>
+                    </a:p>
+                  </a:txBody>
+                  <a:tcPr>
+                    <a:solidFill>
+                      <a:schemeClr val="accent1">
+                        <a:lumMod val="40000"/>
+                        <a:lumOff val="60000"/>
+                        <a:alpha val="38000"/>
+                      </a:schemeClr>
+                    </a:solidFill>
+                  </a:tcPr>
+                </a:tc>
+                <a:tc>
+                  <a:txBody>
+                    <a:bodyPr/>
+                    <a:lstStyle/>
+                    <a:p>
+                      <a:r>
+                        <a:rPr lang="en-US" sz="1400" b="1" dirty="0">
+                          <a:solidFill>
+                            <a:schemeClr val="accent1"/>
+                          </a:solidFill>
+                        </a:rPr>
+                        <a:t>k</a:t>
+                      </a:r>
+                    </a:p>
+                  </a:txBody>
+                  <a:tcPr>
+                    <a:solidFill>
+                      <a:schemeClr val="accent1">
+                        <a:lumMod val="40000"/>
+                        <a:lumOff val="60000"/>
+                        <a:alpha val="38000"/>
+                      </a:schemeClr>
+                    </a:solidFill>
+                  </a:tcPr>
+                </a:tc>
+                <a:tc>
+                  <a:txBody>
+                    <a:bodyPr/>
+                    <a:lstStyle/>
+                    <a:p>
+                      <a:r>
+                        <a:rPr lang="en-US" sz="1400" b="1" dirty="0">
+                          <a:solidFill>
+                            <a:schemeClr val="accent1"/>
+                          </a:solidFill>
+                        </a:rPr>
+                        <a:t>\0</a:t>
+                      </a:r>
+                    </a:p>
+                  </a:txBody>
+                  <a:tcPr>
+                    <a:solidFill>
+                      <a:schemeClr val="accent1">
+                        <a:lumMod val="40000"/>
+                        <a:lumOff val="60000"/>
+                        <a:alpha val="38000"/>
+                      </a:schemeClr>
+                    </a:solidFill>
+                  </a:tcPr>
+                </a:tc>
+                <a:extLst>
+                  <a:ext uri="{0D108BD9-81ED-4DB2-BD59-A6C34878D82A}">
+                    <a16:rowId xmlns:a16="http://schemas.microsoft.com/office/drawing/2014/main" val="1482642403"/>
+                  </a:ext>
+                </a:extLst>
+              </a:tr>
+            </a:tbl>
+          </a:graphicData>
+        </a:graphic>
+      </p:graphicFrame>
+    </p:spTree>
+    <p:extLst>
+      <p:ext uri="{BB962C8B-B14F-4D97-AF65-F5344CB8AC3E}">
+        <p14:creationId xmlns:p14="http://schemas.microsoft.com/office/powerpoint/2010/main" val="838827919"/>
       </p:ext>
     </p:extLst>
   </p:cSld>

--- a/how_to_benefit_from_move_semantics/InitializeMembers.pptx
+++ b/how_to_benefit_from_move_semantics/InitializeMembers.pptx
@@ -8,6 +8,7 @@
     <p:sldId id="256" r:id="rId2"/>
     <p:sldId id="257" r:id="rId3"/>
     <p:sldId id="258" r:id="rId4"/>
+    <p:sldId id="259" r:id="rId5"/>
   </p:sldIdLst>
   <p:sldSz cx="12192000" cy="6858000"/>
   <p:notesSz cx="6858000" cy="9144000"/>
@@ -11005,6 +11006,2321 @@
 </p:sld>
 </file>
 
+<file path=ppt/slides/slide4.xml><?xml version="1.0" encoding="utf-8"?>
+<p:sld xmlns:a="http://schemas.openxmlformats.org/drawingml/2006/main" xmlns:r="http://schemas.openxmlformats.org/officeDocument/2006/relationships" xmlns:p="http://schemas.openxmlformats.org/presentationml/2006/main">
+  <p:cSld>
+    <p:spTree>
+      <p:nvGrpSpPr>
+        <p:cNvPr id="1" name=""/>
+        <p:cNvGrpSpPr/>
+        <p:nvPr/>
+      </p:nvGrpSpPr>
+      <p:grpSpPr>
+        <a:xfrm>
+          <a:off x="0" y="0"/>
+          <a:ext cx="0" cy="0"/>
+          <a:chOff x="0" y="0"/>
+          <a:chExt cx="0" cy="0"/>
+        </a:xfrm>
+      </p:grpSpPr>
+      <p:sp>
+        <p:nvSpPr>
+          <p:cNvPr id="2" name="TextBox 1">
+            <a:extLst>
+              <a:ext uri="{FF2B5EF4-FFF2-40B4-BE49-F238E27FC236}">
+                <a16:creationId xmlns:a16="http://schemas.microsoft.com/office/drawing/2014/main" id="{439B8141-71C5-F945-8452-0D29745EE333}"/>
+              </a:ext>
+            </a:extLst>
+          </p:cNvPr>
+          <p:cNvSpPr txBox="1"/>
+          <p:nvPr/>
+        </p:nvSpPr>
+        <p:spPr>
+          <a:xfrm>
+            <a:off x="2037522" y="208722"/>
+            <a:ext cx="7762461" cy="369332"/>
+          </a:xfrm>
+          <a:prstGeom prst="rect">
+            <a:avLst/>
+          </a:prstGeom>
+          <a:noFill/>
+        </p:spPr>
+        <p:txBody>
+          <a:bodyPr wrap="square" rtlCol="0">
+            <a:spAutoFit/>
+          </a:bodyPr>
+          <a:lstStyle/>
+          <a:p>
+            <a:pPr algn="ctr"/>
+            <a:r>
+              <a:rPr lang="en-US" dirty="0"/>
+              <a:t>Initialize Members in the Classical Way</a:t>
+            </a:r>
+          </a:p>
+        </p:txBody>
+      </p:sp>
+      <p:sp>
+        <p:nvSpPr>
+          <p:cNvPr id="3" name="TextBox 2">
+            <a:extLst>
+              <a:ext uri="{FF2B5EF4-FFF2-40B4-BE49-F238E27FC236}">
+                <a16:creationId xmlns:a16="http://schemas.microsoft.com/office/drawing/2014/main" id="{6A36C259-0968-0A43-AF97-B19E6F581BD1}"/>
+              </a:ext>
+            </a:extLst>
+          </p:cNvPr>
+          <p:cNvSpPr txBox="1"/>
+          <p:nvPr/>
+        </p:nvSpPr>
+        <p:spPr>
+          <a:xfrm>
+            <a:off x="447260" y="467139"/>
+            <a:ext cx="5648740" cy="2308324"/>
+          </a:xfrm>
+          <a:prstGeom prst="rect">
+            <a:avLst/>
+          </a:prstGeom>
+          <a:noFill/>
+        </p:spPr>
+        <p:txBody>
+          <a:bodyPr wrap="square" rtlCol="0">
+            <a:spAutoFit/>
+          </a:bodyPr>
+          <a:lstStyle/>
+          <a:p>
+            <a:r>
+              <a:rPr lang="en-US" sz="1200" b="1" dirty="0">
+                <a:solidFill>
+                  <a:schemeClr val="accent1"/>
+                </a:solidFill>
+                <a:latin typeface="Courier New" panose="02070309020205020404" pitchFamily="49" charset="0"/>
+                <a:cs typeface="Courier New" panose="02070309020205020404" pitchFamily="49" charset="0"/>
+              </a:rPr>
+              <a:t>#include </a:t>
+            </a:r>
+            <a:r>
+              <a:rPr lang="en-US" sz="1200" dirty="0">
+                <a:latin typeface="Courier New" panose="02070309020205020404" pitchFamily="49" charset="0"/>
+                <a:cs typeface="Courier New" panose="02070309020205020404" pitchFamily="49" charset="0"/>
+              </a:rPr>
+              <a:t>&lt;string&gt;</a:t>
+            </a:r>
+          </a:p>
+          <a:p>
+            <a:endParaRPr lang="en-US" sz="1200" dirty="0">
+              <a:latin typeface="Courier New" panose="02070309020205020404" pitchFamily="49" charset="0"/>
+              <a:cs typeface="Courier New" panose="02070309020205020404" pitchFamily="49" charset="0"/>
+            </a:endParaRPr>
+          </a:p>
+          <a:p>
+            <a:r>
+              <a:rPr lang="en-US" sz="1200" b="1" dirty="0">
+                <a:solidFill>
+                  <a:schemeClr val="accent1"/>
+                </a:solidFill>
+                <a:latin typeface="Courier New" panose="02070309020205020404" pitchFamily="49" charset="0"/>
+                <a:cs typeface="Courier New" panose="02070309020205020404" pitchFamily="49" charset="0"/>
+              </a:rPr>
+              <a:t>class</a:t>
+            </a:r>
+            <a:r>
+              <a:rPr lang="en-US" sz="1200" dirty="0">
+                <a:latin typeface="Courier New" panose="02070309020205020404" pitchFamily="49" charset="0"/>
+                <a:cs typeface="Courier New" panose="02070309020205020404" pitchFamily="49" charset="0"/>
+              </a:rPr>
+              <a:t> Person {</a:t>
+            </a:r>
+          </a:p>
+          <a:p>
+            <a:r>
+              <a:rPr lang="en-US" sz="1200" dirty="0">
+                <a:latin typeface="Courier New" panose="02070309020205020404" pitchFamily="49" charset="0"/>
+                <a:cs typeface="Courier New" panose="02070309020205020404" pitchFamily="49" charset="0"/>
+              </a:rPr>
+              <a:t> </a:t>
+            </a:r>
+            <a:r>
+              <a:rPr lang="en-US" sz="1200" b="1" dirty="0">
+                <a:solidFill>
+                  <a:schemeClr val="accent1"/>
+                </a:solidFill>
+                <a:latin typeface="Courier New" panose="02070309020205020404" pitchFamily="49" charset="0"/>
+                <a:cs typeface="Courier New" panose="02070309020205020404" pitchFamily="49" charset="0"/>
+              </a:rPr>
+              <a:t>private:</a:t>
+            </a:r>
+          </a:p>
+          <a:p>
+            <a:r>
+              <a:rPr lang="en-US" sz="1200" dirty="0">
+                <a:latin typeface="Courier New" panose="02070309020205020404" pitchFamily="49" charset="0"/>
+                <a:cs typeface="Courier New" panose="02070309020205020404" pitchFamily="49" charset="0"/>
+              </a:rPr>
+              <a:t>  std::string first; </a:t>
+            </a:r>
+            <a:r>
+              <a:rPr lang="en-US" sz="1200" b="1" dirty="0">
+                <a:solidFill>
+                  <a:schemeClr val="accent6">
+                    <a:lumMod val="75000"/>
+                  </a:schemeClr>
+                </a:solidFill>
+                <a:latin typeface="Courier New" panose="02070309020205020404" pitchFamily="49" charset="0"/>
+                <a:cs typeface="Courier New" panose="02070309020205020404" pitchFamily="49" charset="0"/>
+              </a:rPr>
+              <a:t>// first name</a:t>
+            </a:r>
+          </a:p>
+          <a:p>
+            <a:r>
+              <a:rPr lang="en-US" sz="1200" dirty="0">
+                <a:latin typeface="Courier New" panose="02070309020205020404" pitchFamily="49" charset="0"/>
+                <a:cs typeface="Courier New" panose="02070309020205020404" pitchFamily="49" charset="0"/>
+              </a:rPr>
+              <a:t>  std::string last;  </a:t>
+            </a:r>
+            <a:r>
+              <a:rPr lang="en-US" sz="1200" b="1" dirty="0">
+                <a:solidFill>
+                  <a:schemeClr val="accent6">
+                    <a:lumMod val="75000"/>
+                  </a:schemeClr>
+                </a:solidFill>
+                <a:latin typeface="Courier New" panose="02070309020205020404" pitchFamily="49" charset="0"/>
+                <a:cs typeface="Courier New" panose="02070309020205020404" pitchFamily="49" charset="0"/>
+              </a:rPr>
+              <a:t>// last name</a:t>
+            </a:r>
+          </a:p>
+          <a:p>
+            <a:r>
+              <a:rPr lang="en-US" sz="1200" dirty="0">
+                <a:latin typeface="Courier New" panose="02070309020205020404" pitchFamily="49" charset="0"/>
+                <a:cs typeface="Courier New" panose="02070309020205020404" pitchFamily="49" charset="0"/>
+              </a:rPr>
+              <a:t> </a:t>
+            </a:r>
+            <a:r>
+              <a:rPr lang="en-US" sz="1200" b="1" dirty="0">
+                <a:solidFill>
+                  <a:schemeClr val="accent1"/>
+                </a:solidFill>
+                <a:latin typeface="Courier New" panose="02070309020205020404" pitchFamily="49" charset="0"/>
+                <a:cs typeface="Courier New" panose="02070309020205020404" pitchFamily="49" charset="0"/>
+              </a:rPr>
+              <a:t>public:</a:t>
+            </a:r>
+          </a:p>
+          <a:p>
+            <a:r>
+              <a:rPr lang="en-US" sz="1200" dirty="0">
+                <a:latin typeface="Courier New" panose="02070309020205020404" pitchFamily="49" charset="0"/>
+                <a:cs typeface="Courier New" panose="02070309020205020404" pitchFamily="49" charset="0"/>
+              </a:rPr>
+              <a:t>  Person(</a:t>
+            </a:r>
+            <a:r>
+              <a:rPr lang="en-US" sz="1200" b="1" dirty="0">
+                <a:solidFill>
+                  <a:schemeClr val="accent1"/>
+                </a:solidFill>
+                <a:latin typeface="Courier New" panose="02070309020205020404" pitchFamily="49" charset="0"/>
+                <a:cs typeface="Courier New" panose="02070309020205020404" pitchFamily="49" charset="0"/>
+              </a:rPr>
+              <a:t>const</a:t>
+            </a:r>
+            <a:r>
+              <a:rPr lang="en-US" sz="1200" dirty="0">
+                <a:latin typeface="Courier New" panose="02070309020205020404" pitchFamily="49" charset="0"/>
+                <a:cs typeface="Courier New" panose="02070309020205020404" pitchFamily="49" charset="0"/>
+              </a:rPr>
+              <a:t> std::string&amp; f, </a:t>
+            </a:r>
+            <a:r>
+              <a:rPr lang="en-US" sz="1200" b="1" dirty="0">
+                <a:solidFill>
+                  <a:schemeClr val="accent1"/>
+                </a:solidFill>
+                <a:latin typeface="Courier New" panose="02070309020205020404" pitchFamily="49" charset="0"/>
+                <a:cs typeface="Courier New" panose="02070309020205020404" pitchFamily="49" charset="0"/>
+              </a:rPr>
+              <a:t>const</a:t>
+            </a:r>
+            <a:r>
+              <a:rPr lang="en-US" sz="1200" dirty="0">
+                <a:latin typeface="Courier New" panose="02070309020205020404" pitchFamily="49" charset="0"/>
+                <a:cs typeface="Courier New" panose="02070309020205020404" pitchFamily="49" charset="0"/>
+              </a:rPr>
+              <a:t> std::string&amp; l)</a:t>
+            </a:r>
+          </a:p>
+          <a:p>
+            <a:r>
+              <a:rPr lang="en-US" sz="1200" dirty="0">
+                <a:latin typeface="Courier New" panose="02070309020205020404" pitchFamily="49" charset="0"/>
+                <a:cs typeface="Courier New" panose="02070309020205020404" pitchFamily="49" charset="0"/>
+              </a:rPr>
+              <a:t>   : first{f}, last{f} {</a:t>
+            </a:r>
+          </a:p>
+          <a:p>
+            <a:r>
+              <a:rPr lang="en-US" sz="1200" dirty="0">
+                <a:latin typeface="Courier New" panose="02070309020205020404" pitchFamily="49" charset="0"/>
+                <a:cs typeface="Courier New" panose="02070309020205020404" pitchFamily="49" charset="0"/>
+              </a:rPr>
+              <a:t>  }</a:t>
+            </a:r>
+          </a:p>
+          <a:p>
+            <a:r>
+              <a:rPr lang="en-US" sz="1200" dirty="0">
+                <a:latin typeface="Courier New" panose="02070309020205020404" pitchFamily="49" charset="0"/>
+                <a:cs typeface="Courier New" panose="02070309020205020404" pitchFamily="49" charset="0"/>
+              </a:rPr>
+              <a:t> …</a:t>
+            </a:r>
+          </a:p>
+          <a:p>
+            <a:r>
+              <a:rPr lang="en-US" sz="1200" dirty="0">
+                <a:latin typeface="Courier New" panose="02070309020205020404" pitchFamily="49" charset="0"/>
+                <a:cs typeface="Courier New" panose="02070309020205020404" pitchFamily="49" charset="0"/>
+              </a:rPr>
+              <a:t>}; </a:t>
+            </a:r>
+          </a:p>
+        </p:txBody>
+      </p:sp>
+      <p:sp>
+        <p:nvSpPr>
+          <p:cNvPr id="4" name="TextBox 3">
+            <a:extLst>
+              <a:ext uri="{FF2B5EF4-FFF2-40B4-BE49-F238E27FC236}">
+                <a16:creationId xmlns:a16="http://schemas.microsoft.com/office/drawing/2014/main" id="{F708970B-FC5B-9C41-9092-E8DD5C7C2AA6}"/>
+              </a:ext>
+            </a:extLst>
+          </p:cNvPr>
+          <p:cNvSpPr txBox="1"/>
+          <p:nvPr/>
+        </p:nvSpPr>
+        <p:spPr>
+          <a:xfrm>
+            <a:off x="6096000" y="1747628"/>
+            <a:ext cx="5648740" cy="276999"/>
+          </a:xfrm>
+          <a:prstGeom prst="rect">
+            <a:avLst/>
+          </a:prstGeom>
+          <a:noFill/>
+        </p:spPr>
+        <p:txBody>
+          <a:bodyPr wrap="square" rtlCol="0">
+            <a:spAutoFit/>
+          </a:bodyPr>
+          <a:lstStyle/>
+          <a:p>
+            <a:r>
+              <a:rPr lang="en-US" sz="1200" dirty="0">
+                <a:latin typeface="Courier New" panose="02070309020205020404" pitchFamily="49" charset="0"/>
+                <a:cs typeface="Courier New" panose="02070309020205020404" pitchFamily="49" charset="0"/>
+              </a:rPr>
+              <a:t>Person p{</a:t>
+            </a:r>
+            <a:r>
+              <a:rPr lang="en-US" sz="1200" b="1" dirty="0">
+                <a:solidFill>
+                  <a:srgbClr val="7030A0"/>
+                </a:solidFill>
+                <a:latin typeface="Courier New" panose="02070309020205020404" pitchFamily="49" charset="0"/>
+                <a:cs typeface="Courier New" panose="02070309020205020404" pitchFamily="49" charset="0"/>
+              </a:rPr>
+              <a:t>“Ben”</a:t>
+            </a:r>
+            <a:r>
+              <a:rPr lang="en-US" sz="1200" dirty="0">
+                <a:latin typeface="Courier New" panose="02070309020205020404" pitchFamily="49" charset="0"/>
+                <a:cs typeface="Courier New" panose="02070309020205020404" pitchFamily="49" charset="0"/>
+              </a:rPr>
+              <a:t>, </a:t>
+            </a:r>
+            <a:r>
+              <a:rPr lang="en-US" sz="1200" b="1" dirty="0">
+                <a:solidFill>
+                  <a:srgbClr val="7030A0"/>
+                </a:solidFill>
+                <a:latin typeface="Courier New" panose="02070309020205020404" pitchFamily="49" charset="0"/>
+                <a:cs typeface="Courier New" panose="02070309020205020404" pitchFamily="49" charset="0"/>
+              </a:rPr>
+              <a:t>“Cook”</a:t>
+            </a:r>
+            <a:r>
+              <a:rPr lang="en-US" sz="1200" dirty="0">
+                <a:latin typeface="Courier New" panose="02070309020205020404" pitchFamily="49" charset="0"/>
+                <a:cs typeface="Courier New" panose="02070309020205020404" pitchFamily="49" charset="0"/>
+              </a:rPr>
+              <a:t>};</a:t>
+            </a:r>
+          </a:p>
+        </p:txBody>
+      </p:sp>
+      <p:sp>
+        <p:nvSpPr>
+          <p:cNvPr id="5" name="TextBox 4">
+            <a:extLst>
+              <a:ext uri="{FF2B5EF4-FFF2-40B4-BE49-F238E27FC236}">
+                <a16:creationId xmlns:a16="http://schemas.microsoft.com/office/drawing/2014/main" id="{A1B10639-6658-9E47-BDAF-BADF4C87B0C0}"/>
+              </a:ext>
+            </a:extLst>
+          </p:cNvPr>
+          <p:cNvSpPr txBox="1"/>
+          <p:nvPr/>
+        </p:nvSpPr>
+        <p:spPr>
+          <a:xfrm>
+            <a:off x="3688726" y="2434158"/>
+            <a:ext cx="5272709" cy="2862322"/>
+          </a:xfrm>
+          <a:prstGeom prst="rect">
+            <a:avLst/>
+          </a:prstGeom>
+          <a:noFill/>
+        </p:spPr>
+        <p:txBody>
+          <a:bodyPr wrap="square" rtlCol="0">
+            <a:spAutoFit/>
+          </a:bodyPr>
+          <a:lstStyle/>
+          <a:p>
+            <a:r>
+              <a:rPr lang="en-US" dirty="0"/>
+              <a:t>“Ben”:                                    “Cook”:</a:t>
+            </a:r>
+          </a:p>
+          <a:p>
+            <a:endParaRPr lang="en-US" dirty="0"/>
+          </a:p>
+          <a:p>
+            <a:r>
+              <a:rPr lang="en-US" dirty="0"/>
+              <a:t> f:            </a:t>
+            </a:r>
+            <a:r>
+              <a:rPr lang="en-US" dirty="0">
+                <a:solidFill>
+                  <a:schemeClr val="tx1">
+                    <a:alpha val="20741"/>
+                  </a:schemeClr>
+                </a:solidFill>
+              </a:rPr>
+              <a:t>           </a:t>
+            </a:r>
+            <a:r>
+              <a:rPr lang="en-US" dirty="0"/>
+              <a:t>                             l:   </a:t>
+            </a:r>
+          </a:p>
+          <a:p>
+            <a:r>
+              <a:rPr lang="en-US" dirty="0"/>
+              <a:t>      </a:t>
+            </a:r>
+          </a:p>
+          <a:p>
+            <a:endParaRPr lang="en-US" dirty="0"/>
+          </a:p>
+          <a:p>
+            <a:endParaRPr lang="en-US" dirty="0"/>
+          </a:p>
+          <a:p>
+            <a:endParaRPr lang="en-US" dirty="0"/>
+          </a:p>
+          <a:p>
+            <a:endParaRPr lang="en-US" dirty="0"/>
+          </a:p>
+          <a:p>
+            <a:endParaRPr lang="en-US" dirty="0"/>
+          </a:p>
+          <a:p>
+            <a:r>
+              <a:rPr lang="en-US" dirty="0"/>
+              <a:t> p: </a:t>
+            </a:r>
+          </a:p>
+        </p:txBody>
+      </p:sp>
+      <p:graphicFrame>
+        <p:nvGraphicFramePr>
+          <p:cNvPr id="12" name="Table 8">
+            <a:extLst>
+              <a:ext uri="{FF2B5EF4-FFF2-40B4-BE49-F238E27FC236}">
+                <a16:creationId xmlns:a16="http://schemas.microsoft.com/office/drawing/2014/main" id="{119F1C66-A769-E542-9D40-481095FA16DF}"/>
+              </a:ext>
+            </a:extLst>
+          </p:cNvPr>
+          <p:cNvGraphicFramePr>
+            <a:graphicFrameLocks noGrp="1"/>
+          </p:cNvGraphicFramePr>
+          <p:nvPr>
+            <p:extLst>
+              <p:ext uri="{D42A27DB-BD31-4B8C-83A1-F6EECF244321}">
+                <p14:modId xmlns:p14="http://schemas.microsoft.com/office/powerpoint/2010/main" val="1028393973"/>
+              </p:ext>
+            </p:extLst>
+          </p:nvPr>
+        </p:nvGraphicFramePr>
+        <p:xfrm>
+          <a:off x="4465612" y="2470663"/>
+          <a:ext cx="1504036" cy="304800"/>
+        </p:xfrm>
+        <a:graphic>
+          <a:graphicData uri="http://schemas.openxmlformats.org/drawingml/2006/table">
+            <a:tbl>
+              <a:tblPr firstRow="1" bandRow="1">
+                <a:tableStyleId>{5C22544A-7EE6-4342-B048-85BDC9FD1C3A}</a:tableStyleId>
+              </a:tblPr>
+              <a:tblGrid>
+                <a:gridCol w="376009">
+                  <a:extLst>
+                    <a:ext uri="{9D8B030D-6E8A-4147-A177-3AD203B41FA5}">
+                      <a16:colId xmlns:a16="http://schemas.microsoft.com/office/drawing/2014/main" val="2319695347"/>
+                    </a:ext>
+                  </a:extLst>
+                </a:gridCol>
+                <a:gridCol w="376009">
+                  <a:extLst>
+                    <a:ext uri="{9D8B030D-6E8A-4147-A177-3AD203B41FA5}">
+                      <a16:colId xmlns:a16="http://schemas.microsoft.com/office/drawing/2014/main" val="3996963117"/>
+                    </a:ext>
+                  </a:extLst>
+                </a:gridCol>
+                <a:gridCol w="376009">
+                  <a:extLst>
+                    <a:ext uri="{9D8B030D-6E8A-4147-A177-3AD203B41FA5}">
+                      <a16:colId xmlns:a16="http://schemas.microsoft.com/office/drawing/2014/main" val="3794230053"/>
+                    </a:ext>
+                  </a:extLst>
+                </a:gridCol>
+                <a:gridCol w="376009">
+                  <a:extLst>
+                    <a:ext uri="{9D8B030D-6E8A-4147-A177-3AD203B41FA5}">
+                      <a16:colId xmlns:a16="http://schemas.microsoft.com/office/drawing/2014/main" val="2140218889"/>
+                    </a:ext>
+                  </a:extLst>
+                </a:gridCol>
+              </a:tblGrid>
+              <a:tr h="303010">
+                <a:tc>
+                  <a:txBody>
+                    <a:bodyPr/>
+                    <a:lstStyle/>
+                    <a:p>
+                      <a:r>
+                        <a:rPr lang="en-US" sz="1400" dirty="0">
+                          <a:ln>
+                            <a:solidFill>
+                              <a:schemeClr val="accent1"/>
+                            </a:solidFill>
+                          </a:ln>
+                          <a:solidFill>
+                            <a:schemeClr val="accent1"/>
+                          </a:solidFill>
+                        </a:rPr>
+                        <a:t>B</a:t>
+                      </a:r>
+                    </a:p>
+                  </a:txBody>
+                  <a:tcPr>
+                    <a:solidFill>
+                      <a:schemeClr val="accent1">
+                        <a:lumMod val="20000"/>
+                        <a:lumOff val="80000"/>
+                        <a:alpha val="65921"/>
+                      </a:schemeClr>
+                    </a:solidFill>
+                  </a:tcPr>
+                </a:tc>
+                <a:tc>
+                  <a:txBody>
+                    <a:bodyPr/>
+                    <a:lstStyle/>
+                    <a:p>
+                      <a:r>
+                        <a:rPr lang="en-US" sz="1400" dirty="0">
+                          <a:ln>
+                            <a:solidFill>
+                              <a:schemeClr val="accent1"/>
+                            </a:solidFill>
+                          </a:ln>
+                          <a:solidFill>
+                            <a:schemeClr val="accent1"/>
+                          </a:solidFill>
+                        </a:rPr>
+                        <a:t>e</a:t>
+                      </a:r>
+                    </a:p>
+                  </a:txBody>
+                  <a:tcPr>
+                    <a:solidFill>
+                      <a:schemeClr val="accent1">
+                        <a:lumMod val="20000"/>
+                        <a:lumOff val="80000"/>
+                        <a:alpha val="65921"/>
+                      </a:schemeClr>
+                    </a:solidFill>
+                  </a:tcPr>
+                </a:tc>
+                <a:tc>
+                  <a:txBody>
+                    <a:bodyPr/>
+                    <a:lstStyle/>
+                    <a:p>
+                      <a:r>
+                        <a:rPr lang="en-US" sz="1400" dirty="0">
+                          <a:ln>
+                            <a:solidFill>
+                              <a:schemeClr val="accent1"/>
+                            </a:solidFill>
+                          </a:ln>
+                          <a:solidFill>
+                            <a:schemeClr val="accent1"/>
+                          </a:solidFill>
+                        </a:rPr>
+                        <a:t>n</a:t>
+                      </a:r>
+                    </a:p>
+                  </a:txBody>
+                  <a:tcPr>
+                    <a:solidFill>
+                      <a:schemeClr val="accent1">
+                        <a:lumMod val="20000"/>
+                        <a:lumOff val="80000"/>
+                        <a:alpha val="65921"/>
+                      </a:schemeClr>
+                    </a:solidFill>
+                  </a:tcPr>
+                </a:tc>
+                <a:tc>
+                  <a:txBody>
+                    <a:bodyPr/>
+                    <a:lstStyle/>
+                    <a:p>
+                      <a:r>
+                        <a:rPr lang="en-US" sz="1400" dirty="0">
+                          <a:ln>
+                            <a:solidFill>
+                              <a:schemeClr val="accent1"/>
+                            </a:solidFill>
+                          </a:ln>
+                          <a:solidFill>
+                            <a:schemeClr val="accent1"/>
+                          </a:solidFill>
+                        </a:rPr>
+                        <a:t>\0</a:t>
+                      </a:r>
+                    </a:p>
+                  </a:txBody>
+                  <a:tcPr>
+                    <a:solidFill>
+                      <a:schemeClr val="accent1">
+                        <a:lumMod val="20000"/>
+                        <a:lumOff val="80000"/>
+                        <a:alpha val="65921"/>
+                      </a:schemeClr>
+                    </a:solidFill>
+                  </a:tcPr>
+                </a:tc>
+                <a:extLst>
+                  <a:ext uri="{0D108BD9-81ED-4DB2-BD59-A6C34878D82A}">
+                    <a16:rowId xmlns:a16="http://schemas.microsoft.com/office/drawing/2014/main" val="542080640"/>
+                  </a:ext>
+                </a:extLst>
+              </a:tr>
+            </a:tbl>
+          </a:graphicData>
+        </a:graphic>
+      </p:graphicFrame>
+      <p:graphicFrame>
+        <p:nvGraphicFramePr>
+          <p:cNvPr id="13" name="Table 9">
+            <a:extLst>
+              <a:ext uri="{FF2B5EF4-FFF2-40B4-BE49-F238E27FC236}">
+                <a16:creationId xmlns:a16="http://schemas.microsoft.com/office/drawing/2014/main" id="{7CA31A75-688A-6646-ADEB-D9350742E01C}"/>
+              </a:ext>
+            </a:extLst>
+          </p:cNvPr>
+          <p:cNvGraphicFramePr>
+            <a:graphicFrameLocks noGrp="1"/>
+          </p:cNvGraphicFramePr>
+          <p:nvPr>
+            <p:extLst>
+              <p:ext uri="{D42A27DB-BD31-4B8C-83A1-F6EECF244321}">
+                <p14:modId xmlns:p14="http://schemas.microsoft.com/office/powerpoint/2010/main" val="3392220169"/>
+              </p:ext>
+            </p:extLst>
+          </p:nvPr>
+        </p:nvGraphicFramePr>
+        <p:xfrm>
+          <a:off x="7095480" y="2461530"/>
+          <a:ext cx="1876725" cy="304800"/>
+        </p:xfrm>
+        <a:graphic>
+          <a:graphicData uri="http://schemas.openxmlformats.org/drawingml/2006/table">
+            <a:tbl>
+              <a:tblPr firstRow="1" bandRow="1">
+                <a:tableStyleId>{5C22544A-7EE6-4342-B048-85BDC9FD1C3A}</a:tableStyleId>
+              </a:tblPr>
+              <a:tblGrid>
+                <a:gridCol w="375345">
+                  <a:extLst>
+                    <a:ext uri="{9D8B030D-6E8A-4147-A177-3AD203B41FA5}">
+                      <a16:colId xmlns:a16="http://schemas.microsoft.com/office/drawing/2014/main" val="1367944414"/>
+                    </a:ext>
+                  </a:extLst>
+                </a:gridCol>
+                <a:gridCol w="375345">
+                  <a:extLst>
+                    <a:ext uri="{9D8B030D-6E8A-4147-A177-3AD203B41FA5}">
+                      <a16:colId xmlns:a16="http://schemas.microsoft.com/office/drawing/2014/main" val="3127046063"/>
+                    </a:ext>
+                  </a:extLst>
+                </a:gridCol>
+                <a:gridCol w="375345">
+                  <a:extLst>
+                    <a:ext uri="{9D8B030D-6E8A-4147-A177-3AD203B41FA5}">
+                      <a16:colId xmlns:a16="http://schemas.microsoft.com/office/drawing/2014/main" val="27871377"/>
+                    </a:ext>
+                  </a:extLst>
+                </a:gridCol>
+                <a:gridCol w="375345">
+                  <a:extLst>
+                    <a:ext uri="{9D8B030D-6E8A-4147-A177-3AD203B41FA5}">
+                      <a16:colId xmlns:a16="http://schemas.microsoft.com/office/drawing/2014/main" val="879411235"/>
+                    </a:ext>
+                  </a:extLst>
+                </a:gridCol>
+                <a:gridCol w="375345">
+                  <a:extLst>
+                    <a:ext uri="{9D8B030D-6E8A-4147-A177-3AD203B41FA5}">
+                      <a16:colId xmlns:a16="http://schemas.microsoft.com/office/drawing/2014/main" val="2059762792"/>
+                    </a:ext>
+                  </a:extLst>
+                </a:gridCol>
+              </a:tblGrid>
+              <a:tr h="0">
+                <a:tc>
+                  <a:txBody>
+                    <a:bodyPr/>
+                    <a:lstStyle/>
+                    <a:p>
+                      <a:r>
+                        <a:rPr lang="en-US" sz="1400" b="1" dirty="0">
+                          <a:solidFill>
+                            <a:schemeClr val="accent1"/>
+                          </a:solidFill>
+                        </a:rPr>
+                        <a:t>C</a:t>
+                      </a:r>
+                    </a:p>
+                  </a:txBody>
+                  <a:tcPr>
+                    <a:solidFill>
+                      <a:schemeClr val="accent1">
+                        <a:lumMod val="40000"/>
+                        <a:lumOff val="60000"/>
+                        <a:alpha val="38000"/>
+                      </a:schemeClr>
+                    </a:solidFill>
+                  </a:tcPr>
+                </a:tc>
+                <a:tc>
+                  <a:txBody>
+                    <a:bodyPr/>
+                    <a:lstStyle/>
+                    <a:p>
+                      <a:r>
+                        <a:rPr lang="en-US" sz="1400" b="1" dirty="0">
+                          <a:solidFill>
+                            <a:schemeClr val="accent1"/>
+                          </a:solidFill>
+                        </a:rPr>
+                        <a:t>o</a:t>
+                      </a:r>
+                    </a:p>
+                  </a:txBody>
+                  <a:tcPr>
+                    <a:solidFill>
+                      <a:schemeClr val="accent1">
+                        <a:lumMod val="40000"/>
+                        <a:lumOff val="60000"/>
+                        <a:alpha val="38000"/>
+                      </a:schemeClr>
+                    </a:solidFill>
+                  </a:tcPr>
+                </a:tc>
+                <a:tc>
+                  <a:txBody>
+                    <a:bodyPr/>
+                    <a:lstStyle/>
+                    <a:p>
+                      <a:r>
+                        <a:rPr lang="en-US" sz="1400" b="1" dirty="0">
+                          <a:solidFill>
+                            <a:schemeClr val="accent1"/>
+                          </a:solidFill>
+                        </a:rPr>
+                        <a:t>o</a:t>
+                      </a:r>
+                    </a:p>
+                  </a:txBody>
+                  <a:tcPr>
+                    <a:solidFill>
+                      <a:schemeClr val="accent1">
+                        <a:lumMod val="40000"/>
+                        <a:lumOff val="60000"/>
+                        <a:alpha val="38000"/>
+                      </a:schemeClr>
+                    </a:solidFill>
+                  </a:tcPr>
+                </a:tc>
+                <a:tc>
+                  <a:txBody>
+                    <a:bodyPr/>
+                    <a:lstStyle/>
+                    <a:p>
+                      <a:r>
+                        <a:rPr lang="en-US" sz="1400" b="1" dirty="0">
+                          <a:solidFill>
+                            <a:schemeClr val="accent1"/>
+                          </a:solidFill>
+                        </a:rPr>
+                        <a:t>k</a:t>
+                      </a:r>
+                    </a:p>
+                  </a:txBody>
+                  <a:tcPr>
+                    <a:solidFill>
+                      <a:schemeClr val="accent1">
+                        <a:lumMod val="40000"/>
+                        <a:lumOff val="60000"/>
+                        <a:alpha val="38000"/>
+                      </a:schemeClr>
+                    </a:solidFill>
+                  </a:tcPr>
+                </a:tc>
+                <a:tc>
+                  <a:txBody>
+                    <a:bodyPr/>
+                    <a:lstStyle/>
+                    <a:p>
+                      <a:r>
+                        <a:rPr lang="en-US" sz="1400" b="1" dirty="0">
+                          <a:solidFill>
+                            <a:schemeClr val="accent1"/>
+                          </a:solidFill>
+                        </a:rPr>
+                        <a:t>\0</a:t>
+                      </a:r>
+                    </a:p>
+                  </a:txBody>
+                  <a:tcPr>
+                    <a:solidFill>
+                      <a:schemeClr val="accent1">
+                        <a:lumMod val="40000"/>
+                        <a:lumOff val="60000"/>
+                        <a:alpha val="38000"/>
+                      </a:schemeClr>
+                    </a:solidFill>
+                  </a:tcPr>
+                </a:tc>
+                <a:extLst>
+                  <a:ext uri="{0D108BD9-81ED-4DB2-BD59-A6C34878D82A}">
+                    <a16:rowId xmlns:a16="http://schemas.microsoft.com/office/drawing/2014/main" val="1482642403"/>
+                  </a:ext>
+                </a:extLst>
+              </a:tr>
+            </a:tbl>
+          </a:graphicData>
+        </a:graphic>
+      </p:graphicFrame>
+      <p:sp>
+        <p:nvSpPr>
+          <p:cNvPr id="14" name="Rectangle 13">
+            <a:extLst>
+              <a:ext uri="{FF2B5EF4-FFF2-40B4-BE49-F238E27FC236}">
+                <a16:creationId xmlns:a16="http://schemas.microsoft.com/office/drawing/2014/main" id="{604405E9-1172-0F41-9CF1-EF893F2B1026}"/>
+              </a:ext>
+            </a:extLst>
+          </p:cNvPr>
+          <p:cNvSpPr/>
+          <p:nvPr/>
+        </p:nvSpPr>
+        <p:spPr>
+          <a:xfrm>
+            <a:off x="4065373" y="4764861"/>
+            <a:ext cx="5412259" cy="1884417"/>
+          </a:xfrm>
+          <a:prstGeom prst="rect">
+            <a:avLst/>
+          </a:prstGeom>
+          <a:solidFill>
+            <a:schemeClr val="accent2">
+              <a:lumMod val="40000"/>
+              <a:lumOff val="60000"/>
+              <a:alpha val="34228"/>
+            </a:schemeClr>
+          </a:solidFill>
+          <a:ln>
+            <a:solidFill>
+              <a:schemeClr val="accent2">
+                <a:lumMod val="40000"/>
+                <a:lumOff val="60000"/>
+              </a:schemeClr>
+            </a:solidFill>
+          </a:ln>
+        </p:spPr>
+        <p:style>
+          <a:lnRef idx="2">
+            <a:schemeClr val="accent1">
+              <a:shade val="50000"/>
+            </a:schemeClr>
+          </a:lnRef>
+          <a:fillRef idx="1">
+            <a:schemeClr val="accent1"/>
+          </a:fillRef>
+          <a:effectRef idx="0">
+            <a:schemeClr val="accent1"/>
+          </a:effectRef>
+          <a:fontRef idx="minor">
+            <a:schemeClr val="lt1"/>
+          </a:fontRef>
+        </p:style>
+        <p:txBody>
+          <a:bodyPr rtlCol="0" anchor="ctr"/>
+          <a:lstStyle/>
+          <a:p>
+            <a:pPr algn="ctr"/>
+            <a:endParaRPr lang="en-US" dirty="0">
+              <a:solidFill>
+                <a:schemeClr val="tx1"/>
+              </a:solidFill>
+            </a:endParaRPr>
+          </a:p>
+        </p:txBody>
+      </p:sp>
+      <p:sp>
+        <p:nvSpPr>
+          <p:cNvPr id="21" name="TextBox 20">
+            <a:extLst>
+              <a:ext uri="{FF2B5EF4-FFF2-40B4-BE49-F238E27FC236}">
+                <a16:creationId xmlns:a16="http://schemas.microsoft.com/office/drawing/2014/main" id="{28540929-17CF-5D4E-A194-32C11A9EBFED}"/>
+              </a:ext>
+            </a:extLst>
+          </p:cNvPr>
+          <p:cNvSpPr txBox="1"/>
+          <p:nvPr/>
+        </p:nvSpPr>
+        <p:spPr>
+          <a:xfrm>
+            <a:off x="4160144" y="4906183"/>
+            <a:ext cx="610936" cy="369332"/>
+          </a:xfrm>
+          <a:prstGeom prst="rect">
+            <a:avLst/>
+          </a:prstGeom>
+          <a:noFill/>
+        </p:spPr>
+        <p:txBody>
+          <a:bodyPr wrap="none" rtlCol="0">
+            <a:spAutoFit/>
+          </a:bodyPr>
+          <a:lstStyle/>
+          <a:p>
+            <a:r>
+              <a:rPr lang="en-US" dirty="0"/>
+              <a:t>first:</a:t>
+            </a:r>
+          </a:p>
+        </p:txBody>
+      </p:sp>
+      <p:sp>
+        <p:nvSpPr>
+          <p:cNvPr id="22" name="TextBox 21">
+            <a:extLst>
+              <a:ext uri="{FF2B5EF4-FFF2-40B4-BE49-F238E27FC236}">
+                <a16:creationId xmlns:a16="http://schemas.microsoft.com/office/drawing/2014/main" id="{E10E16D5-CEEF-7547-85F7-479E4A06F11D}"/>
+              </a:ext>
+            </a:extLst>
+          </p:cNvPr>
+          <p:cNvSpPr txBox="1"/>
+          <p:nvPr/>
+        </p:nvSpPr>
+        <p:spPr>
+          <a:xfrm>
+            <a:off x="6607411" y="5000704"/>
+            <a:ext cx="574837" cy="369332"/>
+          </a:xfrm>
+          <a:prstGeom prst="rect">
+            <a:avLst/>
+          </a:prstGeom>
+          <a:noFill/>
+        </p:spPr>
+        <p:txBody>
+          <a:bodyPr wrap="none" rtlCol="0">
+            <a:spAutoFit/>
+          </a:bodyPr>
+          <a:lstStyle/>
+          <a:p>
+            <a:r>
+              <a:rPr lang="en-US" dirty="0"/>
+              <a:t>last:</a:t>
+            </a:r>
+          </a:p>
+        </p:txBody>
+      </p:sp>
+      <p:sp>
+        <p:nvSpPr>
+          <p:cNvPr id="23" name="TextBox 22">
+            <a:extLst>
+              <a:ext uri="{FF2B5EF4-FFF2-40B4-BE49-F238E27FC236}">
+                <a16:creationId xmlns:a16="http://schemas.microsoft.com/office/drawing/2014/main" id="{4ADD3AA8-44D7-EB42-8777-16A2B021728B}"/>
+              </a:ext>
+            </a:extLst>
+          </p:cNvPr>
+          <p:cNvSpPr txBox="1"/>
+          <p:nvPr/>
+        </p:nvSpPr>
+        <p:spPr>
+          <a:xfrm>
+            <a:off x="4865851" y="5065647"/>
+            <a:ext cx="1173892" cy="646331"/>
+          </a:xfrm>
+          <a:prstGeom prst="rect">
+            <a:avLst/>
+          </a:prstGeom>
+          <a:solidFill>
+            <a:schemeClr val="accent4">
+              <a:lumMod val="75000"/>
+              <a:alpha val="21035"/>
+            </a:schemeClr>
+          </a:solidFill>
+          <a:ln>
+            <a:solidFill>
+              <a:schemeClr val="accent1"/>
+            </a:solidFill>
+          </a:ln>
+        </p:spPr>
+        <p:txBody>
+          <a:bodyPr wrap="square" rtlCol="0">
+            <a:spAutoFit/>
+          </a:bodyPr>
+          <a:lstStyle/>
+          <a:p>
+            <a:r>
+              <a:rPr lang="en-US" dirty="0" err="1"/>
+              <a:t>len</a:t>
+            </a:r>
+            <a:r>
+              <a:rPr lang="en-US" dirty="0"/>
+              <a:t>:  </a:t>
+            </a:r>
+            <a:r>
+              <a:rPr lang="en-US" dirty="0">
+                <a:ln>
+                  <a:solidFill>
+                    <a:schemeClr val="accent1"/>
+                  </a:solidFill>
+                </a:ln>
+              </a:rPr>
+              <a:t>3</a:t>
+            </a:r>
+          </a:p>
+          <a:p>
+            <a:r>
+              <a:rPr lang="en-US" dirty="0">
+                <a:ln w="9525">
+                  <a:noFill/>
+                </a:ln>
+              </a:rPr>
+              <a:t>data</a:t>
+            </a:r>
+            <a:r>
+              <a:rPr lang="en-US" dirty="0">
+                <a:ln w="9525">
+                  <a:solidFill>
+                    <a:schemeClr val="tx1"/>
+                  </a:solidFill>
+                </a:ln>
+              </a:rPr>
+              <a:t>: </a:t>
+            </a:r>
+          </a:p>
+        </p:txBody>
+      </p:sp>
+      <p:sp>
+        <p:nvSpPr>
+          <p:cNvPr id="24" name="Rectangle 23">
+            <a:extLst>
+              <a:ext uri="{FF2B5EF4-FFF2-40B4-BE49-F238E27FC236}">
+                <a16:creationId xmlns:a16="http://schemas.microsoft.com/office/drawing/2014/main" id="{C0A8967E-425C-4449-9154-1AD49BF5CD87}"/>
+              </a:ext>
+            </a:extLst>
+          </p:cNvPr>
+          <p:cNvSpPr/>
+          <p:nvPr/>
+        </p:nvSpPr>
+        <p:spPr>
+          <a:xfrm>
+            <a:off x="5347765" y="5157980"/>
+            <a:ext cx="222422" cy="184666"/>
+          </a:xfrm>
+          <a:prstGeom prst="rect">
+            <a:avLst/>
+          </a:prstGeom>
+          <a:solidFill>
+            <a:schemeClr val="accent1">
+              <a:alpha val="9721"/>
+            </a:schemeClr>
+          </a:solidFill>
+        </p:spPr>
+        <p:style>
+          <a:lnRef idx="2">
+            <a:schemeClr val="accent1">
+              <a:shade val="50000"/>
+            </a:schemeClr>
+          </a:lnRef>
+          <a:fillRef idx="1">
+            <a:schemeClr val="accent1"/>
+          </a:fillRef>
+          <a:effectRef idx="0">
+            <a:schemeClr val="accent1"/>
+          </a:effectRef>
+          <a:fontRef idx="minor">
+            <a:schemeClr val="lt1"/>
+          </a:fontRef>
+        </p:style>
+        <p:txBody>
+          <a:bodyPr rtlCol="0" anchor="ctr"/>
+          <a:lstStyle/>
+          <a:p>
+            <a:pPr algn="ctr"/>
+            <a:endParaRPr lang="en-US"/>
+          </a:p>
+        </p:txBody>
+      </p:sp>
+      <p:sp>
+        <p:nvSpPr>
+          <p:cNvPr id="25" name="Rectangle 24">
+            <a:extLst>
+              <a:ext uri="{FF2B5EF4-FFF2-40B4-BE49-F238E27FC236}">
+                <a16:creationId xmlns:a16="http://schemas.microsoft.com/office/drawing/2014/main" id="{7CE4E7E9-B850-5044-B168-D1B0204C2303}"/>
+              </a:ext>
+            </a:extLst>
+          </p:cNvPr>
+          <p:cNvSpPr/>
+          <p:nvPr/>
+        </p:nvSpPr>
+        <p:spPr>
+          <a:xfrm>
+            <a:off x="5508404" y="5435116"/>
+            <a:ext cx="222422" cy="184666"/>
+          </a:xfrm>
+          <a:prstGeom prst="rect">
+            <a:avLst/>
+          </a:prstGeom>
+          <a:solidFill>
+            <a:schemeClr val="accent1">
+              <a:alpha val="9721"/>
+            </a:schemeClr>
+          </a:solidFill>
+        </p:spPr>
+        <p:style>
+          <a:lnRef idx="2">
+            <a:schemeClr val="accent1">
+              <a:shade val="50000"/>
+            </a:schemeClr>
+          </a:lnRef>
+          <a:fillRef idx="1">
+            <a:schemeClr val="accent1"/>
+          </a:fillRef>
+          <a:effectRef idx="0">
+            <a:schemeClr val="accent1"/>
+          </a:effectRef>
+          <a:fontRef idx="minor">
+            <a:schemeClr val="lt1"/>
+          </a:fontRef>
+        </p:style>
+        <p:txBody>
+          <a:bodyPr rtlCol="0" anchor="ctr"/>
+          <a:lstStyle/>
+          <a:p>
+            <a:pPr algn="ctr"/>
+            <a:endParaRPr lang="en-US"/>
+          </a:p>
+        </p:txBody>
+      </p:sp>
+      <p:graphicFrame>
+        <p:nvGraphicFramePr>
+          <p:cNvPr id="26" name="Table 25">
+            <a:extLst>
+              <a:ext uri="{FF2B5EF4-FFF2-40B4-BE49-F238E27FC236}">
+                <a16:creationId xmlns:a16="http://schemas.microsoft.com/office/drawing/2014/main" id="{4CF7C512-4B5F-044A-9AF2-7B46FC9938AB}"/>
+              </a:ext>
+            </a:extLst>
+          </p:cNvPr>
+          <p:cNvGraphicFramePr>
+            <a:graphicFrameLocks noGrp="1"/>
+          </p:cNvGraphicFramePr>
+          <p:nvPr>
+            <p:extLst>
+              <p:ext uri="{D42A27DB-BD31-4B8C-83A1-F6EECF244321}">
+                <p14:modId xmlns:p14="http://schemas.microsoft.com/office/powerpoint/2010/main" val="1764894740"/>
+              </p:ext>
+            </p:extLst>
+          </p:nvPr>
+        </p:nvGraphicFramePr>
+        <p:xfrm>
+          <a:off x="4978808" y="6115524"/>
+          <a:ext cx="1504036" cy="304800"/>
+        </p:xfrm>
+        <a:graphic>
+          <a:graphicData uri="http://schemas.openxmlformats.org/drawingml/2006/table">
+            <a:tbl>
+              <a:tblPr firstRow="1" bandRow="1">
+                <a:tableStyleId>{5C22544A-7EE6-4342-B048-85BDC9FD1C3A}</a:tableStyleId>
+              </a:tblPr>
+              <a:tblGrid>
+                <a:gridCol w="376009">
+                  <a:extLst>
+                    <a:ext uri="{9D8B030D-6E8A-4147-A177-3AD203B41FA5}">
+                      <a16:colId xmlns:a16="http://schemas.microsoft.com/office/drawing/2014/main" val="2319695347"/>
+                    </a:ext>
+                  </a:extLst>
+                </a:gridCol>
+                <a:gridCol w="376009">
+                  <a:extLst>
+                    <a:ext uri="{9D8B030D-6E8A-4147-A177-3AD203B41FA5}">
+                      <a16:colId xmlns:a16="http://schemas.microsoft.com/office/drawing/2014/main" val="3996963117"/>
+                    </a:ext>
+                  </a:extLst>
+                </a:gridCol>
+                <a:gridCol w="376009">
+                  <a:extLst>
+                    <a:ext uri="{9D8B030D-6E8A-4147-A177-3AD203B41FA5}">
+                      <a16:colId xmlns:a16="http://schemas.microsoft.com/office/drawing/2014/main" val="3794230053"/>
+                    </a:ext>
+                  </a:extLst>
+                </a:gridCol>
+                <a:gridCol w="376009">
+                  <a:extLst>
+                    <a:ext uri="{9D8B030D-6E8A-4147-A177-3AD203B41FA5}">
+                      <a16:colId xmlns:a16="http://schemas.microsoft.com/office/drawing/2014/main" val="2140218889"/>
+                    </a:ext>
+                  </a:extLst>
+                </a:gridCol>
+              </a:tblGrid>
+              <a:tr h="303010">
+                <a:tc>
+                  <a:txBody>
+                    <a:bodyPr/>
+                    <a:lstStyle/>
+                    <a:p>
+                      <a:r>
+                        <a:rPr lang="en-US" sz="1400" dirty="0">
+                          <a:ln>
+                            <a:solidFill>
+                              <a:schemeClr val="accent1"/>
+                            </a:solidFill>
+                          </a:ln>
+                          <a:solidFill>
+                            <a:schemeClr val="accent1"/>
+                          </a:solidFill>
+                        </a:rPr>
+                        <a:t>B</a:t>
+                      </a:r>
+                    </a:p>
+                  </a:txBody>
+                  <a:tcPr>
+                    <a:solidFill>
+                      <a:schemeClr val="accent1">
+                        <a:lumMod val="20000"/>
+                        <a:lumOff val="80000"/>
+                        <a:alpha val="65921"/>
+                      </a:schemeClr>
+                    </a:solidFill>
+                  </a:tcPr>
+                </a:tc>
+                <a:tc>
+                  <a:txBody>
+                    <a:bodyPr/>
+                    <a:lstStyle/>
+                    <a:p>
+                      <a:r>
+                        <a:rPr lang="en-US" sz="1400" dirty="0">
+                          <a:ln>
+                            <a:solidFill>
+                              <a:schemeClr val="accent1"/>
+                            </a:solidFill>
+                          </a:ln>
+                          <a:solidFill>
+                            <a:schemeClr val="accent1"/>
+                          </a:solidFill>
+                        </a:rPr>
+                        <a:t>e</a:t>
+                      </a:r>
+                    </a:p>
+                  </a:txBody>
+                  <a:tcPr>
+                    <a:solidFill>
+                      <a:schemeClr val="accent1">
+                        <a:lumMod val="20000"/>
+                        <a:lumOff val="80000"/>
+                        <a:alpha val="65921"/>
+                      </a:schemeClr>
+                    </a:solidFill>
+                  </a:tcPr>
+                </a:tc>
+                <a:tc>
+                  <a:txBody>
+                    <a:bodyPr/>
+                    <a:lstStyle/>
+                    <a:p>
+                      <a:r>
+                        <a:rPr lang="en-US" sz="1400" dirty="0">
+                          <a:ln>
+                            <a:solidFill>
+                              <a:schemeClr val="accent1"/>
+                            </a:solidFill>
+                          </a:ln>
+                          <a:solidFill>
+                            <a:schemeClr val="accent1"/>
+                          </a:solidFill>
+                        </a:rPr>
+                        <a:t>n</a:t>
+                      </a:r>
+                    </a:p>
+                  </a:txBody>
+                  <a:tcPr>
+                    <a:solidFill>
+                      <a:schemeClr val="accent1">
+                        <a:lumMod val="20000"/>
+                        <a:lumOff val="80000"/>
+                        <a:alpha val="65921"/>
+                      </a:schemeClr>
+                    </a:solidFill>
+                  </a:tcPr>
+                </a:tc>
+                <a:tc>
+                  <a:txBody>
+                    <a:bodyPr/>
+                    <a:lstStyle/>
+                    <a:p>
+                      <a:r>
+                        <a:rPr lang="en-US" sz="1400" dirty="0">
+                          <a:ln>
+                            <a:solidFill>
+                              <a:schemeClr val="accent1"/>
+                            </a:solidFill>
+                          </a:ln>
+                          <a:solidFill>
+                            <a:schemeClr val="accent1"/>
+                          </a:solidFill>
+                        </a:rPr>
+                        <a:t>\0</a:t>
+                      </a:r>
+                    </a:p>
+                  </a:txBody>
+                  <a:tcPr>
+                    <a:solidFill>
+                      <a:schemeClr val="accent1">
+                        <a:lumMod val="20000"/>
+                        <a:lumOff val="80000"/>
+                        <a:alpha val="65921"/>
+                      </a:schemeClr>
+                    </a:solidFill>
+                  </a:tcPr>
+                </a:tc>
+                <a:extLst>
+                  <a:ext uri="{0D108BD9-81ED-4DB2-BD59-A6C34878D82A}">
+                    <a16:rowId xmlns:a16="http://schemas.microsoft.com/office/drawing/2014/main" val="542080640"/>
+                  </a:ext>
+                </a:extLst>
+              </a:tr>
+            </a:tbl>
+          </a:graphicData>
+        </a:graphic>
+      </p:graphicFrame>
+      <p:cxnSp>
+        <p:nvCxnSpPr>
+          <p:cNvPr id="27" name="Straight Arrow Connector 26">
+            <a:extLst>
+              <a:ext uri="{FF2B5EF4-FFF2-40B4-BE49-F238E27FC236}">
+                <a16:creationId xmlns:a16="http://schemas.microsoft.com/office/drawing/2014/main" id="{E20E4DC7-A943-A542-B166-FF749EE3D170}"/>
+              </a:ext>
+            </a:extLst>
+          </p:cNvPr>
+          <p:cNvCxnSpPr>
+            <a:cxnSpLocks/>
+            <a:stCxn id="25" idx="2"/>
+            <a:endCxn id="26" idx="0"/>
+          </p:cNvCxnSpPr>
+          <p:nvPr/>
+        </p:nvCxnSpPr>
+        <p:spPr>
+          <a:xfrm>
+            <a:off x="5619615" y="5619782"/>
+            <a:ext cx="111211" cy="495742"/>
+          </a:xfrm>
+          <a:prstGeom prst="straightConnector1">
+            <a:avLst/>
+          </a:prstGeom>
+          <a:ln>
+            <a:tailEnd type="triangle"/>
+          </a:ln>
+        </p:spPr>
+        <p:style>
+          <a:lnRef idx="1">
+            <a:schemeClr val="accent1"/>
+          </a:lnRef>
+          <a:fillRef idx="0">
+            <a:schemeClr val="accent1"/>
+          </a:fillRef>
+          <a:effectRef idx="0">
+            <a:schemeClr val="accent1"/>
+          </a:effectRef>
+          <a:fontRef idx="minor">
+            <a:schemeClr val="tx1"/>
+          </a:fontRef>
+        </p:style>
+      </p:cxnSp>
+      <p:sp>
+        <p:nvSpPr>
+          <p:cNvPr id="28" name="Rectangle 27">
+            <a:extLst>
+              <a:ext uri="{FF2B5EF4-FFF2-40B4-BE49-F238E27FC236}">
+                <a16:creationId xmlns:a16="http://schemas.microsoft.com/office/drawing/2014/main" id="{98C38B2A-E30B-6B49-A3EC-8FA92E0EDBCB}"/>
+              </a:ext>
+            </a:extLst>
+          </p:cNvPr>
+          <p:cNvSpPr/>
+          <p:nvPr/>
+        </p:nvSpPr>
+        <p:spPr>
+          <a:xfrm>
+            <a:off x="4766997" y="4939750"/>
+            <a:ext cx="1828800" cy="1613721"/>
+          </a:xfrm>
+          <a:prstGeom prst="rect">
+            <a:avLst/>
+          </a:prstGeom>
+          <a:solidFill>
+            <a:schemeClr val="accent4">
+              <a:lumMod val="20000"/>
+              <a:lumOff val="80000"/>
+              <a:alpha val="31000"/>
+            </a:schemeClr>
+          </a:solidFill>
+        </p:spPr>
+        <p:style>
+          <a:lnRef idx="2">
+            <a:schemeClr val="accent1">
+              <a:shade val="50000"/>
+            </a:schemeClr>
+          </a:lnRef>
+          <a:fillRef idx="1">
+            <a:schemeClr val="accent1"/>
+          </a:fillRef>
+          <a:effectRef idx="0">
+            <a:schemeClr val="accent1"/>
+          </a:effectRef>
+          <a:fontRef idx="minor">
+            <a:schemeClr val="lt1"/>
+          </a:fontRef>
+        </p:style>
+        <p:txBody>
+          <a:bodyPr rtlCol="0" anchor="ctr"/>
+          <a:lstStyle/>
+          <a:p>
+            <a:pPr algn="ctr"/>
+            <a:endParaRPr lang="en-US"/>
+          </a:p>
+        </p:txBody>
+      </p:sp>
+      <p:sp>
+        <p:nvSpPr>
+          <p:cNvPr id="29" name="Rectangle 28">
+            <a:extLst>
+              <a:ext uri="{FF2B5EF4-FFF2-40B4-BE49-F238E27FC236}">
+                <a16:creationId xmlns:a16="http://schemas.microsoft.com/office/drawing/2014/main" id="{179048D1-33F4-094B-A33E-E6E45C36E2C8}"/>
+              </a:ext>
+            </a:extLst>
+          </p:cNvPr>
+          <p:cNvSpPr/>
+          <p:nvPr/>
+        </p:nvSpPr>
+        <p:spPr>
+          <a:xfrm>
+            <a:off x="7193862" y="4939750"/>
+            <a:ext cx="2099907" cy="1613721"/>
+          </a:xfrm>
+          <a:prstGeom prst="rect">
+            <a:avLst/>
+          </a:prstGeom>
+          <a:solidFill>
+            <a:schemeClr val="accent4">
+              <a:lumMod val="20000"/>
+              <a:lumOff val="80000"/>
+              <a:alpha val="31000"/>
+            </a:schemeClr>
+          </a:solidFill>
+        </p:spPr>
+        <p:style>
+          <a:lnRef idx="2">
+            <a:schemeClr val="accent1">
+              <a:shade val="50000"/>
+            </a:schemeClr>
+          </a:lnRef>
+          <a:fillRef idx="1">
+            <a:schemeClr val="accent1"/>
+          </a:fillRef>
+          <a:effectRef idx="0">
+            <a:schemeClr val="accent1"/>
+          </a:effectRef>
+          <a:fontRef idx="minor">
+            <a:schemeClr val="lt1"/>
+          </a:fontRef>
+        </p:style>
+        <p:txBody>
+          <a:bodyPr rtlCol="0" anchor="ctr"/>
+          <a:lstStyle/>
+          <a:p>
+            <a:pPr algn="ctr"/>
+            <a:endParaRPr lang="en-US"/>
+          </a:p>
+        </p:txBody>
+      </p:sp>
+      <p:sp>
+        <p:nvSpPr>
+          <p:cNvPr id="30" name="TextBox 29">
+            <a:extLst>
+              <a:ext uri="{FF2B5EF4-FFF2-40B4-BE49-F238E27FC236}">
+                <a16:creationId xmlns:a16="http://schemas.microsoft.com/office/drawing/2014/main" id="{319A29A5-34C2-2848-BB23-7571DC6E106A}"/>
+              </a:ext>
+            </a:extLst>
+          </p:cNvPr>
+          <p:cNvSpPr txBox="1"/>
+          <p:nvPr/>
+        </p:nvSpPr>
+        <p:spPr>
+          <a:xfrm>
+            <a:off x="7292717" y="5065647"/>
+            <a:ext cx="1173892" cy="646331"/>
+          </a:xfrm>
+          <a:prstGeom prst="rect">
+            <a:avLst/>
+          </a:prstGeom>
+          <a:solidFill>
+            <a:schemeClr val="accent4">
+              <a:lumMod val="75000"/>
+              <a:alpha val="21035"/>
+            </a:schemeClr>
+          </a:solidFill>
+          <a:ln>
+            <a:solidFill>
+              <a:schemeClr val="accent1"/>
+            </a:solidFill>
+          </a:ln>
+        </p:spPr>
+        <p:txBody>
+          <a:bodyPr wrap="square" rtlCol="0">
+            <a:spAutoFit/>
+          </a:bodyPr>
+          <a:lstStyle/>
+          <a:p>
+            <a:r>
+              <a:rPr lang="en-US" dirty="0" err="1"/>
+              <a:t>len</a:t>
+            </a:r>
+            <a:r>
+              <a:rPr lang="en-US" dirty="0"/>
+              <a:t>:  </a:t>
+            </a:r>
+            <a:r>
+              <a:rPr lang="en-US" dirty="0">
+                <a:ln>
+                  <a:solidFill>
+                    <a:schemeClr val="accent1"/>
+                  </a:solidFill>
+                </a:ln>
+              </a:rPr>
+              <a:t>4</a:t>
+            </a:r>
+          </a:p>
+          <a:p>
+            <a:r>
+              <a:rPr lang="en-US" dirty="0">
+                <a:ln w="9525">
+                  <a:noFill/>
+                </a:ln>
+              </a:rPr>
+              <a:t>data</a:t>
+            </a:r>
+            <a:r>
+              <a:rPr lang="en-US" dirty="0">
+                <a:ln w="9525">
+                  <a:solidFill>
+                    <a:schemeClr val="tx1"/>
+                  </a:solidFill>
+                </a:ln>
+              </a:rPr>
+              <a:t>: </a:t>
+            </a:r>
+          </a:p>
+        </p:txBody>
+      </p:sp>
+      <p:sp>
+        <p:nvSpPr>
+          <p:cNvPr id="31" name="Rectangle 30">
+            <a:extLst>
+              <a:ext uri="{FF2B5EF4-FFF2-40B4-BE49-F238E27FC236}">
+                <a16:creationId xmlns:a16="http://schemas.microsoft.com/office/drawing/2014/main" id="{7C21735F-109E-8C43-BB7F-2257499B9268}"/>
+              </a:ext>
+            </a:extLst>
+          </p:cNvPr>
+          <p:cNvSpPr/>
+          <p:nvPr/>
+        </p:nvSpPr>
+        <p:spPr>
+          <a:xfrm>
+            <a:off x="7774631" y="5157980"/>
+            <a:ext cx="222422" cy="184666"/>
+          </a:xfrm>
+          <a:prstGeom prst="rect">
+            <a:avLst/>
+          </a:prstGeom>
+          <a:solidFill>
+            <a:schemeClr val="accent1">
+              <a:alpha val="9721"/>
+            </a:schemeClr>
+          </a:solidFill>
+        </p:spPr>
+        <p:style>
+          <a:lnRef idx="2">
+            <a:schemeClr val="accent1">
+              <a:shade val="50000"/>
+            </a:schemeClr>
+          </a:lnRef>
+          <a:fillRef idx="1">
+            <a:schemeClr val="accent1"/>
+          </a:fillRef>
+          <a:effectRef idx="0">
+            <a:schemeClr val="accent1"/>
+          </a:effectRef>
+          <a:fontRef idx="minor">
+            <a:schemeClr val="lt1"/>
+          </a:fontRef>
+        </p:style>
+        <p:txBody>
+          <a:bodyPr rtlCol="0" anchor="ctr"/>
+          <a:lstStyle/>
+          <a:p>
+            <a:pPr algn="ctr"/>
+            <a:endParaRPr lang="en-US" dirty="0"/>
+          </a:p>
+        </p:txBody>
+      </p:sp>
+      <p:sp>
+        <p:nvSpPr>
+          <p:cNvPr id="32" name="Rectangle 31">
+            <a:extLst>
+              <a:ext uri="{FF2B5EF4-FFF2-40B4-BE49-F238E27FC236}">
+                <a16:creationId xmlns:a16="http://schemas.microsoft.com/office/drawing/2014/main" id="{1E30CEA0-16B2-CD49-830D-27B6EE5D8B89}"/>
+              </a:ext>
+            </a:extLst>
+          </p:cNvPr>
+          <p:cNvSpPr/>
+          <p:nvPr/>
+        </p:nvSpPr>
+        <p:spPr>
+          <a:xfrm>
+            <a:off x="7935270" y="5435116"/>
+            <a:ext cx="222422" cy="184666"/>
+          </a:xfrm>
+          <a:prstGeom prst="rect">
+            <a:avLst/>
+          </a:prstGeom>
+          <a:solidFill>
+            <a:schemeClr val="accent1">
+              <a:alpha val="9721"/>
+            </a:schemeClr>
+          </a:solidFill>
+        </p:spPr>
+        <p:style>
+          <a:lnRef idx="2">
+            <a:schemeClr val="accent1">
+              <a:shade val="50000"/>
+            </a:schemeClr>
+          </a:lnRef>
+          <a:fillRef idx="1">
+            <a:schemeClr val="accent1"/>
+          </a:fillRef>
+          <a:effectRef idx="0">
+            <a:schemeClr val="accent1"/>
+          </a:effectRef>
+          <a:fontRef idx="minor">
+            <a:schemeClr val="lt1"/>
+          </a:fontRef>
+        </p:style>
+        <p:txBody>
+          <a:bodyPr rtlCol="0" anchor="ctr"/>
+          <a:lstStyle/>
+          <a:p>
+            <a:pPr algn="ctr"/>
+            <a:endParaRPr lang="en-US"/>
+          </a:p>
+        </p:txBody>
+      </p:sp>
+      <p:cxnSp>
+        <p:nvCxnSpPr>
+          <p:cNvPr id="33" name="Straight Arrow Connector 32">
+            <a:extLst>
+              <a:ext uri="{FF2B5EF4-FFF2-40B4-BE49-F238E27FC236}">
+                <a16:creationId xmlns:a16="http://schemas.microsoft.com/office/drawing/2014/main" id="{B93D7DA4-64AB-C44A-8207-E2ACA0D367BC}"/>
+              </a:ext>
+            </a:extLst>
+          </p:cNvPr>
+          <p:cNvCxnSpPr>
+            <a:cxnSpLocks/>
+            <a:stCxn id="32" idx="2"/>
+          </p:cNvCxnSpPr>
+          <p:nvPr/>
+        </p:nvCxnSpPr>
+        <p:spPr>
+          <a:xfrm>
+            <a:off x="8046481" y="5619782"/>
+            <a:ext cx="111211" cy="495742"/>
+          </a:xfrm>
+          <a:prstGeom prst="straightConnector1">
+            <a:avLst/>
+          </a:prstGeom>
+          <a:ln>
+            <a:tailEnd type="triangle"/>
+          </a:ln>
+        </p:spPr>
+        <p:style>
+          <a:lnRef idx="1">
+            <a:schemeClr val="accent1"/>
+          </a:lnRef>
+          <a:fillRef idx="0">
+            <a:schemeClr val="accent1"/>
+          </a:fillRef>
+          <a:effectRef idx="0">
+            <a:schemeClr val="accent1"/>
+          </a:effectRef>
+          <a:fontRef idx="minor">
+            <a:schemeClr val="tx1"/>
+          </a:fontRef>
+        </p:style>
+      </p:cxnSp>
+      <p:graphicFrame>
+        <p:nvGraphicFramePr>
+          <p:cNvPr id="34" name="Table 9">
+            <a:extLst>
+              <a:ext uri="{FF2B5EF4-FFF2-40B4-BE49-F238E27FC236}">
+                <a16:creationId xmlns:a16="http://schemas.microsoft.com/office/drawing/2014/main" id="{D4128556-29A1-2E43-A008-D7A3B5F254C0}"/>
+              </a:ext>
+            </a:extLst>
+          </p:cNvPr>
+          <p:cNvGraphicFramePr>
+            <a:graphicFrameLocks noGrp="1"/>
+          </p:cNvGraphicFramePr>
+          <p:nvPr>
+            <p:extLst>
+              <p:ext uri="{D42A27DB-BD31-4B8C-83A1-F6EECF244321}">
+                <p14:modId xmlns:p14="http://schemas.microsoft.com/office/powerpoint/2010/main" val="3252019283"/>
+              </p:ext>
+            </p:extLst>
+          </p:nvPr>
+        </p:nvGraphicFramePr>
+        <p:xfrm>
+          <a:off x="7292717" y="6101560"/>
+          <a:ext cx="1876725" cy="304800"/>
+        </p:xfrm>
+        <a:graphic>
+          <a:graphicData uri="http://schemas.openxmlformats.org/drawingml/2006/table">
+            <a:tbl>
+              <a:tblPr firstRow="1" bandRow="1">
+                <a:tableStyleId>{5C22544A-7EE6-4342-B048-85BDC9FD1C3A}</a:tableStyleId>
+              </a:tblPr>
+              <a:tblGrid>
+                <a:gridCol w="375345">
+                  <a:extLst>
+                    <a:ext uri="{9D8B030D-6E8A-4147-A177-3AD203B41FA5}">
+                      <a16:colId xmlns:a16="http://schemas.microsoft.com/office/drawing/2014/main" val="1367944414"/>
+                    </a:ext>
+                  </a:extLst>
+                </a:gridCol>
+                <a:gridCol w="375345">
+                  <a:extLst>
+                    <a:ext uri="{9D8B030D-6E8A-4147-A177-3AD203B41FA5}">
+                      <a16:colId xmlns:a16="http://schemas.microsoft.com/office/drawing/2014/main" val="3127046063"/>
+                    </a:ext>
+                  </a:extLst>
+                </a:gridCol>
+                <a:gridCol w="375345">
+                  <a:extLst>
+                    <a:ext uri="{9D8B030D-6E8A-4147-A177-3AD203B41FA5}">
+                      <a16:colId xmlns:a16="http://schemas.microsoft.com/office/drawing/2014/main" val="27871377"/>
+                    </a:ext>
+                  </a:extLst>
+                </a:gridCol>
+                <a:gridCol w="375345">
+                  <a:extLst>
+                    <a:ext uri="{9D8B030D-6E8A-4147-A177-3AD203B41FA5}">
+                      <a16:colId xmlns:a16="http://schemas.microsoft.com/office/drawing/2014/main" val="879411235"/>
+                    </a:ext>
+                  </a:extLst>
+                </a:gridCol>
+                <a:gridCol w="375345">
+                  <a:extLst>
+                    <a:ext uri="{9D8B030D-6E8A-4147-A177-3AD203B41FA5}">
+                      <a16:colId xmlns:a16="http://schemas.microsoft.com/office/drawing/2014/main" val="2059762792"/>
+                    </a:ext>
+                  </a:extLst>
+                </a:gridCol>
+              </a:tblGrid>
+              <a:tr h="0">
+                <a:tc>
+                  <a:txBody>
+                    <a:bodyPr/>
+                    <a:lstStyle/>
+                    <a:p>
+                      <a:r>
+                        <a:rPr lang="en-US" sz="1400" b="1" dirty="0">
+                          <a:solidFill>
+                            <a:schemeClr val="accent1"/>
+                          </a:solidFill>
+                        </a:rPr>
+                        <a:t>C</a:t>
+                      </a:r>
+                    </a:p>
+                  </a:txBody>
+                  <a:tcPr>
+                    <a:solidFill>
+                      <a:schemeClr val="accent1">
+                        <a:lumMod val="40000"/>
+                        <a:lumOff val="60000"/>
+                        <a:alpha val="38000"/>
+                      </a:schemeClr>
+                    </a:solidFill>
+                  </a:tcPr>
+                </a:tc>
+                <a:tc>
+                  <a:txBody>
+                    <a:bodyPr/>
+                    <a:lstStyle/>
+                    <a:p>
+                      <a:r>
+                        <a:rPr lang="en-US" sz="1400" b="1" dirty="0">
+                          <a:solidFill>
+                            <a:schemeClr val="accent1"/>
+                          </a:solidFill>
+                        </a:rPr>
+                        <a:t>o</a:t>
+                      </a:r>
+                    </a:p>
+                  </a:txBody>
+                  <a:tcPr>
+                    <a:solidFill>
+                      <a:schemeClr val="accent1">
+                        <a:lumMod val="40000"/>
+                        <a:lumOff val="60000"/>
+                        <a:alpha val="38000"/>
+                      </a:schemeClr>
+                    </a:solidFill>
+                  </a:tcPr>
+                </a:tc>
+                <a:tc>
+                  <a:txBody>
+                    <a:bodyPr/>
+                    <a:lstStyle/>
+                    <a:p>
+                      <a:r>
+                        <a:rPr lang="en-US" sz="1400" b="1" dirty="0">
+                          <a:solidFill>
+                            <a:schemeClr val="accent1"/>
+                          </a:solidFill>
+                        </a:rPr>
+                        <a:t>o</a:t>
+                      </a:r>
+                    </a:p>
+                  </a:txBody>
+                  <a:tcPr>
+                    <a:solidFill>
+                      <a:schemeClr val="accent1">
+                        <a:lumMod val="40000"/>
+                        <a:lumOff val="60000"/>
+                        <a:alpha val="38000"/>
+                      </a:schemeClr>
+                    </a:solidFill>
+                  </a:tcPr>
+                </a:tc>
+                <a:tc>
+                  <a:txBody>
+                    <a:bodyPr/>
+                    <a:lstStyle/>
+                    <a:p>
+                      <a:r>
+                        <a:rPr lang="en-US" sz="1400" b="1" dirty="0">
+                          <a:solidFill>
+                            <a:schemeClr val="accent1"/>
+                          </a:solidFill>
+                        </a:rPr>
+                        <a:t>k</a:t>
+                      </a:r>
+                    </a:p>
+                  </a:txBody>
+                  <a:tcPr>
+                    <a:solidFill>
+                      <a:schemeClr val="accent1">
+                        <a:lumMod val="40000"/>
+                        <a:lumOff val="60000"/>
+                        <a:alpha val="38000"/>
+                      </a:schemeClr>
+                    </a:solidFill>
+                  </a:tcPr>
+                </a:tc>
+                <a:tc>
+                  <a:txBody>
+                    <a:bodyPr/>
+                    <a:lstStyle/>
+                    <a:p>
+                      <a:r>
+                        <a:rPr lang="en-US" sz="1400" b="1" dirty="0">
+                          <a:solidFill>
+                            <a:schemeClr val="accent1"/>
+                          </a:solidFill>
+                        </a:rPr>
+                        <a:t>\0</a:t>
+                      </a:r>
+                    </a:p>
+                  </a:txBody>
+                  <a:tcPr>
+                    <a:solidFill>
+                      <a:schemeClr val="accent1">
+                        <a:lumMod val="40000"/>
+                        <a:lumOff val="60000"/>
+                        <a:alpha val="38000"/>
+                      </a:schemeClr>
+                    </a:solidFill>
+                  </a:tcPr>
+                </a:tc>
+                <a:extLst>
+                  <a:ext uri="{0D108BD9-81ED-4DB2-BD59-A6C34878D82A}">
+                    <a16:rowId xmlns:a16="http://schemas.microsoft.com/office/drawing/2014/main" val="1482642403"/>
+                  </a:ext>
+                </a:extLst>
+              </a:tr>
+            </a:tbl>
+          </a:graphicData>
+        </a:graphic>
+      </p:graphicFrame>
+      <p:sp>
+        <p:nvSpPr>
+          <p:cNvPr id="35" name="TextBox 34">
+            <a:extLst>
+              <a:ext uri="{FF2B5EF4-FFF2-40B4-BE49-F238E27FC236}">
+                <a16:creationId xmlns:a16="http://schemas.microsoft.com/office/drawing/2014/main" id="{65D16451-F0AC-2744-BC6F-2154F9355493}"/>
+              </a:ext>
+            </a:extLst>
+          </p:cNvPr>
+          <p:cNvSpPr txBox="1"/>
+          <p:nvPr/>
+        </p:nvSpPr>
+        <p:spPr>
+          <a:xfrm>
+            <a:off x="4465612" y="3024661"/>
+            <a:ext cx="1173892" cy="646331"/>
+          </a:xfrm>
+          <a:prstGeom prst="rect">
+            <a:avLst/>
+          </a:prstGeom>
+          <a:solidFill>
+            <a:schemeClr val="accent4">
+              <a:lumMod val="75000"/>
+              <a:alpha val="21035"/>
+            </a:schemeClr>
+          </a:solidFill>
+          <a:ln>
+            <a:solidFill>
+              <a:schemeClr val="accent1"/>
+            </a:solidFill>
+          </a:ln>
+        </p:spPr>
+        <p:txBody>
+          <a:bodyPr wrap="square" rtlCol="0">
+            <a:spAutoFit/>
+          </a:bodyPr>
+          <a:lstStyle/>
+          <a:p>
+            <a:r>
+              <a:rPr lang="en-US" dirty="0" err="1"/>
+              <a:t>len</a:t>
+            </a:r>
+            <a:r>
+              <a:rPr lang="en-US" dirty="0"/>
+              <a:t>:  </a:t>
+            </a:r>
+            <a:r>
+              <a:rPr lang="en-US" dirty="0">
+                <a:ln>
+                  <a:solidFill>
+                    <a:schemeClr val="accent1"/>
+                  </a:solidFill>
+                </a:ln>
+              </a:rPr>
+              <a:t>0</a:t>
+            </a:r>
+          </a:p>
+          <a:p>
+            <a:r>
+              <a:rPr lang="en-US" dirty="0">
+                <a:ln w="9525">
+                  <a:noFill/>
+                </a:ln>
+              </a:rPr>
+              <a:t>data</a:t>
+            </a:r>
+            <a:r>
+              <a:rPr lang="en-US" dirty="0">
+                <a:ln w="9525">
+                  <a:solidFill>
+                    <a:schemeClr val="tx1"/>
+                  </a:solidFill>
+                </a:ln>
+              </a:rPr>
+              <a:t>:  </a:t>
+            </a:r>
+            <a:r>
+              <a:rPr lang="en-US" b="1" dirty="0">
+                <a:ln w="9525">
+                  <a:noFill/>
+                </a:ln>
+                <a:solidFill>
+                  <a:srgbClr val="FF0000"/>
+                </a:solidFill>
+              </a:rPr>
+              <a:t>np</a:t>
+            </a:r>
+          </a:p>
+        </p:txBody>
+      </p:sp>
+      <p:sp>
+        <p:nvSpPr>
+          <p:cNvPr id="36" name="Rectangle 35">
+            <a:extLst>
+              <a:ext uri="{FF2B5EF4-FFF2-40B4-BE49-F238E27FC236}">
+                <a16:creationId xmlns:a16="http://schemas.microsoft.com/office/drawing/2014/main" id="{7D29633D-E084-6944-AB1E-35B53E2133BE}"/>
+              </a:ext>
+            </a:extLst>
+          </p:cNvPr>
+          <p:cNvSpPr/>
+          <p:nvPr/>
+        </p:nvSpPr>
+        <p:spPr>
+          <a:xfrm>
+            <a:off x="4947526" y="3116994"/>
+            <a:ext cx="222422" cy="184666"/>
+          </a:xfrm>
+          <a:prstGeom prst="rect">
+            <a:avLst/>
+          </a:prstGeom>
+          <a:solidFill>
+            <a:schemeClr val="accent1">
+              <a:alpha val="9721"/>
+            </a:schemeClr>
+          </a:solidFill>
+        </p:spPr>
+        <p:style>
+          <a:lnRef idx="2">
+            <a:schemeClr val="accent1">
+              <a:shade val="50000"/>
+            </a:schemeClr>
+          </a:lnRef>
+          <a:fillRef idx="1">
+            <a:schemeClr val="accent1"/>
+          </a:fillRef>
+          <a:effectRef idx="0">
+            <a:schemeClr val="accent1"/>
+          </a:effectRef>
+          <a:fontRef idx="minor">
+            <a:schemeClr val="lt1"/>
+          </a:fontRef>
+        </p:style>
+        <p:txBody>
+          <a:bodyPr rtlCol="0" anchor="ctr"/>
+          <a:lstStyle/>
+          <a:p>
+            <a:pPr algn="ctr"/>
+            <a:endParaRPr lang="en-US"/>
+          </a:p>
+        </p:txBody>
+      </p:sp>
+      <p:sp>
+        <p:nvSpPr>
+          <p:cNvPr id="37" name="Rectangle 36">
+            <a:extLst>
+              <a:ext uri="{FF2B5EF4-FFF2-40B4-BE49-F238E27FC236}">
+                <a16:creationId xmlns:a16="http://schemas.microsoft.com/office/drawing/2014/main" id="{29908C89-71A4-1144-A300-58D06FC6CB56}"/>
+              </a:ext>
+            </a:extLst>
+          </p:cNvPr>
+          <p:cNvSpPr/>
+          <p:nvPr/>
+        </p:nvSpPr>
+        <p:spPr>
+          <a:xfrm>
+            <a:off x="5037490" y="3335227"/>
+            <a:ext cx="400239" cy="335764"/>
+          </a:xfrm>
+          <a:prstGeom prst="rect">
+            <a:avLst/>
+          </a:prstGeom>
+          <a:solidFill>
+            <a:schemeClr val="accent1">
+              <a:alpha val="9721"/>
+            </a:schemeClr>
+          </a:solidFill>
+        </p:spPr>
+        <p:style>
+          <a:lnRef idx="2">
+            <a:schemeClr val="accent1">
+              <a:shade val="50000"/>
+            </a:schemeClr>
+          </a:lnRef>
+          <a:fillRef idx="1">
+            <a:schemeClr val="accent1"/>
+          </a:fillRef>
+          <a:effectRef idx="0">
+            <a:schemeClr val="accent1"/>
+          </a:effectRef>
+          <a:fontRef idx="minor">
+            <a:schemeClr val="lt1"/>
+          </a:fontRef>
+        </p:style>
+        <p:txBody>
+          <a:bodyPr rtlCol="0" anchor="ctr"/>
+          <a:lstStyle/>
+          <a:p>
+            <a:pPr algn="ctr"/>
+            <a:endParaRPr lang="en-US"/>
+          </a:p>
+        </p:txBody>
+      </p:sp>
+      <p:sp>
+        <p:nvSpPr>
+          <p:cNvPr id="38" name="TextBox 37">
+            <a:extLst>
+              <a:ext uri="{FF2B5EF4-FFF2-40B4-BE49-F238E27FC236}">
+                <a16:creationId xmlns:a16="http://schemas.microsoft.com/office/drawing/2014/main" id="{06C32E45-EAA4-B641-8B44-47BF32626386}"/>
+              </a:ext>
+            </a:extLst>
+          </p:cNvPr>
+          <p:cNvSpPr txBox="1"/>
+          <p:nvPr/>
+        </p:nvSpPr>
+        <p:spPr>
+          <a:xfrm>
+            <a:off x="7148398" y="3046707"/>
+            <a:ext cx="1173892" cy="646331"/>
+          </a:xfrm>
+          <a:prstGeom prst="rect">
+            <a:avLst/>
+          </a:prstGeom>
+          <a:solidFill>
+            <a:schemeClr val="accent4">
+              <a:lumMod val="75000"/>
+              <a:alpha val="21035"/>
+            </a:schemeClr>
+          </a:solidFill>
+          <a:ln>
+            <a:solidFill>
+              <a:schemeClr val="accent1"/>
+            </a:solidFill>
+          </a:ln>
+        </p:spPr>
+        <p:txBody>
+          <a:bodyPr wrap="square" rtlCol="0">
+            <a:spAutoFit/>
+          </a:bodyPr>
+          <a:lstStyle/>
+          <a:p>
+            <a:r>
+              <a:rPr lang="en-US" dirty="0" err="1"/>
+              <a:t>len</a:t>
+            </a:r>
+            <a:r>
+              <a:rPr lang="en-US" dirty="0"/>
+              <a:t>:  </a:t>
+            </a:r>
+            <a:r>
+              <a:rPr lang="en-US" dirty="0">
+                <a:ln>
+                  <a:solidFill>
+                    <a:schemeClr val="accent1"/>
+                  </a:solidFill>
+                </a:ln>
+              </a:rPr>
+              <a:t>0</a:t>
+            </a:r>
+          </a:p>
+          <a:p>
+            <a:r>
+              <a:rPr lang="en-US" dirty="0">
+                <a:ln w="9525">
+                  <a:noFill/>
+                </a:ln>
+              </a:rPr>
+              <a:t>data</a:t>
+            </a:r>
+            <a:r>
+              <a:rPr lang="en-US" dirty="0">
+                <a:ln w="9525">
+                  <a:solidFill>
+                    <a:schemeClr val="tx1"/>
+                  </a:solidFill>
+                </a:ln>
+              </a:rPr>
+              <a:t>:  </a:t>
+            </a:r>
+            <a:r>
+              <a:rPr lang="en-US" b="1" dirty="0">
+                <a:ln w="9525">
+                  <a:noFill/>
+                </a:ln>
+                <a:solidFill>
+                  <a:srgbClr val="FF0000"/>
+                </a:solidFill>
+              </a:rPr>
+              <a:t>np</a:t>
+            </a:r>
+          </a:p>
+        </p:txBody>
+      </p:sp>
+      <p:sp>
+        <p:nvSpPr>
+          <p:cNvPr id="39" name="Rectangle 38">
+            <a:extLst>
+              <a:ext uri="{FF2B5EF4-FFF2-40B4-BE49-F238E27FC236}">
+                <a16:creationId xmlns:a16="http://schemas.microsoft.com/office/drawing/2014/main" id="{A961E5A4-2713-E649-8527-028ACA704C83}"/>
+              </a:ext>
+            </a:extLst>
+          </p:cNvPr>
+          <p:cNvSpPr/>
+          <p:nvPr/>
+        </p:nvSpPr>
+        <p:spPr>
+          <a:xfrm>
+            <a:off x="7630312" y="3139040"/>
+            <a:ext cx="222422" cy="184666"/>
+          </a:xfrm>
+          <a:prstGeom prst="rect">
+            <a:avLst/>
+          </a:prstGeom>
+          <a:solidFill>
+            <a:schemeClr val="accent1">
+              <a:alpha val="9721"/>
+            </a:schemeClr>
+          </a:solidFill>
+        </p:spPr>
+        <p:style>
+          <a:lnRef idx="2">
+            <a:schemeClr val="accent1">
+              <a:shade val="50000"/>
+            </a:schemeClr>
+          </a:lnRef>
+          <a:fillRef idx="1">
+            <a:schemeClr val="accent1"/>
+          </a:fillRef>
+          <a:effectRef idx="0">
+            <a:schemeClr val="accent1"/>
+          </a:effectRef>
+          <a:fontRef idx="minor">
+            <a:schemeClr val="lt1"/>
+          </a:fontRef>
+        </p:style>
+        <p:txBody>
+          <a:bodyPr rtlCol="0" anchor="ctr"/>
+          <a:lstStyle/>
+          <a:p>
+            <a:pPr algn="ctr"/>
+            <a:endParaRPr lang="en-US" dirty="0"/>
+          </a:p>
+        </p:txBody>
+      </p:sp>
+      <p:sp>
+        <p:nvSpPr>
+          <p:cNvPr id="40" name="Rectangle 39">
+            <a:extLst>
+              <a:ext uri="{FF2B5EF4-FFF2-40B4-BE49-F238E27FC236}">
+                <a16:creationId xmlns:a16="http://schemas.microsoft.com/office/drawing/2014/main" id="{A421B4E2-3909-EE4A-BD28-5306DD0A3C5B}"/>
+              </a:ext>
+            </a:extLst>
+          </p:cNvPr>
+          <p:cNvSpPr/>
+          <p:nvPr/>
+        </p:nvSpPr>
+        <p:spPr>
+          <a:xfrm>
+            <a:off x="7735344" y="3416176"/>
+            <a:ext cx="366741" cy="254815"/>
+          </a:xfrm>
+          <a:prstGeom prst="rect">
+            <a:avLst/>
+          </a:prstGeom>
+          <a:solidFill>
+            <a:schemeClr val="accent1">
+              <a:alpha val="9721"/>
+            </a:schemeClr>
+          </a:solidFill>
+        </p:spPr>
+        <p:style>
+          <a:lnRef idx="2">
+            <a:schemeClr val="accent1">
+              <a:shade val="50000"/>
+            </a:schemeClr>
+          </a:lnRef>
+          <a:fillRef idx="1">
+            <a:schemeClr val="accent1"/>
+          </a:fillRef>
+          <a:effectRef idx="0">
+            <a:schemeClr val="accent1"/>
+          </a:effectRef>
+          <a:fontRef idx="minor">
+            <a:schemeClr val="lt1"/>
+          </a:fontRef>
+        </p:style>
+        <p:txBody>
+          <a:bodyPr rtlCol="0" anchor="ctr"/>
+          <a:lstStyle/>
+          <a:p>
+            <a:pPr algn="ctr"/>
+            <a:endParaRPr lang="en-US"/>
+          </a:p>
+        </p:txBody>
+      </p:sp>
+    </p:spTree>
+    <p:extLst>
+      <p:ext uri="{BB962C8B-B14F-4D97-AF65-F5344CB8AC3E}">
+        <p14:creationId xmlns:p14="http://schemas.microsoft.com/office/powerpoint/2010/main" val="400663686"/>
+      </p:ext>
+    </p:extLst>
+  </p:cSld>
+  <p:clrMapOvr>
+    <a:masterClrMapping/>
+  </p:clrMapOvr>
+</p:sld>
+</file>
+
 <file path=ppt/theme/theme1.xml><?xml version="1.0" encoding="utf-8"?>
 <a:theme xmlns:a="http://schemas.openxmlformats.org/drawingml/2006/main" name="Office Theme">
   <a:themeElements>

--- a/how_to_benefit_from_move_semantics/InitializeMembers.pptx
+++ b/how_to_benefit_from_move_semantics/InitializeMembers.pptx
@@ -5926,6 +5926,77 @@
       </p:cxnSp>
       <p:sp>
         <p:nvSpPr>
+          <p:cNvPr id="12" name="TextBox 11">
+            <a:extLst>
+              <a:ext uri="{FF2B5EF4-FFF2-40B4-BE49-F238E27FC236}">
+                <a16:creationId xmlns:a16="http://schemas.microsoft.com/office/drawing/2014/main" id="{63EA7B85-9C1B-304D-84D2-9CAF7F728D5B}"/>
+              </a:ext>
+            </a:extLst>
+          </p:cNvPr>
+          <p:cNvSpPr txBox="1"/>
+          <p:nvPr/>
+        </p:nvSpPr>
+        <p:spPr>
+          <a:xfrm>
+            <a:off x="3688726" y="2434158"/>
+            <a:ext cx="5272709" cy="2862322"/>
+          </a:xfrm>
+          <a:prstGeom prst="rect">
+            <a:avLst/>
+          </a:prstGeom>
+          <a:noFill/>
+        </p:spPr>
+        <p:txBody>
+          <a:bodyPr wrap="square" rtlCol="0">
+            <a:spAutoFit/>
+          </a:bodyPr>
+          <a:lstStyle/>
+          <a:p>
+            <a:r>
+              <a:rPr lang="en-US" dirty="0"/>
+              <a:t>“Ben”:                                    “Cook”:</a:t>
+            </a:r>
+          </a:p>
+          <a:p>
+            <a:endParaRPr lang="en-US" dirty="0"/>
+          </a:p>
+          <a:p>
+            <a:r>
+              <a:rPr lang="en-US" dirty="0"/>
+              <a:t> f:                                                    l:   </a:t>
+            </a:r>
+          </a:p>
+          <a:p>
+            <a:r>
+              <a:rPr lang="en-US" dirty="0"/>
+              <a:t>      </a:t>
+            </a:r>
+          </a:p>
+          <a:p>
+            <a:endParaRPr lang="en-US" dirty="0"/>
+          </a:p>
+          <a:p>
+            <a:endParaRPr lang="en-US" dirty="0"/>
+          </a:p>
+          <a:p>
+            <a:endParaRPr lang="en-US" dirty="0"/>
+          </a:p>
+          <a:p>
+            <a:endParaRPr lang="en-US" dirty="0"/>
+          </a:p>
+          <a:p>
+            <a:endParaRPr lang="en-US" dirty="0"/>
+          </a:p>
+          <a:p>
+            <a:r>
+              <a:rPr lang="en-US" dirty="0"/>
+              <a:t> p: </a:t>
+            </a:r>
+          </a:p>
+        </p:txBody>
+      </p:sp>
+      <p:sp>
+        <p:nvSpPr>
           <p:cNvPr id="11" name="Rectangle 10">
             <a:extLst>
               <a:ext uri="{FF2B5EF4-FFF2-40B4-BE49-F238E27FC236}">
@@ -5974,77 +6045,6 @@
           <a:p>
             <a:pPr algn="ctr"/>
             <a:endParaRPr lang="en-US"/>
-          </a:p>
-        </p:txBody>
-      </p:sp>
-      <p:sp>
-        <p:nvSpPr>
-          <p:cNvPr id="12" name="TextBox 11">
-            <a:extLst>
-              <a:ext uri="{FF2B5EF4-FFF2-40B4-BE49-F238E27FC236}">
-                <a16:creationId xmlns:a16="http://schemas.microsoft.com/office/drawing/2014/main" id="{63EA7B85-9C1B-304D-84D2-9CAF7F728D5B}"/>
-              </a:ext>
-            </a:extLst>
-          </p:cNvPr>
-          <p:cNvSpPr txBox="1"/>
-          <p:nvPr/>
-        </p:nvSpPr>
-        <p:spPr>
-          <a:xfrm>
-            <a:off x="3688726" y="2434158"/>
-            <a:ext cx="5272709" cy="2862322"/>
-          </a:xfrm>
-          <a:prstGeom prst="rect">
-            <a:avLst/>
-          </a:prstGeom>
-          <a:noFill/>
-        </p:spPr>
-        <p:txBody>
-          <a:bodyPr wrap="square" rtlCol="0">
-            <a:spAutoFit/>
-          </a:bodyPr>
-          <a:lstStyle/>
-          <a:p>
-            <a:r>
-              <a:rPr lang="en-US" dirty="0"/>
-              <a:t>“Ben”:                                    “Cook”:</a:t>
-            </a:r>
-          </a:p>
-          <a:p>
-            <a:endParaRPr lang="en-US" dirty="0"/>
-          </a:p>
-          <a:p>
-            <a:r>
-              <a:rPr lang="en-US" dirty="0"/>
-              <a:t> f:                                                    l:   </a:t>
-            </a:r>
-          </a:p>
-          <a:p>
-            <a:r>
-              <a:rPr lang="en-US" dirty="0"/>
-              <a:t>      </a:t>
-            </a:r>
-          </a:p>
-          <a:p>
-            <a:endParaRPr lang="en-US" dirty="0"/>
-          </a:p>
-          <a:p>
-            <a:endParaRPr lang="en-US" dirty="0"/>
-          </a:p>
-          <a:p>
-            <a:endParaRPr lang="en-US" dirty="0"/>
-          </a:p>
-          <a:p>
-            <a:endParaRPr lang="en-US" dirty="0"/>
-          </a:p>
-          <a:p>
-            <a:endParaRPr lang="en-US" dirty="0"/>
-          </a:p>
-          <a:p>
-            <a:r>
-              <a:rPr lang="en-US" dirty="0"/>
-              <a:t> p: </a:t>
-            </a:r>
           </a:p>
         </p:txBody>
       </p:sp>
@@ -11025,6 +11025,59 @@
       </p:grpSpPr>
       <p:sp>
         <p:nvSpPr>
+          <p:cNvPr id="28" name="Rectangle 27">
+            <a:extLst>
+              <a:ext uri="{FF2B5EF4-FFF2-40B4-BE49-F238E27FC236}">
+                <a16:creationId xmlns:a16="http://schemas.microsoft.com/office/drawing/2014/main" id="{98C38B2A-E30B-6B49-A3EC-8FA92E0EDBCB}"/>
+              </a:ext>
+            </a:extLst>
+          </p:cNvPr>
+          <p:cNvSpPr/>
+          <p:nvPr/>
+        </p:nvSpPr>
+        <p:spPr>
+          <a:xfrm>
+            <a:off x="4766997" y="4939750"/>
+            <a:ext cx="1828800" cy="1613721"/>
+          </a:xfrm>
+          <a:prstGeom prst="rect">
+            <a:avLst/>
+          </a:prstGeom>
+          <a:solidFill>
+            <a:schemeClr val="accent4">
+              <a:lumMod val="20000"/>
+              <a:lumOff val="80000"/>
+              <a:alpha val="31000"/>
+            </a:schemeClr>
+          </a:solidFill>
+        </p:spPr>
+        <p:style>
+          <a:lnRef idx="2">
+            <a:schemeClr val="accent1">
+              <a:shade val="50000"/>
+            </a:schemeClr>
+          </a:lnRef>
+          <a:fillRef idx="1">
+            <a:schemeClr val="accent1"/>
+          </a:fillRef>
+          <a:effectRef idx="0">
+            <a:schemeClr val="accent1"/>
+          </a:effectRef>
+          <a:fontRef idx="minor">
+            <a:schemeClr val="lt1"/>
+          </a:fontRef>
+        </p:style>
+        <p:txBody>
+          <a:bodyPr rtlCol="0" anchor="ctr"/>
+          <a:lstStyle/>
+          <a:p>
+            <a:pPr algn="ctr"/>
+            <a:endParaRPr lang="en-US"/>
+          </a:p>
+        </p:txBody>
+      </p:sp>
+      <p:sp>
+        <p:nvSpPr>
           <p:cNvPr id="2" name="TextBox 1">
             <a:extLst>
               <a:ext uri="{FF2B5EF4-FFF2-40B4-BE49-F238E27FC236}">
@@ -12158,12 +12211,630 @@
           </a:p>
         </p:txBody>
       </p:sp>
+      <p:sp>
+        <p:nvSpPr>
+          <p:cNvPr id="29" name="Rectangle 28">
+            <a:extLst>
+              <a:ext uri="{FF2B5EF4-FFF2-40B4-BE49-F238E27FC236}">
+                <a16:creationId xmlns:a16="http://schemas.microsoft.com/office/drawing/2014/main" id="{179048D1-33F4-094B-A33E-E6E45C36E2C8}"/>
+              </a:ext>
+            </a:extLst>
+          </p:cNvPr>
+          <p:cNvSpPr/>
+          <p:nvPr/>
+        </p:nvSpPr>
+        <p:spPr>
+          <a:xfrm>
+            <a:off x="7193862" y="4939750"/>
+            <a:ext cx="2099907" cy="1613721"/>
+          </a:xfrm>
+          <a:prstGeom prst="rect">
+            <a:avLst/>
+          </a:prstGeom>
+          <a:solidFill>
+            <a:schemeClr val="accent4">
+              <a:lumMod val="20000"/>
+              <a:lumOff val="80000"/>
+              <a:alpha val="31000"/>
+            </a:schemeClr>
+          </a:solidFill>
+        </p:spPr>
+        <p:style>
+          <a:lnRef idx="2">
+            <a:schemeClr val="accent1">
+              <a:shade val="50000"/>
+            </a:schemeClr>
+          </a:lnRef>
+          <a:fillRef idx="1">
+            <a:schemeClr val="accent1"/>
+          </a:fillRef>
+          <a:effectRef idx="0">
+            <a:schemeClr val="accent1"/>
+          </a:effectRef>
+          <a:fontRef idx="minor">
+            <a:schemeClr val="lt1"/>
+          </a:fontRef>
+        </p:style>
+        <p:txBody>
+          <a:bodyPr rtlCol="0" anchor="ctr"/>
+          <a:lstStyle/>
+          <a:p>
+            <a:pPr algn="ctr"/>
+            <a:endParaRPr lang="en-US"/>
+          </a:p>
+        </p:txBody>
+      </p:sp>
+      <p:sp>
+        <p:nvSpPr>
+          <p:cNvPr id="30" name="TextBox 29">
+            <a:extLst>
+              <a:ext uri="{FF2B5EF4-FFF2-40B4-BE49-F238E27FC236}">
+                <a16:creationId xmlns:a16="http://schemas.microsoft.com/office/drawing/2014/main" id="{319A29A5-34C2-2848-BB23-7571DC6E106A}"/>
+              </a:ext>
+            </a:extLst>
+          </p:cNvPr>
+          <p:cNvSpPr txBox="1"/>
+          <p:nvPr/>
+        </p:nvSpPr>
+        <p:spPr>
+          <a:xfrm>
+            <a:off x="7292717" y="5065647"/>
+            <a:ext cx="1173892" cy="646331"/>
+          </a:xfrm>
+          <a:prstGeom prst="rect">
+            <a:avLst/>
+          </a:prstGeom>
+          <a:solidFill>
+            <a:schemeClr val="accent4">
+              <a:lumMod val="75000"/>
+              <a:alpha val="21035"/>
+            </a:schemeClr>
+          </a:solidFill>
+          <a:ln>
+            <a:solidFill>
+              <a:schemeClr val="accent1"/>
+            </a:solidFill>
+          </a:ln>
+        </p:spPr>
+        <p:txBody>
+          <a:bodyPr wrap="square" rtlCol="0">
+            <a:spAutoFit/>
+          </a:bodyPr>
+          <a:lstStyle/>
+          <a:p>
+            <a:r>
+              <a:rPr lang="en-US" dirty="0" err="1"/>
+              <a:t>len</a:t>
+            </a:r>
+            <a:r>
+              <a:rPr lang="en-US" dirty="0"/>
+              <a:t>:  </a:t>
+            </a:r>
+            <a:r>
+              <a:rPr lang="en-US" dirty="0">
+                <a:ln>
+                  <a:solidFill>
+                    <a:schemeClr val="accent1"/>
+                  </a:solidFill>
+                </a:ln>
+              </a:rPr>
+              <a:t>4</a:t>
+            </a:r>
+          </a:p>
+          <a:p>
+            <a:r>
+              <a:rPr lang="en-US" dirty="0">
+                <a:ln w="9525">
+                  <a:noFill/>
+                </a:ln>
+              </a:rPr>
+              <a:t>data</a:t>
+            </a:r>
+            <a:r>
+              <a:rPr lang="en-US" dirty="0">
+                <a:ln w="9525">
+                  <a:solidFill>
+                    <a:schemeClr val="tx1"/>
+                  </a:solidFill>
+                </a:ln>
+              </a:rPr>
+              <a:t>: </a:t>
+            </a:r>
+          </a:p>
+        </p:txBody>
+      </p:sp>
+      <p:sp>
+        <p:nvSpPr>
+          <p:cNvPr id="31" name="Rectangle 30">
+            <a:extLst>
+              <a:ext uri="{FF2B5EF4-FFF2-40B4-BE49-F238E27FC236}">
+                <a16:creationId xmlns:a16="http://schemas.microsoft.com/office/drawing/2014/main" id="{7C21735F-109E-8C43-BB7F-2257499B9268}"/>
+              </a:ext>
+            </a:extLst>
+          </p:cNvPr>
+          <p:cNvSpPr/>
+          <p:nvPr/>
+        </p:nvSpPr>
+        <p:spPr>
+          <a:xfrm>
+            <a:off x="7774631" y="5157980"/>
+            <a:ext cx="222422" cy="184666"/>
+          </a:xfrm>
+          <a:prstGeom prst="rect">
+            <a:avLst/>
+          </a:prstGeom>
+          <a:solidFill>
+            <a:schemeClr val="accent1">
+              <a:alpha val="9721"/>
+            </a:schemeClr>
+          </a:solidFill>
+        </p:spPr>
+        <p:style>
+          <a:lnRef idx="2">
+            <a:schemeClr val="accent1">
+              <a:shade val="50000"/>
+            </a:schemeClr>
+          </a:lnRef>
+          <a:fillRef idx="1">
+            <a:schemeClr val="accent1"/>
+          </a:fillRef>
+          <a:effectRef idx="0">
+            <a:schemeClr val="accent1"/>
+          </a:effectRef>
+          <a:fontRef idx="minor">
+            <a:schemeClr val="lt1"/>
+          </a:fontRef>
+        </p:style>
+        <p:txBody>
+          <a:bodyPr rtlCol="0" anchor="ctr"/>
+          <a:lstStyle/>
+          <a:p>
+            <a:pPr algn="ctr"/>
+            <a:endParaRPr lang="en-US" dirty="0"/>
+          </a:p>
+        </p:txBody>
+      </p:sp>
+      <p:sp>
+        <p:nvSpPr>
+          <p:cNvPr id="32" name="Rectangle 31">
+            <a:extLst>
+              <a:ext uri="{FF2B5EF4-FFF2-40B4-BE49-F238E27FC236}">
+                <a16:creationId xmlns:a16="http://schemas.microsoft.com/office/drawing/2014/main" id="{1E30CEA0-16B2-CD49-830D-27B6EE5D8B89}"/>
+              </a:ext>
+            </a:extLst>
+          </p:cNvPr>
+          <p:cNvSpPr/>
+          <p:nvPr/>
+        </p:nvSpPr>
+        <p:spPr>
+          <a:xfrm>
+            <a:off x="7935270" y="5435116"/>
+            <a:ext cx="222422" cy="184666"/>
+          </a:xfrm>
+          <a:prstGeom prst="rect">
+            <a:avLst/>
+          </a:prstGeom>
+          <a:solidFill>
+            <a:schemeClr val="accent1">
+              <a:alpha val="9721"/>
+            </a:schemeClr>
+          </a:solidFill>
+        </p:spPr>
+        <p:style>
+          <a:lnRef idx="2">
+            <a:schemeClr val="accent1">
+              <a:shade val="50000"/>
+            </a:schemeClr>
+          </a:lnRef>
+          <a:fillRef idx="1">
+            <a:schemeClr val="accent1"/>
+          </a:fillRef>
+          <a:effectRef idx="0">
+            <a:schemeClr val="accent1"/>
+          </a:effectRef>
+          <a:fontRef idx="minor">
+            <a:schemeClr val="lt1"/>
+          </a:fontRef>
+        </p:style>
+        <p:txBody>
+          <a:bodyPr rtlCol="0" anchor="ctr"/>
+          <a:lstStyle/>
+          <a:p>
+            <a:pPr algn="ctr"/>
+            <a:endParaRPr lang="en-US"/>
+          </a:p>
+        </p:txBody>
+      </p:sp>
+      <p:sp>
+        <p:nvSpPr>
+          <p:cNvPr id="35" name="TextBox 34">
+            <a:extLst>
+              <a:ext uri="{FF2B5EF4-FFF2-40B4-BE49-F238E27FC236}">
+                <a16:creationId xmlns:a16="http://schemas.microsoft.com/office/drawing/2014/main" id="{65D16451-F0AC-2744-BC6F-2154F9355493}"/>
+              </a:ext>
+            </a:extLst>
+          </p:cNvPr>
+          <p:cNvSpPr txBox="1"/>
+          <p:nvPr/>
+        </p:nvSpPr>
+        <p:spPr>
+          <a:xfrm>
+            <a:off x="4465612" y="3024661"/>
+            <a:ext cx="1173892" cy="646331"/>
+          </a:xfrm>
+          <a:prstGeom prst="rect">
+            <a:avLst/>
+          </a:prstGeom>
+          <a:solidFill>
+            <a:schemeClr val="accent4">
+              <a:lumMod val="75000"/>
+              <a:alpha val="21035"/>
+            </a:schemeClr>
+          </a:solidFill>
+          <a:ln>
+            <a:solidFill>
+              <a:schemeClr val="accent1"/>
+            </a:solidFill>
+          </a:ln>
+        </p:spPr>
+        <p:txBody>
+          <a:bodyPr wrap="square" rtlCol="0">
+            <a:spAutoFit/>
+          </a:bodyPr>
+          <a:lstStyle/>
+          <a:p>
+            <a:r>
+              <a:rPr lang="en-US" dirty="0" err="1"/>
+              <a:t>len</a:t>
+            </a:r>
+            <a:r>
+              <a:rPr lang="en-US" dirty="0"/>
+              <a:t>:  </a:t>
+            </a:r>
+            <a:r>
+              <a:rPr lang="en-US" dirty="0">
+                <a:ln>
+                  <a:solidFill>
+                    <a:schemeClr val="accent1"/>
+                  </a:solidFill>
+                </a:ln>
+              </a:rPr>
+              <a:t>0</a:t>
+            </a:r>
+          </a:p>
+          <a:p>
+            <a:r>
+              <a:rPr lang="en-US" dirty="0">
+                <a:ln w="9525">
+                  <a:noFill/>
+                </a:ln>
+              </a:rPr>
+              <a:t>data</a:t>
+            </a:r>
+            <a:r>
+              <a:rPr lang="en-US" dirty="0">
+                <a:ln w="9525">
+                  <a:solidFill>
+                    <a:schemeClr val="tx1"/>
+                  </a:solidFill>
+                </a:ln>
+              </a:rPr>
+              <a:t>:  </a:t>
+            </a:r>
+            <a:r>
+              <a:rPr lang="en-US" b="1" dirty="0">
+                <a:ln w="9525">
+                  <a:noFill/>
+                </a:ln>
+                <a:solidFill>
+                  <a:srgbClr val="FF0000"/>
+                </a:solidFill>
+              </a:rPr>
+              <a:t>np</a:t>
+            </a:r>
+          </a:p>
+        </p:txBody>
+      </p:sp>
+      <p:sp>
+        <p:nvSpPr>
+          <p:cNvPr id="36" name="Rectangle 35">
+            <a:extLst>
+              <a:ext uri="{FF2B5EF4-FFF2-40B4-BE49-F238E27FC236}">
+                <a16:creationId xmlns:a16="http://schemas.microsoft.com/office/drawing/2014/main" id="{7D29633D-E084-6944-AB1E-35B53E2133BE}"/>
+              </a:ext>
+            </a:extLst>
+          </p:cNvPr>
+          <p:cNvSpPr/>
+          <p:nvPr/>
+        </p:nvSpPr>
+        <p:spPr>
+          <a:xfrm>
+            <a:off x="4947526" y="3116994"/>
+            <a:ext cx="222422" cy="184666"/>
+          </a:xfrm>
+          <a:prstGeom prst="rect">
+            <a:avLst/>
+          </a:prstGeom>
+          <a:solidFill>
+            <a:schemeClr val="accent1">
+              <a:alpha val="9721"/>
+            </a:schemeClr>
+          </a:solidFill>
+        </p:spPr>
+        <p:style>
+          <a:lnRef idx="2">
+            <a:schemeClr val="accent1">
+              <a:shade val="50000"/>
+            </a:schemeClr>
+          </a:lnRef>
+          <a:fillRef idx="1">
+            <a:schemeClr val="accent1"/>
+          </a:fillRef>
+          <a:effectRef idx="0">
+            <a:schemeClr val="accent1"/>
+          </a:effectRef>
+          <a:fontRef idx="minor">
+            <a:schemeClr val="lt1"/>
+          </a:fontRef>
+        </p:style>
+        <p:txBody>
+          <a:bodyPr rtlCol="0" anchor="ctr"/>
+          <a:lstStyle/>
+          <a:p>
+            <a:pPr algn="ctr"/>
+            <a:endParaRPr lang="en-US"/>
+          </a:p>
+        </p:txBody>
+      </p:sp>
+      <p:sp>
+        <p:nvSpPr>
+          <p:cNvPr id="37" name="Rectangle 36">
+            <a:extLst>
+              <a:ext uri="{FF2B5EF4-FFF2-40B4-BE49-F238E27FC236}">
+                <a16:creationId xmlns:a16="http://schemas.microsoft.com/office/drawing/2014/main" id="{29908C89-71A4-1144-A300-58D06FC6CB56}"/>
+              </a:ext>
+            </a:extLst>
+          </p:cNvPr>
+          <p:cNvSpPr/>
+          <p:nvPr/>
+        </p:nvSpPr>
+        <p:spPr>
+          <a:xfrm>
+            <a:off x="5037490" y="3335227"/>
+            <a:ext cx="400239" cy="335764"/>
+          </a:xfrm>
+          <a:prstGeom prst="rect">
+            <a:avLst/>
+          </a:prstGeom>
+          <a:solidFill>
+            <a:schemeClr val="accent1">
+              <a:alpha val="9721"/>
+            </a:schemeClr>
+          </a:solidFill>
+        </p:spPr>
+        <p:style>
+          <a:lnRef idx="2">
+            <a:schemeClr val="accent1">
+              <a:shade val="50000"/>
+            </a:schemeClr>
+          </a:lnRef>
+          <a:fillRef idx="1">
+            <a:schemeClr val="accent1"/>
+          </a:fillRef>
+          <a:effectRef idx="0">
+            <a:schemeClr val="accent1"/>
+          </a:effectRef>
+          <a:fontRef idx="minor">
+            <a:schemeClr val="lt1"/>
+          </a:fontRef>
+        </p:style>
+        <p:txBody>
+          <a:bodyPr rtlCol="0" anchor="ctr"/>
+          <a:lstStyle/>
+          <a:p>
+            <a:pPr algn="ctr"/>
+            <a:endParaRPr lang="en-US"/>
+          </a:p>
+        </p:txBody>
+      </p:sp>
+      <p:sp>
+        <p:nvSpPr>
+          <p:cNvPr id="38" name="TextBox 37">
+            <a:extLst>
+              <a:ext uri="{FF2B5EF4-FFF2-40B4-BE49-F238E27FC236}">
+                <a16:creationId xmlns:a16="http://schemas.microsoft.com/office/drawing/2014/main" id="{06C32E45-EAA4-B641-8B44-47BF32626386}"/>
+              </a:ext>
+            </a:extLst>
+          </p:cNvPr>
+          <p:cNvSpPr txBox="1"/>
+          <p:nvPr/>
+        </p:nvSpPr>
+        <p:spPr>
+          <a:xfrm>
+            <a:off x="7148398" y="3046707"/>
+            <a:ext cx="1173892" cy="646331"/>
+          </a:xfrm>
+          <a:prstGeom prst="rect">
+            <a:avLst/>
+          </a:prstGeom>
+          <a:solidFill>
+            <a:schemeClr val="accent4">
+              <a:lumMod val="75000"/>
+              <a:alpha val="21035"/>
+            </a:schemeClr>
+          </a:solidFill>
+          <a:ln>
+            <a:solidFill>
+              <a:schemeClr val="accent1"/>
+            </a:solidFill>
+          </a:ln>
+        </p:spPr>
+        <p:txBody>
+          <a:bodyPr wrap="square" rtlCol="0">
+            <a:spAutoFit/>
+          </a:bodyPr>
+          <a:lstStyle/>
+          <a:p>
+            <a:r>
+              <a:rPr lang="en-US" dirty="0" err="1"/>
+              <a:t>len</a:t>
+            </a:r>
+            <a:r>
+              <a:rPr lang="en-US" dirty="0"/>
+              <a:t>:  </a:t>
+            </a:r>
+            <a:r>
+              <a:rPr lang="en-US" dirty="0">
+                <a:ln>
+                  <a:solidFill>
+                    <a:schemeClr val="accent1"/>
+                  </a:solidFill>
+                </a:ln>
+              </a:rPr>
+              <a:t>0</a:t>
+            </a:r>
+          </a:p>
+          <a:p>
+            <a:r>
+              <a:rPr lang="en-US" dirty="0">
+                <a:ln w="9525">
+                  <a:noFill/>
+                </a:ln>
+              </a:rPr>
+              <a:t>data</a:t>
+            </a:r>
+            <a:r>
+              <a:rPr lang="en-US" dirty="0">
+                <a:ln w="9525">
+                  <a:solidFill>
+                    <a:schemeClr val="tx1"/>
+                  </a:solidFill>
+                </a:ln>
+              </a:rPr>
+              <a:t>:  </a:t>
+            </a:r>
+            <a:r>
+              <a:rPr lang="en-US" b="1" dirty="0">
+                <a:ln w="9525">
+                  <a:noFill/>
+                </a:ln>
+                <a:solidFill>
+                  <a:srgbClr val="FF0000"/>
+                </a:solidFill>
+              </a:rPr>
+              <a:t>np</a:t>
+            </a:r>
+          </a:p>
+        </p:txBody>
+      </p:sp>
+      <p:sp>
+        <p:nvSpPr>
+          <p:cNvPr id="39" name="Rectangle 38">
+            <a:extLst>
+              <a:ext uri="{FF2B5EF4-FFF2-40B4-BE49-F238E27FC236}">
+                <a16:creationId xmlns:a16="http://schemas.microsoft.com/office/drawing/2014/main" id="{A961E5A4-2713-E649-8527-028ACA704C83}"/>
+              </a:ext>
+            </a:extLst>
+          </p:cNvPr>
+          <p:cNvSpPr/>
+          <p:nvPr/>
+        </p:nvSpPr>
+        <p:spPr>
+          <a:xfrm>
+            <a:off x="7630312" y="3139040"/>
+            <a:ext cx="222422" cy="184666"/>
+          </a:xfrm>
+          <a:prstGeom prst="rect">
+            <a:avLst/>
+          </a:prstGeom>
+          <a:solidFill>
+            <a:schemeClr val="accent1">
+              <a:alpha val="9721"/>
+            </a:schemeClr>
+          </a:solidFill>
+        </p:spPr>
+        <p:style>
+          <a:lnRef idx="2">
+            <a:schemeClr val="accent1">
+              <a:shade val="50000"/>
+            </a:schemeClr>
+          </a:lnRef>
+          <a:fillRef idx="1">
+            <a:schemeClr val="accent1"/>
+          </a:fillRef>
+          <a:effectRef idx="0">
+            <a:schemeClr val="accent1"/>
+          </a:effectRef>
+          <a:fontRef idx="minor">
+            <a:schemeClr val="lt1"/>
+          </a:fontRef>
+        </p:style>
+        <p:txBody>
+          <a:bodyPr rtlCol="0" anchor="ctr"/>
+          <a:lstStyle/>
+          <a:p>
+            <a:pPr algn="ctr"/>
+            <a:endParaRPr lang="en-US" dirty="0"/>
+          </a:p>
+        </p:txBody>
+      </p:sp>
+      <p:sp>
+        <p:nvSpPr>
+          <p:cNvPr id="40" name="Rectangle 39">
+            <a:extLst>
+              <a:ext uri="{FF2B5EF4-FFF2-40B4-BE49-F238E27FC236}">
+                <a16:creationId xmlns:a16="http://schemas.microsoft.com/office/drawing/2014/main" id="{A421B4E2-3909-EE4A-BD28-5306DD0A3C5B}"/>
+              </a:ext>
+            </a:extLst>
+          </p:cNvPr>
+          <p:cNvSpPr/>
+          <p:nvPr/>
+        </p:nvSpPr>
+        <p:spPr>
+          <a:xfrm>
+            <a:off x="7735344" y="3416176"/>
+            <a:ext cx="366741" cy="254815"/>
+          </a:xfrm>
+          <a:prstGeom prst="rect">
+            <a:avLst/>
+          </a:prstGeom>
+          <a:solidFill>
+            <a:schemeClr val="accent1">
+              <a:alpha val="9721"/>
+            </a:schemeClr>
+          </a:solidFill>
+        </p:spPr>
+        <p:style>
+          <a:lnRef idx="2">
+            <a:schemeClr val="accent1">
+              <a:shade val="50000"/>
+            </a:schemeClr>
+          </a:lnRef>
+          <a:fillRef idx="1">
+            <a:schemeClr val="accent1"/>
+          </a:fillRef>
+          <a:effectRef idx="0">
+            <a:schemeClr val="accent1"/>
+          </a:effectRef>
+          <a:fontRef idx="minor">
+            <a:schemeClr val="lt1"/>
+          </a:fontRef>
+        </p:style>
+        <p:txBody>
+          <a:bodyPr rtlCol="0" anchor="ctr"/>
+          <a:lstStyle/>
+          <a:p>
+            <a:pPr algn="ctr"/>
+            <a:endParaRPr lang="en-US"/>
+          </a:p>
+        </p:txBody>
+      </p:sp>
       <p:graphicFrame>
         <p:nvGraphicFramePr>
-          <p:cNvPr id="26" name="Table 25">
-            <a:extLst>
-              <a:ext uri="{FF2B5EF4-FFF2-40B4-BE49-F238E27FC236}">
-                <a16:creationId xmlns:a16="http://schemas.microsoft.com/office/drawing/2014/main" id="{4CF7C512-4B5F-044A-9AF2-7B46FC9938AB}"/>
+          <p:cNvPr id="41" name="Table 40">
+            <a:extLst>
+              <a:ext uri="{FF2B5EF4-FFF2-40B4-BE49-F238E27FC236}">
+                <a16:creationId xmlns:a16="http://schemas.microsoft.com/office/drawing/2014/main" id="{9A77BC5D-27BA-3049-A7C1-21B1E866E226}"/>
               </a:ext>
             </a:extLst>
           </p:cNvPr>
@@ -12173,13 +12844,13 @@
           <p:nvPr>
             <p:extLst>
               <p:ext uri="{D42A27DB-BD31-4B8C-83A1-F6EECF244321}">
-                <p14:modId xmlns:p14="http://schemas.microsoft.com/office/powerpoint/2010/main" val="1764894740"/>
+                <p14:modId xmlns:p14="http://schemas.microsoft.com/office/powerpoint/2010/main" val="1969754914"/>
               </p:ext>
             </p:extLst>
           </p:nvPr>
         </p:nvGraphicFramePr>
         <p:xfrm>
-          <a:off x="4978808" y="6115524"/>
+          <a:off x="4578569" y="4074538"/>
           <a:ext cx="1504036" cy="304800"/>
         </p:xfrm>
         <a:graphic>
@@ -12349,384 +13020,12 @@
           </a:graphicData>
         </a:graphic>
       </p:graphicFrame>
-      <p:cxnSp>
-        <p:nvCxnSpPr>
-          <p:cNvPr id="27" name="Straight Arrow Connector 26">
-            <a:extLst>
-              <a:ext uri="{FF2B5EF4-FFF2-40B4-BE49-F238E27FC236}">
-                <a16:creationId xmlns:a16="http://schemas.microsoft.com/office/drawing/2014/main" id="{E20E4DC7-A943-A542-B166-FF749EE3D170}"/>
-              </a:ext>
-            </a:extLst>
-          </p:cNvPr>
-          <p:cNvCxnSpPr>
-            <a:cxnSpLocks/>
-            <a:stCxn id="25" idx="2"/>
-            <a:endCxn id="26" idx="0"/>
-          </p:cNvCxnSpPr>
-          <p:nvPr/>
-        </p:nvCxnSpPr>
-        <p:spPr>
-          <a:xfrm>
-            <a:off x="5619615" y="5619782"/>
-            <a:ext cx="111211" cy="495742"/>
-          </a:xfrm>
-          <a:prstGeom prst="straightConnector1">
-            <a:avLst/>
-          </a:prstGeom>
-          <a:ln>
-            <a:tailEnd type="triangle"/>
-          </a:ln>
-        </p:spPr>
-        <p:style>
-          <a:lnRef idx="1">
-            <a:schemeClr val="accent1"/>
-          </a:lnRef>
-          <a:fillRef idx="0">
-            <a:schemeClr val="accent1"/>
-          </a:fillRef>
-          <a:effectRef idx="0">
-            <a:schemeClr val="accent1"/>
-          </a:effectRef>
-          <a:fontRef idx="minor">
-            <a:schemeClr val="tx1"/>
-          </a:fontRef>
-        </p:style>
-      </p:cxnSp>
-      <p:sp>
-        <p:nvSpPr>
-          <p:cNvPr id="28" name="Rectangle 27">
-            <a:extLst>
-              <a:ext uri="{FF2B5EF4-FFF2-40B4-BE49-F238E27FC236}">
-                <a16:creationId xmlns:a16="http://schemas.microsoft.com/office/drawing/2014/main" id="{98C38B2A-E30B-6B49-A3EC-8FA92E0EDBCB}"/>
-              </a:ext>
-            </a:extLst>
-          </p:cNvPr>
-          <p:cNvSpPr/>
-          <p:nvPr/>
-        </p:nvSpPr>
-        <p:spPr>
-          <a:xfrm>
-            <a:off x="4766997" y="4939750"/>
-            <a:ext cx="1828800" cy="1613721"/>
-          </a:xfrm>
-          <a:prstGeom prst="rect">
-            <a:avLst/>
-          </a:prstGeom>
-          <a:solidFill>
-            <a:schemeClr val="accent4">
-              <a:lumMod val="20000"/>
-              <a:lumOff val="80000"/>
-              <a:alpha val="31000"/>
-            </a:schemeClr>
-          </a:solidFill>
-        </p:spPr>
-        <p:style>
-          <a:lnRef idx="2">
-            <a:schemeClr val="accent1">
-              <a:shade val="50000"/>
-            </a:schemeClr>
-          </a:lnRef>
-          <a:fillRef idx="1">
-            <a:schemeClr val="accent1"/>
-          </a:fillRef>
-          <a:effectRef idx="0">
-            <a:schemeClr val="accent1"/>
-          </a:effectRef>
-          <a:fontRef idx="minor">
-            <a:schemeClr val="lt1"/>
-          </a:fontRef>
-        </p:style>
-        <p:txBody>
-          <a:bodyPr rtlCol="0" anchor="ctr"/>
-          <a:lstStyle/>
-          <a:p>
-            <a:pPr algn="ctr"/>
-            <a:endParaRPr lang="en-US"/>
-          </a:p>
-        </p:txBody>
-      </p:sp>
-      <p:sp>
-        <p:nvSpPr>
-          <p:cNvPr id="29" name="Rectangle 28">
-            <a:extLst>
-              <a:ext uri="{FF2B5EF4-FFF2-40B4-BE49-F238E27FC236}">
-                <a16:creationId xmlns:a16="http://schemas.microsoft.com/office/drawing/2014/main" id="{179048D1-33F4-094B-A33E-E6E45C36E2C8}"/>
-              </a:ext>
-            </a:extLst>
-          </p:cNvPr>
-          <p:cNvSpPr/>
-          <p:nvPr/>
-        </p:nvSpPr>
-        <p:spPr>
-          <a:xfrm>
-            <a:off x="7193862" y="4939750"/>
-            <a:ext cx="2099907" cy="1613721"/>
-          </a:xfrm>
-          <a:prstGeom prst="rect">
-            <a:avLst/>
-          </a:prstGeom>
-          <a:solidFill>
-            <a:schemeClr val="accent4">
-              <a:lumMod val="20000"/>
-              <a:lumOff val="80000"/>
-              <a:alpha val="31000"/>
-            </a:schemeClr>
-          </a:solidFill>
-        </p:spPr>
-        <p:style>
-          <a:lnRef idx="2">
-            <a:schemeClr val="accent1">
-              <a:shade val="50000"/>
-            </a:schemeClr>
-          </a:lnRef>
-          <a:fillRef idx="1">
-            <a:schemeClr val="accent1"/>
-          </a:fillRef>
-          <a:effectRef idx="0">
-            <a:schemeClr val="accent1"/>
-          </a:effectRef>
-          <a:fontRef idx="minor">
-            <a:schemeClr val="lt1"/>
-          </a:fontRef>
-        </p:style>
-        <p:txBody>
-          <a:bodyPr rtlCol="0" anchor="ctr"/>
-          <a:lstStyle/>
-          <a:p>
-            <a:pPr algn="ctr"/>
-            <a:endParaRPr lang="en-US"/>
-          </a:p>
-        </p:txBody>
-      </p:sp>
-      <p:sp>
-        <p:nvSpPr>
-          <p:cNvPr id="30" name="TextBox 29">
-            <a:extLst>
-              <a:ext uri="{FF2B5EF4-FFF2-40B4-BE49-F238E27FC236}">
-                <a16:creationId xmlns:a16="http://schemas.microsoft.com/office/drawing/2014/main" id="{319A29A5-34C2-2848-BB23-7571DC6E106A}"/>
-              </a:ext>
-            </a:extLst>
-          </p:cNvPr>
-          <p:cNvSpPr txBox="1"/>
-          <p:nvPr/>
-        </p:nvSpPr>
-        <p:spPr>
-          <a:xfrm>
-            <a:off x="7292717" y="5065647"/>
-            <a:ext cx="1173892" cy="646331"/>
-          </a:xfrm>
-          <a:prstGeom prst="rect">
-            <a:avLst/>
-          </a:prstGeom>
-          <a:solidFill>
-            <a:schemeClr val="accent4">
-              <a:lumMod val="75000"/>
-              <a:alpha val="21035"/>
-            </a:schemeClr>
-          </a:solidFill>
-          <a:ln>
-            <a:solidFill>
-              <a:schemeClr val="accent1"/>
-            </a:solidFill>
-          </a:ln>
-        </p:spPr>
-        <p:txBody>
-          <a:bodyPr wrap="square" rtlCol="0">
-            <a:spAutoFit/>
-          </a:bodyPr>
-          <a:lstStyle/>
-          <a:p>
-            <a:r>
-              <a:rPr lang="en-US" dirty="0" err="1"/>
-              <a:t>len</a:t>
-            </a:r>
-            <a:r>
-              <a:rPr lang="en-US" dirty="0"/>
-              <a:t>:  </a:t>
-            </a:r>
-            <a:r>
-              <a:rPr lang="en-US" dirty="0">
-                <a:ln>
-                  <a:solidFill>
-                    <a:schemeClr val="accent1"/>
-                  </a:solidFill>
-                </a:ln>
-              </a:rPr>
-              <a:t>4</a:t>
-            </a:r>
-          </a:p>
-          <a:p>
-            <a:r>
-              <a:rPr lang="en-US" dirty="0">
-                <a:ln w="9525">
-                  <a:noFill/>
-                </a:ln>
-              </a:rPr>
-              <a:t>data</a:t>
-            </a:r>
-            <a:r>
-              <a:rPr lang="en-US" dirty="0">
-                <a:ln w="9525">
-                  <a:solidFill>
-                    <a:schemeClr val="tx1"/>
-                  </a:solidFill>
-                </a:ln>
-              </a:rPr>
-              <a:t>: </a:t>
-            </a:r>
-          </a:p>
-        </p:txBody>
-      </p:sp>
-      <p:sp>
-        <p:nvSpPr>
-          <p:cNvPr id="31" name="Rectangle 30">
-            <a:extLst>
-              <a:ext uri="{FF2B5EF4-FFF2-40B4-BE49-F238E27FC236}">
-                <a16:creationId xmlns:a16="http://schemas.microsoft.com/office/drawing/2014/main" id="{7C21735F-109E-8C43-BB7F-2257499B9268}"/>
-              </a:ext>
-            </a:extLst>
-          </p:cNvPr>
-          <p:cNvSpPr/>
-          <p:nvPr/>
-        </p:nvSpPr>
-        <p:spPr>
-          <a:xfrm>
-            <a:off x="7774631" y="5157980"/>
-            <a:ext cx="222422" cy="184666"/>
-          </a:xfrm>
-          <a:prstGeom prst="rect">
-            <a:avLst/>
-          </a:prstGeom>
-          <a:solidFill>
-            <a:schemeClr val="accent1">
-              <a:alpha val="9721"/>
-            </a:schemeClr>
-          </a:solidFill>
-        </p:spPr>
-        <p:style>
-          <a:lnRef idx="2">
-            <a:schemeClr val="accent1">
-              <a:shade val="50000"/>
-            </a:schemeClr>
-          </a:lnRef>
-          <a:fillRef idx="1">
-            <a:schemeClr val="accent1"/>
-          </a:fillRef>
-          <a:effectRef idx="0">
-            <a:schemeClr val="accent1"/>
-          </a:effectRef>
-          <a:fontRef idx="minor">
-            <a:schemeClr val="lt1"/>
-          </a:fontRef>
-        </p:style>
-        <p:txBody>
-          <a:bodyPr rtlCol="0" anchor="ctr"/>
-          <a:lstStyle/>
-          <a:p>
-            <a:pPr algn="ctr"/>
-            <a:endParaRPr lang="en-US" dirty="0"/>
-          </a:p>
-        </p:txBody>
-      </p:sp>
-      <p:sp>
-        <p:nvSpPr>
-          <p:cNvPr id="32" name="Rectangle 31">
-            <a:extLst>
-              <a:ext uri="{FF2B5EF4-FFF2-40B4-BE49-F238E27FC236}">
-                <a16:creationId xmlns:a16="http://schemas.microsoft.com/office/drawing/2014/main" id="{1E30CEA0-16B2-CD49-830D-27B6EE5D8B89}"/>
-              </a:ext>
-            </a:extLst>
-          </p:cNvPr>
-          <p:cNvSpPr/>
-          <p:nvPr/>
-        </p:nvSpPr>
-        <p:spPr>
-          <a:xfrm>
-            <a:off x="7935270" y="5435116"/>
-            <a:ext cx="222422" cy="184666"/>
-          </a:xfrm>
-          <a:prstGeom prst="rect">
-            <a:avLst/>
-          </a:prstGeom>
-          <a:solidFill>
-            <a:schemeClr val="accent1">
-              <a:alpha val="9721"/>
-            </a:schemeClr>
-          </a:solidFill>
-        </p:spPr>
-        <p:style>
-          <a:lnRef idx="2">
-            <a:schemeClr val="accent1">
-              <a:shade val="50000"/>
-            </a:schemeClr>
-          </a:lnRef>
-          <a:fillRef idx="1">
-            <a:schemeClr val="accent1"/>
-          </a:fillRef>
-          <a:effectRef idx="0">
-            <a:schemeClr val="accent1"/>
-          </a:effectRef>
-          <a:fontRef idx="minor">
-            <a:schemeClr val="lt1"/>
-          </a:fontRef>
-        </p:style>
-        <p:txBody>
-          <a:bodyPr rtlCol="0" anchor="ctr"/>
-          <a:lstStyle/>
-          <a:p>
-            <a:pPr algn="ctr"/>
-            <a:endParaRPr lang="en-US"/>
-          </a:p>
-        </p:txBody>
-      </p:sp>
-      <p:cxnSp>
-        <p:nvCxnSpPr>
-          <p:cNvPr id="33" name="Straight Arrow Connector 32">
-            <a:extLst>
-              <a:ext uri="{FF2B5EF4-FFF2-40B4-BE49-F238E27FC236}">
-                <a16:creationId xmlns:a16="http://schemas.microsoft.com/office/drawing/2014/main" id="{B93D7DA4-64AB-C44A-8207-E2ACA0D367BC}"/>
-              </a:ext>
-            </a:extLst>
-          </p:cNvPr>
-          <p:cNvCxnSpPr>
-            <a:cxnSpLocks/>
-            <a:stCxn id="32" idx="2"/>
-          </p:cNvCxnSpPr>
-          <p:nvPr/>
-        </p:nvCxnSpPr>
-        <p:spPr>
-          <a:xfrm>
-            <a:off x="8046481" y="5619782"/>
-            <a:ext cx="111211" cy="495742"/>
-          </a:xfrm>
-          <a:prstGeom prst="straightConnector1">
-            <a:avLst/>
-          </a:prstGeom>
-          <a:ln>
-            <a:tailEnd type="triangle"/>
-          </a:ln>
-        </p:spPr>
-        <p:style>
-          <a:lnRef idx="1">
-            <a:schemeClr val="accent1"/>
-          </a:lnRef>
-          <a:fillRef idx="0">
-            <a:schemeClr val="accent1"/>
-          </a:fillRef>
-          <a:effectRef idx="0">
-            <a:schemeClr val="accent1"/>
-          </a:effectRef>
-          <a:fontRef idx="minor">
-            <a:schemeClr val="tx1"/>
-          </a:fontRef>
-        </p:style>
-      </p:cxnSp>
       <p:graphicFrame>
         <p:nvGraphicFramePr>
-          <p:cNvPr id="34" name="Table 9">
-            <a:extLst>
-              <a:ext uri="{FF2B5EF4-FFF2-40B4-BE49-F238E27FC236}">
-                <a16:creationId xmlns:a16="http://schemas.microsoft.com/office/drawing/2014/main" id="{D4128556-29A1-2E43-A008-D7A3B5F254C0}"/>
+          <p:cNvPr id="42" name="Table 9">
+            <a:extLst>
+              <a:ext uri="{FF2B5EF4-FFF2-40B4-BE49-F238E27FC236}">
+                <a16:creationId xmlns:a16="http://schemas.microsoft.com/office/drawing/2014/main" id="{76B20E65-5797-044F-9991-1EFB8114B0F2}"/>
               </a:ext>
             </a:extLst>
           </p:cNvPr>
@@ -12736,13 +13035,13 @@
           <p:nvPr>
             <p:extLst>
               <p:ext uri="{D42A27DB-BD31-4B8C-83A1-F6EECF244321}">
-                <p14:modId xmlns:p14="http://schemas.microsoft.com/office/powerpoint/2010/main" val="3252019283"/>
+                <p14:modId xmlns:p14="http://schemas.microsoft.com/office/powerpoint/2010/main" val="1196452561"/>
               </p:ext>
             </p:extLst>
           </p:nvPr>
         </p:nvGraphicFramePr>
         <p:xfrm>
-          <a:off x="7292717" y="6101560"/>
+          <a:off x="7148398" y="4082620"/>
           <a:ext cx="1876725" cy="304800"/>
         </p:xfrm>
         <a:graphic>
@@ -12924,390 +13223,90 @@
           </a:graphicData>
         </a:graphic>
       </p:graphicFrame>
-      <p:sp>
-        <p:nvSpPr>
-          <p:cNvPr id="35" name="TextBox 34">
-            <a:extLst>
-              <a:ext uri="{FF2B5EF4-FFF2-40B4-BE49-F238E27FC236}">
-                <a16:creationId xmlns:a16="http://schemas.microsoft.com/office/drawing/2014/main" id="{65D16451-F0AC-2744-BC6F-2154F9355493}"/>
-              </a:ext>
-            </a:extLst>
-          </p:cNvPr>
-          <p:cNvSpPr txBox="1"/>
+      <p:cxnSp>
+        <p:nvCxnSpPr>
+          <p:cNvPr id="44" name="Straight Arrow Connector 43">
+            <a:extLst>
+              <a:ext uri="{FF2B5EF4-FFF2-40B4-BE49-F238E27FC236}">
+                <a16:creationId xmlns:a16="http://schemas.microsoft.com/office/drawing/2014/main" id="{6D17FECE-6EF8-234A-AC90-C5CDAD7D5B58}"/>
+              </a:ext>
+            </a:extLst>
+          </p:cNvPr>
+          <p:cNvCxnSpPr>
+            <a:stCxn id="25" idx="0"/>
+            <a:endCxn id="41" idx="2"/>
+          </p:cNvCxnSpPr>
           <p:nvPr/>
-        </p:nvSpPr>
+        </p:nvCxnSpPr>
         <p:spPr>
-          <a:xfrm>
-            <a:off x="4465612" y="3024661"/>
-            <a:ext cx="1173892" cy="646331"/>
+          <a:xfrm flipH="1" flipV="1">
+            <a:off x="5330587" y="4379338"/>
+            <a:ext cx="289028" cy="1055778"/>
           </a:xfrm>
-          <a:prstGeom prst="rect">
+          <a:prstGeom prst="straightConnector1">
             <a:avLst/>
           </a:prstGeom>
-          <a:solidFill>
-            <a:schemeClr val="accent4">
-              <a:lumMod val="75000"/>
-              <a:alpha val="21035"/>
-            </a:schemeClr>
-          </a:solidFill>
           <a:ln>
-            <a:solidFill>
-              <a:schemeClr val="accent1"/>
-            </a:solidFill>
+            <a:tailEnd type="triangle"/>
           </a:ln>
         </p:spPr>
-        <p:txBody>
-          <a:bodyPr wrap="square" rtlCol="0">
-            <a:spAutoFit/>
-          </a:bodyPr>
-          <a:lstStyle/>
-          <a:p>
-            <a:r>
-              <a:rPr lang="en-US" dirty="0" err="1"/>
-              <a:t>len</a:t>
-            </a:r>
-            <a:r>
-              <a:rPr lang="en-US" dirty="0"/>
-              <a:t>:  </a:t>
-            </a:r>
-            <a:r>
-              <a:rPr lang="en-US" dirty="0">
-                <a:ln>
-                  <a:solidFill>
-                    <a:schemeClr val="accent1"/>
-                  </a:solidFill>
-                </a:ln>
-              </a:rPr>
-              <a:t>0</a:t>
-            </a:r>
-          </a:p>
-          <a:p>
-            <a:r>
-              <a:rPr lang="en-US" dirty="0">
-                <a:ln w="9525">
-                  <a:noFill/>
-                </a:ln>
-              </a:rPr>
-              <a:t>data</a:t>
-            </a:r>
-            <a:r>
-              <a:rPr lang="en-US" dirty="0">
-                <a:ln w="9525">
-                  <a:solidFill>
-                    <a:schemeClr val="tx1"/>
-                  </a:solidFill>
-                </a:ln>
-              </a:rPr>
-              <a:t>:  </a:t>
-            </a:r>
-            <a:r>
-              <a:rPr lang="en-US" b="1" dirty="0">
-                <a:ln w="9525">
-                  <a:noFill/>
-                </a:ln>
-                <a:solidFill>
-                  <a:srgbClr val="FF0000"/>
-                </a:solidFill>
-              </a:rPr>
-              <a:t>np</a:t>
-            </a:r>
-          </a:p>
-        </p:txBody>
-      </p:sp>
-      <p:sp>
-        <p:nvSpPr>
-          <p:cNvPr id="36" name="Rectangle 35">
-            <a:extLst>
-              <a:ext uri="{FF2B5EF4-FFF2-40B4-BE49-F238E27FC236}">
-                <a16:creationId xmlns:a16="http://schemas.microsoft.com/office/drawing/2014/main" id="{7D29633D-E084-6944-AB1E-35B53E2133BE}"/>
-              </a:ext>
-            </a:extLst>
-          </p:cNvPr>
-          <p:cNvSpPr/>
-          <p:nvPr/>
-        </p:nvSpPr>
-        <p:spPr>
-          <a:xfrm>
-            <a:off x="4947526" y="3116994"/>
-            <a:ext cx="222422" cy="184666"/>
-          </a:xfrm>
-          <a:prstGeom prst="rect">
-            <a:avLst/>
-          </a:prstGeom>
-          <a:solidFill>
-            <a:schemeClr val="accent1">
-              <a:alpha val="9721"/>
-            </a:schemeClr>
-          </a:solidFill>
-        </p:spPr>
         <p:style>
-          <a:lnRef idx="2">
-            <a:schemeClr val="accent1">
-              <a:shade val="50000"/>
-            </a:schemeClr>
+          <a:lnRef idx="1">
+            <a:schemeClr val="accent1"/>
           </a:lnRef>
-          <a:fillRef idx="1">
+          <a:fillRef idx="0">
             <a:schemeClr val="accent1"/>
           </a:fillRef>
           <a:effectRef idx="0">
             <a:schemeClr val="accent1"/>
           </a:effectRef>
           <a:fontRef idx="minor">
-            <a:schemeClr val="lt1"/>
+            <a:schemeClr val="tx1"/>
           </a:fontRef>
         </p:style>
-        <p:txBody>
-          <a:bodyPr rtlCol="0" anchor="ctr"/>
-          <a:lstStyle/>
-          <a:p>
-            <a:pPr algn="ctr"/>
-            <a:endParaRPr lang="en-US"/>
-          </a:p>
-        </p:txBody>
-      </p:sp>
-      <p:sp>
-        <p:nvSpPr>
-          <p:cNvPr id="37" name="Rectangle 36">
-            <a:extLst>
-              <a:ext uri="{FF2B5EF4-FFF2-40B4-BE49-F238E27FC236}">
-                <a16:creationId xmlns:a16="http://schemas.microsoft.com/office/drawing/2014/main" id="{29908C89-71A4-1144-A300-58D06FC6CB56}"/>
-              </a:ext>
-            </a:extLst>
-          </p:cNvPr>
-          <p:cNvSpPr/>
+      </p:cxnSp>
+      <p:cxnSp>
+        <p:nvCxnSpPr>
+          <p:cNvPr id="46" name="Straight Arrow Connector 45">
+            <a:extLst>
+              <a:ext uri="{FF2B5EF4-FFF2-40B4-BE49-F238E27FC236}">
+                <a16:creationId xmlns:a16="http://schemas.microsoft.com/office/drawing/2014/main" id="{5DA965F4-C09A-CC43-9283-7D95559D9231}"/>
+              </a:ext>
+            </a:extLst>
+          </p:cNvPr>
+          <p:cNvCxnSpPr>
+            <a:stCxn id="32" idx="0"/>
+            <a:endCxn id="42" idx="2"/>
+          </p:cNvCxnSpPr>
           <p:nvPr/>
-        </p:nvSpPr>
+        </p:nvCxnSpPr>
         <p:spPr>
-          <a:xfrm>
-            <a:off x="5037490" y="3335227"/>
-            <a:ext cx="400239" cy="335764"/>
+          <a:xfrm flipV="1">
+            <a:off x="8046481" y="4387420"/>
+            <a:ext cx="40279" cy="1047696"/>
           </a:xfrm>
-          <a:prstGeom prst="rect">
+          <a:prstGeom prst="straightConnector1">
             <a:avLst/>
           </a:prstGeom>
-          <a:solidFill>
-            <a:schemeClr val="accent1">
-              <a:alpha val="9721"/>
-            </a:schemeClr>
-          </a:solidFill>
+          <a:ln>
+            <a:tailEnd type="triangle"/>
+          </a:ln>
         </p:spPr>
         <p:style>
-          <a:lnRef idx="2">
-            <a:schemeClr val="accent1">
-              <a:shade val="50000"/>
-            </a:schemeClr>
+          <a:lnRef idx="1">
+            <a:schemeClr val="accent1"/>
           </a:lnRef>
-          <a:fillRef idx="1">
+          <a:fillRef idx="0">
             <a:schemeClr val="accent1"/>
           </a:fillRef>
           <a:effectRef idx="0">
             <a:schemeClr val="accent1"/>
           </a:effectRef>
           <a:fontRef idx="minor">
-            <a:schemeClr val="lt1"/>
+            <a:schemeClr val="tx1"/>
           </a:fontRef>
         </p:style>
-        <p:txBody>
-          <a:bodyPr rtlCol="0" anchor="ctr"/>
-          <a:lstStyle/>
-          <a:p>
-            <a:pPr algn="ctr"/>
-            <a:endParaRPr lang="en-US"/>
-          </a:p>
-        </p:txBody>
-      </p:sp>
-      <p:sp>
-        <p:nvSpPr>
-          <p:cNvPr id="38" name="TextBox 37">
-            <a:extLst>
-              <a:ext uri="{FF2B5EF4-FFF2-40B4-BE49-F238E27FC236}">
-                <a16:creationId xmlns:a16="http://schemas.microsoft.com/office/drawing/2014/main" id="{06C32E45-EAA4-B641-8B44-47BF32626386}"/>
-              </a:ext>
-            </a:extLst>
-          </p:cNvPr>
-          <p:cNvSpPr txBox="1"/>
-          <p:nvPr/>
-        </p:nvSpPr>
-        <p:spPr>
-          <a:xfrm>
-            <a:off x="7148398" y="3046707"/>
-            <a:ext cx="1173892" cy="646331"/>
-          </a:xfrm>
-          <a:prstGeom prst="rect">
-            <a:avLst/>
-          </a:prstGeom>
-          <a:solidFill>
-            <a:schemeClr val="accent4">
-              <a:lumMod val="75000"/>
-              <a:alpha val="21035"/>
-            </a:schemeClr>
-          </a:solidFill>
-          <a:ln>
-            <a:solidFill>
-              <a:schemeClr val="accent1"/>
-            </a:solidFill>
-          </a:ln>
-        </p:spPr>
-        <p:txBody>
-          <a:bodyPr wrap="square" rtlCol="0">
-            <a:spAutoFit/>
-          </a:bodyPr>
-          <a:lstStyle/>
-          <a:p>
-            <a:r>
-              <a:rPr lang="en-US" dirty="0" err="1"/>
-              <a:t>len</a:t>
-            </a:r>
-            <a:r>
-              <a:rPr lang="en-US" dirty="0"/>
-              <a:t>:  </a:t>
-            </a:r>
-            <a:r>
-              <a:rPr lang="en-US" dirty="0">
-                <a:ln>
-                  <a:solidFill>
-                    <a:schemeClr val="accent1"/>
-                  </a:solidFill>
-                </a:ln>
-              </a:rPr>
-              <a:t>0</a:t>
-            </a:r>
-          </a:p>
-          <a:p>
-            <a:r>
-              <a:rPr lang="en-US" dirty="0">
-                <a:ln w="9525">
-                  <a:noFill/>
-                </a:ln>
-              </a:rPr>
-              <a:t>data</a:t>
-            </a:r>
-            <a:r>
-              <a:rPr lang="en-US" dirty="0">
-                <a:ln w="9525">
-                  <a:solidFill>
-                    <a:schemeClr val="tx1"/>
-                  </a:solidFill>
-                </a:ln>
-              </a:rPr>
-              <a:t>:  </a:t>
-            </a:r>
-            <a:r>
-              <a:rPr lang="en-US" b="1" dirty="0">
-                <a:ln w="9525">
-                  <a:noFill/>
-                </a:ln>
-                <a:solidFill>
-                  <a:srgbClr val="FF0000"/>
-                </a:solidFill>
-              </a:rPr>
-              <a:t>np</a:t>
-            </a:r>
-          </a:p>
-        </p:txBody>
-      </p:sp>
-      <p:sp>
-        <p:nvSpPr>
-          <p:cNvPr id="39" name="Rectangle 38">
-            <a:extLst>
-              <a:ext uri="{FF2B5EF4-FFF2-40B4-BE49-F238E27FC236}">
-                <a16:creationId xmlns:a16="http://schemas.microsoft.com/office/drawing/2014/main" id="{A961E5A4-2713-E649-8527-028ACA704C83}"/>
-              </a:ext>
-            </a:extLst>
-          </p:cNvPr>
-          <p:cNvSpPr/>
-          <p:nvPr/>
-        </p:nvSpPr>
-        <p:spPr>
-          <a:xfrm>
-            <a:off x="7630312" y="3139040"/>
-            <a:ext cx="222422" cy="184666"/>
-          </a:xfrm>
-          <a:prstGeom prst="rect">
-            <a:avLst/>
-          </a:prstGeom>
-          <a:solidFill>
-            <a:schemeClr val="accent1">
-              <a:alpha val="9721"/>
-            </a:schemeClr>
-          </a:solidFill>
-        </p:spPr>
-        <p:style>
-          <a:lnRef idx="2">
-            <a:schemeClr val="accent1">
-              <a:shade val="50000"/>
-            </a:schemeClr>
-          </a:lnRef>
-          <a:fillRef idx="1">
-            <a:schemeClr val="accent1"/>
-          </a:fillRef>
-          <a:effectRef idx="0">
-            <a:schemeClr val="accent1"/>
-          </a:effectRef>
-          <a:fontRef idx="minor">
-            <a:schemeClr val="lt1"/>
-          </a:fontRef>
-        </p:style>
-        <p:txBody>
-          <a:bodyPr rtlCol="0" anchor="ctr"/>
-          <a:lstStyle/>
-          <a:p>
-            <a:pPr algn="ctr"/>
-            <a:endParaRPr lang="en-US" dirty="0"/>
-          </a:p>
-        </p:txBody>
-      </p:sp>
-      <p:sp>
-        <p:nvSpPr>
-          <p:cNvPr id="40" name="Rectangle 39">
-            <a:extLst>
-              <a:ext uri="{FF2B5EF4-FFF2-40B4-BE49-F238E27FC236}">
-                <a16:creationId xmlns:a16="http://schemas.microsoft.com/office/drawing/2014/main" id="{A421B4E2-3909-EE4A-BD28-5306DD0A3C5B}"/>
-              </a:ext>
-            </a:extLst>
-          </p:cNvPr>
-          <p:cNvSpPr/>
-          <p:nvPr/>
-        </p:nvSpPr>
-        <p:spPr>
-          <a:xfrm>
-            <a:off x="7735344" y="3416176"/>
-            <a:ext cx="366741" cy="254815"/>
-          </a:xfrm>
-          <a:prstGeom prst="rect">
-            <a:avLst/>
-          </a:prstGeom>
-          <a:solidFill>
-            <a:schemeClr val="accent1">
-              <a:alpha val="9721"/>
-            </a:schemeClr>
-          </a:solidFill>
-        </p:spPr>
-        <p:style>
-          <a:lnRef idx="2">
-            <a:schemeClr val="accent1">
-              <a:shade val="50000"/>
-            </a:schemeClr>
-          </a:lnRef>
-          <a:fillRef idx="1">
-            <a:schemeClr val="accent1"/>
-          </a:fillRef>
-          <a:effectRef idx="0">
-            <a:schemeClr val="accent1"/>
-          </a:effectRef>
-          <a:fontRef idx="minor">
-            <a:schemeClr val="lt1"/>
-          </a:fontRef>
-        </p:style>
-        <p:txBody>
-          <a:bodyPr rtlCol="0" anchor="ctr"/>
-          <a:lstStyle/>
-          <a:p>
-            <a:pPr algn="ctr"/>
-            <a:endParaRPr lang="en-US"/>
-          </a:p>
-        </p:txBody>
-      </p:sp>
+      </p:cxnSp>
     </p:spTree>
     <p:extLst>
       <p:ext uri="{BB962C8B-B14F-4D97-AF65-F5344CB8AC3E}">

--- a/how_to_benefit_from_move_semantics/InitializeMembers.pptx
+++ b/how_to_benefit_from_move_semantics/InitializeMembers.pptx
@@ -9,6 +9,7 @@
     <p:sldId id="257" r:id="rId3"/>
     <p:sldId id="258" r:id="rId4"/>
     <p:sldId id="259" r:id="rId5"/>
+    <p:sldId id="260" r:id="rId6"/>
   </p:sldIdLst>
   <p:sldSz cx="12192000" cy="6858000"/>
   <p:notesSz cx="6858000" cy="9144000"/>
@@ -13320,6 +13321,2354 @@
 </p:sld>
 </file>
 
+<file path=ppt/slides/slide5.xml><?xml version="1.0" encoding="utf-8"?>
+<p:sld xmlns:a="http://schemas.openxmlformats.org/drawingml/2006/main" xmlns:r="http://schemas.openxmlformats.org/officeDocument/2006/relationships" xmlns:p="http://schemas.openxmlformats.org/presentationml/2006/main">
+  <p:cSld>
+    <p:spTree>
+      <p:nvGrpSpPr>
+        <p:cNvPr id="1" name=""/>
+        <p:cNvGrpSpPr/>
+        <p:nvPr/>
+      </p:nvGrpSpPr>
+      <p:grpSpPr>
+        <a:xfrm>
+          <a:off x="0" y="0"/>
+          <a:ext cx="0" cy="0"/>
+          <a:chOff x="0" y="0"/>
+          <a:chExt cx="0" cy="0"/>
+        </a:xfrm>
+      </p:grpSpPr>
+      <p:sp>
+        <p:nvSpPr>
+          <p:cNvPr id="6" name="TextBox 5">
+            <a:extLst>
+              <a:ext uri="{FF2B5EF4-FFF2-40B4-BE49-F238E27FC236}">
+                <a16:creationId xmlns:a16="http://schemas.microsoft.com/office/drawing/2014/main" id="{7878B3AB-F898-DD4C-B466-16A4BE9B401E}"/>
+              </a:ext>
+            </a:extLst>
+          </p:cNvPr>
+          <p:cNvSpPr txBox="1"/>
+          <p:nvPr/>
+        </p:nvSpPr>
+        <p:spPr>
+          <a:xfrm>
+            <a:off x="3688726" y="2434158"/>
+            <a:ext cx="5272709" cy="2862322"/>
+          </a:xfrm>
+          <a:prstGeom prst="rect">
+            <a:avLst/>
+          </a:prstGeom>
+          <a:noFill/>
+        </p:spPr>
+        <p:txBody>
+          <a:bodyPr wrap="square" rtlCol="0">
+            <a:spAutoFit/>
+          </a:bodyPr>
+          <a:lstStyle/>
+          <a:p>
+            <a:r>
+              <a:rPr lang="en-US" dirty="0"/>
+              <a:t>“Ben”:                                    “Cook”:</a:t>
+            </a:r>
+          </a:p>
+          <a:p>
+            <a:endParaRPr lang="en-US" dirty="0"/>
+          </a:p>
+          <a:p>
+            <a:r>
+              <a:rPr lang="en-US" dirty="0"/>
+              <a:t> f:            </a:t>
+            </a:r>
+            <a:r>
+              <a:rPr lang="en-US" dirty="0">
+                <a:solidFill>
+                  <a:schemeClr val="tx1">
+                    <a:alpha val="20741"/>
+                  </a:schemeClr>
+                </a:solidFill>
+              </a:rPr>
+              <a:t>           </a:t>
+            </a:r>
+            <a:r>
+              <a:rPr lang="en-US" dirty="0"/>
+              <a:t>                             l:   </a:t>
+            </a:r>
+          </a:p>
+          <a:p>
+            <a:r>
+              <a:rPr lang="en-US" dirty="0"/>
+              <a:t>      </a:t>
+            </a:r>
+          </a:p>
+          <a:p>
+            <a:endParaRPr lang="en-US" dirty="0"/>
+          </a:p>
+          <a:p>
+            <a:endParaRPr lang="en-US" dirty="0"/>
+          </a:p>
+          <a:p>
+            <a:endParaRPr lang="en-US" dirty="0"/>
+          </a:p>
+          <a:p>
+            <a:endParaRPr lang="en-US" dirty="0"/>
+          </a:p>
+          <a:p>
+            <a:endParaRPr lang="en-US" dirty="0"/>
+          </a:p>
+          <a:p>
+            <a:r>
+              <a:rPr lang="en-US" dirty="0"/>
+              <a:t> p: </a:t>
+            </a:r>
+          </a:p>
+        </p:txBody>
+      </p:sp>
+      <p:sp>
+        <p:nvSpPr>
+          <p:cNvPr id="2" name="TextBox 1">
+            <a:extLst>
+              <a:ext uri="{FF2B5EF4-FFF2-40B4-BE49-F238E27FC236}">
+                <a16:creationId xmlns:a16="http://schemas.microsoft.com/office/drawing/2014/main" id="{EA80C72F-D9EC-CF41-BEE5-B5B0E82C3426}"/>
+              </a:ext>
+            </a:extLst>
+          </p:cNvPr>
+          <p:cNvSpPr txBox="1"/>
+          <p:nvPr/>
+        </p:nvSpPr>
+        <p:spPr>
+          <a:xfrm>
+            <a:off x="2037522" y="208722"/>
+            <a:ext cx="7762461" cy="369332"/>
+          </a:xfrm>
+          <a:prstGeom prst="rect">
+            <a:avLst/>
+          </a:prstGeom>
+          <a:noFill/>
+        </p:spPr>
+        <p:txBody>
+          <a:bodyPr wrap="square" rtlCol="0">
+            <a:spAutoFit/>
+          </a:bodyPr>
+          <a:lstStyle/>
+          <a:p>
+            <a:pPr algn="ctr"/>
+            <a:r>
+              <a:rPr lang="en-US" dirty="0"/>
+              <a:t>Initialize Members in the Classical Way</a:t>
+            </a:r>
+          </a:p>
+        </p:txBody>
+      </p:sp>
+      <p:sp>
+        <p:nvSpPr>
+          <p:cNvPr id="3" name="TextBox 2">
+            <a:extLst>
+              <a:ext uri="{FF2B5EF4-FFF2-40B4-BE49-F238E27FC236}">
+                <a16:creationId xmlns:a16="http://schemas.microsoft.com/office/drawing/2014/main" id="{73C11B30-4C27-1F49-B00A-2A0A0FF55B66}"/>
+              </a:ext>
+            </a:extLst>
+          </p:cNvPr>
+          <p:cNvSpPr txBox="1"/>
+          <p:nvPr/>
+        </p:nvSpPr>
+        <p:spPr>
+          <a:xfrm>
+            <a:off x="447260" y="467139"/>
+            <a:ext cx="5648740" cy="2308324"/>
+          </a:xfrm>
+          <a:prstGeom prst="rect">
+            <a:avLst/>
+          </a:prstGeom>
+          <a:noFill/>
+        </p:spPr>
+        <p:txBody>
+          <a:bodyPr wrap="square" rtlCol="0">
+            <a:spAutoFit/>
+          </a:bodyPr>
+          <a:lstStyle/>
+          <a:p>
+            <a:r>
+              <a:rPr lang="en-US" sz="1200" b="1" dirty="0">
+                <a:solidFill>
+                  <a:schemeClr val="accent1"/>
+                </a:solidFill>
+                <a:latin typeface="Courier New" panose="02070309020205020404" pitchFamily="49" charset="0"/>
+                <a:cs typeface="Courier New" panose="02070309020205020404" pitchFamily="49" charset="0"/>
+              </a:rPr>
+              <a:t>#include </a:t>
+            </a:r>
+            <a:r>
+              <a:rPr lang="en-US" sz="1200" dirty="0">
+                <a:latin typeface="Courier New" panose="02070309020205020404" pitchFamily="49" charset="0"/>
+                <a:cs typeface="Courier New" panose="02070309020205020404" pitchFamily="49" charset="0"/>
+              </a:rPr>
+              <a:t>&lt;string&gt;</a:t>
+            </a:r>
+          </a:p>
+          <a:p>
+            <a:endParaRPr lang="en-US" sz="1200" dirty="0">
+              <a:latin typeface="Courier New" panose="02070309020205020404" pitchFamily="49" charset="0"/>
+              <a:cs typeface="Courier New" panose="02070309020205020404" pitchFamily="49" charset="0"/>
+            </a:endParaRPr>
+          </a:p>
+          <a:p>
+            <a:r>
+              <a:rPr lang="en-US" sz="1200" b="1" dirty="0">
+                <a:solidFill>
+                  <a:schemeClr val="accent1"/>
+                </a:solidFill>
+                <a:latin typeface="Courier New" panose="02070309020205020404" pitchFamily="49" charset="0"/>
+                <a:cs typeface="Courier New" panose="02070309020205020404" pitchFamily="49" charset="0"/>
+              </a:rPr>
+              <a:t>class</a:t>
+            </a:r>
+            <a:r>
+              <a:rPr lang="en-US" sz="1200" dirty="0">
+                <a:latin typeface="Courier New" panose="02070309020205020404" pitchFamily="49" charset="0"/>
+                <a:cs typeface="Courier New" panose="02070309020205020404" pitchFamily="49" charset="0"/>
+              </a:rPr>
+              <a:t> Person {</a:t>
+            </a:r>
+          </a:p>
+          <a:p>
+            <a:r>
+              <a:rPr lang="en-US" sz="1200" dirty="0">
+                <a:latin typeface="Courier New" panose="02070309020205020404" pitchFamily="49" charset="0"/>
+                <a:cs typeface="Courier New" panose="02070309020205020404" pitchFamily="49" charset="0"/>
+              </a:rPr>
+              <a:t> </a:t>
+            </a:r>
+            <a:r>
+              <a:rPr lang="en-US" sz="1200" b="1" dirty="0">
+                <a:solidFill>
+                  <a:schemeClr val="accent1"/>
+                </a:solidFill>
+                <a:latin typeface="Courier New" panose="02070309020205020404" pitchFamily="49" charset="0"/>
+                <a:cs typeface="Courier New" panose="02070309020205020404" pitchFamily="49" charset="0"/>
+              </a:rPr>
+              <a:t>private:</a:t>
+            </a:r>
+          </a:p>
+          <a:p>
+            <a:r>
+              <a:rPr lang="en-US" sz="1200" dirty="0">
+                <a:latin typeface="Courier New" panose="02070309020205020404" pitchFamily="49" charset="0"/>
+                <a:cs typeface="Courier New" panose="02070309020205020404" pitchFamily="49" charset="0"/>
+              </a:rPr>
+              <a:t>  std::string first; </a:t>
+            </a:r>
+            <a:r>
+              <a:rPr lang="en-US" sz="1200" b="1" dirty="0">
+                <a:solidFill>
+                  <a:schemeClr val="accent6">
+                    <a:lumMod val="75000"/>
+                  </a:schemeClr>
+                </a:solidFill>
+                <a:latin typeface="Courier New" panose="02070309020205020404" pitchFamily="49" charset="0"/>
+                <a:cs typeface="Courier New" panose="02070309020205020404" pitchFamily="49" charset="0"/>
+              </a:rPr>
+              <a:t>// first name</a:t>
+            </a:r>
+          </a:p>
+          <a:p>
+            <a:r>
+              <a:rPr lang="en-US" sz="1200" dirty="0">
+                <a:latin typeface="Courier New" panose="02070309020205020404" pitchFamily="49" charset="0"/>
+                <a:cs typeface="Courier New" panose="02070309020205020404" pitchFamily="49" charset="0"/>
+              </a:rPr>
+              <a:t>  std::string last;  </a:t>
+            </a:r>
+            <a:r>
+              <a:rPr lang="en-US" sz="1200" b="1" dirty="0">
+                <a:solidFill>
+                  <a:schemeClr val="accent6">
+                    <a:lumMod val="75000"/>
+                  </a:schemeClr>
+                </a:solidFill>
+                <a:latin typeface="Courier New" panose="02070309020205020404" pitchFamily="49" charset="0"/>
+                <a:cs typeface="Courier New" panose="02070309020205020404" pitchFamily="49" charset="0"/>
+              </a:rPr>
+              <a:t>// last name</a:t>
+            </a:r>
+          </a:p>
+          <a:p>
+            <a:r>
+              <a:rPr lang="en-US" sz="1200" dirty="0">
+                <a:latin typeface="Courier New" panose="02070309020205020404" pitchFamily="49" charset="0"/>
+                <a:cs typeface="Courier New" panose="02070309020205020404" pitchFamily="49" charset="0"/>
+              </a:rPr>
+              <a:t> </a:t>
+            </a:r>
+            <a:r>
+              <a:rPr lang="en-US" sz="1200" b="1" dirty="0">
+                <a:solidFill>
+                  <a:schemeClr val="accent1"/>
+                </a:solidFill>
+                <a:latin typeface="Courier New" panose="02070309020205020404" pitchFamily="49" charset="0"/>
+                <a:cs typeface="Courier New" panose="02070309020205020404" pitchFamily="49" charset="0"/>
+              </a:rPr>
+              <a:t>public:</a:t>
+            </a:r>
+          </a:p>
+          <a:p>
+            <a:r>
+              <a:rPr lang="en-US" sz="1200" dirty="0">
+                <a:latin typeface="Courier New" panose="02070309020205020404" pitchFamily="49" charset="0"/>
+                <a:cs typeface="Courier New" panose="02070309020205020404" pitchFamily="49" charset="0"/>
+              </a:rPr>
+              <a:t>  Person(</a:t>
+            </a:r>
+            <a:r>
+              <a:rPr lang="en-US" sz="1200" b="1" dirty="0">
+                <a:solidFill>
+                  <a:schemeClr val="accent1"/>
+                </a:solidFill>
+                <a:latin typeface="Courier New" panose="02070309020205020404" pitchFamily="49" charset="0"/>
+                <a:cs typeface="Courier New" panose="02070309020205020404" pitchFamily="49" charset="0"/>
+              </a:rPr>
+              <a:t>const</a:t>
+            </a:r>
+            <a:r>
+              <a:rPr lang="en-US" sz="1200" dirty="0">
+                <a:latin typeface="Courier New" panose="02070309020205020404" pitchFamily="49" charset="0"/>
+                <a:cs typeface="Courier New" panose="02070309020205020404" pitchFamily="49" charset="0"/>
+              </a:rPr>
+              <a:t> std::string&amp; f, </a:t>
+            </a:r>
+            <a:r>
+              <a:rPr lang="en-US" sz="1200" b="1" dirty="0">
+                <a:solidFill>
+                  <a:schemeClr val="accent1"/>
+                </a:solidFill>
+                <a:latin typeface="Courier New" panose="02070309020205020404" pitchFamily="49" charset="0"/>
+                <a:cs typeface="Courier New" panose="02070309020205020404" pitchFamily="49" charset="0"/>
+              </a:rPr>
+              <a:t>const</a:t>
+            </a:r>
+            <a:r>
+              <a:rPr lang="en-US" sz="1200" dirty="0">
+                <a:latin typeface="Courier New" panose="02070309020205020404" pitchFamily="49" charset="0"/>
+                <a:cs typeface="Courier New" panose="02070309020205020404" pitchFamily="49" charset="0"/>
+              </a:rPr>
+              <a:t> std::string&amp; l)</a:t>
+            </a:r>
+          </a:p>
+          <a:p>
+            <a:r>
+              <a:rPr lang="en-US" sz="1200" dirty="0">
+                <a:latin typeface="Courier New" panose="02070309020205020404" pitchFamily="49" charset="0"/>
+                <a:cs typeface="Courier New" panose="02070309020205020404" pitchFamily="49" charset="0"/>
+              </a:rPr>
+              <a:t>   : first{f}, last{f} {</a:t>
+            </a:r>
+          </a:p>
+          <a:p>
+            <a:r>
+              <a:rPr lang="en-US" sz="1200" dirty="0">
+                <a:latin typeface="Courier New" panose="02070309020205020404" pitchFamily="49" charset="0"/>
+                <a:cs typeface="Courier New" panose="02070309020205020404" pitchFamily="49" charset="0"/>
+              </a:rPr>
+              <a:t>  }</a:t>
+            </a:r>
+          </a:p>
+          <a:p>
+            <a:r>
+              <a:rPr lang="en-US" sz="1200" dirty="0">
+                <a:latin typeface="Courier New" panose="02070309020205020404" pitchFamily="49" charset="0"/>
+                <a:cs typeface="Courier New" panose="02070309020205020404" pitchFamily="49" charset="0"/>
+              </a:rPr>
+              <a:t> …</a:t>
+            </a:r>
+          </a:p>
+          <a:p>
+            <a:r>
+              <a:rPr lang="en-US" sz="1200" dirty="0">
+                <a:latin typeface="Courier New" panose="02070309020205020404" pitchFamily="49" charset="0"/>
+                <a:cs typeface="Courier New" panose="02070309020205020404" pitchFamily="49" charset="0"/>
+              </a:rPr>
+              <a:t>}; </a:t>
+            </a:r>
+          </a:p>
+        </p:txBody>
+      </p:sp>
+      <p:sp>
+        <p:nvSpPr>
+          <p:cNvPr id="4" name="TextBox 3">
+            <a:extLst>
+              <a:ext uri="{FF2B5EF4-FFF2-40B4-BE49-F238E27FC236}">
+                <a16:creationId xmlns:a16="http://schemas.microsoft.com/office/drawing/2014/main" id="{BE7C1D5E-0D4C-B749-9ED1-1D1B87CEEB12}"/>
+              </a:ext>
+            </a:extLst>
+          </p:cNvPr>
+          <p:cNvSpPr txBox="1"/>
+          <p:nvPr/>
+        </p:nvSpPr>
+        <p:spPr>
+          <a:xfrm>
+            <a:off x="6096000" y="1747628"/>
+            <a:ext cx="5648740" cy="276999"/>
+          </a:xfrm>
+          <a:prstGeom prst="rect">
+            <a:avLst/>
+          </a:prstGeom>
+          <a:noFill/>
+        </p:spPr>
+        <p:txBody>
+          <a:bodyPr wrap="square" rtlCol="0">
+            <a:spAutoFit/>
+          </a:bodyPr>
+          <a:lstStyle/>
+          <a:p>
+            <a:r>
+              <a:rPr lang="en-US" sz="1200" dirty="0">
+                <a:latin typeface="Courier New" panose="02070309020205020404" pitchFamily="49" charset="0"/>
+                <a:cs typeface="Courier New" panose="02070309020205020404" pitchFamily="49" charset="0"/>
+              </a:rPr>
+              <a:t>Person p{</a:t>
+            </a:r>
+            <a:r>
+              <a:rPr lang="en-US" sz="1200" b="1" dirty="0">
+                <a:solidFill>
+                  <a:srgbClr val="7030A0"/>
+                </a:solidFill>
+                <a:latin typeface="Courier New" panose="02070309020205020404" pitchFamily="49" charset="0"/>
+                <a:cs typeface="Courier New" panose="02070309020205020404" pitchFamily="49" charset="0"/>
+              </a:rPr>
+              <a:t>“Ben”</a:t>
+            </a:r>
+            <a:r>
+              <a:rPr lang="en-US" sz="1200" dirty="0">
+                <a:latin typeface="Courier New" panose="02070309020205020404" pitchFamily="49" charset="0"/>
+                <a:cs typeface="Courier New" panose="02070309020205020404" pitchFamily="49" charset="0"/>
+              </a:rPr>
+              <a:t>, </a:t>
+            </a:r>
+            <a:r>
+              <a:rPr lang="en-US" sz="1200" b="1" dirty="0">
+                <a:solidFill>
+                  <a:srgbClr val="7030A0"/>
+                </a:solidFill>
+                <a:latin typeface="Courier New" panose="02070309020205020404" pitchFamily="49" charset="0"/>
+                <a:cs typeface="Courier New" panose="02070309020205020404" pitchFamily="49" charset="0"/>
+              </a:rPr>
+              <a:t>“Cook”</a:t>
+            </a:r>
+            <a:r>
+              <a:rPr lang="en-US" sz="1200" dirty="0">
+                <a:latin typeface="Courier New" panose="02070309020205020404" pitchFamily="49" charset="0"/>
+                <a:cs typeface="Courier New" panose="02070309020205020404" pitchFamily="49" charset="0"/>
+              </a:rPr>
+              <a:t>};</a:t>
+            </a:r>
+          </a:p>
+        </p:txBody>
+      </p:sp>
+      <p:sp>
+        <p:nvSpPr>
+          <p:cNvPr id="5" name="Rectangle 4">
+            <a:extLst>
+              <a:ext uri="{FF2B5EF4-FFF2-40B4-BE49-F238E27FC236}">
+                <a16:creationId xmlns:a16="http://schemas.microsoft.com/office/drawing/2014/main" id="{4D71FB79-6D3D-4C4F-883F-D11D85F204E1}"/>
+              </a:ext>
+            </a:extLst>
+          </p:cNvPr>
+          <p:cNvSpPr/>
+          <p:nvPr/>
+        </p:nvSpPr>
+        <p:spPr>
+          <a:xfrm>
+            <a:off x="4766997" y="4939750"/>
+            <a:ext cx="1828800" cy="1613721"/>
+          </a:xfrm>
+          <a:prstGeom prst="rect">
+            <a:avLst/>
+          </a:prstGeom>
+          <a:solidFill>
+            <a:schemeClr val="accent4">
+              <a:lumMod val="20000"/>
+              <a:lumOff val="80000"/>
+              <a:alpha val="31000"/>
+            </a:schemeClr>
+          </a:solidFill>
+        </p:spPr>
+        <p:style>
+          <a:lnRef idx="2">
+            <a:schemeClr val="accent1">
+              <a:shade val="50000"/>
+            </a:schemeClr>
+          </a:lnRef>
+          <a:fillRef idx="1">
+            <a:schemeClr val="accent1"/>
+          </a:fillRef>
+          <a:effectRef idx="0">
+            <a:schemeClr val="accent1"/>
+          </a:effectRef>
+          <a:fontRef idx="minor">
+            <a:schemeClr val="lt1"/>
+          </a:fontRef>
+        </p:style>
+        <p:txBody>
+          <a:bodyPr rtlCol="0" anchor="ctr"/>
+          <a:lstStyle/>
+          <a:p>
+            <a:pPr algn="ctr"/>
+            <a:endParaRPr lang="en-US"/>
+          </a:p>
+        </p:txBody>
+      </p:sp>
+      <p:graphicFrame>
+        <p:nvGraphicFramePr>
+          <p:cNvPr id="7" name="Table 8">
+            <a:extLst>
+              <a:ext uri="{FF2B5EF4-FFF2-40B4-BE49-F238E27FC236}">
+                <a16:creationId xmlns:a16="http://schemas.microsoft.com/office/drawing/2014/main" id="{D22FC571-1560-C649-BBD1-518F7B7FD021}"/>
+              </a:ext>
+            </a:extLst>
+          </p:cNvPr>
+          <p:cNvGraphicFramePr>
+            <a:graphicFrameLocks noGrp="1"/>
+          </p:cNvGraphicFramePr>
+          <p:nvPr>
+            <p:extLst>
+              <p:ext uri="{D42A27DB-BD31-4B8C-83A1-F6EECF244321}">
+                <p14:modId xmlns:p14="http://schemas.microsoft.com/office/powerpoint/2010/main" val="2035211600"/>
+              </p:ext>
+            </p:extLst>
+          </p:nvPr>
+        </p:nvGraphicFramePr>
+        <p:xfrm>
+          <a:off x="4465612" y="2470663"/>
+          <a:ext cx="1504036" cy="304800"/>
+        </p:xfrm>
+        <a:graphic>
+          <a:graphicData uri="http://schemas.openxmlformats.org/drawingml/2006/table">
+            <a:tbl>
+              <a:tblPr firstRow="1" bandRow="1">
+                <a:tableStyleId>{5C22544A-7EE6-4342-B048-85BDC9FD1C3A}</a:tableStyleId>
+              </a:tblPr>
+              <a:tblGrid>
+                <a:gridCol w="376009">
+                  <a:extLst>
+                    <a:ext uri="{9D8B030D-6E8A-4147-A177-3AD203B41FA5}">
+                      <a16:colId xmlns:a16="http://schemas.microsoft.com/office/drawing/2014/main" val="2319695347"/>
+                    </a:ext>
+                  </a:extLst>
+                </a:gridCol>
+                <a:gridCol w="376009">
+                  <a:extLst>
+                    <a:ext uri="{9D8B030D-6E8A-4147-A177-3AD203B41FA5}">
+                      <a16:colId xmlns:a16="http://schemas.microsoft.com/office/drawing/2014/main" val="3996963117"/>
+                    </a:ext>
+                  </a:extLst>
+                </a:gridCol>
+                <a:gridCol w="376009">
+                  <a:extLst>
+                    <a:ext uri="{9D8B030D-6E8A-4147-A177-3AD203B41FA5}">
+                      <a16:colId xmlns:a16="http://schemas.microsoft.com/office/drawing/2014/main" val="3794230053"/>
+                    </a:ext>
+                  </a:extLst>
+                </a:gridCol>
+                <a:gridCol w="376009">
+                  <a:extLst>
+                    <a:ext uri="{9D8B030D-6E8A-4147-A177-3AD203B41FA5}">
+                      <a16:colId xmlns:a16="http://schemas.microsoft.com/office/drawing/2014/main" val="2140218889"/>
+                    </a:ext>
+                  </a:extLst>
+                </a:gridCol>
+              </a:tblGrid>
+              <a:tr h="303010">
+                <a:tc>
+                  <a:txBody>
+                    <a:bodyPr/>
+                    <a:lstStyle/>
+                    <a:p>
+                      <a:r>
+                        <a:rPr lang="en-US" sz="1400" dirty="0">
+                          <a:ln>
+                            <a:solidFill>
+                              <a:schemeClr val="accent1"/>
+                            </a:solidFill>
+                          </a:ln>
+                          <a:solidFill>
+                            <a:schemeClr val="accent1"/>
+                          </a:solidFill>
+                        </a:rPr>
+                        <a:t>B</a:t>
+                      </a:r>
+                    </a:p>
+                  </a:txBody>
+                  <a:tcPr>
+                    <a:solidFill>
+                      <a:schemeClr val="accent1">
+                        <a:lumMod val="20000"/>
+                        <a:lumOff val="80000"/>
+                        <a:alpha val="65921"/>
+                      </a:schemeClr>
+                    </a:solidFill>
+                  </a:tcPr>
+                </a:tc>
+                <a:tc>
+                  <a:txBody>
+                    <a:bodyPr/>
+                    <a:lstStyle/>
+                    <a:p>
+                      <a:r>
+                        <a:rPr lang="en-US" sz="1400" dirty="0">
+                          <a:ln>
+                            <a:solidFill>
+                              <a:schemeClr val="accent1"/>
+                            </a:solidFill>
+                          </a:ln>
+                          <a:solidFill>
+                            <a:schemeClr val="accent1"/>
+                          </a:solidFill>
+                        </a:rPr>
+                        <a:t>e</a:t>
+                      </a:r>
+                    </a:p>
+                  </a:txBody>
+                  <a:tcPr>
+                    <a:solidFill>
+                      <a:schemeClr val="accent1">
+                        <a:lumMod val="20000"/>
+                        <a:lumOff val="80000"/>
+                        <a:alpha val="65921"/>
+                      </a:schemeClr>
+                    </a:solidFill>
+                  </a:tcPr>
+                </a:tc>
+                <a:tc>
+                  <a:txBody>
+                    <a:bodyPr/>
+                    <a:lstStyle/>
+                    <a:p>
+                      <a:r>
+                        <a:rPr lang="en-US" sz="1400" dirty="0">
+                          <a:ln>
+                            <a:solidFill>
+                              <a:schemeClr val="accent1"/>
+                            </a:solidFill>
+                          </a:ln>
+                          <a:solidFill>
+                            <a:schemeClr val="accent1"/>
+                          </a:solidFill>
+                        </a:rPr>
+                        <a:t>n</a:t>
+                      </a:r>
+                    </a:p>
+                  </a:txBody>
+                  <a:tcPr>
+                    <a:solidFill>
+                      <a:schemeClr val="accent1">
+                        <a:lumMod val="20000"/>
+                        <a:lumOff val="80000"/>
+                        <a:alpha val="65921"/>
+                      </a:schemeClr>
+                    </a:solidFill>
+                  </a:tcPr>
+                </a:tc>
+                <a:tc>
+                  <a:txBody>
+                    <a:bodyPr/>
+                    <a:lstStyle/>
+                    <a:p>
+                      <a:r>
+                        <a:rPr lang="en-US" sz="1400" dirty="0">
+                          <a:ln>
+                            <a:solidFill>
+                              <a:schemeClr val="accent1"/>
+                            </a:solidFill>
+                          </a:ln>
+                          <a:solidFill>
+                            <a:schemeClr val="accent1"/>
+                          </a:solidFill>
+                        </a:rPr>
+                        <a:t>\0</a:t>
+                      </a:r>
+                    </a:p>
+                  </a:txBody>
+                  <a:tcPr>
+                    <a:solidFill>
+                      <a:schemeClr val="accent1">
+                        <a:lumMod val="20000"/>
+                        <a:lumOff val="80000"/>
+                        <a:alpha val="65921"/>
+                      </a:schemeClr>
+                    </a:solidFill>
+                  </a:tcPr>
+                </a:tc>
+                <a:extLst>
+                  <a:ext uri="{0D108BD9-81ED-4DB2-BD59-A6C34878D82A}">
+                    <a16:rowId xmlns:a16="http://schemas.microsoft.com/office/drawing/2014/main" val="542080640"/>
+                  </a:ext>
+                </a:extLst>
+              </a:tr>
+            </a:tbl>
+          </a:graphicData>
+        </a:graphic>
+      </p:graphicFrame>
+      <p:graphicFrame>
+        <p:nvGraphicFramePr>
+          <p:cNvPr id="8" name="Table 9">
+            <a:extLst>
+              <a:ext uri="{FF2B5EF4-FFF2-40B4-BE49-F238E27FC236}">
+                <a16:creationId xmlns:a16="http://schemas.microsoft.com/office/drawing/2014/main" id="{3FC11427-6877-3443-B09E-AF6297F87051}"/>
+              </a:ext>
+            </a:extLst>
+          </p:cNvPr>
+          <p:cNvGraphicFramePr>
+            <a:graphicFrameLocks noGrp="1"/>
+          </p:cNvGraphicFramePr>
+          <p:nvPr>
+            <p:extLst>
+              <p:ext uri="{D42A27DB-BD31-4B8C-83A1-F6EECF244321}">
+                <p14:modId xmlns:p14="http://schemas.microsoft.com/office/powerpoint/2010/main" val="4283792467"/>
+              </p:ext>
+            </p:extLst>
+          </p:nvPr>
+        </p:nvGraphicFramePr>
+        <p:xfrm>
+          <a:off x="7095480" y="2461530"/>
+          <a:ext cx="1876725" cy="304800"/>
+        </p:xfrm>
+        <a:graphic>
+          <a:graphicData uri="http://schemas.openxmlformats.org/drawingml/2006/table">
+            <a:tbl>
+              <a:tblPr firstRow="1" bandRow="1">
+                <a:tableStyleId>{5C22544A-7EE6-4342-B048-85BDC9FD1C3A}</a:tableStyleId>
+              </a:tblPr>
+              <a:tblGrid>
+                <a:gridCol w="375345">
+                  <a:extLst>
+                    <a:ext uri="{9D8B030D-6E8A-4147-A177-3AD203B41FA5}">
+                      <a16:colId xmlns:a16="http://schemas.microsoft.com/office/drawing/2014/main" val="1367944414"/>
+                    </a:ext>
+                  </a:extLst>
+                </a:gridCol>
+                <a:gridCol w="375345">
+                  <a:extLst>
+                    <a:ext uri="{9D8B030D-6E8A-4147-A177-3AD203B41FA5}">
+                      <a16:colId xmlns:a16="http://schemas.microsoft.com/office/drawing/2014/main" val="3127046063"/>
+                    </a:ext>
+                  </a:extLst>
+                </a:gridCol>
+                <a:gridCol w="375345">
+                  <a:extLst>
+                    <a:ext uri="{9D8B030D-6E8A-4147-A177-3AD203B41FA5}">
+                      <a16:colId xmlns:a16="http://schemas.microsoft.com/office/drawing/2014/main" val="27871377"/>
+                    </a:ext>
+                  </a:extLst>
+                </a:gridCol>
+                <a:gridCol w="375345">
+                  <a:extLst>
+                    <a:ext uri="{9D8B030D-6E8A-4147-A177-3AD203B41FA5}">
+                      <a16:colId xmlns:a16="http://schemas.microsoft.com/office/drawing/2014/main" val="879411235"/>
+                    </a:ext>
+                  </a:extLst>
+                </a:gridCol>
+                <a:gridCol w="375345">
+                  <a:extLst>
+                    <a:ext uri="{9D8B030D-6E8A-4147-A177-3AD203B41FA5}">
+                      <a16:colId xmlns:a16="http://schemas.microsoft.com/office/drawing/2014/main" val="2059762792"/>
+                    </a:ext>
+                  </a:extLst>
+                </a:gridCol>
+              </a:tblGrid>
+              <a:tr h="0">
+                <a:tc>
+                  <a:txBody>
+                    <a:bodyPr/>
+                    <a:lstStyle/>
+                    <a:p>
+                      <a:r>
+                        <a:rPr lang="en-US" sz="1400" b="1" dirty="0">
+                          <a:solidFill>
+                            <a:schemeClr val="accent1"/>
+                          </a:solidFill>
+                        </a:rPr>
+                        <a:t>C</a:t>
+                      </a:r>
+                    </a:p>
+                  </a:txBody>
+                  <a:tcPr>
+                    <a:solidFill>
+                      <a:schemeClr val="accent1">
+                        <a:lumMod val="40000"/>
+                        <a:lumOff val="60000"/>
+                        <a:alpha val="38000"/>
+                      </a:schemeClr>
+                    </a:solidFill>
+                  </a:tcPr>
+                </a:tc>
+                <a:tc>
+                  <a:txBody>
+                    <a:bodyPr/>
+                    <a:lstStyle/>
+                    <a:p>
+                      <a:r>
+                        <a:rPr lang="en-US" sz="1400" b="1" dirty="0">
+                          <a:solidFill>
+                            <a:schemeClr val="accent1"/>
+                          </a:solidFill>
+                        </a:rPr>
+                        <a:t>o</a:t>
+                      </a:r>
+                    </a:p>
+                  </a:txBody>
+                  <a:tcPr>
+                    <a:solidFill>
+                      <a:schemeClr val="accent1">
+                        <a:lumMod val="40000"/>
+                        <a:lumOff val="60000"/>
+                        <a:alpha val="38000"/>
+                      </a:schemeClr>
+                    </a:solidFill>
+                  </a:tcPr>
+                </a:tc>
+                <a:tc>
+                  <a:txBody>
+                    <a:bodyPr/>
+                    <a:lstStyle/>
+                    <a:p>
+                      <a:r>
+                        <a:rPr lang="en-US" sz="1400" b="1" dirty="0">
+                          <a:solidFill>
+                            <a:schemeClr val="accent1"/>
+                          </a:solidFill>
+                        </a:rPr>
+                        <a:t>o</a:t>
+                      </a:r>
+                    </a:p>
+                  </a:txBody>
+                  <a:tcPr>
+                    <a:solidFill>
+                      <a:schemeClr val="accent1">
+                        <a:lumMod val="40000"/>
+                        <a:lumOff val="60000"/>
+                        <a:alpha val="38000"/>
+                      </a:schemeClr>
+                    </a:solidFill>
+                  </a:tcPr>
+                </a:tc>
+                <a:tc>
+                  <a:txBody>
+                    <a:bodyPr/>
+                    <a:lstStyle/>
+                    <a:p>
+                      <a:r>
+                        <a:rPr lang="en-US" sz="1400" b="1" dirty="0">
+                          <a:solidFill>
+                            <a:schemeClr val="accent1"/>
+                          </a:solidFill>
+                        </a:rPr>
+                        <a:t>k</a:t>
+                      </a:r>
+                    </a:p>
+                  </a:txBody>
+                  <a:tcPr>
+                    <a:solidFill>
+                      <a:schemeClr val="accent1">
+                        <a:lumMod val="40000"/>
+                        <a:lumOff val="60000"/>
+                        <a:alpha val="38000"/>
+                      </a:schemeClr>
+                    </a:solidFill>
+                  </a:tcPr>
+                </a:tc>
+                <a:tc>
+                  <a:txBody>
+                    <a:bodyPr/>
+                    <a:lstStyle/>
+                    <a:p>
+                      <a:r>
+                        <a:rPr lang="en-US" sz="1400" b="1" dirty="0">
+                          <a:solidFill>
+                            <a:schemeClr val="accent1"/>
+                          </a:solidFill>
+                        </a:rPr>
+                        <a:t>\0</a:t>
+                      </a:r>
+                    </a:p>
+                  </a:txBody>
+                  <a:tcPr>
+                    <a:solidFill>
+                      <a:schemeClr val="accent1">
+                        <a:lumMod val="40000"/>
+                        <a:lumOff val="60000"/>
+                        <a:alpha val="38000"/>
+                      </a:schemeClr>
+                    </a:solidFill>
+                  </a:tcPr>
+                </a:tc>
+                <a:extLst>
+                  <a:ext uri="{0D108BD9-81ED-4DB2-BD59-A6C34878D82A}">
+                    <a16:rowId xmlns:a16="http://schemas.microsoft.com/office/drawing/2014/main" val="1482642403"/>
+                  </a:ext>
+                </a:extLst>
+              </a:tr>
+            </a:tbl>
+          </a:graphicData>
+        </a:graphic>
+      </p:graphicFrame>
+      <p:sp>
+        <p:nvSpPr>
+          <p:cNvPr id="9" name="Rectangle 8">
+            <a:extLst>
+              <a:ext uri="{FF2B5EF4-FFF2-40B4-BE49-F238E27FC236}">
+                <a16:creationId xmlns:a16="http://schemas.microsoft.com/office/drawing/2014/main" id="{22D7BA68-8379-B241-84BB-5B9650670CEB}"/>
+              </a:ext>
+            </a:extLst>
+          </p:cNvPr>
+          <p:cNvSpPr/>
+          <p:nvPr/>
+        </p:nvSpPr>
+        <p:spPr>
+          <a:xfrm>
+            <a:off x="4065373" y="4764861"/>
+            <a:ext cx="5412259" cy="1884417"/>
+          </a:xfrm>
+          <a:prstGeom prst="rect">
+            <a:avLst/>
+          </a:prstGeom>
+          <a:solidFill>
+            <a:schemeClr val="accent2">
+              <a:lumMod val="40000"/>
+              <a:lumOff val="60000"/>
+              <a:alpha val="34228"/>
+            </a:schemeClr>
+          </a:solidFill>
+          <a:ln>
+            <a:solidFill>
+              <a:schemeClr val="accent2">
+                <a:lumMod val="40000"/>
+                <a:lumOff val="60000"/>
+              </a:schemeClr>
+            </a:solidFill>
+          </a:ln>
+        </p:spPr>
+        <p:style>
+          <a:lnRef idx="2">
+            <a:schemeClr val="accent1">
+              <a:shade val="50000"/>
+            </a:schemeClr>
+          </a:lnRef>
+          <a:fillRef idx="1">
+            <a:schemeClr val="accent1"/>
+          </a:fillRef>
+          <a:effectRef idx="0">
+            <a:schemeClr val="accent1"/>
+          </a:effectRef>
+          <a:fontRef idx="minor">
+            <a:schemeClr val="lt1"/>
+          </a:fontRef>
+        </p:style>
+        <p:txBody>
+          <a:bodyPr rtlCol="0" anchor="ctr"/>
+          <a:lstStyle/>
+          <a:p>
+            <a:pPr algn="ctr"/>
+            <a:endParaRPr lang="en-US" dirty="0">
+              <a:solidFill>
+                <a:schemeClr val="tx1"/>
+              </a:solidFill>
+            </a:endParaRPr>
+          </a:p>
+        </p:txBody>
+      </p:sp>
+      <p:sp>
+        <p:nvSpPr>
+          <p:cNvPr id="10" name="TextBox 9">
+            <a:extLst>
+              <a:ext uri="{FF2B5EF4-FFF2-40B4-BE49-F238E27FC236}">
+                <a16:creationId xmlns:a16="http://schemas.microsoft.com/office/drawing/2014/main" id="{4DECD884-66AC-7545-AE5F-61FD727DA9A4}"/>
+              </a:ext>
+            </a:extLst>
+          </p:cNvPr>
+          <p:cNvSpPr txBox="1"/>
+          <p:nvPr/>
+        </p:nvSpPr>
+        <p:spPr>
+          <a:xfrm>
+            <a:off x="4160144" y="4906183"/>
+            <a:ext cx="610936" cy="369332"/>
+          </a:xfrm>
+          <a:prstGeom prst="rect">
+            <a:avLst/>
+          </a:prstGeom>
+          <a:noFill/>
+        </p:spPr>
+        <p:txBody>
+          <a:bodyPr wrap="none" rtlCol="0">
+            <a:spAutoFit/>
+          </a:bodyPr>
+          <a:lstStyle/>
+          <a:p>
+            <a:r>
+              <a:rPr lang="en-US" dirty="0"/>
+              <a:t>first:</a:t>
+            </a:r>
+          </a:p>
+        </p:txBody>
+      </p:sp>
+      <p:sp>
+        <p:nvSpPr>
+          <p:cNvPr id="11" name="TextBox 10">
+            <a:extLst>
+              <a:ext uri="{FF2B5EF4-FFF2-40B4-BE49-F238E27FC236}">
+                <a16:creationId xmlns:a16="http://schemas.microsoft.com/office/drawing/2014/main" id="{C3E55F2C-A19B-8B41-AE7D-A6EA4A92334D}"/>
+              </a:ext>
+            </a:extLst>
+          </p:cNvPr>
+          <p:cNvSpPr txBox="1"/>
+          <p:nvPr/>
+        </p:nvSpPr>
+        <p:spPr>
+          <a:xfrm>
+            <a:off x="6607411" y="5000704"/>
+            <a:ext cx="574837" cy="369332"/>
+          </a:xfrm>
+          <a:prstGeom prst="rect">
+            <a:avLst/>
+          </a:prstGeom>
+          <a:noFill/>
+        </p:spPr>
+        <p:txBody>
+          <a:bodyPr wrap="none" rtlCol="0">
+            <a:spAutoFit/>
+          </a:bodyPr>
+          <a:lstStyle/>
+          <a:p>
+            <a:r>
+              <a:rPr lang="en-US" dirty="0"/>
+              <a:t>last:</a:t>
+            </a:r>
+          </a:p>
+        </p:txBody>
+      </p:sp>
+      <p:sp>
+        <p:nvSpPr>
+          <p:cNvPr id="12" name="TextBox 11">
+            <a:extLst>
+              <a:ext uri="{FF2B5EF4-FFF2-40B4-BE49-F238E27FC236}">
+                <a16:creationId xmlns:a16="http://schemas.microsoft.com/office/drawing/2014/main" id="{BCD498C8-FB16-0B4A-A30F-860490EA0C9D}"/>
+              </a:ext>
+            </a:extLst>
+          </p:cNvPr>
+          <p:cNvSpPr txBox="1"/>
+          <p:nvPr/>
+        </p:nvSpPr>
+        <p:spPr>
+          <a:xfrm>
+            <a:off x="4865851" y="5065647"/>
+            <a:ext cx="1173892" cy="646331"/>
+          </a:xfrm>
+          <a:prstGeom prst="rect">
+            <a:avLst/>
+          </a:prstGeom>
+          <a:solidFill>
+            <a:schemeClr val="accent4">
+              <a:lumMod val="75000"/>
+              <a:alpha val="21035"/>
+            </a:schemeClr>
+          </a:solidFill>
+          <a:ln>
+            <a:solidFill>
+              <a:schemeClr val="accent1"/>
+            </a:solidFill>
+          </a:ln>
+        </p:spPr>
+        <p:txBody>
+          <a:bodyPr wrap="square" rtlCol="0">
+            <a:spAutoFit/>
+          </a:bodyPr>
+          <a:lstStyle/>
+          <a:p>
+            <a:r>
+              <a:rPr lang="en-US" dirty="0" err="1"/>
+              <a:t>len</a:t>
+            </a:r>
+            <a:r>
+              <a:rPr lang="en-US" dirty="0"/>
+              <a:t>:  </a:t>
+            </a:r>
+            <a:r>
+              <a:rPr lang="en-US" dirty="0">
+                <a:ln>
+                  <a:solidFill>
+                    <a:schemeClr val="accent1"/>
+                  </a:solidFill>
+                </a:ln>
+              </a:rPr>
+              <a:t>3</a:t>
+            </a:r>
+          </a:p>
+          <a:p>
+            <a:r>
+              <a:rPr lang="en-US" dirty="0">
+                <a:ln w="9525">
+                  <a:noFill/>
+                </a:ln>
+              </a:rPr>
+              <a:t>data</a:t>
+            </a:r>
+            <a:r>
+              <a:rPr lang="en-US" dirty="0">
+                <a:ln w="9525">
+                  <a:solidFill>
+                    <a:schemeClr val="tx1"/>
+                  </a:solidFill>
+                </a:ln>
+              </a:rPr>
+              <a:t>: </a:t>
+            </a:r>
+          </a:p>
+        </p:txBody>
+      </p:sp>
+      <p:sp>
+        <p:nvSpPr>
+          <p:cNvPr id="13" name="Rectangle 12">
+            <a:extLst>
+              <a:ext uri="{FF2B5EF4-FFF2-40B4-BE49-F238E27FC236}">
+                <a16:creationId xmlns:a16="http://schemas.microsoft.com/office/drawing/2014/main" id="{3FDD646E-6B39-D548-A25F-D15C60A3FF86}"/>
+              </a:ext>
+            </a:extLst>
+          </p:cNvPr>
+          <p:cNvSpPr/>
+          <p:nvPr/>
+        </p:nvSpPr>
+        <p:spPr>
+          <a:xfrm>
+            <a:off x="5347765" y="5157980"/>
+            <a:ext cx="222422" cy="184666"/>
+          </a:xfrm>
+          <a:prstGeom prst="rect">
+            <a:avLst/>
+          </a:prstGeom>
+          <a:solidFill>
+            <a:schemeClr val="accent1">
+              <a:alpha val="9721"/>
+            </a:schemeClr>
+          </a:solidFill>
+        </p:spPr>
+        <p:style>
+          <a:lnRef idx="2">
+            <a:schemeClr val="accent1">
+              <a:shade val="50000"/>
+            </a:schemeClr>
+          </a:lnRef>
+          <a:fillRef idx="1">
+            <a:schemeClr val="accent1"/>
+          </a:fillRef>
+          <a:effectRef idx="0">
+            <a:schemeClr val="accent1"/>
+          </a:effectRef>
+          <a:fontRef idx="minor">
+            <a:schemeClr val="lt1"/>
+          </a:fontRef>
+        </p:style>
+        <p:txBody>
+          <a:bodyPr rtlCol="0" anchor="ctr"/>
+          <a:lstStyle/>
+          <a:p>
+            <a:pPr algn="ctr"/>
+            <a:endParaRPr lang="en-US"/>
+          </a:p>
+        </p:txBody>
+      </p:sp>
+      <p:sp>
+        <p:nvSpPr>
+          <p:cNvPr id="14" name="Rectangle 13">
+            <a:extLst>
+              <a:ext uri="{FF2B5EF4-FFF2-40B4-BE49-F238E27FC236}">
+                <a16:creationId xmlns:a16="http://schemas.microsoft.com/office/drawing/2014/main" id="{FEB5ABD0-15E9-4A46-A064-5A4ACA2E4A34}"/>
+              </a:ext>
+            </a:extLst>
+          </p:cNvPr>
+          <p:cNvSpPr/>
+          <p:nvPr/>
+        </p:nvSpPr>
+        <p:spPr>
+          <a:xfrm>
+            <a:off x="5508404" y="5435116"/>
+            <a:ext cx="222422" cy="184666"/>
+          </a:xfrm>
+          <a:prstGeom prst="rect">
+            <a:avLst/>
+          </a:prstGeom>
+          <a:solidFill>
+            <a:schemeClr val="accent1">
+              <a:alpha val="9721"/>
+            </a:schemeClr>
+          </a:solidFill>
+        </p:spPr>
+        <p:style>
+          <a:lnRef idx="2">
+            <a:schemeClr val="accent1">
+              <a:shade val="50000"/>
+            </a:schemeClr>
+          </a:lnRef>
+          <a:fillRef idx="1">
+            <a:schemeClr val="accent1"/>
+          </a:fillRef>
+          <a:effectRef idx="0">
+            <a:schemeClr val="accent1"/>
+          </a:effectRef>
+          <a:fontRef idx="minor">
+            <a:schemeClr val="lt1"/>
+          </a:fontRef>
+        </p:style>
+        <p:txBody>
+          <a:bodyPr rtlCol="0" anchor="ctr"/>
+          <a:lstStyle/>
+          <a:p>
+            <a:pPr algn="ctr"/>
+            <a:endParaRPr lang="en-US"/>
+          </a:p>
+        </p:txBody>
+      </p:sp>
+      <p:sp>
+        <p:nvSpPr>
+          <p:cNvPr id="15" name="Rectangle 14">
+            <a:extLst>
+              <a:ext uri="{FF2B5EF4-FFF2-40B4-BE49-F238E27FC236}">
+                <a16:creationId xmlns:a16="http://schemas.microsoft.com/office/drawing/2014/main" id="{308215CF-9F10-6D47-8BBE-FFB836E569F8}"/>
+              </a:ext>
+            </a:extLst>
+          </p:cNvPr>
+          <p:cNvSpPr/>
+          <p:nvPr/>
+        </p:nvSpPr>
+        <p:spPr>
+          <a:xfrm>
+            <a:off x="7193862" y="4939750"/>
+            <a:ext cx="2099907" cy="1613721"/>
+          </a:xfrm>
+          <a:prstGeom prst="rect">
+            <a:avLst/>
+          </a:prstGeom>
+          <a:solidFill>
+            <a:schemeClr val="accent4">
+              <a:lumMod val="20000"/>
+              <a:lumOff val="80000"/>
+              <a:alpha val="31000"/>
+            </a:schemeClr>
+          </a:solidFill>
+        </p:spPr>
+        <p:style>
+          <a:lnRef idx="2">
+            <a:schemeClr val="accent1">
+              <a:shade val="50000"/>
+            </a:schemeClr>
+          </a:lnRef>
+          <a:fillRef idx="1">
+            <a:schemeClr val="accent1"/>
+          </a:fillRef>
+          <a:effectRef idx="0">
+            <a:schemeClr val="accent1"/>
+          </a:effectRef>
+          <a:fontRef idx="minor">
+            <a:schemeClr val="lt1"/>
+          </a:fontRef>
+        </p:style>
+        <p:txBody>
+          <a:bodyPr rtlCol="0" anchor="ctr"/>
+          <a:lstStyle/>
+          <a:p>
+            <a:pPr algn="ctr"/>
+            <a:endParaRPr lang="en-US"/>
+          </a:p>
+        </p:txBody>
+      </p:sp>
+      <p:sp>
+        <p:nvSpPr>
+          <p:cNvPr id="16" name="TextBox 15">
+            <a:extLst>
+              <a:ext uri="{FF2B5EF4-FFF2-40B4-BE49-F238E27FC236}">
+                <a16:creationId xmlns:a16="http://schemas.microsoft.com/office/drawing/2014/main" id="{6CEBC806-F8F1-0F45-994C-2AC44AC78C86}"/>
+              </a:ext>
+            </a:extLst>
+          </p:cNvPr>
+          <p:cNvSpPr txBox="1"/>
+          <p:nvPr/>
+        </p:nvSpPr>
+        <p:spPr>
+          <a:xfrm>
+            <a:off x="7292717" y="5065647"/>
+            <a:ext cx="1173892" cy="646331"/>
+          </a:xfrm>
+          <a:prstGeom prst="rect">
+            <a:avLst/>
+          </a:prstGeom>
+          <a:solidFill>
+            <a:schemeClr val="accent4">
+              <a:lumMod val="75000"/>
+              <a:alpha val="21035"/>
+            </a:schemeClr>
+          </a:solidFill>
+          <a:ln>
+            <a:solidFill>
+              <a:schemeClr val="accent1"/>
+            </a:solidFill>
+          </a:ln>
+        </p:spPr>
+        <p:txBody>
+          <a:bodyPr wrap="square" rtlCol="0">
+            <a:spAutoFit/>
+          </a:bodyPr>
+          <a:lstStyle/>
+          <a:p>
+            <a:r>
+              <a:rPr lang="en-US" dirty="0" err="1"/>
+              <a:t>len</a:t>
+            </a:r>
+            <a:r>
+              <a:rPr lang="en-US" dirty="0"/>
+              <a:t>:  </a:t>
+            </a:r>
+            <a:r>
+              <a:rPr lang="en-US" dirty="0">
+                <a:ln>
+                  <a:solidFill>
+                    <a:schemeClr val="accent1"/>
+                  </a:solidFill>
+                </a:ln>
+              </a:rPr>
+              <a:t>4</a:t>
+            </a:r>
+          </a:p>
+          <a:p>
+            <a:r>
+              <a:rPr lang="en-US" dirty="0">
+                <a:ln w="9525">
+                  <a:noFill/>
+                </a:ln>
+              </a:rPr>
+              <a:t>data</a:t>
+            </a:r>
+            <a:r>
+              <a:rPr lang="en-US" dirty="0">
+                <a:ln w="9525">
+                  <a:solidFill>
+                    <a:schemeClr val="tx1"/>
+                  </a:solidFill>
+                </a:ln>
+              </a:rPr>
+              <a:t>: </a:t>
+            </a:r>
+          </a:p>
+        </p:txBody>
+      </p:sp>
+      <p:sp>
+        <p:nvSpPr>
+          <p:cNvPr id="17" name="Rectangle 16">
+            <a:extLst>
+              <a:ext uri="{FF2B5EF4-FFF2-40B4-BE49-F238E27FC236}">
+                <a16:creationId xmlns:a16="http://schemas.microsoft.com/office/drawing/2014/main" id="{CDF8CE29-D098-C64E-A8C1-0FC3342C364B}"/>
+              </a:ext>
+            </a:extLst>
+          </p:cNvPr>
+          <p:cNvSpPr/>
+          <p:nvPr/>
+        </p:nvSpPr>
+        <p:spPr>
+          <a:xfrm>
+            <a:off x="7774631" y="5157980"/>
+            <a:ext cx="222422" cy="184666"/>
+          </a:xfrm>
+          <a:prstGeom prst="rect">
+            <a:avLst/>
+          </a:prstGeom>
+          <a:solidFill>
+            <a:schemeClr val="accent1">
+              <a:alpha val="9721"/>
+            </a:schemeClr>
+          </a:solidFill>
+        </p:spPr>
+        <p:style>
+          <a:lnRef idx="2">
+            <a:schemeClr val="accent1">
+              <a:shade val="50000"/>
+            </a:schemeClr>
+          </a:lnRef>
+          <a:fillRef idx="1">
+            <a:schemeClr val="accent1"/>
+          </a:fillRef>
+          <a:effectRef idx="0">
+            <a:schemeClr val="accent1"/>
+          </a:effectRef>
+          <a:fontRef idx="minor">
+            <a:schemeClr val="lt1"/>
+          </a:fontRef>
+        </p:style>
+        <p:txBody>
+          <a:bodyPr rtlCol="0" anchor="ctr"/>
+          <a:lstStyle/>
+          <a:p>
+            <a:pPr algn="ctr"/>
+            <a:endParaRPr lang="en-US" dirty="0"/>
+          </a:p>
+        </p:txBody>
+      </p:sp>
+      <p:sp>
+        <p:nvSpPr>
+          <p:cNvPr id="18" name="Rectangle 17">
+            <a:extLst>
+              <a:ext uri="{FF2B5EF4-FFF2-40B4-BE49-F238E27FC236}">
+                <a16:creationId xmlns:a16="http://schemas.microsoft.com/office/drawing/2014/main" id="{C549F5B6-9DCA-134D-B546-A7B718D9F0CF}"/>
+              </a:ext>
+            </a:extLst>
+          </p:cNvPr>
+          <p:cNvSpPr/>
+          <p:nvPr/>
+        </p:nvSpPr>
+        <p:spPr>
+          <a:xfrm>
+            <a:off x="7935270" y="5435116"/>
+            <a:ext cx="222422" cy="184666"/>
+          </a:xfrm>
+          <a:prstGeom prst="rect">
+            <a:avLst/>
+          </a:prstGeom>
+          <a:solidFill>
+            <a:schemeClr val="accent1">
+              <a:alpha val="9721"/>
+            </a:schemeClr>
+          </a:solidFill>
+        </p:spPr>
+        <p:style>
+          <a:lnRef idx="2">
+            <a:schemeClr val="accent1">
+              <a:shade val="50000"/>
+            </a:schemeClr>
+          </a:lnRef>
+          <a:fillRef idx="1">
+            <a:schemeClr val="accent1"/>
+          </a:fillRef>
+          <a:effectRef idx="0">
+            <a:schemeClr val="accent1"/>
+          </a:effectRef>
+          <a:fontRef idx="minor">
+            <a:schemeClr val="lt1"/>
+          </a:fontRef>
+        </p:style>
+        <p:txBody>
+          <a:bodyPr rtlCol="0" anchor="ctr"/>
+          <a:lstStyle/>
+          <a:p>
+            <a:pPr algn="ctr"/>
+            <a:endParaRPr lang="en-US"/>
+          </a:p>
+        </p:txBody>
+      </p:sp>
+      <p:sp>
+        <p:nvSpPr>
+          <p:cNvPr id="19" name="TextBox 18">
+            <a:extLst>
+              <a:ext uri="{FF2B5EF4-FFF2-40B4-BE49-F238E27FC236}">
+                <a16:creationId xmlns:a16="http://schemas.microsoft.com/office/drawing/2014/main" id="{2B84718B-D575-494D-850B-355E151C7AFB}"/>
+              </a:ext>
+            </a:extLst>
+          </p:cNvPr>
+          <p:cNvSpPr txBox="1"/>
+          <p:nvPr/>
+        </p:nvSpPr>
+        <p:spPr>
+          <a:xfrm>
+            <a:off x="4465612" y="3024661"/>
+            <a:ext cx="1173892" cy="646331"/>
+          </a:xfrm>
+          <a:prstGeom prst="rect">
+            <a:avLst/>
+          </a:prstGeom>
+          <a:solidFill>
+            <a:schemeClr val="bg1">
+              <a:lumMod val="65000"/>
+              <a:alpha val="88257"/>
+            </a:schemeClr>
+          </a:solidFill>
+          <a:ln>
+            <a:solidFill>
+              <a:schemeClr val="accent1"/>
+            </a:solidFill>
+          </a:ln>
+        </p:spPr>
+        <p:txBody>
+          <a:bodyPr wrap="square" rtlCol="0">
+            <a:spAutoFit/>
+          </a:bodyPr>
+          <a:lstStyle/>
+          <a:p>
+            <a:r>
+              <a:rPr lang="en-US" dirty="0" err="1">
+                <a:solidFill>
+                  <a:schemeClr val="tx1">
+                    <a:alpha val="7670"/>
+                  </a:schemeClr>
+                </a:solidFill>
+              </a:rPr>
+              <a:t>len</a:t>
+            </a:r>
+            <a:r>
+              <a:rPr lang="en-US" dirty="0">
+                <a:solidFill>
+                  <a:schemeClr val="tx1">
+                    <a:alpha val="7670"/>
+                  </a:schemeClr>
+                </a:solidFill>
+              </a:rPr>
+              <a:t>:  0</a:t>
+            </a:r>
+          </a:p>
+          <a:p>
+            <a:r>
+              <a:rPr lang="en-US" dirty="0">
+                <a:ln w="9525">
+                  <a:noFill/>
+                </a:ln>
+                <a:solidFill>
+                  <a:schemeClr val="tx1">
+                    <a:alpha val="7670"/>
+                  </a:schemeClr>
+                </a:solidFill>
+              </a:rPr>
+              <a:t>data:  </a:t>
+            </a:r>
+            <a:r>
+              <a:rPr lang="en-US" b="1" dirty="0">
+                <a:ln w="9525">
+                  <a:noFill/>
+                </a:ln>
+                <a:solidFill>
+                  <a:schemeClr val="tx1">
+                    <a:alpha val="7670"/>
+                  </a:schemeClr>
+                </a:solidFill>
+              </a:rPr>
+              <a:t>np</a:t>
+            </a:r>
+          </a:p>
+        </p:txBody>
+      </p:sp>
+      <p:sp>
+        <p:nvSpPr>
+          <p:cNvPr id="20" name="Rectangle 19">
+            <a:extLst>
+              <a:ext uri="{FF2B5EF4-FFF2-40B4-BE49-F238E27FC236}">
+                <a16:creationId xmlns:a16="http://schemas.microsoft.com/office/drawing/2014/main" id="{C54E1FB7-94C8-ED4F-84CC-34D5303EA6E3}"/>
+              </a:ext>
+            </a:extLst>
+          </p:cNvPr>
+          <p:cNvSpPr/>
+          <p:nvPr/>
+        </p:nvSpPr>
+        <p:spPr>
+          <a:xfrm>
+            <a:off x="4947526" y="3116994"/>
+            <a:ext cx="222422" cy="184666"/>
+          </a:xfrm>
+          <a:prstGeom prst="rect">
+            <a:avLst/>
+          </a:prstGeom>
+          <a:solidFill>
+            <a:schemeClr val="accent1">
+              <a:alpha val="9721"/>
+            </a:schemeClr>
+          </a:solidFill>
+          <a:ln>
+            <a:solidFill>
+              <a:schemeClr val="accent1">
+                <a:shade val="50000"/>
+                <a:alpha val="28638"/>
+              </a:schemeClr>
+            </a:solidFill>
+          </a:ln>
+        </p:spPr>
+        <p:style>
+          <a:lnRef idx="2">
+            <a:schemeClr val="accent1">
+              <a:shade val="50000"/>
+            </a:schemeClr>
+          </a:lnRef>
+          <a:fillRef idx="1">
+            <a:schemeClr val="accent1"/>
+          </a:fillRef>
+          <a:effectRef idx="0">
+            <a:schemeClr val="accent1"/>
+          </a:effectRef>
+          <a:fontRef idx="minor">
+            <a:schemeClr val="lt1"/>
+          </a:fontRef>
+        </p:style>
+        <p:txBody>
+          <a:bodyPr rtlCol="0" anchor="ctr"/>
+          <a:lstStyle/>
+          <a:p>
+            <a:pPr algn="ctr"/>
+            <a:endParaRPr lang="en-US"/>
+          </a:p>
+        </p:txBody>
+      </p:sp>
+      <p:sp>
+        <p:nvSpPr>
+          <p:cNvPr id="21" name="Rectangle 20">
+            <a:extLst>
+              <a:ext uri="{FF2B5EF4-FFF2-40B4-BE49-F238E27FC236}">
+                <a16:creationId xmlns:a16="http://schemas.microsoft.com/office/drawing/2014/main" id="{65F34777-8021-754A-8DD6-82DCDCB110B0}"/>
+              </a:ext>
+            </a:extLst>
+          </p:cNvPr>
+          <p:cNvSpPr/>
+          <p:nvPr/>
+        </p:nvSpPr>
+        <p:spPr>
+          <a:xfrm>
+            <a:off x="5037490" y="3335227"/>
+            <a:ext cx="400239" cy="335764"/>
+          </a:xfrm>
+          <a:prstGeom prst="rect">
+            <a:avLst/>
+          </a:prstGeom>
+          <a:solidFill>
+            <a:schemeClr val="accent1">
+              <a:alpha val="9721"/>
+            </a:schemeClr>
+          </a:solidFill>
+          <a:ln>
+            <a:solidFill>
+              <a:schemeClr val="accent1">
+                <a:shade val="50000"/>
+                <a:alpha val="23705"/>
+              </a:schemeClr>
+            </a:solidFill>
+          </a:ln>
+        </p:spPr>
+        <p:style>
+          <a:lnRef idx="2">
+            <a:schemeClr val="accent1">
+              <a:shade val="50000"/>
+            </a:schemeClr>
+          </a:lnRef>
+          <a:fillRef idx="1">
+            <a:schemeClr val="accent1"/>
+          </a:fillRef>
+          <a:effectRef idx="0">
+            <a:schemeClr val="accent1"/>
+          </a:effectRef>
+          <a:fontRef idx="minor">
+            <a:schemeClr val="lt1"/>
+          </a:fontRef>
+        </p:style>
+        <p:txBody>
+          <a:bodyPr rtlCol="0" anchor="ctr"/>
+          <a:lstStyle/>
+          <a:p>
+            <a:pPr algn="ctr"/>
+            <a:endParaRPr lang="en-US"/>
+          </a:p>
+        </p:txBody>
+      </p:sp>
+      <p:sp>
+        <p:nvSpPr>
+          <p:cNvPr id="22" name="TextBox 21">
+            <a:extLst>
+              <a:ext uri="{FF2B5EF4-FFF2-40B4-BE49-F238E27FC236}">
+                <a16:creationId xmlns:a16="http://schemas.microsoft.com/office/drawing/2014/main" id="{F3AC9DC8-7B1E-6E4A-A80E-879E026EC867}"/>
+              </a:ext>
+            </a:extLst>
+          </p:cNvPr>
+          <p:cNvSpPr txBox="1"/>
+          <p:nvPr/>
+        </p:nvSpPr>
+        <p:spPr>
+          <a:xfrm>
+            <a:off x="7148398" y="3046707"/>
+            <a:ext cx="1173892" cy="646331"/>
+          </a:xfrm>
+          <a:prstGeom prst="rect">
+            <a:avLst/>
+          </a:prstGeom>
+          <a:solidFill>
+            <a:schemeClr val="bg1">
+              <a:lumMod val="65000"/>
+              <a:alpha val="70618"/>
+            </a:schemeClr>
+          </a:solidFill>
+          <a:ln>
+            <a:solidFill>
+              <a:schemeClr val="accent1"/>
+            </a:solidFill>
+          </a:ln>
+        </p:spPr>
+        <p:txBody>
+          <a:bodyPr wrap="square" rtlCol="0">
+            <a:spAutoFit/>
+          </a:bodyPr>
+          <a:lstStyle/>
+          <a:p>
+            <a:r>
+              <a:rPr lang="en-US" dirty="0" err="1">
+                <a:solidFill>
+                  <a:schemeClr val="bg1">
+                    <a:lumMod val="65000"/>
+                    <a:alpha val="51419"/>
+                  </a:schemeClr>
+                </a:solidFill>
+              </a:rPr>
+              <a:t>len</a:t>
+            </a:r>
+            <a:r>
+              <a:rPr lang="en-US" dirty="0">
+                <a:solidFill>
+                  <a:schemeClr val="bg1">
+                    <a:lumMod val="65000"/>
+                    <a:alpha val="51419"/>
+                  </a:schemeClr>
+                </a:solidFill>
+              </a:rPr>
+              <a:t>:  0</a:t>
+            </a:r>
+          </a:p>
+          <a:p>
+            <a:r>
+              <a:rPr lang="en-US" dirty="0">
+                <a:ln w="9525">
+                  <a:noFill/>
+                </a:ln>
+                <a:solidFill>
+                  <a:schemeClr val="bg1">
+                    <a:lumMod val="65000"/>
+                    <a:alpha val="51419"/>
+                  </a:schemeClr>
+                </a:solidFill>
+              </a:rPr>
+              <a:t>data:  </a:t>
+            </a:r>
+            <a:r>
+              <a:rPr lang="en-US" b="1" dirty="0">
+                <a:ln w="9525">
+                  <a:noFill/>
+                </a:ln>
+                <a:solidFill>
+                  <a:schemeClr val="bg1">
+                    <a:lumMod val="65000"/>
+                    <a:alpha val="51419"/>
+                  </a:schemeClr>
+                </a:solidFill>
+              </a:rPr>
+              <a:t>np</a:t>
+            </a:r>
+          </a:p>
+        </p:txBody>
+      </p:sp>
+      <p:sp>
+        <p:nvSpPr>
+          <p:cNvPr id="23" name="Rectangle 22">
+            <a:extLst>
+              <a:ext uri="{FF2B5EF4-FFF2-40B4-BE49-F238E27FC236}">
+                <a16:creationId xmlns:a16="http://schemas.microsoft.com/office/drawing/2014/main" id="{24A15DB5-2F51-1E43-B49B-D68D7F045840}"/>
+              </a:ext>
+            </a:extLst>
+          </p:cNvPr>
+          <p:cNvSpPr/>
+          <p:nvPr/>
+        </p:nvSpPr>
+        <p:spPr>
+          <a:xfrm>
+            <a:off x="7630312" y="3139040"/>
+            <a:ext cx="222422" cy="184666"/>
+          </a:xfrm>
+          <a:prstGeom prst="rect">
+            <a:avLst/>
+          </a:prstGeom>
+          <a:solidFill>
+            <a:schemeClr val="accent1">
+              <a:alpha val="9721"/>
+            </a:schemeClr>
+          </a:solidFill>
+          <a:ln>
+            <a:solidFill>
+              <a:schemeClr val="accent1">
+                <a:shade val="50000"/>
+                <a:alpha val="24076"/>
+              </a:schemeClr>
+            </a:solidFill>
+          </a:ln>
+        </p:spPr>
+        <p:style>
+          <a:lnRef idx="2">
+            <a:schemeClr val="accent1">
+              <a:shade val="50000"/>
+            </a:schemeClr>
+          </a:lnRef>
+          <a:fillRef idx="1">
+            <a:schemeClr val="accent1"/>
+          </a:fillRef>
+          <a:effectRef idx="0">
+            <a:schemeClr val="accent1"/>
+          </a:effectRef>
+          <a:fontRef idx="minor">
+            <a:schemeClr val="lt1"/>
+          </a:fontRef>
+        </p:style>
+        <p:txBody>
+          <a:bodyPr rtlCol="0" anchor="ctr"/>
+          <a:lstStyle/>
+          <a:p>
+            <a:pPr algn="ctr"/>
+            <a:endParaRPr lang="en-US" dirty="0"/>
+          </a:p>
+        </p:txBody>
+      </p:sp>
+      <p:sp>
+        <p:nvSpPr>
+          <p:cNvPr id="24" name="Rectangle 23">
+            <a:extLst>
+              <a:ext uri="{FF2B5EF4-FFF2-40B4-BE49-F238E27FC236}">
+                <a16:creationId xmlns:a16="http://schemas.microsoft.com/office/drawing/2014/main" id="{919F10D7-088A-7A48-93F9-4CF0D95D2179}"/>
+              </a:ext>
+            </a:extLst>
+          </p:cNvPr>
+          <p:cNvSpPr/>
+          <p:nvPr/>
+        </p:nvSpPr>
+        <p:spPr>
+          <a:xfrm>
+            <a:off x="7735344" y="3416176"/>
+            <a:ext cx="366741" cy="254815"/>
+          </a:xfrm>
+          <a:prstGeom prst="rect">
+            <a:avLst/>
+          </a:prstGeom>
+          <a:solidFill>
+            <a:schemeClr val="accent1">
+              <a:alpha val="9721"/>
+            </a:schemeClr>
+          </a:solidFill>
+          <a:ln>
+            <a:solidFill>
+              <a:schemeClr val="accent1">
+                <a:shade val="50000"/>
+                <a:alpha val="25000"/>
+              </a:schemeClr>
+            </a:solidFill>
+          </a:ln>
+        </p:spPr>
+        <p:style>
+          <a:lnRef idx="2">
+            <a:schemeClr val="accent1">
+              <a:shade val="50000"/>
+            </a:schemeClr>
+          </a:lnRef>
+          <a:fillRef idx="1">
+            <a:schemeClr val="accent1"/>
+          </a:fillRef>
+          <a:effectRef idx="0">
+            <a:schemeClr val="accent1"/>
+          </a:effectRef>
+          <a:fontRef idx="minor">
+            <a:schemeClr val="lt1"/>
+          </a:fontRef>
+        </p:style>
+        <p:txBody>
+          <a:bodyPr rtlCol="0" anchor="ctr"/>
+          <a:lstStyle/>
+          <a:p>
+            <a:pPr algn="ctr"/>
+            <a:endParaRPr lang="en-US"/>
+          </a:p>
+        </p:txBody>
+      </p:sp>
+      <p:graphicFrame>
+        <p:nvGraphicFramePr>
+          <p:cNvPr id="25" name="Table 24">
+            <a:extLst>
+              <a:ext uri="{FF2B5EF4-FFF2-40B4-BE49-F238E27FC236}">
+                <a16:creationId xmlns:a16="http://schemas.microsoft.com/office/drawing/2014/main" id="{C2254A12-937E-904E-B571-BF725F87CD4D}"/>
+              </a:ext>
+            </a:extLst>
+          </p:cNvPr>
+          <p:cNvGraphicFramePr>
+            <a:graphicFrameLocks noGrp="1"/>
+          </p:cNvGraphicFramePr>
+          <p:nvPr>
+            <p:extLst>
+              <p:ext uri="{D42A27DB-BD31-4B8C-83A1-F6EECF244321}">
+                <p14:modId xmlns:p14="http://schemas.microsoft.com/office/powerpoint/2010/main" val="389205903"/>
+              </p:ext>
+            </p:extLst>
+          </p:nvPr>
+        </p:nvGraphicFramePr>
+        <p:xfrm>
+          <a:off x="4578569" y="4074538"/>
+          <a:ext cx="1504036" cy="304800"/>
+        </p:xfrm>
+        <a:graphic>
+          <a:graphicData uri="http://schemas.openxmlformats.org/drawingml/2006/table">
+            <a:tbl>
+              <a:tblPr firstRow="1" bandRow="1">
+                <a:tableStyleId>{5C22544A-7EE6-4342-B048-85BDC9FD1C3A}</a:tableStyleId>
+              </a:tblPr>
+              <a:tblGrid>
+                <a:gridCol w="376009">
+                  <a:extLst>
+                    <a:ext uri="{9D8B030D-6E8A-4147-A177-3AD203B41FA5}">
+                      <a16:colId xmlns:a16="http://schemas.microsoft.com/office/drawing/2014/main" val="2319695347"/>
+                    </a:ext>
+                  </a:extLst>
+                </a:gridCol>
+                <a:gridCol w="376009">
+                  <a:extLst>
+                    <a:ext uri="{9D8B030D-6E8A-4147-A177-3AD203B41FA5}">
+                      <a16:colId xmlns:a16="http://schemas.microsoft.com/office/drawing/2014/main" val="3996963117"/>
+                    </a:ext>
+                  </a:extLst>
+                </a:gridCol>
+                <a:gridCol w="376009">
+                  <a:extLst>
+                    <a:ext uri="{9D8B030D-6E8A-4147-A177-3AD203B41FA5}">
+                      <a16:colId xmlns:a16="http://schemas.microsoft.com/office/drawing/2014/main" val="3794230053"/>
+                    </a:ext>
+                  </a:extLst>
+                </a:gridCol>
+                <a:gridCol w="376009">
+                  <a:extLst>
+                    <a:ext uri="{9D8B030D-6E8A-4147-A177-3AD203B41FA5}">
+                      <a16:colId xmlns:a16="http://schemas.microsoft.com/office/drawing/2014/main" val="2140218889"/>
+                    </a:ext>
+                  </a:extLst>
+                </a:gridCol>
+              </a:tblGrid>
+              <a:tr h="303010">
+                <a:tc>
+                  <a:txBody>
+                    <a:bodyPr/>
+                    <a:lstStyle/>
+                    <a:p>
+                      <a:r>
+                        <a:rPr lang="en-US" sz="1400" dirty="0">
+                          <a:ln>
+                            <a:solidFill>
+                              <a:schemeClr val="accent1"/>
+                            </a:solidFill>
+                          </a:ln>
+                          <a:solidFill>
+                            <a:schemeClr val="accent1"/>
+                          </a:solidFill>
+                        </a:rPr>
+                        <a:t>B</a:t>
+                      </a:r>
+                    </a:p>
+                  </a:txBody>
+                  <a:tcPr>
+                    <a:solidFill>
+                      <a:schemeClr val="accent1">
+                        <a:lumMod val="20000"/>
+                        <a:lumOff val="80000"/>
+                        <a:alpha val="65921"/>
+                      </a:schemeClr>
+                    </a:solidFill>
+                  </a:tcPr>
+                </a:tc>
+                <a:tc>
+                  <a:txBody>
+                    <a:bodyPr/>
+                    <a:lstStyle/>
+                    <a:p>
+                      <a:r>
+                        <a:rPr lang="en-US" sz="1400" dirty="0">
+                          <a:ln>
+                            <a:solidFill>
+                              <a:schemeClr val="accent1"/>
+                            </a:solidFill>
+                          </a:ln>
+                          <a:solidFill>
+                            <a:schemeClr val="accent1"/>
+                          </a:solidFill>
+                        </a:rPr>
+                        <a:t>e</a:t>
+                      </a:r>
+                    </a:p>
+                  </a:txBody>
+                  <a:tcPr>
+                    <a:solidFill>
+                      <a:schemeClr val="accent1">
+                        <a:lumMod val="20000"/>
+                        <a:lumOff val="80000"/>
+                        <a:alpha val="65921"/>
+                      </a:schemeClr>
+                    </a:solidFill>
+                  </a:tcPr>
+                </a:tc>
+                <a:tc>
+                  <a:txBody>
+                    <a:bodyPr/>
+                    <a:lstStyle/>
+                    <a:p>
+                      <a:r>
+                        <a:rPr lang="en-US" sz="1400" dirty="0">
+                          <a:ln>
+                            <a:solidFill>
+                              <a:schemeClr val="accent1"/>
+                            </a:solidFill>
+                          </a:ln>
+                          <a:solidFill>
+                            <a:schemeClr val="accent1"/>
+                          </a:solidFill>
+                        </a:rPr>
+                        <a:t>n</a:t>
+                      </a:r>
+                    </a:p>
+                  </a:txBody>
+                  <a:tcPr>
+                    <a:solidFill>
+                      <a:schemeClr val="accent1">
+                        <a:lumMod val="20000"/>
+                        <a:lumOff val="80000"/>
+                        <a:alpha val="65921"/>
+                      </a:schemeClr>
+                    </a:solidFill>
+                  </a:tcPr>
+                </a:tc>
+                <a:tc>
+                  <a:txBody>
+                    <a:bodyPr/>
+                    <a:lstStyle/>
+                    <a:p>
+                      <a:r>
+                        <a:rPr lang="en-US" sz="1400" dirty="0">
+                          <a:ln>
+                            <a:solidFill>
+                              <a:schemeClr val="accent1"/>
+                            </a:solidFill>
+                          </a:ln>
+                          <a:solidFill>
+                            <a:schemeClr val="accent1"/>
+                          </a:solidFill>
+                        </a:rPr>
+                        <a:t>\0</a:t>
+                      </a:r>
+                    </a:p>
+                  </a:txBody>
+                  <a:tcPr>
+                    <a:solidFill>
+                      <a:schemeClr val="accent1">
+                        <a:lumMod val="20000"/>
+                        <a:lumOff val="80000"/>
+                        <a:alpha val="65921"/>
+                      </a:schemeClr>
+                    </a:solidFill>
+                  </a:tcPr>
+                </a:tc>
+                <a:extLst>
+                  <a:ext uri="{0D108BD9-81ED-4DB2-BD59-A6C34878D82A}">
+                    <a16:rowId xmlns:a16="http://schemas.microsoft.com/office/drawing/2014/main" val="542080640"/>
+                  </a:ext>
+                </a:extLst>
+              </a:tr>
+            </a:tbl>
+          </a:graphicData>
+        </a:graphic>
+      </p:graphicFrame>
+      <p:graphicFrame>
+        <p:nvGraphicFramePr>
+          <p:cNvPr id="26" name="Table 9">
+            <a:extLst>
+              <a:ext uri="{FF2B5EF4-FFF2-40B4-BE49-F238E27FC236}">
+                <a16:creationId xmlns:a16="http://schemas.microsoft.com/office/drawing/2014/main" id="{22CC9BE0-9FA6-684F-8169-6B2EB7AFF287}"/>
+              </a:ext>
+            </a:extLst>
+          </p:cNvPr>
+          <p:cNvGraphicFramePr>
+            <a:graphicFrameLocks noGrp="1"/>
+          </p:cNvGraphicFramePr>
+          <p:nvPr>
+            <p:extLst>
+              <p:ext uri="{D42A27DB-BD31-4B8C-83A1-F6EECF244321}">
+                <p14:modId xmlns:p14="http://schemas.microsoft.com/office/powerpoint/2010/main" val="2768752253"/>
+              </p:ext>
+            </p:extLst>
+          </p:nvPr>
+        </p:nvGraphicFramePr>
+        <p:xfrm>
+          <a:off x="7148398" y="4082620"/>
+          <a:ext cx="1876725" cy="304800"/>
+        </p:xfrm>
+        <a:graphic>
+          <a:graphicData uri="http://schemas.openxmlformats.org/drawingml/2006/table">
+            <a:tbl>
+              <a:tblPr firstRow="1" bandRow="1">
+                <a:tableStyleId>{5C22544A-7EE6-4342-B048-85BDC9FD1C3A}</a:tableStyleId>
+              </a:tblPr>
+              <a:tblGrid>
+                <a:gridCol w="375345">
+                  <a:extLst>
+                    <a:ext uri="{9D8B030D-6E8A-4147-A177-3AD203B41FA5}">
+                      <a16:colId xmlns:a16="http://schemas.microsoft.com/office/drawing/2014/main" val="1367944414"/>
+                    </a:ext>
+                  </a:extLst>
+                </a:gridCol>
+                <a:gridCol w="375345">
+                  <a:extLst>
+                    <a:ext uri="{9D8B030D-6E8A-4147-A177-3AD203B41FA5}">
+                      <a16:colId xmlns:a16="http://schemas.microsoft.com/office/drawing/2014/main" val="3127046063"/>
+                    </a:ext>
+                  </a:extLst>
+                </a:gridCol>
+                <a:gridCol w="375345">
+                  <a:extLst>
+                    <a:ext uri="{9D8B030D-6E8A-4147-A177-3AD203B41FA5}">
+                      <a16:colId xmlns:a16="http://schemas.microsoft.com/office/drawing/2014/main" val="27871377"/>
+                    </a:ext>
+                  </a:extLst>
+                </a:gridCol>
+                <a:gridCol w="375345">
+                  <a:extLst>
+                    <a:ext uri="{9D8B030D-6E8A-4147-A177-3AD203B41FA5}">
+                      <a16:colId xmlns:a16="http://schemas.microsoft.com/office/drawing/2014/main" val="879411235"/>
+                    </a:ext>
+                  </a:extLst>
+                </a:gridCol>
+                <a:gridCol w="375345">
+                  <a:extLst>
+                    <a:ext uri="{9D8B030D-6E8A-4147-A177-3AD203B41FA5}">
+                      <a16:colId xmlns:a16="http://schemas.microsoft.com/office/drawing/2014/main" val="2059762792"/>
+                    </a:ext>
+                  </a:extLst>
+                </a:gridCol>
+              </a:tblGrid>
+              <a:tr h="0">
+                <a:tc>
+                  <a:txBody>
+                    <a:bodyPr/>
+                    <a:lstStyle/>
+                    <a:p>
+                      <a:r>
+                        <a:rPr lang="en-US" sz="1400" b="1" dirty="0">
+                          <a:solidFill>
+                            <a:schemeClr val="accent1"/>
+                          </a:solidFill>
+                        </a:rPr>
+                        <a:t>C</a:t>
+                      </a:r>
+                    </a:p>
+                  </a:txBody>
+                  <a:tcPr>
+                    <a:solidFill>
+                      <a:schemeClr val="accent1">
+                        <a:lumMod val="40000"/>
+                        <a:lumOff val="60000"/>
+                        <a:alpha val="38000"/>
+                      </a:schemeClr>
+                    </a:solidFill>
+                  </a:tcPr>
+                </a:tc>
+                <a:tc>
+                  <a:txBody>
+                    <a:bodyPr/>
+                    <a:lstStyle/>
+                    <a:p>
+                      <a:r>
+                        <a:rPr lang="en-US" sz="1400" b="1" dirty="0">
+                          <a:solidFill>
+                            <a:schemeClr val="accent1"/>
+                          </a:solidFill>
+                        </a:rPr>
+                        <a:t>o</a:t>
+                      </a:r>
+                    </a:p>
+                  </a:txBody>
+                  <a:tcPr>
+                    <a:solidFill>
+                      <a:schemeClr val="accent1">
+                        <a:lumMod val="40000"/>
+                        <a:lumOff val="60000"/>
+                        <a:alpha val="38000"/>
+                      </a:schemeClr>
+                    </a:solidFill>
+                  </a:tcPr>
+                </a:tc>
+                <a:tc>
+                  <a:txBody>
+                    <a:bodyPr/>
+                    <a:lstStyle/>
+                    <a:p>
+                      <a:r>
+                        <a:rPr lang="en-US" sz="1400" b="1" dirty="0">
+                          <a:solidFill>
+                            <a:schemeClr val="accent1"/>
+                          </a:solidFill>
+                        </a:rPr>
+                        <a:t>o</a:t>
+                      </a:r>
+                    </a:p>
+                  </a:txBody>
+                  <a:tcPr>
+                    <a:solidFill>
+                      <a:schemeClr val="accent1">
+                        <a:lumMod val="40000"/>
+                        <a:lumOff val="60000"/>
+                        <a:alpha val="38000"/>
+                      </a:schemeClr>
+                    </a:solidFill>
+                  </a:tcPr>
+                </a:tc>
+                <a:tc>
+                  <a:txBody>
+                    <a:bodyPr/>
+                    <a:lstStyle/>
+                    <a:p>
+                      <a:r>
+                        <a:rPr lang="en-US" sz="1400" b="1" dirty="0">
+                          <a:solidFill>
+                            <a:schemeClr val="accent1"/>
+                          </a:solidFill>
+                        </a:rPr>
+                        <a:t>k</a:t>
+                      </a:r>
+                    </a:p>
+                  </a:txBody>
+                  <a:tcPr>
+                    <a:solidFill>
+                      <a:schemeClr val="accent1">
+                        <a:lumMod val="40000"/>
+                        <a:lumOff val="60000"/>
+                        <a:alpha val="38000"/>
+                      </a:schemeClr>
+                    </a:solidFill>
+                  </a:tcPr>
+                </a:tc>
+                <a:tc>
+                  <a:txBody>
+                    <a:bodyPr/>
+                    <a:lstStyle/>
+                    <a:p>
+                      <a:r>
+                        <a:rPr lang="en-US" sz="1400" b="1" dirty="0">
+                          <a:solidFill>
+                            <a:schemeClr val="accent1"/>
+                          </a:solidFill>
+                        </a:rPr>
+                        <a:t>\0</a:t>
+                      </a:r>
+                    </a:p>
+                  </a:txBody>
+                  <a:tcPr>
+                    <a:solidFill>
+                      <a:schemeClr val="accent1">
+                        <a:lumMod val="40000"/>
+                        <a:lumOff val="60000"/>
+                        <a:alpha val="38000"/>
+                      </a:schemeClr>
+                    </a:solidFill>
+                  </a:tcPr>
+                </a:tc>
+                <a:extLst>
+                  <a:ext uri="{0D108BD9-81ED-4DB2-BD59-A6C34878D82A}">
+                    <a16:rowId xmlns:a16="http://schemas.microsoft.com/office/drawing/2014/main" val="1482642403"/>
+                  </a:ext>
+                </a:extLst>
+              </a:tr>
+            </a:tbl>
+          </a:graphicData>
+        </a:graphic>
+      </p:graphicFrame>
+      <p:cxnSp>
+        <p:nvCxnSpPr>
+          <p:cNvPr id="27" name="Straight Arrow Connector 26">
+            <a:extLst>
+              <a:ext uri="{FF2B5EF4-FFF2-40B4-BE49-F238E27FC236}">
+                <a16:creationId xmlns:a16="http://schemas.microsoft.com/office/drawing/2014/main" id="{4183B697-2284-3540-8C72-64D087DC220B}"/>
+              </a:ext>
+            </a:extLst>
+          </p:cNvPr>
+          <p:cNvCxnSpPr>
+            <a:stCxn id="14" idx="0"/>
+            <a:endCxn id="25" idx="2"/>
+          </p:cNvCxnSpPr>
+          <p:nvPr/>
+        </p:nvCxnSpPr>
+        <p:spPr>
+          <a:xfrm flipH="1" flipV="1">
+            <a:off x="5330587" y="4379338"/>
+            <a:ext cx="289028" cy="1055778"/>
+          </a:xfrm>
+          <a:prstGeom prst="straightConnector1">
+            <a:avLst/>
+          </a:prstGeom>
+          <a:ln>
+            <a:tailEnd type="triangle"/>
+          </a:ln>
+        </p:spPr>
+        <p:style>
+          <a:lnRef idx="1">
+            <a:schemeClr val="accent1"/>
+          </a:lnRef>
+          <a:fillRef idx="0">
+            <a:schemeClr val="accent1"/>
+          </a:fillRef>
+          <a:effectRef idx="0">
+            <a:schemeClr val="accent1"/>
+          </a:effectRef>
+          <a:fontRef idx="minor">
+            <a:schemeClr val="tx1"/>
+          </a:fontRef>
+        </p:style>
+      </p:cxnSp>
+      <p:cxnSp>
+        <p:nvCxnSpPr>
+          <p:cNvPr id="28" name="Straight Arrow Connector 27">
+            <a:extLst>
+              <a:ext uri="{FF2B5EF4-FFF2-40B4-BE49-F238E27FC236}">
+                <a16:creationId xmlns:a16="http://schemas.microsoft.com/office/drawing/2014/main" id="{0DB128A2-E7EC-BB40-8845-413C86D6565E}"/>
+              </a:ext>
+            </a:extLst>
+          </p:cNvPr>
+          <p:cNvCxnSpPr>
+            <a:stCxn id="18" idx="0"/>
+            <a:endCxn id="26" idx="2"/>
+          </p:cNvCxnSpPr>
+          <p:nvPr/>
+        </p:nvCxnSpPr>
+        <p:spPr>
+          <a:xfrm flipV="1">
+            <a:off x="8046481" y="4387420"/>
+            <a:ext cx="40279" cy="1047696"/>
+          </a:xfrm>
+          <a:prstGeom prst="straightConnector1">
+            <a:avLst/>
+          </a:prstGeom>
+          <a:ln>
+            <a:tailEnd type="triangle"/>
+          </a:ln>
+        </p:spPr>
+        <p:style>
+          <a:lnRef idx="1">
+            <a:schemeClr val="accent1"/>
+          </a:lnRef>
+          <a:fillRef idx="0">
+            <a:schemeClr val="accent1"/>
+          </a:fillRef>
+          <a:effectRef idx="0">
+            <a:schemeClr val="accent1"/>
+          </a:effectRef>
+          <a:fontRef idx="minor">
+            <a:schemeClr val="tx1"/>
+          </a:fontRef>
+        </p:style>
+      </p:cxnSp>
+    </p:spTree>
+    <p:extLst>
+      <p:ext uri="{BB962C8B-B14F-4D97-AF65-F5344CB8AC3E}">
+        <p14:creationId xmlns:p14="http://schemas.microsoft.com/office/powerpoint/2010/main" val="1907282646"/>
+      </p:ext>
+    </p:extLst>
+  </p:cSld>
+  <p:clrMapOvr>
+    <a:masterClrMapping/>
+  </p:clrMapOvr>
+</p:sld>
+</file>
+
 <file path=ppt/theme/theme1.xml><?xml version="1.0" encoding="utf-8"?>
 <a:theme xmlns:a="http://schemas.openxmlformats.org/drawingml/2006/main" name="Office Theme">
   <a:themeElements>
